--- a/topics/other/slide_introduction.pptx
+++ b/topics/other/slide_introduction.pptx
@@ -5,26 +5,21 @@
     <p:sldMasterId id="2147483869" r:id="rId1"/>
   </p:sldMasterIdLst>
   <p:notesMasterIdLst>
-    <p:notesMasterId r:id="rId16"/>
+    <p:notesMasterId r:id="rId11"/>
   </p:notesMasterIdLst>
   <p:handoutMasterIdLst>
-    <p:handoutMasterId r:id="rId17"/>
+    <p:handoutMasterId r:id="rId12"/>
   </p:handoutMasterIdLst>
   <p:sldIdLst>
     <p:sldId id="256" r:id="rId2"/>
     <p:sldId id="1125" r:id="rId3"/>
     <p:sldId id="1121" r:id="rId4"/>
     <p:sldId id="1131" r:id="rId5"/>
-    <p:sldId id="1113" r:id="rId6"/>
-    <p:sldId id="1114" r:id="rId7"/>
-    <p:sldId id="1126" r:id="rId8"/>
-    <p:sldId id="1127" r:id="rId9"/>
-    <p:sldId id="1128" r:id="rId10"/>
-    <p:sldId id="1129" r:id="rId11"/>
-    <p:sldId id="1135" r:id="rId12"/>
-    <p:sldId id="1134" r:id="rId13"/>
-    <p:sldId id="1136" r:id="rId14"/>
-    <p:sldId id="1133" r:id="rId15"/>
+    <p:sldId id="1137" r:id="rId6"/>
+    <p:sldId id="1129" r:id="rId7"/>
+    <p:sldId id="1135" r:id="rId8"/>
+    <p:sldId id="1136" r:id="rId9"/>
+    <p:sldId id="1133" r:id="rId10"/>
   </p:sldIdLst>
   <p:sldSz cx="12192000" cy="6858000"/>
   <p:notesSz cx="6858000" cy="9144000"/>
@@ -134,6 +129,12 @@
 </p:presentation>
 </file>
 
+<file path=ppt/commentAuthors.xml><?xml version="1.0" encoding="utf-8"?>
+<p:cmAuthorLst xmlns:a="http://schemas.openxmlformats.org/drawingml/2006/main" xmlns:r="http://schemas.openxmlformats.org/officeDocument/2006/relationships" xmlns:p="http://schemas.openxmlformats.org/presentationml/2006/main">
+  <p:cmAuthor id="1" name="Elin Kronander" initials="" lastIdx="1" clrIdx="0"/>
+</p:cmAuthorLst>
+</file>
+
 <file path=ppt/handoutMasters/handoutMaster1.xml><?xml version="1.0" encoding="utf-8"?>
 <p:handoutMaster xmlns:a="http://schemas.openxmlformats.org/drawingml/2006/main" xmlns:r="http://schemas.openxmlformats.org/officeDocument/2006/relationships" xmlns:p="http://schemas.openxmlformats.org/presentationml/2006/main">
   <p:cSld>
@@ -306,7 +307,7 @@
           <a:p>
             <a:fld id="{C3D4F295-D1F4-D54B-BA69-832D96C6432A}" type="datetimeFigureOut">
               <a:rPr lang="en-SE" smtClean="0"/>
-              <a:t>2023-02-03</a:t>
+              <a:t>2023-11-06</a:t>
             </a:fld>
             <a:endParaRPr lang="en-SE"/>
           </a:p>
@@ -405,7 +406,7 @@
           <a:p>
             <a:fld id="{1EC88F62-802F-2448-8EA8-1562273BBAF4}" type="datetimeFigureOut">
               <a:rPr lang="en-SE" smtClean="0"/>
-              <a:t>2023-02-03</a:t>
+              <a:t>2023-11-06</a:t>
             </a:fld>
             <a:endParaRPr lang="en-SE"/>
           </a:p>
@@ -1000,7 +1001,7 @@
           <a:p>
             <a:fld id="{DA3BA1A2-6287-9245-9FC9-020813467484}" type="slidenum">
               <a:rPr lang="en-SE" smtClean="0"/>
-              <a:t>10</a:t>
+              <a:t>6</a:t>
             </a:fld>
             <a:endParaRPr lang="en-SE"/>
           </a:p>
@@ -1114,7 +1115,7 @@
           <a:p>
             <a:fld id="{DA3BA1A2-6287-9245-9FC9-020813467484}" type="slidenum">
               <a:rPr lang="en-SE" smtClean="0"/>
-              <a:t>11</a:t>
+              <a:t>7</a:t>
             </a:fld>
             <a:endParaRPr lang="en-SE"/>
           </a:p>
@@ -2148,21 +2149,7 @@
           <a:bodyPr/>
           <a:lstStyle/>
           <a:p>
-            <a:r>
-              <a:rPr lang="sv-SE" dirty="0"/>
-              <a:t>Martin </a:t>
-            </a:r>
-            <a:r>
-              <a:rPr lang="sv-SE" dirty="0" err="1"/>
-              <a:t>Dahlö</a:t>
-            </a:r>
             <a:endParaRPr lang="sv-SE" dirty="0"/>
-          </a:p>
-          <a:p>
-            <a:r>
-              <a:rPr lang="sv-SE" dirty="0"/>
-              <a:t>2023-02-06</a:t>
-            </a:r>
           </a:p>
         </p:txBody>
       </p:sp>
@@ -2170,621 +2157,6 @@
     <p:extLst>
       <p:ext uri="{BB962C8B-B14F-4D97-AF65-F5344CB8AC3E}">
         <p14:creationId xmlns:p14="http://schemas.microsoft.com/office/powerpoint/2010/main" val="1820487766"/>
-      </p:ext>
-    </p:extLst>
-  </p:cSld>
-  <p:clrMapOvr>
-    <a:masterClrMapping/>
-  </p:clrMapOvr>
-</p:sld>
-</file>
-
-<file path=ppt/slides/slide10.xml><?xml version="1.0" encoding="utf-8"?>
-<p:sld xmlns:a="http://schemas.openxmlformats.org/drawingml/2006/main" xmlns:r="http://schemas.openxmlformats.org/officeDocument/2006/relationships" xmlns:p="http://schemas.openxmlformats.org/presentationml/2006/main">
-  <p:cSld>
-    <p:spTree>
-      <p:nvGrpSpPr>
-        <p:cNvPr id="1" name=""/>
-        <p:cNvGrpSpPr/>
-        <p:nvPr/>
-      </p:nvGrpSpPr>
-      <p:grpSpPr>
-        <a:xfrm>
-          <a:off x="0" y="0"/>
-          <a:ext cx="0" cy="0"/>
-          <a:chOff x="0" y="0"/>
-          <a:chExt cx="0" cy="0"/>
-        </a:xfrm>
-      </p:grpSpPr>
-      <p:sp>
-        <p:nvSpPr>
-          <p:cNvPr id="2" name="Platshållare för innehåll 1">
-            <a:extLst>
-              <a:ext uri="{FF2B5EF4-FFF2-40B4-BE49-F238E27FC236}">
-                <a16:creationId xmlns:a16="http://schemas.microsoft.com/office/drawing/2014/main" id="{EFEF3CA9-AB7A-A446-91F3-AFDAACBB631D}"/>
-              </a:ext>
-            </a:extLst>
-          </p:cNvPr>
-          <p:cNvSpPr>
-            <a:spLocks noGrp="1"/>
-          </p:cNvSpPr>
-          <p:nvPr>
-            <p:ph idx="1"/>
-          </p:nvPr>
-        </p:nvSpPr>
-        <p:spPr>
-          <a:xfrm>
-            <a:off x="431209" y="1241059"/>
-            <a:ext cx="8680133" cy="2992407"/>
-          </a:xfrm>
-        </p:spPr>
-        <p:txBody>
-          <a:bodyPr/>
-          <a:lstStyle/>
-          <a:p>
-            <a:pPr marL="342900" indent="-342900">
-              <a:buFont typeface="Arial" panose="020B0604020202020204" pitchFamily="34" charset="0"/>
-              <a:buChar char="•"/>
-            </a:pPr>
-            <a:r>
-              <a:rPr lang="en-GB" sz="2400" dirty="0"/>
-              <a:t>Instructions available in Canvas:</a:t>
-            </a:r>
-            <a:endParaRPr lang="en-GB" dirty="0"/>
-          </a:p>
-          <a:p>
-            <a:pPr marL="800100" lvl="1" indent="-342900">
-              <a:buFont typeface="Arial" panose="020B0604020202020204" pitchFamily="34" charset="0"/>
-              <a:buChar char="•"/>
-            </a:pPr>
-            <a:r>
-              <a:rPr lang="en-GB" sz="2000" dirty="0">
-                <a:hlinkClick r:id="rId3"/>
-              </a:rPr>
-              <a:t>https://uppsala.instructure.com/courses/76870</a:t>
-            </a:r>
-            <a:endParaRPr lang="en-GB" sz="2000" dirty="0"/>
-          </a:p>
-          <a:p>
-            <a:pPr marL="800100" lvl="1" indent="-342900">
-              <a:buFont typeface="Arial" panose="020B0604020202020204" pitchFamily="34" charset="0"/>
-              <a:buChar char="•"/>
-            </a:pPr>
-            <a:r>
-              <a:rPr lang="en-GB" sz="2000" dirty="0"/>
-              <a:t>All material listed under “Contents”</a:t>
-            </a:r>
-            <a:endParaRPr lang="en-GB" sz="2400" dirty="0"/>
-          </a:p>
-          <a:p>
-            <a:pPr marL="342900" indent="-342900">
-              <a:buFont typeface="Arial" panose="020B0604020202020204" pitchFamily="34" charset="0"/>
-              <a:buChar char="•"/>
-            </a:pPr>
-            <a:r>
-              <a:rPr lang="en-GB" sz="2400" dirty="0"/>
-              <a:t>Work in pairs because it improves the learning.</a:t>
-            </a:r>
-          </a:p>
-          <a:p>
-            <a:pPr marL="342900" indent="-342900">
-              <a:buFont typeface="Arial" panose="020B0604020202020204" pitchFamily="34" charset="0"/>
-              <a:buChar char="•"/>
-            </a:pPr>
-            <a:r>
-              <a:rPr lang="en-GB" sz="2400" dirty="0"/>
-              <a:t>TAs available in your classroom</a:t>
-            </a:r>
-          </a:p>
-          <a:p>
-            <a:endParaRPr lang="en-GB" dirty="0"/>
-          </a:p>
-          <a:p>
-            <a:endParaRPr lang="en-GB" dirty="0"/>
-          </a:p>
-          <a:p>
-            <a:endParaRPr lang="en-GB" dirty="0"/>
-          </a:p>
-          <a:p>
-            <a:endParaRPr lang="en-GB" dirty="0"/>
-          </a:p>
-        </p:txBody>
-      </p:sp>
-      <p:sp>
-        <p:nvSpPr>
-          <p:cNvPr id="3" name="Rubrik 2">
-            <a:extLst>
-              <a:ext uri="{FF2B5EF4-FFF2-40B4-BE49-F238E27FC236}">
-                <a16:creationId xmlns:a16="http://schemas.microsoft.com/office/drawing/2014/main" id="{7E27F0CF-10D2-0745-B573-A806CFB1514D}"/>
-              </a:ext>
-            </a:extLst>
-          </p:cNvPr>
-          <p:cNvSpPr>
-            <a:spLocks noGrp="1"/>
-          </p:cNvSpPr>
-          <p:nvPr>
-            <p:ph type="title"/>
-          </p:nvPr>
-        </p:nvSpPr>
-        <p:spPr/>
-        <p:txBody>
-          <a:bodyPr>
-            <a:normAutofit fontScale="90000"/>
-          </a:bodyPr>
-          <a:lstStyle/>
-          <a:p>
-            <a:r>
-              <a:rPr lang="en-GB" dirty="0"/>
-              <a:t>Labs</a:t>
-            </a:r>
-          </a:p>
-        </p:txBody>
-      </p:sp>
-    </p:spTree>
-    <p:extLst>
-      <p:ext uri="{BB962C8B-B14F-4D97-AF65-F5344CB8AC3E}">
-        <p14:creationId xmlns:p14="http://schemas.microsoft.com/office/powerpoint/2010/main" val="235262784"/>
-      </p:ext>
-    </p:extLst>
-  </p:cSld>
-  <p:clrMapOvr>
-    <a:masterClrMapping/>
-  </p:clrMapOvr>
-</p:sld>
-</file>
-
-<file path=ppt/slides/slide11.xml><?xml version="1.0" encoding="utf-8"?>
-<p:sld xmlns:a="http://schemas.openxmlformats.org/drawingml/2006/main" xmlns:r="http://schemas.openxmlformats.org/officeDocument/2006/relationships" xmlns:p="http://schemas.openxmlformats.org/presentationml/2006/main">
-  <p:cSld>
-    <p:spTree>
-      <p:nvGrpSpPr>
-        <p:cNvPr id="1" name=""/>
-        <p:cNvGrpSpPr/>
-        <p:nvPr/>
-      </p:nvGrpSpPr>
-      <p:grpSpPr>
-        <a:xfrm>
-          <a:off x="0" y="0"/>
-          <a:ext cx="0" cy="0"/>
-          <a:chOff x="0" y="0"/>
-          <a:chExt cx="0" cy="0"/>
-        </a:xfrm>
-      </p:grpSpPr>
-      <p:sp>
-        <p:nvSpPr>
-          <p:cNvPr id="2" name="Content Placeholder 1">
-            <a:extLst>
-              <a:ext uri="{FF2B5EF4-FFF2-40B4-BE49-F238E27FC236}">
-                <a16:creationId xmlns:a16="http://schemas.microsoft.com/office/drawing/2014/main" id="{D8A19674-0785-988B-CAE8-B69C6C1D93C5}"/>
-              </a:ext>
-            </a:extLst>
-          </p:cNvPr>
-          <p:cNvSpPr>
-            <a:spLocks noGrp="1"/>
-          </p:cNvSpPr>
-          <p:nvPr>
-            <p:ph idx="1"/>
-          </p:nvPr>
-        </p:nvSpPr>
-        <p:spPr/>
-        <p:txBody>
-          <a:bodyPr>
-            <a:normAutofit/>
-          </a:bodyPr>
-          <a:lstStyle/>
-          <a:p>
-            <a:r>
-              <a:rPr lang="en-SE" sz="2400" dirty="0"/>
-              <a:t>Those that attend the full workshop* will get a certificate.</a:t>
-            </a:r>
-          </a:p>
-          <a:p>
-            <a:r>
-              <a:rPr lang="en-SE" sz="2400" dirty="0"/>
-              <a:t>	*Attendence at all lectures and labs</a:t>
-            </a:r>
-          </a:p>
-          <a:p>
-            <a:r>
-              <a:rPr lang="en-SE" sz="2400" dirty="0"/>
-              <a:t>	*Labs done (to the basic level)</a:t>
-            </a:r>
-          </a:p>
-          <a:p>
-            <a:r>
-              <a:rPr lang="en-SE" sz="2400"/>
-              <a:t>	*Let us know if you need to miss a session</a:t>
-            </a:r>
-            <a:endParaRPr lang="en-SE" sz="2400" dirty="0"/>
-          </a:p>
-          <a:p>
-            <a:endParaRPr lang="en-SE" sz="2400" dirty="0"/>
-          </a:p>
-          <a:p>
-            <a:r>
-              <a:rPr lang="en-SE" sz="2400" dirty="0"/>
-              <a:t>The certificate will not state number of credits. It will say that this was a full weeks workshop and what topics were covered.</a:t>
-            </a:r>
-          </a:p>
-          <a:p>
-            <a:endParaRPr lang="en-SE" sz="2400" dirty="0"/>
-          </a:p>
-          <a:p>
-            <a:r>
-              <a:rPr lang="en-SE" sz="2400" dirty="0"/>
-              <a:t>Please fill in attendence sheets on the wall!</a:t>
-            </a:r>
-          </a:p>
-        </p:txBody>
-      </p:sp>
-      <p:sp>
-        <p:nvSpPr>
-          <p:cNvPr id="3" name="Title 2">
-            <a:extLst>
-              <a:ext uri="{FF2B5EF4-FFF2-40B4-BE49-F238E27FC236}">
-                <a16:creationId xmlns:a16="http://schemas.microsoft.com/office/drawing/2014/main" id="{1C20F98B-1903-2E1B-1CC1-DFE396E5749F}"/>
-              </a:ext>
-            </a:extLst>
-          </p:cNvPr>
-          <p:cNvSpPr>
-            <a:spLocks noGrp="1"/>
-          </p:cNvSpPr>
-          <p:nvPr>
-            <p:ph type="title"/>
-          </p:nvPr>
-        </p:nvSpPr>
-        <p:spPr/>
-        <p:txBody>
-          <a:bodyPr>
-            <a:normAutofit fontScale="90000"/>
-          </a:bodyPr>
-          <a:lstStyle/>
-          <a:p>
-            <a:r>
-              <a:rPr lang="en-SE" dirty="0"/>
-              <a:t>Attendence and certificate</a:t>
-            </a:r>
-          </a:p>
-        </p:txBody>
-      </p:sp>
-    </p:spTree>
-    <p:extLst>
-      <p:ext uri="{BB962C8B-B14F-4D97-AF65-F5344CB8AC3E}">
-        <p14:creationId xmlns:p14="http://schemas.microsoft.com/office/powerpoint/2010/main" val="4010080424"/>
-      </p:ext>
-    </p:extLst>
-  </p:cSld>
-  <p:clrMapOvr>
-    <a:masterClrMapping/>
-  </p:clrMapOvr>
-</p:sld>
-</file>
-
-<file path=ppt/slides/slide12.xml><?xml version="1.0" encoding="utf-8"?>
-<p:sld xmlns:a="http://schemas.openxmlformats.org/drawingml/2006/main" xmlns:r="http://schemas.openxmlformats.org/officeDocument/2006/relationships" xmlns:p="http://schemas.openxmlformats.org/presentationml/2006/main">
-  <p:cSld>
-    <p:spTree>
-      <p:nvGrpSpPr>
-        <p:cNvPr id="1" name=""/>
-        <p:cNvGrpSpPr/>
-        <p:nvPr/>
-      </p:nvGrpSpPr>
-      <p:grpSpPr>
-        <a:xfrm>
-          <a:off x="0" y="0"/>
-          <a:ext cx="0" cy="0"/>
-          <a:chOff x="0" y="0"/>
-          <a:chExt cx="0" cy="0"/>
-        </a:xfrm>
-      </p:grpSpPr>
-      <p:sp>
-        <p:nvSpPr>
-          <p:cNvPr id="2" name="Content Placeholder 1">
-            <a:extLst>
-              <a:ext uri="{FF2B5EF4-FFF2-40B4-BE49-F238E27FC236}">
-                <a16:creationId xmlns:a16="http://schemas.microsoft.com/office/drawing/2014/main" id="{A59D0C7B-BD22-F2F2-5776-D2C9D947456C}"/>
-              </a:ext>
-            </a:extLst>
-          </p:cNvPr>
-          <p:cNvSpPr>
-            <a:spLocks noGrp="1"/>
-          </p:cNvSpPr>
-          <p:nvPr>
-            <p:ph idx="1"/>
-          </p:nvPr>
-        </p:nvSpPr>
-        <p:spPr>
-          <a:xfrm>
-            <a:off x="1608082" y="1397876"/>
-            <a:ext cx="10152707" cy="4772579"/>
-          </a:xfrm>
-        </p:spPr>
-        <p:txBody>
-          <a:bodyPr>
-            <a:normAutofit/>
-          </a:bodyPr>
-          <a:lstStyle/>
-          <a:p>
-            <a:r>
-              <a:rPr lang="en-SE" sz="2400" dirty="0"/>
-              <a:t>Coffe is ordered for 10:00 and 14:30 every day</a:t>
-            </a:r>
-          </a:p>
-          <a:p>
-            <a:r>
-              <a:rPr lang="en-SE" sz="2400" dirty="0"/>
-              <a:t>May adjust times a bit depending on lectures</a:t>
-            </a:r>
-          </a:p>
-          <a:p>
-            <a:endParaRPr lang="en-SE" sz="2400" dirty="0"/>
-          </a:p>
-          <a:p>
-            <a:r>
-              <a:rPr lang="en-SE" sz="2400" dirty="0"/>
-              <a:t>Lunch booked at 12:00 every day</a:t>
-            </a:r>
-          </a:p>
-          <a:p>
-            <a:r>
-              <a:rPr lang="en-SE" sz="2400" dirty="0"/>
-              <a:t>Uppsala: </a:t>
-            </a:r>
-          </a:p>
-          <a:p>
-            <a:r>
-              <a:rPr lang="en-SE" sz="2400" dirty="0"/>
-              <a:t>Lund:</a:t>
-            </a:r>
-          </a:p>
-          <a:p>
-            <a:r>
-              <a:rPr lang="en-SE" sz="2400" dirty="0"/>
-              <a:t>Umeå</a:t>
-            </a:r>
-          </a:p>
-        </p:txBody>
-      </p:sp>
-      <p:sp>
-        <p:nvSpPr>
-          <p:cNvPr id="3" name="Title 2">
-            <a:extLst>
-              <a:ext uri="{FF2B5EF4-FFF2-40B4-BE49-F238E27FC236}">
-                <a16:creationId xmlns:a16="http://schemas.microsoft.com/office/drawing/2014/main" id="{74A0B91E-463E-527C-F8D7-0CD4E3296134}"/>
-              </a:ext>
-            </a:extLst>
-          </p:cNvPr>
-          <p:cNvSpPr>
-            <a:spLocks noGrp="1"/>
-          </p:cNvSpPr>
-          <p:nvPr>
-            <p:ph type="title"/>
-          </p:nvPr>
-        </p:nvSpPr>
-        <p:spPr/>
-        <p:txBody>
-          <a:bodyPr>
-            <a:normAutofit fontScale="90000"/>
-          </a:bodyPr>
-          <a:lstStyle/>
-          <a:p>
-            <a:r>
-              <a:rPr lang="en-SE" dirty="0"/>
-              <a:t>Breaks</a:t>
-            </a:r>
-          </a:p>
-        </p:txBody>
-      </p:sp>
-    </p:spTree>
-    <p:extLst>
-      <p:ext uri="{BB962C8B-B14F-4D97-AF65-F5344CB8AC3E}">
-        <p14:creationId xmlns:p14="http://schemas.microsoft.com/office/powerpoint/2010/main" val="2063477004"/>
-      </p:ext>
-    </p:extLst>
-  </p:cSld>
-  <p:clrMapOvr>
-    <a:masterClrMapping/>
-  </p:clrMapOvr>
-</p:sld>
-</file>
-
-<file path=ppt/slides/slide13.xml><?xml version="1.0" encoding="utf-8"?>
-<p:sld xmlns:a="http://schemas.openxmlformats.org/drawingml/2006/main" xmlns:r="http://schemas.openxmlformats.org/officeDocument/2006/relationships" xmlns:p="http://schemas.openxmlformats.org/presentationml/2006/main">
-  <p:cSld>
-    <p:spTree>
-      <p:nvGrpSpPr>
-        <p:cNvPr id="1" name=""/>
-        <p:cNvGrpSpPr/>
-        <p:nvPr/>
-      </p:nvGrpSpPr>
-      <p:grpSpPr>
-        <a:xfrm>
-          <a:off x="0" y="0"/>
-          <a:ext cx="0" cy="0"/>
-          <a:chOff x="0" y="0"/>
-          <a:chExt cx="0" cy="0"/>
-        </a:xfrm>
-      </p:grpSpPr>
-      <p:sp>
-        <p:nvSpPr>
-          <p:cNvPr id="2" name="Content Placeholder 1">
-            <a:extLst>
-              <a:ext uri="{FF2B5EF4-FFF2-40B4-BE49-F238E27FC236}">
-                <a16:creationId xmlns:a16="http://schemas.microsoft.com/office/drawing/2014/main" id="{D96A6D82-F9B4-3263-5767-33C81CEE1332}"/>
-              </a:ext>
-            </a:extLst>
-          </p:cNvPr>
-          <p:cNvSpPr>
-            <a:spLocks noGrp="1"/>
-          </p:cNvSpPr>
-          <p:nvPr>
-            <p:ph idx="1"/>
-          </p:nvPr>
-        </p:nvSpPr>
-        <p:spPr/>
-        <p:txBody>
-          <a:bodyPr>
-            <a:normAutofit/>
-          </a:bodyPr>
-          <a:lstStyle/>
-          <a:p>
-            <a:r>
-              <a:rPr lang="en-SE" sz="2400" dirty="0"/>
-              <a:t>Wednesday 18:00</a:t>
-            </a:r>
-          </a:p>
-          <a:p>
-            <a:endParaRPr lang="en-SE" sz="2400" dirty="0"/>
-          </a:p>
-          <a:p>
-            <a:r>
-              <a:rPr lang="en-SE" sz="2400" dirty="0"/>
-              <a:t>Uppsala: Koh Phangan, Fyristorg 2</a:t>
-            </a:r>
-          </a:p>
-          <a:p>
-            <a:r>
-              <a:rPr lang="en-SE" sz="2400" dirty="0"/>
-              <a:t>Lund:</a:t>
-            </a:r>
-          </a:p>
-          <a:p>
-            <a:r>
-              <a:rPr lang="en-SE" sz="2400" dirty="0"/>
-              <a:t>Umeå:</a:t>
-            </a:r>
-          </a:p>
-          <a:p>
-            <a:endParaRPr lang="en-SE" sz="2400" dirty="0"/>
-          </a:p>
-          <a:p>
-            <a:r>
-              <a:rPr lang="en-SE" sz="2400" dirty="0"/>
-              <a:t>Please sign up on the list in the classroom on Monday!</a:t>
-            </a:r>
-          </a:p>
-        </p:txBody>
-      </p:sp>
-      <p:sp>
-        <p:nvSpPr>
-          <p:cNvPr id="3" name="Title 2">
-            <a:extLst>
-              <a:ext uri="{FF2B5EF4-FFF2-40B4-BE49-F238E27FC236}">
-                <a16:creationId xmlns:a16="http://schemas.microsoft.com/office/drawing/2014/main" id="{B89F6912-36F6-CA31-AC72-7539500C7B1B}"/>
-              </a:ext>
-            </a:extLst>
-          </p:cNvPr>
-          <p:cNvSpPr>
-            <a:spLocks noGrp="1"/>
-          </p:cNvSpPr>
-          <p:nvPr>
-            <p:ph type="title"/>
-          </p:nvPr>
-        </p:nvSpPr>
-        <p:spPr/>
-        <p:txBody>
-          <a:bodyPr>
-            <a:normAutofit fontScale="90000"/>
-          </a:bodyPr>
-          <a:lstStyle/>
-          <a:p>
-            <a:r>
-              <a:rPr lang="en-SE" dirty="0"/>
-              <a:t>Course dinner</a:t>
-            </a:r>
-          </a:p>
-        </p:txBody>
-      </p:sp>
-    </p:spTree>
-    <p:extLst>
-      <p:ext uri="{BB962C8B-B14F-4D97-AF65-F5344CB8AC3E}">
-        <p14:creationId xmlns:p14="http://schemas.microsoft.com/office/powerpoint/2010/main" val="2894102020"/>
-      </p:ext>
-    </p:extLst>
-  </p:cSld>
-  <p:clrMapOvr>
-    <a:masterClrMapping/>
-  </p:clrMapOvr>
-</p:sld>
-</file>
-
-<file path=ppt/slides/slide14.xml><?xml version="1.0" encoding="utf-8"?>
-<p:sld xmlns:a="http://schemas.openxmlformats.org/drawingml/2006/main" xmlns:r="http://schemas.openxmlformats.org/officeDocument/2006/relationships" xmlns:p="http://schemas.openxmlformats.org/presentationml/2006/main">
-  <p:cSld>
-    <p:spTree>
-      <p:nvGrpSpPr>
-        <p:cNvPr id="1" name=""/>
-        <p:cNvGrpSpPr/>
-        <p:nvPr/>
-      </p:nvGrpSpPr>
-      <p:grpSpPr>
-        <a:xfrm>
-          <a:off x="0" y="0"/>
-          <a:ext cx="0" cy="0"/>
-          <a:chOff x="0" y="0"/>
-          <a:chExt cx="0" cy="0"/>
-        </a:xfrm>
-      </p:grpSpPr>
-      <p:sp>
-        <p:nvSpPr>
-          <p:cNvPr id="2" name="Rubrik 1">
-            <a:extLst>
-              <a:ext uri="{FF2B5EF4-FFF2-40B4-BE49-F238E27FC236}">
-                <a16:creationId xmlns:a16="http://schemas.microsoft.com/office/drawing/2014/main" id="{91E43C49-E986-0845-A1CC-D1810C078403}"/>
-              </a:ext>
-            </a:extLst>
-          </p:cNvPr>
-          <p:cNvSpPr>
-            <a:spLocks noGrp="1"/>
-          </p:cNvSpPr>
-          <p:nvPr>
-            <p:ph type="ctrTitle"/>
-          </p:nvPr>
-        </p:nvSpPr>
-        <p:spPr/>
-        <p:txBody>
-          <a:bodyPr/>
-          <a:lstStyle/>
-          <a:p>
-            <a:r>
-              <a:rPr lang="en-GB" dirty="0"/>
-              <a:t>Questions?</a:t>
-            </a:r>
-          </a:p>
-        </p:txBody>
-      </p:sp>
-      <p:sp>
-        <p:nvSpPr>
-          <p:cNvPr id="3" name="Underrubrik 2">
-            <a:extLst>
-              <a:ext uri="{FF2B5EF4-FFF2-40B4-BE49-F238E27FC236}">
-                <a16:creationId xmlns:a16="http://schemas.microsoft.com/office/drawing/2014/main" id="{A9E0F243-4187-4A48-85B7-4390215EB1DA}"/>
-              </a:ext>
-            </a:extLst>
-          </p:cNvPr>
-          <p:cNvSpPr>
-            <a:spLocks noGrp="1"/>
-          </p:cNvSpPr>
-          <p:nvPr>
-            <p:ph type="subTitle" idx="1"/>
-          </p:nvPr>
-        </p:nvSpPr>
-        <p:spPr/>
-        <p:txBody>
-          <a:bodyPr/>
-          <a:lstStyle/>
-          <a:p>
-            <a:r>
-              <a:rPr lang="en-GB" dirty="0"/>
-              <a:t>Please ask questions and take part in discussions trough out the workshop! </a:t>
-            </a:r>
-          </a:p>
-        </p:txBody>
-      </p:sp>
-    </p:spTree>
-    <p:extLst>
-      <p:ext uri="{BB962C8B-B14F-4D97-AF65-F5344CB8AC3E}">
-        <p14:creationId xmlns:p14="http://schemas.microsoft.com/office/powerpoint/2010/main" val="3455965932"/>
       </p:ext>
     </p:extLst>
   </p:cSld>
@@ -2811,55 +2183,6 @@
           <a:chExt cx="0" cy="0"/>
         </a:xfrm>
       </p:grpSpPr>
-      <p:sp>
-        <p:nvSpPr>
-          <p:cNvPr id="6" name="Oval 5">
-            <a:extLst>
-              <a:ext uri="{FF2B5EF4-FFF2-40B4-BE49-F238E27FC236}">
-                <a16:creationId xmlns:a16="http://schemas.microsoft.com/office/drawing/2014/main" id="{6178CD6D-22D4-8D45-823B-CD574C4FE4AB}"/>
-              </a:ext>
-            </a:extLst>
-          </p:cNvPr>
-          <p:cNvSpPr/>
-          <p:nvPr/>
-        </p:nvSpPr>
-        <p:spPr>
-          <a:xfrm>
-            <a:off x="6533150" y="3755832"/>
-            <a:ext cx="2181054" cy="2130615"/>
-          </a:xfrm>
-          <a:prstGeom prst="ellipse">
-            <a:avLst/>
-          </a:prstGeom>
-          <a:ln>
-            <a:noFill/>
-          </a:ln>
-        </p:spPr>
-        <p:style>
-          <a:lnRef idx="2">
-            <a:schemeClr val="accent1">
-              <a:shade val="50000"/>
-            </a:schemeClr>
-          </a:lnRef>
-          <a:fillRef idx="1">
-            <a:schemeClr val="accent1"/>
-          </a:fillRef>
-          <a:effectRef idx="0">
-            <a:schemeClr val="accent1"/>
-          </a:effectRef>
-          <a:fontRef idx="minor">
-            <a:schemeClr val="lt1"/>
-          </a:fontRef>
-        </p:style>
-        <p:txBody>
-          <a:bodyPr rtlCol="0" anchor="ctr"/>
-          <a:lstStyle/>
-          <a:p>
-            <a:pPr algn="ctr"/>
-            <a:endParaRPr lang="en-SE"/>
-          </a:p>
-        </p:txBody>
-      </p:sp>
       <p:sp>
         <p:nvSpPr>
           <p:cNvPr id="3" name="Title 2">
@@ -3043,692 +2366,6 @@
           </a:p>
         </p:txBody>
       </p:sp>
-      <p:grpSp>
-        <p:nvGrpSpPr>
-          <p:cNvPr id="13" name="Group 12">
-            <a:extLst>
-              <a:ext uri="{FF2B5EF4-FFF2-40B4-BE49-F238E27FC236}">
-                <a16:creationId xmlns:a16="http://schemas.microsoft.com/office/drawing/2014/main" id="{C9AEBD1A-3B6F-3E4F-B7CB-EF9A4E876753}"/>
-              </a:ext>
-            </a:extLst>
-          </p:cNvPr>
-          <p:cNvGrpSpPr/>
-          <p:nvPr/>
-        </p:nvGrpSpPr>
-        <p:grpSpPr>
-          <a:xfrm>
-            <a:off x="9136737" y="2005580"/>
-            <a:ext cx="2365951" cy="3860353"/>
-            <a:chOff x="9987288" y="3903061"/>
-            <a:chExt cx="1305593" cy="2321746"/>
-          </a:xfrm>
-        </p:grpSpPr>
-        <p:grpSp>
-          <p:nvGrpSpPr>
-            <p:cNvPr id="21" name="Group 20">
-              <a:extLst>
-                <a:ext uri="{FF2B5EF4-FFF2-40B4-BE49-F238E27FC236}">
-                  <a16:creationId xmlns:a16="http://schemas.microsoft.com/office/drawing/2014/main" id="{B84B3435-59A3-A244-95FF-3219CB3AB22E}"/>
-                </a:ext>
-              </a:extLst>
-            </p:cNvPr>
-            <p:cNvGrpSpPr/>
-            <p:nvPr/>
-          </p:nvGrpSpPr>
-          <p:grpSpPr>
-            <a:xfrm>
-              <a:off x="10226037" y="3903061"/>
-              <a:ext cx="1043614" cy="2321746"/>
-              <a:chOff x="3663675" y="0"/>
-              <a:chExt cx="2957700" cy="6580047"/>
-            </a:xfrm>
-          </p:grpSpPr>
-          <p:pic>
-            <p:nvPicPr>
-              <p:cNvPr id="28" name="Picture 27">
-                <a:extLst>
-                  <a:ext uri="{FF2B5EF4-FFF2-40B4-BE49-F238E27FC236}">
-                    <a16:creationId xmlns:a16="http://schemas.microsoft.com/office/drawing/2014/main" id="{AC0B7AA4-36BF-E241-B0A7-DB062A57500B}"/>
-                  </a:ext>
-                </a:extLst>
-              </p:cNvPr>
-              <p:cNvPicPr>
-                <a:picLocks noChangeAspect="1"/>
-              </p:cNvPicPr>
-              <p:nvPr/>
-            </p:nvPicPr>
-            <p:blipFill rotWithShape="1">
-              <a:blip r:embed="rId4">
-                <a:alphaModFix amt="70000"/>
-                <a:extLst>
-                  <a:ext uri="{28A0092B-C50C-407E-A947-70E740481C1C}">
-                    <a14:useLocalDpi xmlns:a14="http://schemas.microsoft.com/office/drawing/2010/main"/>
-                  </a:ext>
-                </a:extLst>
-              </a:blip>
-              <a:srcRect/>
-              <a:stretch/>
-            </p:blipFill>
-            <p:spPr>
-              <a:xfrm>
-                <a:off x="3663675" y="0"/>
-                <a:ext cx="2957700" cy="6580047"/>
-              </a:xfrm>
-              <a:prstGeom prst="rect">
-                <a:avLst/>
-              </a:prstGeom>
-            </p:spPr>
-          </p:pic>
-          <p:sp>
-            <p:nvSpPr>
-              <p:cNvPr id="29" name="Oval 28">
-                <a:extLst>
-                  <a:ext uri="{FF2B5EF4-FFF2-40B4-BE49-F238E27FC236}">
-                    <a16:creationId xmlns:a16="http://schemas.microsoft.com/office/drawing/2014/main" id="{C1506E3E-3F63-2443-9876-CF98DC9B88E5}"/>
-                  </a:ext>
-                </a:extLst>
-              </p:cNvPr>
-              <p:cNvSpPr/>
-              <p:nvPr/>
-            </p:nvSpPr>
-            <p:spPr>
-              <a:xfrm>
-                <a:off x="4200315" y="6083610"/>
-                <a:ext cx="93945" cy="93945"/>
-              </a:xfrm>
-              <a:prstGeom prst="ellipse">
-                <a:avLst/>
-              </a:prstGeom>
-              <a:ln>
-                <a:solidFill>
-                  <a:schemeClr val="tx1">
-                    <a:lumMod val="65000"/>
-                    <a:lumOff val="35000"/>
-                  </a:schemeClr>
-                </a:solidFill>
-              </a:ln>
-            </p:spPr>
-            <p:style>
-              <a:lnRef idx="2">
-                <a:schemeClr val="accent1">
-                  <a:shade val="50000"/>
-                </a:schemeClr>
-              </a:lnRef>
-              <a:fillRef idx="1">
-                <a:schemeClr val="accent1"/>
-              </a:fillRef>
-              <a:effectRef idx="0">
-                <a:schemeClr val="accent1"/>
-              </a:effectRef>
-              <a:fontRef idx="minor">
-                <a:schemeClr val="lt1"/>
-              </a:fontRef>
-            </p:style>
-            <p:txBody>
-              <a:bodyPr rtlCol="0" anchor="ctr"/>
-              <a:lstStyle/>
-              <a:p>
-                <a:pPr algn="ctr"/>
-                <a:endParaRPr lang="en-GB"/>
-              </a:p>
-            </p:txBody>
-          </p:sp>
-          <p:sp>
-            <p:nvSpPr>
-              <p:cNvPr id="30" name="Oval 29">
-                <a:extLst>
-                  <a:ext uri="{FF2B5EF4-FFF2-40B4-BE49-F238E27FC236}">
-                    <a16:creationId xmlns:a16="http://schemas.microsoft.com/office/drawing/2014/main" id="{521340F0-847D-664E-A589-65522B2AE097}"/>
-                  </a:ext>
-                </a:extLst>
-              </p:cNvPr>
-              <p:cNvSpPr/>
-              <p:nvPr/>
-            </p:nvSpPr>
-            <p:spPr>
-              <a:xfrm>
-                <a:off x="3966709" y="5389468"/>
-                <a:ext cx="93945" cy="93945"/>
-              </a:xfrm>
-              <a:prstGeom prst="ellipse">
-                <a:avLst/>
-              </a:prstGeom>
-              <a:ln>
-                <a:solidFill>
-                  <a:schemeClr val="tx1">
-                    <a:lumMod val="65000"/>
-                    <a:lumOff val="35000"/>
-                  </a:schemeClr>
-                </a:solidFill>
-              </a:ln>
-            </p:spPr>
-            <p:style>
-              <a:lnRef idx="2">
-                <a:schemeClr val="accent1">
-                  <a:shade val="50000"/>
-                </a:schemeClr>
-              </a:lnRef>
-              <a:fillRef idx="1">
-                <a:schemeClr val="accent1"/>
-              </a:fillRef>
-              <a:effectRef idx="0">
-                <a:schemeClr val="accent1"/>
-              </a:effectRef>
-              <a:fontRef idx="minor">
-                <a:schemeClr val="lt1"/>
-              </a:fontRef>
-            </p:style>
-            <p:txBody>
-              <a:bodyPr rtlCol="0" anchor="ctr"/>
-              <a:lstStyle/>
-              <a:p>
-                <a:pPr algn="ctr"/>
-                <a:endParaRPr lang="en-GB"/>
-              </a:p>
-            </p:txBody>
-          </p:sp>
-          <p:sp>
-            <p:nvSpPr>
-              <p:cNvPr id="31" name="Oval 30">
-                <a:extLst>
-                  <a:ext uri="{FF2B5EF4-FFF2-40B4-BE49-F238E27FC236}">
-                    <a16:creationId xmlns:a16="http://schemas.microsoft.com/office/drawing/2014/main" id="{1735CCA0-9A3B-6F4D-8552-BFA84761679C}"/>
-                  </a:ext>
-                </a:extLst>
-              </p:cNvPr>
-              <p:cNvSpPr/>
-              <p:nvPr/>
-            </p:nvSpPr>
-            <p:spPr>
-              <a:xfrm>
-                <a:off x="5068602" y="4575183"/>
-                <a:ext cx="93945" cy="93945"/>
-              </a:xfrm>
-              <a:prstGeom prst="ellipse">
-                <a:avLst/>
-              </a:prstGeom>
-              <a:ln>
-                <a:solidFill>
-                  <a:schemeClr val="tx1">
-                    <a:lumMod val="65000"/>
-                    <a:lumOff val="35000"/>
-                  </a:schemeClr>
-                </a:solidFill>
-              </a:ln>
-            </p:spPr>
-            <p:style>
-              <a:lnRef idx="2">
-                <a:schemeClr val="accent1">
-                  <a:shade val="50000"/>
-                </a:schemeClr>
-              </a:lnRef>
-              <a:fillRef idx="1">
-                <a:schemeClr val="accent1"/>
-              </a:fillRef>
-              <a:effectRef idx="0">
-                <a:schemeClr val="accent1"/>
-              </a:effectRef>
-              <a:fontRef idx="minor">
-                <a:schemeClr val="lt1"/>
-              </a:fontRef>
-            </p:style>
-            <p:txBody>
-              <a:bodyPr rtlCol="0" anchor="ctr"/>
-              <a:lstStyle/>
-              <a:p>
-                <a:pPr algn="ctr"/>
-                <a:endParaRPr lang="en-GB"/>
-              </a:p>
-            </p:txBody>
-          </p:sp>
-          <p:sp>
-            <p:nvSpPr>
-              <p:cNvPr id="32" name="Oval 31">
-                <a:extLst>
-                  <a:ext uri="{FF2B5EF4-FFF2-40B4-BE49-F238E27FC236}">
-                    <a16:creationId xmlns:a16="http://schemas.microsoft.com/office/drawing/2014/main" id="{E8D5FBA8-13EB-7943-92CB-BA048DD43881}"/>
-                  </a:ext>
-                </a:extLst>
-              </p:cNvPr>
-              <p:cNvSpPr/>
-              <p:nvPr/>
-            </p:nvSpPr>
-            <p:spPr>
-              <a:xfrm>
-                <a:off x="5149199" y="4720909"/>
-                <a:ext cx="93945" cy="93945"/>
-              </a:xfrm>
-              <a:prstGeom prst="ellipse">
-                <a:avLst/>
-              </a:prstGeom>
-              <a:ln>
-                <a:solidFill>
-                  <a:schemeClr val="tx1">
-                    <a:lumMod val="65000"/>
-                    <a:lumOff val="35000"/>
-                  </a:schemeClr>
-                </a:solidFill>
-              </a:ln>
-            </p:spPr>
-            <p:style>
-              <a:lnRef idx="2">
-                <a:schemeClr val="accent1">
-                  <a:shade val="50000"/>
-                </a:schemeClr>
-              </a:lnRef>
-              <a:fillRef idx="1">
-                <a:schemeClr val="accent1"/>
-              </a:fillRef>
-              <a:effectRef idx="0">
-                <a:schemeClr val="accent1"/>
-              </a:effectRef>
-              <a:fontRef idx="minor">
-                <a:schemeClr val="lt1"/>
-              </a:fontRef>
-            </p:style>
-            <p:txBody>
-              <a:bodyPr rtlCol="0" anchor="ctr"/>
-              <a:lstStyle/>
-              <a:p>
-                <a:pPr algn="ctr"/>
-                <a:endParaRPr lang="en-GB"/>
-              </a:p>
-            </p:txBody>
-          </p:sp>
-          <p:sp>
-            <p:nvSpPr>
-              <p:cNvPr id="33" name="Oval 32">
-                <a:extLst>
-                  <a:ext uri="{FF2B5EF4-FFF2-40B4-BE49-F238E27FC236}">
-                    <a16:creationId xmlns:a16="http://schemas.microsoft.com/office/drawing/2014/main" id="{0C8172C3-C059-2248-B639-AB85E35C06F4}"/>
-                  </a:ext>
-                </a:extLst>
-              </p:cNvPr>
-              <p:cNvSpPr/>
-              <p:nvPr/>
-            </p:nvSpPr>
-            <p:spPr>
-              <a:xfrm>
-                <a:off x="4693722" y="5061305"/>
-                <a:ext cx="93945" cy="93945"/>
-              </a:xfrm>
-              <a:prstGeom prst="ellipse">
-                <a:avLst/>
-              </a:prstGeom>
-              <a:ln>
-                <a:solidFill>
-                  <a:schemeClr val="tx1">
-                    <a:lumMod val="65000"/>
-                    <a:lumOff val="35000"/>
-                  </a:schemeClr>
-                </a:solidFill>
-              </a:ln>
-            </p:spPr>
-            <p:style>
-              <a:lnRef idx="2">
-                <a:schemeClr val="accent1">
-                  <a:shade val="50000"/>
-                </a:schemeClr>
-              </a:lnRef>
-              <a:fillRef idx="1">
-                <a:schemeClr val="accent1"/>
-              </a:fillRef>
-              <a:effectRef idx="0">
-                <a:schemeClr val="accent1"/>
-              </a:effectRef>
-              <a:fontRef idx="minor">
-                <a:schemeClr val="lt1"/>
-              </a:fontRef>
-            </p:style>
-            <p:txBody>
-              <a:bodyPr rtlCol="0" anchor="ctr"/>
-              <a:lstStyle/>
-              <a:p>
-                <a:pPr algn="ctr"/>
-                <a:endParaRPr lang="en-GB"/>
-              </a:p>
-            </p:txBody>
-          </p:sp>
-          <p:sp>
-            <p:nvSpPr>
-              <p:cNvPr id="34" name="Oval 33">
-                <a:extLst>
-                  <a:ext uri="{FF2B5EF4-FFF2-40B4-BE49-F238E27FC236}">
-                    <a16:creationId xmlns:a16="http://schemas.microsoft.com/office/drawing/2014/main" id="{98A0199B-1D24-5944-A5C5-EBB3432E40A3}"/>
-                  </a:ext>
-                </a:extLst>
-              </p:cNvPr>
-              <p:cNvSpPr/>
-              <p:nvPr/>
-            </p:nvSpPr>
-            <p:spPr>
-              <a:xfrm>
-                <a:off x="5614794" y="2805341"/>
-                <a:ext cx="93945" cy="93945"/>
-              </a:xfrm>
-              <a:prstGeom prst="ellipse">
-                <a:avLst/>
-              </a:prstGeom>
-              <a:ln>
-                <a:solidFill>
-                  <a:schemeClr val="tx1">
-                    <a:lumMod val="65000"/>
-                    <a:lumOff val="35000"/>
-                  </a:schemeClr>
-                </a:solidFill>
-              </a:ln>
-            </p:spPr>
-            <p:style>
-              <a:lnRef idx="2">
-                <a:schemeClr val="accent1">
-                  <a:shade val="50000"/>
-                </a:schemeClr>
-              </a:lnRef>
-              <a:fillRef idx="1">
-                <a:schemeClr val="accent1"/>
-              </a:fillRef>
-              <a:effectRef idx="0">
-                <a:schemeClr val="accent1"/>
-              </a:effectRef>
-              <a:fontRef idx="minor">
-                <a:schemeClr val="lt1"/>
-              </a:fontRef>
-            </p:style>
-            <p:txBody>
-              <a:bodyPr rtlCol="0" anchor="ctr"/>
-              <a:lstStyle/>
-              <a:p>
-                <a:pPr algn="ctr"/>
-                <a:endParaRPr lang="en-GB"/>
-              </a:p>
-            </p:txBody>
-          </p:sp>
-        </p:grpSp>
-        <p:sp>
-          <p:nvSpPr>
-            <p:cNvPr id="22" name="TextBox 21">
-              <a:extLst>
-                <a:ext uri="{FF2B5EF4-FFF2-40B4-BE49-F238E27FC236}">
-                  <a16:creationId xmlns:a16="http://schemas.microsoft.com/office/drawing/2014/main" id="{5A783BE7-C63E-054E-9384-094D32685C2D}"/>
-                </a:ext>
-              </a:extLst>
-            </p:cNvPr>
-            <p:cNvSpPr txBox="1"/>
-            <p:nvPr/>
-          </p:nvSpPr>
-          <p:spPr>
-            <a:xfrm>
-              <a:off x="10901427" y="4831690"/>
-              <a:ext cx="391454" cy="184666"/>
-            </a:xfrm>
-            <a:prstGeom prst="rect">
-              <a:avLst/>
-            </a:prstGeom>
-            <a:noFill/>
-          </p:spPr>
-          <p:txBody>
-            <a:bodyPr wrap="none" rtlCol="0">
-              <a:spAutoFit/>
-            </a:bodyPr>
-            <a:lstStyle/>
-            <a:p>
-              <a:pPr algn="ctr"/>
-              <a:r>
-                <a:rPr lang="en-GB" sz="600" i="1" dirty="0" err="1">
-                  <a:latin typeface="Arial" panose="020B0604020202020204" pitchFamily="34" charset="0"/>
-                  <a:cs typeface="Arial" panose="020B0604020202020204" pitchFamily="34" charset="0"/>
-                </a:rPr>
-                <a:t>Umeå</a:t>
-              </a:r>
-              <a:endParaRPr lang="en-GB" sz="600" i="1" dirty="0">
-                <a:latin typeface="Arial" panose="020B0604020202020204" pitchFamily="34" charset="0"/>
-                <a:cs typeface="Arial" panose="020B0604020202020204" pitchFamily="34" charset="0"/>
-              </a:endParaRPr>
-            </a:p>
-          </p:txBody>
-        </p:sp>
-        <p:sp>
-          <p:nvSpPr>
-            <p:cNvPr id="23" name="TextBox 22">
-              <a:extLst>
-                <a:ext uri="{FF2B5EF4-FFF2-40B4-BE49-F238E27FC236}">
-                  <a16:creationId xmlns:a16="http://schemas.microsoft.com/office/drawing/2014/main" id="{10EC656E-7439-784E-ADB3-861E3CFB2571}"/>
-                </a:ext>
-              </a:extLst>
-            </p:cNvPr>
-            <p:cNvSpPr txBox="1"/>
-            <p:nvPr/>
-          </p:nvSpPr>
-          <p:spPr>
-            <a:xfrm>
-              <a:off x="10713412" y="5543559"/>
-              <a:ext cx="545342" cy="184666"/>
-            </a:xfrm>
-            <a:prstGeom prst="rect">
-              <a:avLst/>
-            </a:prstGeom>
-            <a:noFill/>
-          </p:spPr>
-          <p:txBody>
-            <a:bodyPr wrap="none" rtlCol="0">
-              <a:spAutoFit/>
-            </a:bodyPr>
-            <a:lstStyle/>
-            <a:p>
-              <a:pPr algn="ctr"/>
-              <a:r>
-                <a:rPr lang="en-GB" sz="600" i="1" dirty="0">
-                  <a:latin typeface="Arial" panose="020B0604020202020204" pitchFamily="34" charset="0"/>
-                  <a:cs typeface="Arial" panose="020B0604020202020204" pitchFamily="34" charset="0"/>
-                </a:rPr>
-                <a:t>Stockholm</a:t>
-              </a:r>
-            </a:p>
-          </p:txBody>
-        </p:sp>
-        <p:sp>
-          <p:nvSpPr>
-            <p:cNvPr id="24" name="TextBox 23">
-              <a:extLst>
-                <a:ext uri="{FF2B5EF4-FFF2-40B4-BE49-F238E27FC236}">
-                  <a16:creationId xmlns:a16="http://schemas.microsoft.com/office/drawing/2014/main" id="{7E9B51CB-FF21-444B-982D-5237A4C4CF9F}"/>
-                </a:ext>
-              </a:extLst>
-            </p:cNvPr>
-            <p:cNvSpPr txBox="1"/>
-            <p:nvPr/>
-          </p:nvSpPr>
-          <p:spPr>
-            <a:xfrm>
-              <a:off x="10669218" y="5386702"/>
-              <a:ext cx="470000" cy="184666"/>
-            </a:xfrm>
-            <a:prstGeom prst="rect">
-              <a:avLst/>
-            </a:prstGeom>
-            <a:noFill/>
-          </p:spPr>
-          <p:txBody>
-            <a:bodyPr wrap="none" rtlCol="0">
-              <a:spAutoFit/>
-            </a:bodyPr>
-            <a:lstStyle/>
-            <a:p>
-              <a:pPr algn="ctr"/>
-              <a:r>
-                <a:rPr lang="en-GB" sz="600" i="1" dirty="0">
-                  <a:latin typeface="Arial" panose="020B0604020202020204" pitchFamily="34" charset="0"/>
-                  <a:cs typeface="Arial" panose="020B0604020202020204" pitchFamily="34" charset="0"/>
-                </a:rPr>
-                <a:t>Uppsala</a:t>
-              </a:r>
-            </a:p>
-          </p:txBody>
-        </p:sp>
-        <p:sp>
-          <p:nvSpPr>
-            <p:cNvPr id="25" name="TextBox 24">
-              <a:extLst>
-                <a:ext uri="{FF2B5EF4-FFF2-40B4-BE49-F238E27FC236}">
-                  <a16:creationId xmlns:a16="http://schemas.microsoft.com/office/drawing/2014/main" id="{F2A4D98C-3FD5-E046-996F-92A3C92099BE}"/>
-                </a:ext>
-              </a:extLst>
-            </p:cNvPr>
-            <p:cNvSpPr txBox="1"/>
-            <p:nvPr/>
-          </p:nvSpPr>
-          <p:spPr>
-            <a:xfrm>
-              <a:off x="10545722" y="5649241"/>
-              <a:ext cx="518091" cy="184666"/>
-            </a:xfrm>
-            <a:prstGeom prst="rect">
-              <a:avLst/>
-            </a:prstGeom>
-            <a:noFill/>
-          </p:spPr>
-          <p:txBody>
-            <a:bodyPr wrap="none" rtlCol="0">
-              <a:spAutoFit/>
-            </a:bodyPr>
-            <a:lstStyle/>
-            <a:p>
-              <a:pPr algn="ctr"/>
-              <a:r>
-                <a:rPr lang="en-GB" sz="600" i="1" dirty="0">
-                  <a:latin typeface="Arial" panose="020B0604020202020204" pitchFamily="34" charset="0"/>
-                  <a:cs typeface="Arial" panose="020B0604020202020204" pitchFamily="34" charset="0"/>
-                </a:rPr>
-                <a:t>Linköping</a:t>
-              </a:r>
-            </a:p>
-          </p:txBody>
-        </p:sp>
-        <p:sp>
-          <p:nvSpPr>
-            <p:cNvPr id="26" name="TextBox 25">
-              <a:extLst>
-                <a:ext uri="{FF2B5EF4-FFF2-40B4-BE49-F238E27FC236}">
-                  <a16:creationId xmlns:a16="http://schemas.microsoft.com/office/drawing/2014/main" id="{6B4E993F-0813-5544-B5F5-FC294E95A45A}"/>
-                </a:ext>
-              </a:extLst>
-            </p:cNvPr>
-            <p:cNvSpPr txBox="1"/>
-            <p:nvPr/>
-          </p:nvSpPr>
-          <p:spPr>
-            <a:xfrm>
-              <a:off x="9987288" y="5804683"/>
-              <a:ext cx="506870" cy="184666"/>
-            </a:xfrm>
-            <a:prstGeom prst="rect">
-              <a:avLst/>
-            </a:prstGeom>
-            <a:noFill/>
-          </p:spPr>
-          <p:txBody>
-            <a:bodyPr wrap="none" rtlCol="0">
-              <a:spAutoFit/>
-            </a:bodyPr>
-            <a:lstStyle/>
-            <a:p>
-              <a:pPr algn="ctr"/>
-              <a:r>
-                <a:rPr lang="en-GB" sz="600" i="1" dirty="0" err="1">
-                  <a:latin typeface="Arial" panose="020B0604020202020204" pitchFamily="34" charset="0"/>
-                  <a:cs typeface="Arial" panose="020B0604020202020204" pitchFamily="34" charset="0"/>
-                </a:rPr>
-                <a:t>Göteborg</a:t>
-              </a:r>
-              <a:endParaRPr lang="en-GB" sz="600" i="1" dirty="0">
-                <a:latin typeface="Arial" panose="020B0604020202020204" pitchFamily="34" charset="0"/>
-                <a:cs typeface="Arial" panose="020B0604020202020204" pitchFamily="34" charset="0"/>
-              </a:endParaRPr>
-            </a:p>
-          </p:txBody>
-        </p:sp>
-        <p:sp>
-          <p:nvSpPr>
-            <p:cNvPr id="27" name="TextBox 26">
-              <a:extLst>
-                <a:ext uri="{FF2B5EF4-FFF2-40B4-BE49-F238E27FC236}">
-                  <a16:creationId xmlns:a16="http://schemas.microsoft.com/office/drawing/2014/main" id="{B8FBAEB9-A2E2-C34C-9E9D-B943C50948A9}"/>
-                </a:ext>
-              </a:extLst>
-            </p:cNvPr>
-            <p:cNvSpPr txBox="1"/>
-            <p:nvPr/>
-          </p:nvSpPr>
-          <p:spPr>
-            <a:xfrm>
-              <a:off x="10272653" y="6084398"/>
-              <a:ext cx="197438" cy="111064"/>
-            </a:xfrm>
-            <a:prstGeom prst="rect">
-              <a:avLst/>
-            </a:prstGeom>
-            <a:noFill/>
-          </p:spPr>
-          <p:txBody>
-            <a:bodyPr wrap="none" rtlCol="0">
-              <a:spAutoFit/>
-            </a:bodyPr>
-            <a:lstStyle/>
-            <a:p>
-              <a:pPr algn="ctr"/>
-              <a:r>
-                <a:rPr lang="en-GB" sz="600" i="1" dirty="0">
-                  <a:latin typeface="Arial" panose="020B0604020202020204" pitchFamily="34" charset="0"/>
-                  <a:cs typeface="Arial" panose="020B0604020202020204" pitchFamily="34" charset="0"/>
-                </a:rPr>
-                <a:t>Lund</a:t>
-              </a:r>
-            </a:p>
-          </p:txBody>
-        </p:sp>
-      </p:grpSp>
-      <p:pic>
-        <p:nvPicPr>
-          <p:cNvPr id="36" name="Picture 35" descr="NBIS Staff">
-            <a:extLst>
-              <a:ext uri="{FF2B5EF4-FFF2-40B4-BE49-F238E27FC236}">
-                <a16:creationId xmlns:a16="http://schemas.microsoft.com/office/drawing/2014/main" id="{340A3D75-627C-4F46-8392-95589967FBBD}"/>
-              </a:ext>
-            </a:extLst>
-          </p:cNvPr>
-          <p:cNvPicPr>
-            <a:picLocks noChangeAspect="1"/>
-          </p:cNvPicPr>
-          <p:nvPr/>
-        </p:nvPicPr>
-        <p:blipFill>
-          <a:blip r:embed="rId5" cstate="screen">
-            <a:extLst>
-              <a:ext uri="{28A0092B-C50C-407E-A947-70E740481C1C}">
-                <a14:useLocalDpi xmlns:a14="http://schemas.microsoft.com/office/drawing/2010/main"/>
-              </a:ext>
-            </a:extLst>
-          </a:blip>
-          <a:stretch>
-            <a:fillRect/>
-          </a:stretch>
-        </p:blipFill>
-        <p:spPr>
-          <a:xfrm>
-            <a:off x="5098709" y="1495520"/>
-            <a:ext cx="4532237" cy="2130614"/>
-          </a:xfrm>
-          <a:prstGeom prst="rect">
-            <a:avLst/>
-          </a:prstGeom>
-          <a:ln>
-            <a:noFill/>
-          </a:ln>
-          <a:effectLst>
-            <a:softEdge rad="112500"/>
-          </a:effectLst>
-        </p:spPr>
-      </p:pic>
       <p:sp>
         <p:nvSpPr>
           <p:cNvPr id="37" name="Content Placeholder 1">
@@ -3772,263 +2409,6 @@
           </a:p>
         </p:txBody>
       </p:sp>
-      <p:cxnSp>
-        <p:nvCxnSpPr>
-          <p:cNvPr id="8" name="Straight Connector 7">
-            <a:extLst>
-              <a:ext uri="{FF2B5EF4-FFF2-40B4-BE49-F238E27FC236}">
-                <a16:creationId xmlns:a16="http://schemas.microsoft.com/office/drawing/2014/main" id="{92437C0B-BCAA-B243-9D67-3BB1EE658E85}"/>
-              </a:ext>
-            </a:extLst>
-          </p:cNvPr>
-          <p:cNvCxnSpPr/>
-          <p:nvPr/>
-        </p:nvCxnSpPr>
-        <p:spPr>
-          <a:xfrm flipV="1">
-            <a:off x="8469625" y="3692617"/>
-            <a:ext cx="2308962" cy="679687"/>
-          </a:xfrm>
-          <a:prstGeom prst="line">
-            <a:avLst/>
-          </a:prstGeom>
-          <a:ln w="28575" cap="rnd">
-            <a:prstDash val="sysDot"/>
-            <a:round/>
-            <a:tailEnd type="none"/>
-          </a:ln>
-        </p:spPr>
-        <p:style>
-          <a:lnRef idx="1">
-            <a:schemeClr val="accent1"/>
-          </a:lnRef>
-          <a:fillRef idx="0">
-            <a:schemeClr val="accent1"/>
-          </a:fillRef>
-          <a:effectRef idx="0">
-            <a:schemeClr val="accent1"/>
-          </a:effectRef>
-          <a:fontRef idx="minor">
-            <a:schemeClr val="tx1"/>
-          </a:fontRef>
-        </p:style>
-      </p:cxnSp>
-      <p:cxnSp>
-        <p:nvCxnSpPr>
-          <p:cNvPr id="35" name="Straight Connector 34">
-            <a:extLst>
-              <a:ext uri="{FF2B5EF4-FFF2-40B4-BE49-F238E27FC236}">
-                <a16:creationId xmlns:a16="http://schemas.microsoft.com/office/drawing/2014/main" id="{16F52271-3D90-494A-A4F7-D2635F6E5958}"/>
-              </a:ext>
-            </a:extLst>
-          </p:cNvPr>
-          <p:cNvCxnSpPr>
-            <a:cxnSpLocks/>
-          </p:cNvCxnSpPr>
-          <p:nvPr/>
-        </p:nvCxnSpPr>
-        <p:spPr>
-          <a:xfrm>
-            <a:off x="8549921" y="5247013"/>
-            <a:ext cx="1323746" cy="340285"/>
-          </a:xfrm>
-          <a:prstGeom prst="line">
-            <a:avLst/>
-          </a:prstGeom>
-          <a:ln w="28575" cap="rnd">
-            <a:prstDash val="sysDot"/>
-            <a:round/>
-            <a:headEnd type="none"/>
-            <a:tailEnd type="none"/>
-          </a:ln>
-        </p:spPr>
-        <p:style>
-          <a:lnRef idx="1">
-            <a:schemeClr val="accent1"/>
-          </a:lnRef>
-          <a:fillRef idx="0">
-            <a:schemeClr val="accent1"/>
-          </a:fillRef>
-          <a:effectRef idx="0">
-            <a:schemeClr val="accent1"/>
-          </a:effectRef>
-          <a:fontRef idx="minor">
-            <a:schemeClr val="tx1"/>
-          </a:fontRef>
-        </p:style>
-      </p:cxnSp>
-      <p:cxnSp>
-        <p:nvCxnSpPr>
-          <p:cNvPr id="38" name="Straight Connector 37">
-            <a:extLst>
-              <a:ext uri="{FF2B5EF4-FFF2-40B4-BE49-F238E27FC236}">
-                <a16:creationId xmlns:a16="http://schemas.microsoft.com/office/drawing/2014/main" id="{E6C609C4-EF2B-8C4A-B2D4-3C250F84A120}"/>
-              </a:ext>
-            </a:extLst>
-          </p:cNvPr>
-          <p:cNvCxnSpPr>
-            <a:cxnSpLocks/>
-          </p:cNvCxnSpPr>
-          <p:nvPr/>
-        </p:nvCxnSpPr>
-        <p:spPr>
-          <a:xfrm>
-            <a:off x="8601038" y="4684966"/>
-            <a:ext cx="1837631" cy="22168"/>
-          </a:xfrm>
-          <a:prstGeom prst="line">
-            <a:avLst/>
-          </a:prstGeom>
-          <a:ln w="28575" cap="rnd">
-            <a:prstDash val="sysDot"/>
-            <a:round/>
-            <a:tailEnd type="stealth" w="sm" len="sm"/>
-          </a:ln>
-        </p:spPr>
-        <p:style>
-          <a:lnRef idx="1">
-            <a:schemeClr val="accent1"/>
-          </a:lnRef>
-          <a:fillRef idx="0">
-            <a:schemeClr val="accent1"/>
-          </a:fillRef>
-          <a:effectRef idx="0">
-            <a:schemeClr val="accent1"/>
-          </a:effectRef>
-          <a:fontRef idx="minor">
-            <a:schemeClr val="tx1"/>
-          </a:fontRef>
-        </p:style>
-      </p:cxnSp>
-      <p:cxnSp>
-        <p:nvCxnSpPr>
-          <p:cNvPr id="39" name="Straight Connector 38">
-            <a:extLst>
-              <a:ext uri="{FF2B5EF4-FFF2-40B4-BE49-F238E27FC236}">
-                <a16:creationId xmlns:a16="http://schemas.microsoft.com/office/drawing/2014/main" id="{D75B1EC4-2A3C-854A-AFBC-63D703470F04}"/>
-              </a:ext>
-            </a:extLst>
-          </p:cNvPr>
-          <p:cNvCxnSpPr>
-            <a:cxnSpLocks/>
-          </p:cNvCxnSpPr>
-          <p:nvPr/>
-        </p:nvCxnSpPr>
-        <p:spPr>
-          <a:xfrm>
-            <a:off x="8523095" y="5123031"/>
-            <a:ext cx="1202246" cy="65669"/>
-          </a:xfrm>
-          <a:prstGeom prst="line">
-            <a:avLst/>
-          </a:prstGeom>
-          <a:ln w="28575" cap="rnd">
-            <a:prstDash val="sysDot"/>
-            <a:round/>
-            <a:tailEnd type="none"/>
-          </a:ln>
-        </p:spPr>
-        <p:style>
-          <a:lnRef idx="1">
-            <a:schemeClr val="accent1"/>
-          </a:lnRef>
-          <a:fillRef idx="0">
-            <a:schemeClr val="accent1"/>
-          </a:fillRef>
-          <a:effectRef idx="0">
-            <a:schemeClr val="accent1"/>
-          </a:effectRef>
-          <a:fontRef idx="minor">
-            <a:schemeClr val="tx1"/>
-          </a:fontRef>
-        </p:style>
-      </p:cxnSp>
-      <p:cxnSp>
-        <p:nvCxnSpPr>
-          <p:cNvPr id="40" name="Straight Connector 39">
-            <a:extLst>
-              <a:ext uri="{FF2B5EF4-FFF2-40B4-BE49-F238E27FC236}">
-                <a16:creationId xmlns:a16="http://schemas.microsoft.com/office/drawing/2014/main" id="{60B48166-3BFB-294A-9BFF-C490BFABCB96}"/>
-              </a:ext>
-            </a:extLst>
-          </p:cNvPr>
-          <p:cNvCxnSpPr>
-            <a:cxnSpLocks/>
-          </p:cNvCxnSpPr>
-          <p:nvPr/>
-        </p:nvCxnSpPr>
-        <p:spPr>
-          <a:xfrm>
-            <a:off x="8649567" y="4774724"/>
-            <a:ext cx="1837631" cy="22168"/>
-          </a:xfrm>
-          <a:prstGeom prst="line">
-            <a:avLst/>
-          </a:prstGeom>
-          <a:ln w="28575" cap="rnd">
-            <a:prstDash val="sysDot"/>
-            <a:round/>
-            <a:tailEnd type="none"/>
-          </a:ln>
-        </p:spPr>
-        <p:style>
-          <a:lnRef idx="1">
-            <a:schemeClr val="accent1"/>
-          </a:lnRef>
-          <a:fillRef idx="0">
-            <a:schemeClr val="accent1"/>
-          </a:fillRef>
-          <a:effectRef idx="0">
-            <a:schemeClr val="accent1"/>
-          </a:effectRef>
-          <a:fontRef idx="minor">
-            <a:schemeClr val="tx1"/>
-          </a:fontRef>
-        </p:style>
-      </p:cxnSp>
-      <p:cxnSp>
-        <p:nvCxnSpPr>
-          <p:cNvPr id="41" name="Straight Connector 40">
-            <a:extLst>
-              <a:ext uri="{FF2B5EF4-FFF2-40B4-BE49-F238E27FC236}">
-                <a16:creationId xmlns:a16="http://schemas.microsoft.com/office/drawing/2014/main" id="{AE97E876-6BFF-CF4E-80FB-8291F131BAB3}"/>
-              </a:ext>
-            </a:extLst>
-          </p:cNvPr>
-          <p:cNvCxnSpPr>
-            <a:cxnSpLocks/>
-          </p:cNvCxnSpPr>
-          <p:nvPr/>
-        </p:nvCxnSpPr>
-        <p:spPr>
-          <a:xfrm>
-            <a:off x="8581451" y="4935079"/>
-            <a:ext cx="1607136" cy="57763"/>
-          </a:xfrm>
-          <a:prstGeom prst="line">
-            <a:avLst/>
-          </a:prstGeom>
-          <a:ln w="28575" cap="rnd">
-            <a:prstDash val="sysDot"/>
-            <a:round/>
-            <a:tailEnd type="none"/>
-          </a:ln>
-        </p:spPr>
-        <p:style>
-          <a:lnRef idx="1">
-            <a:schemeClr val="accent1"/>
-          </a:lnRef>
-          <a:fillRef idx="0">
-            <a:schemeClr val="accent1"/>
-          </a:fillRef>
-          <a:effectRef idx="0">
-            <a:schemeClr val="accent1"/>
-          </a:effectRef>
-          <a:fontRef idx="minor">
-            <a:schemeClr val="tx1"/>
-          </a:fontRef>
-        </p:style>
-      </p:cxnSp>
       <p:sp>
         <p:nvSpPr>
           <p:cNvPr id="42" name="Rectangle 10">
@@ -4151,10 +2531,10 @@
           <p:nvPr/>
         </p:nvPicPr>
         <p:blipFill>
-          <a:blip r:embed="rId6">
+          <a:blip r:embed="rId4">
             <a:extLst>
               <a:ext uri="{96DAC541-7B7A-43D3-8B79-37D633B846F1}">
-                <asvg:svgBlip xmlns:asvg="http://schemas.microsoft.com/office/drawing/2016/SVG/main" r:embed="rId7"/>
+                <asvg:svgBlip xmlns:asvg="http://schemas.microsoft.com/office/drawing/2016/SVG/main" r:embed="rId5"/>
               </a:ext>
             </a:extLst>
           </a:blip>
@@ -4172,6 +2552,1331 @@
           </a:prstGeom>
         </p:spPr>
       </p:pic>
+      <p:pic>
+        <p:nvPicPr>
+          <p:cNvPr id="2" name="Google Shape;32;p2">
+            <a:extLst>
+              <a:ext uri="{FF2B5EF4-FFF2-40B4-BE49-F238E27FC236}">
+                <a16:creationId xmlns:a16="http://schemas.microsoft.com/office/drawing/2014/main" id="{0FEF334C-98DD-BB22-5B18-D039F5DB5E26}"/>
+              </a:ext>
+            </a:extLst>
+          </p:cNvPr>
+          <p:cNvPicPr preferRelativeResize="0"/>
+          <p:nvPr/>
+        </p:nvPicPr>
+        <p:blipFill rotWithShape="1">
+          <a:blip r:embed="rId6">
+            <a:alphaModFix/>
+          </a:blip>
+          <a:srcRect/>
+          <a:stretch/>
+        </p:blipFill>
+        <p:spPr>
+          <a:xfrm>
+            <a:off x="4673117" y="1530902"/>
+            <a:ext cx="4311705" cy="2573230"/>
+          </a:xfrm>
+          <a:prstGeom prst="rect">
+            <a:avLst/>
+          </a:prstGeom>
+          <a:noFill/>
+          <a:ln>
+            <a:noFill/>
+          </a:ln>
+        </p:spPr>
+      </p:pic>
+      <p:pic>
+        <p:nvPicPr>
+          <p:cNvPr id="9" name="Google Shape;33;p2" descr="A group of people standing outside a building&#10;&#10;Description automatically generated with medium confidence">
+            <a:extLst>
+              <a:ext uri="{FF2B5EF4-FFF2-40B4-BE49-F238E27FC236}">
+                <a16:creationId xmlns:a16="http://schemas.microsoft.com/office/drawing/2014/main" id="{864D5F65-A3AA-31FC-2651-53C12D0A2049}"/>
+              </a:ext>
+            </a:extLst>
+          </p:cNvPr>
+          <p:cNvPicPr preferRelativeResize="0"/>
+          <p:nvPr/>
+        </p:nvPicPr>
+        <p:blipFill rotWithShape="1">
+          <a:blip r:embed="rId7">
+            <a:alphaModFix/>
+          </a:blip>
+          <a:srcRect/>
+          <a:stretch/>
+        </p:blipFill>
+        <p:spPr>
+          <a:xfrm>
+            <a:off x="1" y="-3043596"/>
+            <a:ext cx="6173300" cy="2632268"/>
+          </a:xfrm>
+          <a:prstGeom prst="rect">
+            <a:avLst/>
+          </a:prstGeom>
+          <a:noFill/>
+          <a:ln>
+            <a:noFill/>
+          </a:ln>
+        </p:spPr>
+      </p:pic>
+      <p:sp>
+        <p:nvSpPr>
+          <p:cNvPr id="10" name="Google Shape;34;p2">
+            <a:extLst>
+              <a:ext uri="{FF2B5EF4-FFF2-40B4-BE49-F238E27FC236}">
+                <a16:creationId xmlns:a16="http://schemas.microsoft.com/office/drawing/2014/main" id="{7AAD85EA-730D-FC64-787A-44CFAF64E985}"/>
+              </a:ext>
+            </a:extLst>
+          </p:cNvPr>
+          <p:cNvSpPr/>
+          <p:nvPr/>
+        </p:nvSpPr>
+        <p:spPr>
+          <a:xfrm>
+            <a:off x="6533151" y="3769687"/>
+            <a:ext cx="2181053" cy="2130615"/>
+          </a:xfrm>
+          <a:prstGeom prst="ellipse">
+            <a:avLst/>
+          </a:prstGeom>
+          <a:solidFill>
+            <a:schemeClr val="accent1"/>
+          </a:solidFill>
+          <a:ln>
+            <a:noFill/>
+          </a:ln>
+        </p:spPr>
+        <p:txBody>
+          <a:bodyPr spcFirstLastPara="1" wrap="square" lIns="91433" tIns="45700" rIns="91433" bIns="45700" anchor="ctr" anchorCtr="0">
+            <a:noAutofit/>
+          </a:bodyPr>
+          <a:lstStyle/>
+          <a:p>
+            <a:pPr algn="ctr">
+              <a:buClr>
+                <a:srgbClr val="000000"/>
+              </a:buClr>
+              <a:buSzPts val="1400"/>
+            </a:pPr>
+            <a:endParaRPr sz="1867">
+              <a:solidFill>
+                <a:schemeClr val="lt1"/>
+              </a:solidFill>
+              <a:latin typeface="Calibri"/>
+              <a:ea typeface="Calibri"/>
+              <a:cs typeface="Calibri"/>
+              <a:sym typeface="Calibri"/>
+            </a:endParaRPr>
+          </a:p>
+        </p:txBody>
+      </p:sp>
+      <p:grpSp>
+        <p:nvGrpSpPr>
+          <p:cNvPr id="15" name="Google Shape;36;p2">
+            <a:extLst>
+              <a:ext uri="{FF2B5EF4-FFF2-40B4-BE49-F238E27FC236}">
+                <a16:creationId xmlns:a16="http://schemas.microsoft.com/office/drawing/2014/main" id="{49F82F9E-F989-90DE-4988-20A7C41F232B}"/>
+              </a:ext>
+            </a:extLst>
+          </p:cNvPr>
+          <p:cNvGrpSpPr/>
+          <p:nvPr/>
+        </p:nvGrpSpPr>
+        <p:grpSpPr>
+          <a:xfrm>
+            <a:off x="9218875" y="2005581"/>
+            <a:ext cx="2241712" cy="3860353"/>
+            <a:chOff x="10032616" y="3903061"/>
+            <a:chExt cx="1237035" cy="2321746"/>
+          </a:xfrm>
+        </p:grpSpPr>
+        <p:grpSp>
+          <p:nvGrpSpPr>
+            <p:cNvPr id="16" name="Google Shape;37;p2">
+              <a:extLst>
+                <a:ext uri="{FF2B5EF4-FFF2-40B4-BE49-F238E27FC236}">
+                  <a16:creationId xmlns:a16="http://schemas.microsoft.com/office/drawing/2014/main" id="{BD568171-37CC-94E6-3C6B-CE14EFA73B28}"/>
+                </a:ext>
+              </a:extLst>
+            </p:cNvPr>
+            <p:cNvGrpSpPr/>
+            <p:nvPr/>
+          </p:nvGrpSpPr>
+          <p:grpSpPr>
+            <a:xfrm>
+              <a:off x="10226037" y="3903061"/>
+              <a:ext cx="1043614" cy="2321746"/>
+              <a:chOff x="3663675" y="-2"/>
+              <a:chExt cx="2957700" cy="6580047"/>
+            </a:xfrm>
+          </p:grpSpPr>
+          <p:pic>
+            <p:nvPicPr>
+              <p:cNvPr id="45" name="Google Shape;38;p2">
+                <a:extLst>
+                  <a:ext uri="{FF2B5EF4-FFF2-40B4-BE49-F238E27FC236}">
+                    <a16:creationId xmlns:a16="http://schemas.microsoft.com/office/drawing/2014/main" id="{970E88E9-0A34-8E33-D502-07539FA03917}"/>
+                  </a:ext>
+                </a:extLst>
+              </p:cNvPr>
+              <p:cNvPicPr preferRelativeResize="0"/>
+              <p:nvPr/>
+            </p:nvPicPr>
+            <p:blipFill rotWithShape="1">
+              <a:blip r:embed="rId8">
+                <a:alphaModFix amt="70000"/>
+              </a:blip>
+              <a:srcRect l="33353" r="32933"/>
+              <a:stretch/>
+            </p:blipFill>
+            <p:spPr>
+              <a:xfrm>
+                <a:off x="3663675" y="-2"/>
+                <a:ext cx="2957700" cy="6580047"/>
+              </a:xfrm>
+              <a:prstGeom prst="rect">
+                <a:avLst/>
+              </a:prstGeom>
+              <a:noFill/>
+              <a:ln>
+                <a:noFill/>
+              </a:ln>
+            </p:spPr>
+          </p:pic>
+          <p:sp>
+            <p:nvSpPr>
+              <p:cNvPr id="46" name="Google Shape;39;p2">
+                <a:extLst>
+                  <a:ext uri="{FF2B5EF4-FFF2-40B4-BE49-F238E27FC236}">
+                    <a16:creationId xmlns:a16="http://schemas.microsoft.com/office/drawing/2014/main" id="{F4E8BEEC-DDD0-DDBE-4397-03BAC2747F74}"/>
+                  </a:ext>
+                </a:extLst>
+              </p:cNvPr>
+              <p:cNvSpPr/>
+              <p:nvPr/>
+            </p:nvSpPr>
+            <p:spPr>
+              <a:xfrm>
+                <a:off x="4200315" y="6083610"/>
+                <a:ext cx="93945" cy="93945"/>
+              </a:xfrm>
+              <a:prstGeom prst="ellipse">
+                <a:avLst/>
+              </a:prstGeom>
+              <a:solidFill>
+                <a:schemeClr val="accent1"/>
+              </a:solidFill>
+              <a:ln w="12700" cap="flat" cmpd="sng">
+                <a:solidFill>
+                  <a:srgbClr val="595959"/>
+                </a:solidFill>
+                <a:prstDash val="solid"/>
+                <a:miter lim="800000"/>
+                <a:headEnd type="none" w="sm" len="sm"/>
+                <a:tailEnd type="none" w="sm" len="sm"/>
+              </a:ln>
+            </p:spPr>
+            <p:txBody>
+              <a:bodyPr spcFirstLastPara="1" wrap="square" lIns="91433" tIns="45700" rIns="91433" bIns="45700" anchor="ctr" anchorCtr="0">
+                <a:noAutofit/>
+              </a:bodyPr>
+              <a:lstStyle/>
+              <a:p>
+                <a:pPr algn="ctr">
+                  <a:buClr>
+                    <a:srgbClr val="000000"/>
+                  </a:buClr>
+                  <a:buSzPts val="1400"/>
+                </a:pPr>
+                <a:endParaRPr sz="1867">
+                  <a:solidFill>
+                    <a:schemeClr val="lt1"/>
+                  </a:solidFill>
+                  <a:latin typeface="Calibri"/>
+                  <a:ea typeface="Calibri"/>
+                  <a:cs typeface="Calibri"/>
+                  <a:sym typeface="Calibri"/>
+                </a:endParaRPr>
+              </a:p>
+            </p:txBody>
+          </p:sp>
+          <p:sp>
+            <p:nvSpPr>
+              <p:cNvPr id="47" name="Google Shape;40;p2">
+                <a:extLst>
+                  <a:ext uri="{FF2B5EF4-FFF2-40B4-BE49-F238E27FC236}">
+                    <a16:creationId xmlns:a16="http://schemas.microsoft.com/office/drawing/2014/main" id="{37964A05-93D3-E8B3-26F4-96A9869C68CF}"/>
+                  </a:ext>
+                </a:extLst>
+              </p:cNvPr>
+              <p:cNvSpPr/>
+              <p:nvPr/>
+            </p:nvSpPr>
+            <p:spPr>
+              <a:xfrm>
+                <a:off x="3966709" y="5389468"/>
+                <a:ext cx="93945" cy="93945"/>
+              </a:xfrm>
+              <a:prstGeom prst="ellipse">
+                <a:avLst/>
+              </a:prstGeom>
+              <a:solidFill>
+                <a:schemeClr val="accent1"/>
+              </a:solidFill>
+              <a:ln w="12700" cap="flat" cmpd="sng">
+                <a:solidFill>
+                  <a:srgbClr val="595959"/>
+                </a:solidFill>
+                <a:prstDash val="solid"/>
+                <a:miter lim="800000"/>
+                <a:headEnd type="none" w="sm" len="sm"/>
+                <a:tailEnd type="none" w="sm" len="sm"/>
+              </a:ln>
+            </p:spPr>
+            <p:txBody>
+              <a:bodyPr spcFirstLastPara="1" wrap="square" lIns="91433" tIns="45700" rIns="91433" bIns="45700" anchor="ctr" anchorCtr="0">
+                <a:noAutofit/>
+              </a:bodyPr>
+              <a:lstStyle/>
+              <a:p>
+                <a:pPr algn="ctr">
+                  <a:buClr>
+                    <a:srgbClr val="000000"/>
+                  </a:buClr>
+                  <a:buSzPts val="1400"/>
+                </a:pPr>
+                <a:endParaRPr sz="1867">
+                  <a:solidFill>
+                    <a:schemeClr val="lt1"/>
+                  </a:solidFill>
+                  <a:latin typeface="Calibri"/>
+                  <a:ea typeface="Calibri"/>
+                  <a:cs typeface="Calibri"/>
+                  <a:sym typeface="Calibri"/>
+                </a:endParaRPr>
+              </a:p>
+            </p:txBody>
+          </p:sp>
+          <p:sp>
+            <p:nvSpPr>
+              <p:cNvPr id="48" name="Google Shape;41;p2">
+                <a:extLst>
+                  <a:ext uri="{FF2B5EF4-FFF2-40B4-BE49-F238E27FC236}">
+                    <a16:creationId xmlns:a16="http://schemas.microsoft.com/office/drawing/2014/main" id="{5FE75C28-565E-9CAE-937E-506D161C608E}"/>
+                  </a:ext>
+                </a:extLst>
+              </p:cNvPr>
+              <p:cNvSpPr/>
+              <p:nvPr/>
+            </p:nvSpPr>
+            <p:spPr>
+              <a:xfrm>
+                <a:off x="5068602" y="4575183"/>
+                <a:ext cx="93945" cy="93945"/>
+              </a:xfrm>
+              <a:prstGeom prst="ellipse">
+                <a:avLst/>
+              </a:prstGeom>
+              <a:solidFill>
+                <a:schemeClr val="accent1"/>
+              </a:solidFill>
+              <a:ln w="12700" cap="flat" cmpd="sng">
+                <a:solidFill>
+                  <a:srgbClr val="595959"/>
+                </a:solidFill>
+                <a:prstDash val="solid"/>
+                <a:miter lim="800000"/>
+                <a:headEnd type="none" w="sm" len="sm"/>
+                <a:tailEnd type="none" w="sm" len="sm"/>
+              </a:ln>
+            </p:spPr>
+            <p:txBody>
+              <a:bodyPr spcFirstLastPara="1" wrap="square" lIns="91433" tIns="45700" rIns="91433" bIns="45700" anchor="ctr" anchorCtr="0">
+                <a:noAutofit/>
+              </a:bodyPr>
+              <a:lstStyle/>
+              <a:p>
+                <a:pPr algn="ctr">
+                  <a:buClr>
+                    <a:srgbClr val="000000"/>
+                  </a:buClr>
+                  <a:buSzPts val="1400"/>
+                </a:pPr>
+                <a:endParaRPr sz="1867">
+                  <a:solidFill>
+                    <a:schemeClr val="lt1"/>
+                  </a:solidFill>
+                  <a:latin typeface="Calibri"/>
+                  <a:ea typeface="Calibri"/>
+                  <a:cs typeface="Calibri"/>
+                  <a:sym typeface="Calibri"/>
+                </a:endParaRPr>
+              </a:p>
+            </p:txBody>
+          </p:sp>
+          <p:sp>
+            <p:nvSpPr>
+              <p:cNvPr id="49" name="Google Shape;42;p2">
+                <a:extLst>
+                  <a:ext uri="{FF2B5EF4-FFF2-40B4-BE49-F238E27FC236}">
+                    <a16:creationId xmlns:a16="http://schemas.microsoft.com/office/drawing/2014/main" id="{A0E6389F-0A47-BCAD-5198-4614E466853F}"/>
+                  </a:ext>
+                </a:extLst>
+              </p:cNvPr>
+              <p:cNvSpPr/>
+              <p:nvPr/>
+            </p:nvSpPr>
+            <p:spPr>
+              <a:xfrm>
+                <a:off x="5149199" y="4720909"/>
+                <a:ext cx="93945" cy="93945"/>
+              </a:xfrm>
+              <a:prstGeom prst="ellipse">
+                <a:avLst/>
+              </a:prstGeom>
+              <a:solidFill>
+                <a:schemeClr val="accent1"/>
+              </a:solidFill>
+              <a:ln w="12700" cap="flat" cmpd="sng">
+                <a:solidFill>
+                  <a:srgbClr val="595959"/>
+                </a:solidFill>
+                <a:prstDash val="solid"/>
+                <a:miter lim="800000"/>
+                <a:headEnd type="none" w="sm" len="sm"/>
+                <a:tailEnd type="none" w="sm" len="sm"/>
+              </a:ln>
+            </p:spPr>
+            <p:txBody>
+              <a:bodyPr spcFirstLastPara="1" wrap="square" lIns="91433" tIns="45700" rIns="91433" bIns="45700" anchor="ctr" anchorCtr="0">
+                <a:noAutofit/>
+              </a:bodyPr>
+              <a:lstStyle/>
+              <a:p>
+                <a:pPr algn="ctr">
+                  <a:buClr>
+                    <a:srgbClr val="000000"/>
+                  </a:buClr>
+                  <a:buSzPts val="1400"/>
+                </a:pPr>
+                <a:endParaRPr sz="1867">
+                  <a:solidFill>
+                    <a:schemeClr val="lt1"/>
+                  </a:solidFill>
+                  <a:latin typeface="Calibri"/>
+                  <a:ea typeface="Calibri"/>
+                  <a:cs typeface="Calibri"/>
+                  <a:sym typeface="Calibri"/>
+                </a:endParaRPr>
+              </a:p>
+            </p:txBody>
+          </p:sp>
+          <p:sp>
+            <p:nvSpPr>
+              <p:cNvPr id="50" name="Google Shape;43;p2">
+                <a:extLst>
+                  <a:ext uri="{FF2B5EF4-FFF2-40B4-BE49-F238E27FC236}">
+                    <a16:creationId xmlns:a16="http://schemas.microsoft.com/office/drawing/2014/main" id="{E4901BDA-32FB-DBD7-1F1C-BFE524D3E754}"/>
+                  </a:ext>
+                </a:extLst>
+              </p:cNvPr>
+              <p:cNvSpPr/>
+              <p:nvPr/>
+            </p:nvSpPr>
+            <p:spPr>
+              <a:xfrm>
+                <a:off x="4693722" y="5061305"/>
+                <a:ext cx="93945" cy="93945"/>
+              </a:xfrm>
+              <a:prstGeom prst="ellipse">
+                <a:avLst/>
+              </a:prstGeom>
+              <a:solidFill>
+                <a:schemeClr val="accent1"/>
+              </a:solidFill>
+              <a:ln w="12700" cap="flat" cmpd="sng">
+                <a:solidFill>
+                  <a:srgbClr val="595959"/>
+                </a:solidFill>
+                <a:prstDash val="solid"/>
+                <a:miter lim="800000"/>
+                <a:headEnd type="none" w="sm" len="sm"/>
+                <a:tailEnd type="none" w="sm" len="sm"/>
+              </a:ln>
+            </p:spPr>
+            <p:txBody>
+              <a:bodyPr spcFirstLastPara="1" wrap="square" lIns="91433" tIns="45700" rIns="91433" bIns="45700" anchor="ctr" anchorCtr="0">
+                <a:noAutofit/>
+              </a:bodyPr>
+              <a:lstStyle/>
+              <a:p>
+                <a:pPr algn="ctr">
+                  <a:buClr>
+                    <a:srgbClr val="000000"/>
+                  </a:buClr>
+                  <a:buSzPts val="1400"/>
+                </a:pPr>
+                <a:endParaRPr sz="1867">
+                  <a:solidFill>
+                    <a:schemeClr val="lt1"/>
+                  </a:solidFill>
+                  <a:latin typeface="Calibri"/>
+                  <a:ea typeface="Calibri"/>
+                  <a:cs typeface="Calibri"/>
+                  <a:sym typeface="Calibri"/>
+                </a:endParaRPr>
+              </a:p>
+            </p:txBody>
+          </p:sp>
+          <p:sp>
+            <p:nvSpPr>
+              <p:cNvPr id="51" name="Google Shape;44;p2">
+                <a:extLst>
+                  <a:ext uri="{FF2B5EF4-FFF2-40B4-BE49-F238E27FC236}">
+                    <a16:creationId xmlns:a16="http://schemas.microsoft.com/office/drawing/2014/main" id="{D0EC715F-E380-F559-0C1B-150FB13BB44C}"/>
+                  </a:ext>
+                </a:extLst>
+              </p:cNvPr>
+              <p:cNvSpPr/>
+              <p:nvPr/>
+            </p:nvSpPr>
+            <p:spPr>
+              <a:xfrm>
+                <a:off x="5614794" y="2805341"/>
+                <a:ext cx="93945" cy="93945"/>
+              </a:xfrm>
+              <a:prstGeom prst="ellipse">
+                <a:avLst/>
+              </a:prstGeom>
+              <a:solidFill>
+                <a:schemeClr val="accent1"/>
+              </a:solidFill>
+              <a:ln w="12700" cap="flat" cmpd="sng">
+                <a:solidFill>
+                  <a:srgbClr val="595959"/>
+                </a:solidFill>
+                <a:prstDash val="solid"/>
+                <a:miter lim="800000"/>
+                <a:headEnd type="none" w="sm" len="sm"/>
+                <a:tailEnd type="none" w="sm" len="sm"/>
+              </a:ln>
+            </p:spPr>
+            <p:txBody>
+              <a:bodyPr spcFirstLastPara="1" wrap="square" lIns="91433" tIns="45700" rIns="91433" bIns="45700" anchor="ctr" anchorCtr="0">
+                <a:noAutofit/>
+              </a:bodyPr>
+              <a:lstStyle/>
+              <a:p>
+                <a:pPr algn="ctr">
+                  <a:buClr>
+                    <a:srgbClr val="000000"/>
+                  </a:buClr>
+                  <a:buSzPts val="1400"/>
+                </a:pPr>
+                <a:endParaRPr sz="1867">
+                  <a:solidFill>
+                    <a:schemeClr val="lt1"/>
+                  </a:solidFill>
+                  <a:latin typeface="Calibri"/>
+                  <a:ea typeface="Calibri"/>
+                  <a:cs typeface="Calibri"/>
+                  <a:sym typeface="Calibri"/>
+                </a:endParaRPr>
+              </a:p>
+            </p:txBody>
+          </p:sp>
+        </p:grpSp>
+        <p:sp>
+          <p:nvSpPr>
+            <p:cNvPr id="17" name="Google Shape;45;p2">
+              <a:extLst>
+                <a:ext uri="{FF2B5EF4-FFF2-40B4-BE49-F238E27FC236}">
+                  <a16:creationId xmlns:a16="http://schemas.microsoft.com/office/drawing/2014/main" id="{70A6D8FB-60CD-33C7-BF28-3C8BA576BD77}"/>
+                </a:ext>
+              </a:extLst>
+            </p:cNvPr>
+            <p:cNvSpPr txBox="1"/>
+            <p:nvPr/>
+          </p:nvSpPr>
+          <p:spPr>
+            <a:xfrm>
+              <a:off x="10901429" y="4831690"/>
+              <a:ext cx="280852" cy="117249"/>
+            </a:xfrm>
+            <a:prstGeom prst="rect">
+              <a:avLst/>
+            </a:prstGeom>
+            <a:noFill/>
+            <a:ln>
+              <a:noFill/>
+            </a:ln>
+          </p:spPr>
+          <p:txBody>
+            <a:bodyPr spcFirstLastPara="1" wrap="square" lIns="91433" tIns="45700" rIns="91433" bIns="45700" anchor="t" anchorCtr="0">
+              <a:spAutoFit/>
+            </a:bodyPr>
+            <a:lstStyle/>
+            <a:p>
+              <a:pPr algn="ctr">
+                <a:buClr>
+                  <a:srgbClr val="000000"/>
+                </a:buClr>
+                <a:buSzPts val="500"/>
+              </a:pPr>
+              <a:r>
+                <a:rPr lang="en" sz="667" i="1">
+                  <a:solidFill>
+                    <a:schemeClr val="dk1"/>
+                  </a:solidFill>
+                  <a:latin typeface="Arial"/>
+                  <a:ea typeface="Arial"/>
+                  <a:cs typeface="Arial"/>
+                  <a:sym typeface="Arial"/>
+                </a:rPr>
+                <a:t>Umeå</a:t>
+              </a:r>
+              <a:endParaRPr sz="667" i="1">
+                <a:solidFill>
+                  <a:schemeClr val="dk1"/>
+                </a:solidFill>
+                <a:latin typeface="Arial"/>
+                <a:ea typeface="Arial"/>
+                <a:cs typeface="Arial"/>
+                <a:sym typeface="Arial"/>
+              </a:endParaRPr>
+            </a:p>
+          </p:txBody>
+        </p:sp>
+        <p:sp>
+          <p:nvSpPr>
+            <p:cNvPr id="18" name="Google Shape;46;p2">
+              <a:extLst>
+                <a:ext uri="{FF2B5EF4-FFF2-40B4-BE49-F238E27FC236}">
+                  <a16:creationId xmlns:a16="http://schemas.microsoft.com/office/drawing/2014/main" id="{7248CDB4-2AB3-9A85-07DD-C471096ADF39}"/>
+                </a:ext>
+              </a:extLst>
+            </p:cNvPr>
+            <p:cNvSpPr txBox="1"/>
+            <p:nvPr/>
+          </p:nvSpPr>
+          <p:spPr>
+            <a:xfrm>
+              <a:off x="10727667" y="5547385"/>
+              <a:ext cx="373630" cy="117249"/>
+            </a:xfrm>
+            <a:prstGeom prst="rect">
+              <a:avLst/>
+            </a:prstGeom>
+            <a:noFill/>
+            <a:ln>
+              <a:noFill/>
+            </a:ln>
+          </p:spPr>
+          <p:txBody>
+            <a:bodyPr spcFirstLastPara="1" wrap="square" lIns="91433" tIns="45700" rIns="91433" bIns="45700" anchor="t" anchorCtr="0">
+              <a:spAutoFit/>
+            </a:bodyPr>
+            <a:lstStyle/>
+            <a:p>
+              <a:pPr algn="ctr">
+                <a:buClr>
+                  <a:srgbClr val="000000"/>
+                </a:buClr>
+                <a:buSzPts val="500"/>
+              </a:pPr>
+              <a:r>
+                <a:rPr lang="en" sz="667" i="1">
+                  <a:solidFill>
+                    <a:schemeClr val="dk1"/>
+                  </a:solidFill>
+                  <a:latin typeface="Arial"/>
+                  <a:ea typeface="Arial"/>
+                  <a:cs typeface="Arial"/>
+                  <a:sym typeface="Arial"/>
+                </a:rPr>
+                <a:t>Stockholm</a:t>
+              </a:r>
+              <a:endParaRPr sz="1467">
+                <a:solidFill>
+                  <a:srgbClr val="000000"/>
+                </a:solidFill>
+                <a:latin typeface="Arial"/>
+                <a:ea typeface="Arial"/>
+                <a:cs typeface="Arial"/>
+                <a:sym typeface="Arial"/>
+              </a:endParaRPr>
+            </a:p>
+          </p:txBody>
+        </p:sp>
+        <p:sp>
+          <p:nvSpPr>
+            <p:cNvPr id="19" name="Google Shape;47;p2">
+              <a:extLst>
+                <a:ext uri="{FF2B5EF4-FFF2-40B4-BE49-F238E27FC236}">
+                  <a16:creationId xmlns:a16="http://schemas.microsoft.com/office/drawing/2014/main" id="{426270D1-31A1-B2D5-2F04-27E2C5405B49}"/>
+                </a:ext>
+              </a:extLst>
+            </p:cNvPr>
+            <p:cNvSpPr txBox="1"/>
+            <p:nvPr/>
+          </p:nvSpPr>
+          <p:spPr>
+            <a:xfrm>
+              <a:off x="10763039" y="5386702"/>
+              <a:ext cx="282358" cy="117249"/>
+            </a:xfrm>
+            <a:prstGeom prst="rect">
+              <a:avLst/>
+            </a:prstGeom>
+            <a:noFill/>
+            <a:ln>
+              <a:noFill/>
+            </a:ln>
+          </p:spPr>
+          <p:txBody>
+            <a:bodyPr spcFirstLastPara="1" wrap="square" lIns="91433" tIns="45700" rIns="91433" bIns="45700" anchor="t" anchorCtr="0">
+              <a:spAutoFit/>
+            </a:bodyPr>
+            <a:lstStyle/>
+            <a:p>
+              <a:pPr algn="ctr">
+                <a:buClr>
+                  <a:srgbClr val="000000"/>
+                </a:buClr>
+                <a:buSzPts val="500"/>
+              </a:pPr>
+              <a:r>
+                <a:rPr lang="en" sz="667" i="1">
+                  <a:solidFill>
+                    <a:schemeClr val="dk1"/>
+                  </a:solidFill>
+                  <a:latin typeface="Arial"/>
+                  <a:ea typeface="Arial"/>
+                  <a:cs typeface="Arial"/>
+                  <a:sym typeface="Arial"/>
+                </a:rPr>
+                <a:t>Uppsala</a:t>
+              </a:r>
+              <a:endParaRPr sz="1467">
+                <a:solidFill>
+                  <a:srgbClr val="000000"/>
+                </a:solidFill>
+                <a:latin typeface="Arial"/>
+                <a:ea typeface="Arial"/>
+                <a:cs typeface="Arial"/>
+                <a:sym typeface="Arial"/>
+              </a:endParaRPr>
+            </a:p>
+          </p:txBody>
+        </p:sp>
+        <p:sp>
+          <p:nvSpPr>
+            <p:cNvPr id="20" name="Google Shape;48;p2">
+              <a:extLst>
+                <a:ext uri="{FF2B5EF4-FFF2-40B4-BE49-F238E27FC236}">
+                  <a16:creationId xmlns:a16="http://schemas.microsoft.com/office/drawing/2014/main" id="{3AB97C13-823D-0737-A30B-51E8038BAF72}"/>
+                </a:ext>
+              </a:extLst>
+            </p:cNvPr>
+            <p:cNvSpPr txBox="1"/>
+            <p:nvPr/>
+          </p:nvSpPr>
+          <p:spPr>
+            <a:xfrm>
+              <a:off x="10648551" y="5649241"/>
+              <a:ext cx="312433" cy="117249"/>
+            </a:xfrm>
+            <a:prstGeom prst="rect">
+              <a:avLst/>
+            </a:prstGeom>
+            <a:noFill/>
+            <a:ln>
+              <a:noFill/>
+            </a:ln>
+          </p:spPr>
+          <p:txBody>
+            <a:bodyPr spcFirstLastPara="1" wrap="square" lIns="91433" tIns="45700" rIns="91433" bIns="45700" anchor="t" anchorCtr="0">
+              <a:spAutoFit/>
+            </a:bodyPr>
+            <a:lstStyle/>
+            <a:p>
+              <a:pPr algn="ctr">
+                <a:buClr>
+                  <a:srgbClr val="000000"/>
+                </a:buClr>
+                <a:buSzPts val="500"/>
+              </a:pPr>
+              <a:r>
+                <a:rPr lang="en" sz="667" i="1">
+                  <a:solidFill>
+                    <a:schemeClr val="dk1"/>
+                  </a:solidFill>
+                  <a:latin typeface="Arial"/>
+                  <a:ea typeface="Arial"/>
+                  <a:cs typeface="Arial"/>
+                  <a:sym typeface="Arial"/>
+                </a:rPr>
+                <a:t>Linköping</a:t>
+              </a:r>
+              <a:endParaRPr sz="1467">
+                <a:solidFill>
+                  <a:srgbClr val="000000"/>
+                </a:solidFill>
+                <a:latin typeface="Arial"/>
+                <a:ea typeface="Arial"/>
+                <a:cs typeface="Arial"/>
+                <a:sym typeface="Arial"/>
+              </a:endParaRPr>
+            </a:p>
+          </p:txBody>
+        </p:sp>
+        <p:sp>
+          <p:nvSpPr>
+            <p:cNvPr id="43" name="Google Shape;49;p2">
+              <a:extLst>
+                <a:ext uri="{FF2B5EF4-FFF2-40B4-BE49-F238E27FC236}">
+                  <a16:creationId xmlns:a16="http://schemas.microsoft.com/office/drawing/2014/main" id="{40225E82-DE15-EA0C-2210-DE490BC9B2C5}"/>
+                </a:ext>
+              </a:extLst>
+            </p:cNvPr>
+            <p:cNvSpPr txBox="1"/>
+            <p:nvPr/>
+          </p:nvSpPr>
+          <p:spPr>
+            <a:xfrm>
+              <a:off x="10032616" y="5713587"/>
+              <a:ext cx="308895" cy="117249"/>
+            </a:xfrm>
+            <a:prstGeom prst="rect">
+              <a:avLst/>
+            </a:prstGeom>
+            <a:noFill/>
+            <a:ln>
+              <a:noFill/>
+            </a:ln>
+          </p:spPr>
+          <p:txBody>
+            <a:bodyPr spcFirstLastPara="1" wrap="square" lIns="91433" tIns="45700" rIns="91433" bIns="45700" anchor="t" anchorCtr="0">
+              <a:spAutoFit/>
+            </a:bodyPr>
+            <a:lstStyle/>
+            <a:p>
+              <a:pPr algn="ctr">
+                <a:buClr>
+                  <a:srgbClr val="000000"/>
+                </a:buClr>
+                <a:buSzPts val="500"/>
+              </a:pPr>
+              <a:r>
+                <a:rPr lang="en" sz="667" i="1">
+                  <a:solidFill>
+                    <a:schemeClr val="dk1"/>
+                  </a:solidFill>
+                  <a:latin typeface="Arial"/>
+                  <a:ea typeface="Arial"/>
+                  <a:cs typeface="Arial"/>
+                  <a:sym typeface="Arial"/>
+                </a:rPr>
+                <a:t>Göteborg</a:t>
+              </a:r>
+              <a:endParaRPr sz="667" i="1">
+                <a:solidFill>
+                  <a:schemeClr val="dk1"/>
+                </a:solidFill>
+                <a:latin typeface="Arial"/>
+                <a:ea typeface="Arial"/>
+                <a:cs typeface="Arial"/>
+                <a:sym typeface="Arial"/>
+              </a:endParaRPr>
+            </a:p>
+          </p:txBody>
+        </p:sp>
+        <p:sp>
+          <p:nvSpPr>
+            <p:cNvPr id="44" name="Google Shape;50;p2">
+              <a:extLst>
+                <a:ext uri="{FF2B5EF4-FFF2-40B4-BE49-F238E27FC236}">
+                  <a16:creationId xmlns:a16="http://schemas.microsoft.com/office/drawing/2014/main" id="{411535C6-3A3C-2272-635F-5271AB002763}"/>
+                </a:ext>
+              </a:extLst>
+            </p:cNvPr>
+            <p:cNvSpPr txBox="1"/>
+            <p:nvPr/>
+          </p:nvSpPr>
+          <p:spPr>
+            <a:xfrm>
+              <a:off x="10227448" y="6047508"/>
+              <a:ext cx="211592" cy="117249"/>
+            </a:xfrm>
+            <a:prstGeom prst="rect">
+              <a:avLst/>
+            </a:prstGeom>
+            <a:noFill/>
+            <a:ln>
+              <a:noFill/>
+            </a:ln>
+          </p:spPr>
+          <p:txBody>
+            <a:bodyPr spcFirstLastPara="1" wrap="square" lIns="91433" tIns="45700" rIns="91433" bIns="45700" anchor="t" anchorCtr="0">
+              <a:spAutoFit/>
+            </a:bodyPr>
+            <a:lstStyle/>
+            <a:p>
+              <a:pPr algn="ctr">
+                <a:buClr>
+                  <a:srgbClr val="000000"/>
+                </a:buClr>
+                <a:buSzPts val="500"/>
+              </a:pPr>
+              <a:r>
+                <a:rPr lang="en" sz="667" i="1">
+                  <a:solidFill>
+                    <a:schemeClr val="dk1"/>
+                  </a:solidFill>
+                  <a:latin typeface="Arial"/>
+                  <a:ea typeface="Arial"/>
+                  <a:cs typeface="Arial"/>
+                  <a:sym typeface="Arial"/>
+                </a:rPr>
+                <a:t>Lund</a:t>
+              </a:r>
+              <a:endParaRPr sz="1467">
+                <a:solidFill>
+                  <a:srgbClr val="000000"/>
+                </a:solidFill>
+                <a:latin typeface="Arial"/>
+                <a:ea typeface="Arial"/>
+                <a:cs typeface="Arial"/>
+                <a:sym typeface="Arial"/>
+              </a:endParaRPr>
+            </a:p>
+          </p:txBody>
+        </p:sp>
+      </p:grpSp>
+      <p:sp>
+        <p:nvSpPr>
+          <p:cNvPr id="52" name="Google Shape;51;p2">
+            <a:extLst>
+              <a:ext uri="{FF2B5EF4-FFF2-40B4-BE49-F238E27FC236}">
+                <a16:creationId xmlns:a16="http://schemas.microsoft.com/office/drawing/2014/main" id="{F050D0D0-7C58-1877-86B3-20E0041F8AB1}"/>
+              </a:ext>
+            </a:extLst>
+          </p:cNvPr>
+          <p:cNvSpPr txBox="1">
+            <a:spLocks/>
+          </p:cNvSpPr>
+          <p:nvPr/>
+        </p:nvSpPr>
+        <p:spPr>
+          <a:xfrm>
+            <a:off x="6728952" y="4221758"/>
+            <a:ext cx="1747217" cy="1644175"/>
+          </a:xfrm>
+          <a:prstGeom prst="rect">
+            <a:avLst/>
+          </a:prstGeom>
+          <a:noFill/>
+          <a:ln>
+            <a:noFill/>
+          </a:ln>
+        </p:spPr>
+        <p:txBody>
+          <a:bodyPr spcFirstLastPara="1" vert="horz" wrap="square" lIns="91433" tIns="45700" rIns="91433" bIns="45700" rtlCol="0" anchor="t" anchorCtr="0">
+            <a:normAutofit/>
+          </a:bodyPr>
+          <a:lstStyle>
+            <a:lvl1pPr marL="0" indent="0" algn="l" defTabSz="914400" rtl="0" eaLnBrk="1" latinLnBrk="0" hangingPunct="1">
+              <a:lnSpc>
+                <a:spcPct val="90000"/>
+              </a:lnSpc>
+              <a:spcBef>
+                <a:spcPts val="1000"/>
+              </a:spcBef>
+              <a:buFont typeface="Arial" panose="020B0604020202020204" pitchFamily="34" charset="0"/>
+              <a:buNone/>
+              <a:defRPr sz="2000" kern="1200">
+                <a:solidFill>
+                  <a:schemeClr val="bg2">
+                    <a:lumMod val="10000"/>
+                  </a:schemeClr>
+                </a:solidFill>
+                <a:latin typeface="Arial" panose="020B0604020202020204" pitchFamily="34" charset="0"/>
+                <a:ea typeface="+mn-ea"/>
+                <a:cs typeface="Arial" panose="020B0604020202020204" pitchFamily="34" charset="0"/>
+              </a:defRPr>
+            </a:lvl1pPr>
+            <a:lvl2pPr marL="457200" indent="0" algn="l" defTabSz="914400" rtl="0" eaLnBrk="1" latinLnBrk="0" hangingPunct="1">
+              <a:lnSpc>
+                <a:spcPct val="90000"/>
+              </a:lnSpc>
+              <a:spcBef>
+                <a:spcPts val="500"/>
+              </a:spcBef>
+              <a:buFont typeface="Arial" panose="020B0604020202020204" pitchFamily="34" charset="0"/>
+              <a:buNone/>
+              <a:defRPr sz="1600" kern="1200">
+                <a:solidFill>
+                  <a:schemeClr val="bg2">
+                    <a:lumMod val="10000"/>
+                  </a:schemeClr>
+                </a:solidFill>
+                <a:latin typeface="Arial" panose="020B0604020202020204" pitchFamily="34" charset="0"/>
+                <a:ea typeface="+mn-ea"/>
+                <a:cs typeface="Arial" panose="020B0604020202020204" pitchFamily="34" charset="0"/>
+              </a:defRPr>
+            </a:lvl2pPr>
+            <a:lvl3pPr marL="914400" indent="0" algn="l" defTabSz="914400" rtl="0" eaLnBrk="1" latinLnBrk="0" hangingPunct="1">
+              <a:lnSpc>
+                <a:spcPct val="90000"/>
+              </a:lnSpc>
+              <a:spcBef>
+                <a:spcPts val="500"/>
+              </a:spcBef>
+              <a:buFont typeface="Arial" panose="020B0604020202020204" pitchFamily="34" charset="0"/>
+              <a:buNone/>
+              <a:defRPr sz="1400" kern="1200">
+                <a:solidFill>
+                  <a:schemeClr val="bg2">
+                    <a:lumMod val="10000"/>
+                  </a:schemeClr>
+                </a:solidFill>
+                <a:latin typeface="Arial" panose="020B0604020202020204" pitchFamily="34" charset="0"/>
+                <a:ea typeface="+mn-ea"/>
+                <a:cs typeface="Arial" panose="020B0604020202020204" pitchFamily="34" charset="0"/>
+              </a:defRPr>
+            </a:lvl3pPr>
+            <a:lvl4pPr marL="1371600" indent="0" algn="l" defTabSz="914400" rtl="0" eaLnBrk="1" latinLnBrk="0" hangingPunct="1">
+              <a:lnSpc>
+                <a:spcPct val="90000"/>
+              </a:lnSpc>
+              <a:spcBef>
+                <a:spcPts val="500"/>
+              </a:spcBef>
+              <a:buFont typeface="Arial" panose="020B0604020202020204" pitchFamily="34" charset="0"/>
+              <a:buNone/>
+              <a:defRPr sz="1400" kern="1200">
+                <a:solidFill>
+                  <a:schemeClr val="bg2">
+                    <a:lumMod val="10000"/>
+                  </a:schemeClr>
+                </a:solidFill>
+                <a:latin typeface="Arial" panose="020B0604020202020204" pitchFamily="34" charset="0"/>
+                <a:ea typeface="+mn-ea"/>
+                <a:cs typeface="Arial" panose="020B0604020202020204" pitchFamily="34" charset="0"/>
+              </a:defRPr>
+            </a:lvl4pPr>
+            <a:lvl5pPr marL="1828800" indent="0" algn="l" defTabSz="914400" rtl="0" eaLnBrk="1" latinLnBrk="0" hangingPunct="1">
+              <a:lnSpc>
+                <a:spcPct val="90000"/>
+              </a:lnSpc>
+              <a:spcBef>
+                <a:spcPts val="500"/>
+              </a:spcBef>
+              <a:buFont typeface="Arial" panose="020B0604020202020204" pitchFamily="34" charset="0"/>
+              <a:buNone/>
+              <a:defRPr sz="1400" kern="1200">
+                <a:solidFill>
+                  <a:schemeClr val="bg2">
+                    <a:lumMod val="10000"/>
+                  </a:schemeClr>
+                </a:solidFill>
+                <a:latin typeface="Arial" panose="020B0604020202020204" pitchFamily="34" charset="0"/>
+                <a:ea typeface="+mn-ea"/>
+                <a:cs typeface="Arial" panose="020B0604020202020204" pitchFamily="34" charset="0"/>
+              </a:defRPr>
+            </a:lvl5pPr>
+            <a:lvl6pPr marL="2514600" indent="-228600" algn="l" defTabSz="914400" rtl="0" eaLnBrk="1" latinLnBrk="0" hangingPunct="1">
+              <a:lnSpc>
+                <a:spcPct val="90000"/>
+              </a:lnSpc>
+              <a:spcBef>
+                <a:spcPts val="500"/>
+              </a:spcBef>
+              <a:buFont typeface="Arial" panose="020B0604020202020204" pitchFamily="34" charset="0"/>
+              <a:buChar char="•"/>
+              <a:defRPr sz="1800" kern="1200">
+                <a:solidFill>
+                  <a:schemeClr val="tx1"/>
+                </a:solidFill>
+                <a:latin typeface="+mn-lt"/>
+                <a:ea typeface="+mn-ea"/>
+                <a:cs typeface="+mn-cs"/>
+              </a:defRPr>
+            </a:lvl6pPr>
+            <a:lvl7pPr marL="2971800" indent="-228600" algn="l" defTabSz="914400" rtl="0" eaLnBrk="1" latinLnBrk="0" hangingPunct="1">
+              <a:lnSpc>
+                <a:spcPct val="90000"/>
+              </a:lnSpc>
+              <a:spcBef>
+                <a:spcPts val="500"/>
+              </a:spcBef>
+              <a:buFont typeface="Arial" panose="020B0604020202020204" pitchFamily="34" charset="0"/>
+              <a:buChar char="•"/>
+              <a:defRPr sz="1800" kern="1200">
+                <a:solidFill>
+                  <a:schemeClr val="tx1"/>
+                </a:solidFill>
+                <a:latin typeface="+mn-lt"/>
+                <a:ea typeface="+mn-ea"/>
+                <a:cs typeface="+mn-cs"/>
+              </a:defRPr>
+            </a:lvl7pPr>
+            <a:lvl8pPr marL="3429000" indent="-228600" algn="l" defTabSz="914400" rtl="0" eaLnBrk="1" latinLnBrk="0" hangingPunct="1">
+              <a:lnSpc>
+                <a:spcPct val="90000"/>
+              </a:lnSpc>
+              <a:spcBef>
+                <a:spcPts val="500"/>
+              </a:spcBef>
+              <a:buFont typeface="Arial" panose="020B0604020202020204" pitchFamily="34" charset="0"/>
+              <a:buChar char="•"/>
+              <a:defRPr sz="1800" kern="1200">
+                <a:solidFill>
+                  <a:schemeClr val="tx1"/>
+                </a:solidFill>
+                <a:latin typeface="+mn-lt"/>
+                <a:ea typeface="+mn-ea"/>
+                <a:cs typeface="+mn-cs"/>
+              </a:defRPr>
+            </a:lvl8pPr>
+            <a:lvl9pPr marL="3886200" indent="-228600" algn="l" defTabSz="914400" rtl="0" eaLnBrk="1" latinLnBrk="0" hangingPunct="1">
+              <a:lnSpc>
+                <a:spcPct val="90000"/>
+              </a:lnSpc>
+              <a:spcBef>
+                <a:spcPts val="500"/>
+              </a:spcBef>
+              <a:buFont typeface="Arial" panose="020B0604020202020204" pitchFamily="34" charset="0"/>
+              <a:buChar char="•"/>
+              <a:defRPr sz="1800" kern="1200">
+                <a:solidFill>
+                  <a:schemeClr val="tx1"/>
+                </a:solidFill>
+                <a:latin typeface="+mn-lt"/>
+                <a:ea typeface="+mn-ea"/>
+                <a:cs typeface="+mn-cs"/>
+              </a:defRPr>
+            </a:lvl9pPr>
+          </a:lstStyle>
+          <a:p>
+            <a:pPr algn="ctr">
+              <a:spcBef>
+                <a:spcPts val="0"/>
+              </a:spcBef>
+              <a:buClr>
+                <a:schemeClr val="lt1"/>
+              </a:buClr>
+              <a:buSzPts val="1100"/>
+            </a:pPr>
+            <a:r>
+              <a:rPr lang="en-GB" sz="1467" dirty="0">
+                <a:solidFill>
+                  <a:schemeClr val="lt1"/>
+                </a:solidFill>
+              </a:rPr>
+              <a:t>~120 staff at six different sites across Sweden with expertise in many different omics-related areas</a:t>
+            </a:r>
+            <a:endParaRPr lang="en-GB" dirty="0"/>
+          </a:p>
+          <a:p>
+            <a:pPr>
+              <a:buSzPts val="1400"/>
+            </a:pPr>
+            <a:endParaRPr lang="en-GB" sz="1867" dirty="0"/>
+          </a:p>
+        </p:txBody>
+      </p:sp>
+      <p:cxnSp>
+        <p:nvCxnSpPr>
+          <p:cNvPr id="53" name="Google Shape;52;p2">
+            <a:extLst>
+              <a:ext uri="{FF2B5EF4-FFF2-40B4-BE49-F238E27FC236}">
+                <a16:creationId xmlns:a16="http://schemas.microsoft.com/office/drawing/2014/main" id="{1074BB0C-7E44-5536-1977-A74EEF4FB9D5}"/>
+              </a:ext>
+            </a:extLst>
+          </p:cNvPr>
+          <p:cNvCxnSpPr/>
+          <p:nvPr/>
+        </p:nvCxnSpPr>
+        <p:spPr>
+          <a:xfrm rot="10800000" flipH="1">
+            <a:off x="8400259" y="3724147"/>
+            <a:ext cx="2308963" cy="679687"/>
+          </a:xfrm>
+          <a:prstGeom prst="straightConnector1">
+            <a:avLst/>
+          </a:prstGeom>
+          <a:noFill/>
+          <a:ln w="28575" cap="rnd" cmpd="sng">
+            <a:solidFill>
+              <a:schemeClr val="accent1"/>
+            </a:solidFill>
+            <a:prstDash val="dot"/>
+            <a:round/>
+            <a:headEnd type="none" w="sm" len="sm"/>
+            <a:tailEnd type="none" w="sm" len="sm"/>
+          </a:ln>
+        </p:spPr>
+      </p:cxnSp>
+      <p:cxnSp>
+        <p:nvCxnSpPr>
+          <p:cNvPr id="54" name="Google Shape;53;p2">
+            <a:extLst>
+              <a:ext uri="{FF2B5EF4-FFF2-40B4-BE49-F238E27FC236}">
+                <a16:creationId xmlns:a16="http://schemas.microsoft.com/office/drawing/2014/main" id="{53FF7348-7347-1A63-F356-9DA1FD00802E}"/>
+              </a:ext>
+            </a:extLst>
+          </p:cNvPr>
+          <p:cNvCxnSpPr/>
+          <p:nvPr/>
+        </p:nvCxnSpPr>
+        <p:spPr>
+          <a:xfrm>
+            <a:off x="8397873" y="5234401"/>
+            <a:ext cx="1485200" cy="368000"/>
+          </a:xfrm>
+          <a:prstGeom prst="straightConnector1">
+            <a:avLst/>
+          </a:prstGeom>
+          <a:noFill/>
+          <a:ln w="28575" cap="rnd" cmpd="sng">
+            <a:solidFill>
+              <a:schemeClr val="accent1"/>
+            </a:solidFill>
+            <a:prstDash val="dot"/>
+            <a:round/>
+            <a:headEnd type="none" w="sm" len="sm"/>
+            <a:tailEnd type="none" w="sm" len="sm"/>
+          </a:ln>
+        </p:spPr>
+      </p:cxnSp>
+      <p:cxnSp>
+        <p:nvCxnSpPr>
+          <p:cNvPr id="55" name="Google Shape;54;p2">
+            <a:extLst>
+              <a:ext uri="{FF2B5EF4-FFF2-40B4-BE49-F238E27FC236}">
+                <a16:creationId xmlns:a16="http://schemas.microsoft.com/office/drawing/2014/main" id="{C462A66C-005D-3ABD-EA44-A8E347209258}"/>
+              </a:ext>
+            </a:extLst>
+          </p:cNvPr>
+          <p:cNvCxnSpPr/>
+          <p:nvPr/>
+        </p:nvCxnSpPr>
+        <p:spPr>
+          <a:xfrm>
+            <a:off x="8544285" y="4710191"/>
+            <a:ext cx="1837631" cy="22168"/>
+          </a:xfrm>
+          <a:prstGeom prst="straightConnector1">
+            <a:avLst/>
+          </a:prstGeom>
+          <a:noFill/>
+          <a:ln w="28575" cap="rnd" cmpd="sng">
+            <a:solidFill>
+              <a:schemeClr val="accent1"/>
+            </a:solidFill>
+            <a:prstDash val="dot"/>
+            <a:round/>
+            <a:headEnd type="none" w="sm" len="sm"/>
+            <a:tailEnd type="none" w="sm" len="sm"/>
+          </a:ln>
+        </p:spPr>
+      </p:cxnSp>
+      <p:cxnSp>
+        <p:nvCxnSpPr>
+          <p:cNvPr id="56" name="Google Shape;55;p2">
+            <a:extLst>
+              <a:ext uri="{FF2B5EF4-FFF2-40B4-BE49-F238E27FC236}">
+                <a16:creationId xmlns:a16="http://schemas.microsoft.com/office/drawing/2014/main" id="{C9CEF8D4-93C9-A0F0-2B3D-66E8CFC7CD30}"/>
+              </a:ext>
+            </a:extLst>
+          </p:cNvPr>
+          <p:cNvCxnSpPr/>
+          <p:nvPr/>
+        </p:nvCxnSpPr>
+        <p:spPr>
+          <a:xfrm>
+            <a:off x="8466342" y="5129338"/>
+            <a:ext cx="1202245" cy="65669"/>
+          </a:xfrm>
+          <a:prstGeom prst="straightConnector1">
+            <a:avLst/>
+          </a:prstGeom>
+          <a:noFill/>
+          <a:ln w="28575" cap="rnd" cmpd="sng">
+            <a:solidFill>
+              <a:schemeClr val="accent1"/>
+            </a:solidFill>
+            <a:prstDash val="dot"/>
+            <a:round/>
+            <a:headEnd type="none" w="sm" len="sm"/>
+            <a:tailEnd type="none" w="sm" len="sm"/>
+          </a:ln>
+        </p:spPr>
+      </p:cxnSp>
+      <p:cxnSp>
+        <p:nvCxnSpPr>
+          <p:cNvPr id="57" name="Google Shape;56;p2">
+            <a:extLst>
+              <a:ext uri="{FF2B5EF4-FFF2-40B4-BE49-F238E27FC236}">
+                <a16:creationId xmlns:a16="http://schemas.microsoft.com/office/drawing/2014/main" id="{A1D99E11-39F3-AF8A-EF57-E96C1A37F003}"/>
+              </a:ext>
+            </a:extLst>
+          </p:cNvPr>
+          <p:cNvCxnSpPr/>
+          <p:nvPr/>
+        </p:nvCxnSpPr>
+        <p:spPr>
+          <a:xfrm>
+            <a:off x="8510834" y="4818867"/>
+            <a:ext cx="1837631" cy="22168"/>
+          </a:xfrm>
+          <a:prstGeom prst="straightConnector1">
+            <a:avLst/>
+          </a:prstGeom>
+          <a:noFill/>
+          <a:ln w="28575" cap="rnd" cmpd="sng">
+            <a:solidFill>
+              <a:schemeClr val="accent1"/>
+            </a:solidFill>
+            <a:prstDash val="dot"/>
+            <a:round/>
+            <a:headEnd type="none" w="sm" len="sm"/>
+            <a:tailEnd type="none" w="sm" len="sm"/>
+          </a:ln>
+        </p:spPr>
+      </p:cxnSp>
+      <p:cxnSp>
+        <p:nvCxnSpPr>
+          <p:cNvPr id="58" name="Google Shape;57;p2">
+            <a:extLst>
+              <a:ext uri="{FF2B5EF4-FFF2-40B4-BE49-F238E27FC236}">
+                <a16:creationId xmlns:a16="http://schemas.microsoft.com/office/drawing/2014/main" id="{5853E223-7693-EADB-5AA1-014C15B91966}"/>
+              </a:ext>
+            </a:extLst>
+          </p:cNvPr>
+          <p:cNvCxnSpPr/>
+          <p:nvPr/>
+        </p:nvCxnSpPr>
+        <p:spPr>
+          <a:xfrm>
+            <a:off x="8499473" y="4941385"/>
+            <a:ext cx="1607136" cy="57763"/>
+          </a:xfrm>
+          <a:prstGeom prst="straightConnector1">
+            <a:avLst/>
+          </a:prstGeom>
+          <a:noFill/>
+          <a:ln w="28575" cap="rnd" cmpd="sng">
+            <a:solidFill>
+              <a:schemeClr val="accent1"/>
+            </a:solidFill>
+            <a:prstDash val="dot"/>
+            <a:round/>
+            <a:headEnd type="none" w="sm" len="sm"/>
+            <a:tailEnd type="none" w="sm" len="sm"/>
+          </a:ln>
+        </p:spPr>
+      </p:cxnSp>
     </p:spTree>
     <p:extLst>
       <p:ext uri="{BB962C8B-B14F-4D97-AF65-F5344CB8AC3E}">
@@ -4229,114 +3934,15 @@
                                   </p:childTnLst>
                                 </p:cTn>
                               </p:par>
-                            </p:childTnLst>
-                          </p:cTn>
-                        </p:par>
-                      </p:childTnLst>
-                    </p:cTn>
-                  </p:par>
-                  <p:par>
-                    <p:cTn id="7" fill="hold">
-                      <p:stCondLst>
-                        <p:cond delay="indefinite"/>
-                      </p:stCondLst>
-                      <p:childTnLst>
-                        <p:par>
-                          <p:cTn id="8" fill="hold">
-                            <p:stCondLst>
-                              <p:cond delay="0"/>
-                            </p:stCondLst>
-                            <p:childTnLst>
                               <p:par>
-                                <p:cTn id="9" presetID="1" presetClass="entr" presetSubtype="0" fill="hold" nodeType="clickEffect">
+                                <p:cTn id="7" presetID="1" presetClass="entr" presetSubtype="0" fill="hold" grpId="0" nodeType="withEffect">
                                   <p:stCondLst>
                                     <p:cond delay="0"/>
                                   </p:stCondLst>
                                   <p:childTnLst>
                                     <p:set>
                                       <p:cBhvr>
-                                        <p:cTn id="10" dur="1" fill="hold">
-                                          <p:stCondLst>
-                                            <p:cond delay="0"/>
-                                          </p:stCondLst>
-                                        </p:cTn>
-                                        <p:tgtEl>
-                                          <p:spTgt spid="36"/>
-                                        </p:tgtEl>
-                                        <p:attrNameLst>
-                                          <p:attrName>style.visibility</p:attrName>
-                                        </p:attrNameLst>
-                                      </p:cBhvr>
-                                      <p:to>
-                                        <p:strVal val="visible"/>
-                                      </p:to>
-                                    </p:set>
-                                  </p:childTnLst>
-                                </p:cTn>
-                              </p:par>
-                              <p:par>
-                                <p:cTn id="11" presetID="1" presetClass="entr" presetSubtype="0" fill="hold" grpId="0" nodeType="withEffect">
-                                  <p:stCondLst>
-                                    <p:cond delay="0"/>
-                                  </p:stCondLst>
-                                  <p:childTnLst>
-                                    <p:set>
-                                      <p:cBhvr>
-                                        <p:cTn id="12" dur="1" fill="hold">
-                                          <p:stCondLst>
-                                            <p:cond delay="0"/>
-                                          </p:stCondLst>
-                                        </p:cTn>
-                                        <p:tgtEl>
-                                          <p:spTgt spid="6"/>
-                                        </p:tgtEl>
-                                        <p:attrNameLst>
-                                          <p:attrName>style.visibility</p:attrName>
-                                        </p:attrNameLst>
-                                      </p:cBhvr>
-                                      <p:to>
-                                        <p:strVal val="visible"/>
-                                      </p:to>
-                                    </p:set>
-                                  </p:childTnLst>
-                                </p:cTn>
-                              </p:par>
-                              <p:par>
-                                <p:cTn id="13" presetID="1" presetClass="entr" presetSubtype="0" fill="hold" nodeType="withEffect">
-                                  <p:stCondLst>
-                                    <p:cond delay="0"/>
-                                  </p:stCondLst>
-                                  <p:childTnLst>
-                                    <p:set>
-                                      <p:cBhvr>
-                                        <p:cTn id="14" dur="1" fill="hold">
-                                          <p:stCondLst>
-                                            <p:cond delay="0"/>
-                                          </p:stCondLst>
-                                        </p:cTn>
-                                        <p:tgtEl>
-                                          <p:spTgt spid="13"/>
-                                        </p:tgtEl>
-                                        <p:attrNameLst>
-                                          <p:attrName>style.visibility</p:attrName>
-                                        </p:attrNameLst>
-                                      </p:cBhvr>
-                                      <p:to>
-                                        <p:strVal val="visible"/>
-                                      </p:to>
-                                    </p:set>
-                                  </p:childTnLst>
-                                </p:cTn>
-                              </p:par>
-                              <p:par>
-                                <p:cTn id="15" presetID="1" presetClass="entr" presetSubtype="0" fill="hold" grpId="0" nodeType="withEffect">
-                                  <p:stCondLst>
-                                    <p:cond delay="0"/>
-                                  </p:stCondLst>
-                                  <p:childTnLst>
-                                    <p:set>
-                                      <p:cBhvr>
-                                        <p:cTn id="16" dur="1" fill="hold">
+                                        <p:cTn id="8" dur="1" fill="hold">
                                           <p:stCondLst>
                                             <p:cond delay="0"/>
                                           </p:stCondLst>
@@ -4359,168 +3965,6 @@
                                   </p:childTnLst>
                                 </p:cTn>
                               </p:par>
-                              <p:par>
-                                <p:cTn id="17" presetID="1" presetClass="entr" presetSubtype="0" fill="hold" nodeType="withEffect">
-                                  <p:stCondLst>
-                                    <p:cond delay="0"/>
-                                  </p:stCondLst>
-                                  <p:childTnLst>
-                                    <p:set>
-                                      <p:cBhvr>
-                                        <p:cTn id="18" dur="1" fill="hold">
-                                          <p:stCondLst>
-                                            <p:cond delay="0"/>
-                                          </p:stCondLst>
-                                        </p:cTn>
-                                        <p:tgtEl>
-                                          <p:spTgt spid="8"/>
-                                        </p:tgtEl>
-                                        <p:attrNameLst>
-                                          <p:attrName>style.visibility</p:attrName>
-                                        </p:attrNameLst>
-                                      </p:cBhvr>
-                                      <p:to>
-                                        <p:strVal val="visible"/>
-                                      </p:to>
-                                    </p:set>
-                                  </p:childTnLst>
-                                </p:cTn>
-                              </p:par>
-                              <p:par>
-                                <p:cTn id="19" presetID="1" presetClass="entr" presetSubtype="0" fill="hold" nodeType="withEffect">
-                                  <p:stCondLst>
-                                    <p:cond delay="0"/>
-                                  </p:stCondLst>
-                                  <p:childTnLst>
-                                    <p:set>
-                                      <p:cBhvr>
-                                        <p:cTn id="20" dur="1" fill="hold">
-                                          <p:stCondLst>
-                                            <p:cond delay="0"/>
-                                          </p:stCondLst>
-                                        </p:cTn>
-                                        <p:tgtEl>
-                                          <p:spTgt spid="35"/>
-                                        </p:tgtEl>
-                                        <p:attrNameLst>
-                                          <p:attrName>style.visibility</p:attrName>
-                                        </p:attrNameLst>
-                                      </p:cBhvr>
-                                      <p:to>
-                                        <p:strVal val="visible"/>
-                                      </p:to>
-                                    </p:set>
-                                  </p:childTnLst>
-                                </p:cTn>
-                              </p:par>
-                              <p:par>
-                                <p:cTn id="21" presetID="1" presetClass="entr" presetSubtype="0" fill="hold" nodeType="withEffect">
-                                  <p:stCondLst>
-                                    <p:cond delay="0"/>
-                                  </p:stCondLst>
-                                  <p:childTnLst>
-                                    <p:set>
-                                      <p:cBhvr>
-                                        <p:cTn id="22" dur="1" fill="hold">
-                                          <p:stCondLst>
-                                            <p:cond delay="0"/>
-                                          </p:stCondLst>
-                                        </p:cTn>
-                                        <p:tgtEl>
-                                          <p:spTgt spid="38"/>
-                                        </p:tgtEl>
-                                        <p:attrNameLst>
-                                          <p:attrName>style.visibility</p:attrName>
-                                        </p:attrNameLst>
-                                      </p:cBhvr>
-                                      <p:to>
-                                        <p:strVal val="visible"/>
-                                      </p:to>
-                                    </p:set>
-                                  </p:childTnLst>
-                                </p:cTn>
-                              </p:par>
-                              <p:par>
-                                <p:cTn id="23" presetID="1" presetClass="entr" presetSubtype="0" fill="hold" nodeType="withEffect">
-                                  <p:stCondLst>
-                                    <p:cond delay="0"/>
-                                  </p:stCondLst>
-                                  <p:childTnLst>
-                                    <p:set>
-                                      <p:cBhvr>
-                                        <p:cTn id="24" dur="1" fill="hold">
-                                          <p:stCondLst>
-                                            <p:cond delay="0"/>
-                                          </p:stCondLst>
-                                        </p:cTn>
-                                        <p:tgtEl>
-                                          <p:spTgt spid="39"/>
-                                        </p:tgtEl>
-                                        <p:attrNameLst>
-                                          <p:attrName>style.visibility</p:attrName>
-                                        </p:attrNameLst>
-                                      </p:cBhvr>
-                                      <p:to>
-                                        <p:strVal val="visible"/>
-                                      </p:to>
-                                    </p:set>
-                                  </p:childTnLst>
-                                </p:cTn>
-                              </p:par>
-                              <p:par>
-                                <p:cTn id="25" presetID="1" presetClass="entr" presetSubtype="0" fill="hold" nodeType="withEffect">
-                                  <p:stCondLst>
-                                    <p:cond delay="0"/>
-                                  </p:stCondLst>
-                                  <p:childTnLst>
-                                    <p:set>
-                                      <p:cBhvr>
-                                        <p:cTn id="26" dur="1" fill="hold">
-                                          <p:stCondLst>
-                                            <p:cond delay="0"/>
-                                          </p:stCondLst>
-                                        </p:cTn>
-                                        <p:tgtEl>
-                                          <p:spTgt spid="40"/>
-                                        </p:tgtEl>
-                                        <p:attrNameLst>
-                                          <p:attrName>style.visibility</p:attrName>
-                                        </p:attrNameLst>
-                                      </p:cBhvr>
-                                      <p:to>
-                                        <p:strVal val="visible"/>
-                                      </p:to>
-                                    </p:set>
-                                  </p:childTnLst>
-                                </p:cTn>
-                              </p:par>
-                              <p:par>
-                                <p:cTn id="27" presetID="1" presetClass="entr" presetSubtype="0" fill="hold" nodeType="withEffect">
-                                  <p:stCondLst>
-                                    <p:cond delay="0"/>
-                                  </p:stCondLst>
-                                  <p:childTnLst>
-                                    <p:set>
-                                      <p:cBhvr>
-                                        <p:cTn id="28" dur="1" fill="hold">
-                                          <p:stCondLst>
-                                            <p:cond delay="0"/>
-                                          </p:stCondLst>
-                                        </p:cTn>
-                                        <p:tgtEl>
-                                          <p:spTgt spid="41"/>
-                                        </p:tgtEl>
-                                        <p:attrNameLst>
-                                          <p:attrName>style.visibility</p:attrName>
-                                        </p:attrNameLst>
-                                      </p:cBhvr>
-                                      <p:to>
-                                        <p:strVal val="visible"/>
-                                      </p:to>
-                                    </p:set>
-                                  </p:childTnLst>
-                                </p:cTn>
-                              </p:par>
                             </p:childTnLst>
                           </p:cTn>
                         </p:par>
@@ -4528,26 +3972,26 @@
                     </p:cTn>
                   </p:par>
                   <p:par>
-                    <p:cTn id="29" fill="hold">
+                    <p:cTn id="9" fill="hold">
                       <p:stCondLst>
                         <p:cond delay="indefinite"/>
                       </p:stCondLst>
                       <p:childTnLst>
                         <p:par>
-                          <p:cTn id="30" fill="hold">
+                          <p:cTn id="10" fill="hold">
                             <p:stCondLst>
                               <p:cond delay="0"/>
                             </p:stCondLst>
                             <p:childTnLst>
                               <p:par>
-                                <p:cTn id="31" presetID="1" presetClass="entr" presetSubtype="0" fill="hold" grpId="0" nodeType="clickEffect">
+                                <p:cTn id="11" presetID="1" presetClass="entr" presetSubtype="0" fill="hold" grpId="0" nodeType="clickEffect">
                                   <p:stCondLst>
                                     <p:cond delay="0"/>
                                   </p:stCondLst>
                                   <p:childTnLst>
                                     <p:set>
                                       <p:cBhvr>
-                                        <p:cTn id="32" dur="1" fill="hold">
+                                        <p:cTn id="12" dur="1" fill="hold">
                                           <p:stCondLst>
                                             <p:cond delay="0"/>
                                           </p:stCondLst>
@@ -4594,7 +4038,6 @@
       </p:par>
     </p:tnLst>
     <p:bldLst>
-      <p:bldP spid="6" grpId="0" animBg="1"/>
       <p:bldP spid="11" grpId="0" animBg="1"/>
       <p:bldP spid="37" grpId="0" build="p"/>
       <p:bldP spid="42" grpId="0" animBg="1"/>
@@ -5800,7 +5243,7 @@
           <p:cNvPr id="2" name="Content Placeholder 1">
             <a:extLst>
               <a:ext uri="{FF2B5EF4-FFF2-40B4-BE49-F238E27FC236}">
-                <a16:creationId xmlns:a16="http://schemas.microsoft.com/office/drawing/2014/main" id="{C645882F-EE5B-B94C-B27C-4688A921B30F}"/>
+                <a16:creationId xmlns:a16="http://schemas.microsoft.com/office/drawing/2014/main" id="{23A79CA0-88DC-72F5-37E2-EEEF4A122327}"/>
               </a:ext>
             </a:extLst>
           </p:cNvPr>
@@ -5819,163 +5262,71 @@
           <a:lstStyle/>
           <a:p>
             <a:pPr marL="342900" indent="-342900">
-              <a:buFontTx/>
+              <a:buFont typeface="Arial" panose="020B0604020202020204" pitchFamily="34" charset="0"/>
               <a:buChar char="•"/>
             </a:pPr>
             <a:r>
-              <a:rPr lang="en-US" sz="2000" b="1" dirty="0"/>
-              <a:t>Drop-in sessions </a:t>
-            </a:r>
-            <a:r>
-              <a:rPr lang="en-US" sz="2000" dirty="0"/>
-              <a:t>every week @ all 6 sites</a:t>
-            </a:r>
-          </a:p>
-          <a:p>
-            <a:pPr marL="800100" lvl="1" indent="-342900">
-              <a:buFontTx/>
+              <a:rPr lang="en-SE" sz="2400" dirty="0"/>
+              <a:t>Fire exits</a:t>
+            </a:r>
+          </a:p>
+          <a:p>
+            <a:pPr marL="342900" indent="-342900">
+              <a:buFont typeface="Arial" panose="020B0604020202020204" pitchFamily="34" charset="0"/>
               <a:buChar char="•"/>
             </a:pPr>
             <a:r>
-              <a:rPr lang="en-US" sz="1600" dirty="0"/>
-              <a:t>Online (Zoom) Tuesdays at 14.00, for free</a:t>
-            </a:r>
-            <a:br>
-              <a:rPr lang="en-US" sz="1600" i="1" dirty="0"/>
-            </a:br>
-            <a:endParaRPr lang="en-US" sz="1600" dirty="0"/>
+              <a:rPr lang="en-SE" sz="2400" dirty="0"/>
+              <a:t>Restrooms</a:t>
+            </a:r>
           </a:p>
           <a:p>
             <a:pPr marL="342900" indent="-342900">
-              <a:buFontTx/>
+              <a:buFont typeface="Arial" panose="020B0604020202020204" pitchFamily="34" charset="0"/>
               <a:buChar char="•"/>
             </a:pPr>
             <a:r>
-              <a:rPr lang="en-US" sz="2000" dirty="0"/>
-              <a:t>Study design and project </a:t>
-            </a:r>
-            <a:r>
-              <a:rPr lang="en-US" sz="2000" b="1" dirty="0"/>
-              <a:t>consultation</a:t>
-            </a:r>
-          </a:p>
-          <a:p>
-            <a:pPr marL="800100" lvl="1" indent="-342900">
-              <a:buFontTx/>
+              <a:rPr lang="en-SE" sz="2400" dirty="0"/>
+              <a:t>Lunch is booked at 12:00 every day</a:t>
+            </a:r>
+          </a:p>
+          <a:p>
+            <a:pPr marL="342900" indent="-342900">
+              <a:buFont typeface="Arial" panose="020B0604020202020204" pitchFamily="34" charset="0"/>
               <a:buChar char="•"/>
             </a:pPr>
             <a:r>
-              <a:rPr lang="en-US" sz="1600" dirty="0"/>
-              <a:t>Three hours per project, for free</a:t>
-            </a:r>
-            <a:br>
-              <a:rPr lang="en-US" sz="1600" dirty="0"/>
-            </a:br>
-            <a:endParaRPr lang="en-US" sz="1600" dirty="0"/>
+              <a:rPr lang="en-SE" sz="2400" dirty="0"/>
+              <a:t>Coffe is ordered for 10:00 and 14:30 every day. We may adjust times a bit depending on lectures</a:t>
+            </a:r>
           </a:p>
           <a:p>
             <a:pPr marL="342900" indent="-342900">
-              <a:buFontTx/>
+              <a:buFont typeface="Arial" panose="020B0604020202020204" pitchFamily="34" charset="0"/>
               <a:buChar char="•"/>
             </a:pPr>
             <a:r>
-              <a:rPr lang="en-US" sz="2000" dirty="0"/>
-              <a:t>Fee-for-service </a:t>
-            </a:r>
-            <a:r>
-              <a:rPr lang="en-US" b="1" dirty="0"/>
-              <a:t>s</a:t>
-            </a:r>
-            <a:r>
-              <a:rPr lang="en-US" sz="2000" b="1" dirty="0"/>
-              <a:t>upport</a:t>
-            </a:r>
-          </a:p>
-          <a:p>
-            <a:pPr marL="800100" lvl="1" indent="-342900">
-              <a:buFontTx/>
-              <a:buChar char="•"/>
-            </a:pPr>
-            <a:r>
-              <a:rPr lang="en-US" sz="1600" dirty="0"/>
-              <a:t>User fee 800 SEK per hour, however many hours you may need</a:t>
-            </a:r>
-          </a:p>
-          <a:p>
-            <a:pPr marL="800100" lvl="1" indent="-342900">
-              <a:buFontTx/>
-              <a:buChar char="•"/>
-            </a:pPr>
-            <a:r>
-              <a:rPr lang="en-US" sz="1600" dirty="0"/>
-              <a:t>No selection process, all project are welcome</a:t>
-            </a:r>
-            <a:br>
-              <a:rPr lang="en-US" sz="1600" dirty="0"/>
-            </a:br>
-            <a:endParaRPr lang="en-US" sz="2000" dirty="0"/>
-          </a:p>
-          <a:p>
-            <a:pPr marL="342900" indent="-342900">
-              <a:buFontTx/>
-              <a:buChar char="•"/>
-            </a:pPr>
-            <a:r>
-              <a:rPr lang="en-US" dirty="0"/>
-              <a:t>Long-term </a:t>
-            </a:r>
-            <a:r>
-              <a:rPr lang="en-US" b="1" dirty="0"/>
-              <a:t>s</a:t>
-            </a:r>
-            <a:r>
-              <a:rPr lang="en-US" sz="2000" b="1" dirty="0"/>
-              <a:t>upport</a:t>
-            </a:r>
-          </a:p>
-          <a:p>
-            <a:pPr marL="800100" lvl="1" indent="-342900">
-              <a:buFontTx/>
-              <a:buChar char="•"/>
-            </a:pPr>
-            <a:r>
-              <a:rPr lang="en-US" sz="1600" dirty="0"/>
-              <a:t>Selection process based on scientific peer-review</a:t>
-            </a:r>
-          </a:p>
-          <a:p>
-            <a:pPr marL="800100" lvl="1" indent="-342900">
-              <a:buFontTx/>
-              <a:buChar char="•"/>
-            </a:pPr>
-            <a:r>
-              <a:rPr lang="en-US" sz="1600" dirty="0"/>
-              <a:t>A total of 500 hours, for free</a:t>
-            </a:r>
-            <a:br>
-              <a:rPr lang="en-US" sz="1600" dirty="0"/>
-            </a:br>
-            <a:endParaRPr lang="en-US" sz="2000" dirty="0"/>
-          </a:p>
-          <a:p>
-            <a:pPr marL="342900" indent="-342900">
-              <a:buFontTx/>
-              <a:buChar char="•"/>
-            </a:pPr>
-            <a:r>
-              <a:rPr lang="en-US" sz="2000" b="1" dirty="0"/>
-              <a:t>Partner Projects</a:t>
-            </a:r>
-          </a:p>
-          <a:p>
-            <a:pPr marL="800100" lvl="1" indent="-342900">
-              <a:buFontTx/>
-              <a:buChar char="•"/>
-            </a:pPr>
-            <a:r>
-              <a:rPr lang="en-US" sz="1600" dirty="0"/>
-              <a:t>Full-cost model: utilize and pay for 50% of one NBIS FTE</a:t>
-            </a:r>
+              <a:rPr lang="en-SE" sz="2400" dirty="0"/>
+              <a:t>C</a:t>
+            </a:r>
+            <a:r>
+              <a:rPr lang="en-GB" sz="2400" dirty="0"/>
+              <a:t>o</a:t>
+            </a:r>
+            <a:r>
+              <a:rPr lang="en-SE" sz="2400" dirty="0"/>
+              <a:t>urse dinner: Wednesday 18:00, Koh Phangan, Fyristorg 2. </a:t>
+            </a:r>
+          </a:p>
+          <a:p>
+            <a:pPr lvl="1"/>
+            <a:r>
+              <a:rPr lang="en-SE" sz="2400" i="1" dirty="0"/>
+              <a:t>Please sign up on the list in the classroom on Monday!</a:t>
+            </a:r>
+          </a:p>
+          <a:p>
+            <a:endParaRPr lang="en-SE" sz="2400" dirty="0"/>
           </a:p>
         </p:txBody>
       </p:sp>
@@ -5984,7 +5335,7 @@
           <p:cNvPr id="3" name="Title 2">
             <a:extLst>
               <a:ext uri="{FF2B5EF4-FFF2-40B4-BE49-F238E27FC236}">
-                <a16:creationId xmlns:a16="http://schemas.microsoft.com/office/drawing/2014/main" id="{FD0BE02C-FBBA-1E40-84DF-5714AA0B9F46}"/>
+                <a16:creationId xmlns:a16="http://schemas.microsoft.com/office/drawing/2014/main" id="{F55C4A6F-E249-AD4F-05AB-1C5BAE7EEE06}"/>
               </a:ext>
             </a:extLst>
           </p:cNvPr>
@@ -6003,8 +5354,8 @@
           <a:lstStyle/>
           <a:p>
             <a:r>
-              <a:rPr lang="en-GB" dirty="0"/>
-              <a:t>NBIS Bioinformatic Support</a:t>
+              <a:rPr lang="en-SE" dirty="0"/>
+              <a:t>Practical information</a:t>
             </a:r>
           </a:p>
         </p:txBody>
@@ -6012,508 +5363,13 @@
     </p:spTree>
     <p:extLst>
       <p:ext uri="{BB962C8B-B14F-4D97-AF65-F5344CB8AC3E}">
-        <p14:creationId xmlns:p14="http://schemas.microsoft.com/office/powerpoint/2010/main" val="3765426315"/>
+        <p14:creationId xmlns:p14="http://schemas.microsoft.com/office/powerpoint/2010/main" val="3067932316"/>
       </p:ext>
     </p:extLst>
   </p:cSld>
   <p:clrMapOvr>
     <a:masterClrMapping/>
   </p:clrMapOvr>
-  <p:timing>
-    <p:tnLst>
-      <p:par>
-        <p:cTn id="1" dur="indefinite" restart="never" nodeType="tmRoot">
-          <p:childTnLst>
-            <p:seq concurrent="1" nextAc="seek">
-              <p:cTn id="2" dur="indefinite" nodeType="mainSeq">
-                <p:childTnLst>
-                  <p:par>
-                    <p:cTn id="3" fill="hold">
-                      <p:stCondLst>
-                        <p:cond delay="indefinite"/>
-                      </p:stCondLst>
-                      <p:childTnLst>
-                        <p:par>
-                          <p:cTn id="4" fill="hold">
-                            <p:stCondLst>
-                              <p:cond delay="0"/>
-                            </p:stCondLst>
-                            <p:childTnLst>
-                              <p:par>
-                                <p:cTn id="5" presetID="1" presetClass="entr" presetSubtype="0" fill="hold" grpId="0" nodeType="clickEffect">
-                                  <p:stCondLst>
-                                    <p:cond delay="0"/>
-                                  </p:stCondLst>
-                                  <p:childTnLst>
-                                    <p:set>
-                                      <p:cBhvr>
-                                        <p:cTn id="6" dur="1" fill="hold">
-                                          <p:stCondLst>
-                                            <p:cond delay="0"/>
-                                          </p:stCondLst>
-                                        </p:cTn>
-                                        <p:tgtEl>
-                                          <p:spTgt spid="2">
-                                            <p:txEl>
-                                              <p:pRg st="0" end="0"/>
-                                            </p:txEl>
-                                          </p:spTgt>
-                                        </p:tgtEl>
-                                        <p:attrNameLst>
-                                          <p:attrName>style.visibility</p:attrName>
-                                        </p:attrNameLst>
-                                      </p:cBhvr>
-                                      <p:to>
-                                        <p:strVal val="visible"/>
-                                      </p:to>
-                                    </p:set>
-                                  </p:childTnLst>
-                                </p:cTn>
-                              </p:par>
-                              <p:par>
-                                <p:cTn id="7" presetID="1" presetClass="entr" presetSubtype="0" fill="hold" grpId="0" nodeType="withEffect">
-                                  <p:stCondLst>
-                                    <p:cond delay="0"/>
-                                  </p:stCondLst>
-                                  <p:childTnLst>
-                                    <p:set>
-                                      <p:cBhvr>
-                                        <p:cTn id="8" dur="1" fill="hold">
-                                          <p:stCondLst>
-                                            <p:cond delay="0"/>
-                                          </p:stCondLst>
-                                        </p:cTn>
-                                        <p:tgtEl>
-                                          <p:spTgt spid="2">
-                                            <p:txEl>
-                                              <p:pRg st="1" end="1"/>
-                                            </p:txEl>
-                                          </p:spTgt>
-                                        </p:tgtEl>
-                                        <p:attrNameLst>
-                                          <p:attrName>style.visibility</p:attrName>
-                                        </p:attrNameLst>
-                                      </p:cBhvr>
-                                      <p:to>
-                                        <p:strVal val="visible"/>
-                                      </p:to>
-                                    </p:set>
-                                  </p:childTnLst>
-                                </p:cTn>
-                              </p:par>
-                            </p:childTnLst>
-                          </p:cTn>
-                        </p:par>
-                      </p:childTnLst>
-                    </p:cTn>
-                  </p:par>
-                  <p:par>
-                    <p:cTn id="9" fill="hold">
-                      <p:stCondLst>
-                        <p:cond delay="indefinite"/>
-                      </p:stCondLst>
-                      <p:childTnLst>
-                        <p:par>
-                          <p:cTn id="10" fill="hold">
-                            <p:stCondLst>
-                              <p:cond delay="0"/>
-                            </p:stCondLst>
-                            <p:childTnLst>
-                              <p:par>
-                                <p:cTn id="11" presetID="1" presetClass="entr" presetSubtype="0" fill="hold" grpId="0" nodeType="clickEffect">
-                                  <p:stCondLst>
-                                    <p:cond delay="0"/>
-                                  </p:stCondLst>
-                                  <p:childTnLst>
-                                    <p:set>
-                                      <p:cBhvr>
-                                        <p:cTn id="12" dur="1" fill="hold">
-                                          <p:stCondLst>
-                                            <p:cond delay="0"/>
-                                          </p:stCondLst>
-                                        </p:cTn>
-                                        <p:tgtEl>
-                                          <p:spTgt spid="2">
-                                            <p:txEl>
-                                              <p:pRg st="2" end="2"/>
-                                            </p:txEl>
-                                          </p:spTgt>
-                                        </p:tgtEl>
-                                        <p:attrNameLst>
-                                          <p:attrName>style.visibility</p:attrName>
-                                        </p:attrNameLst>
-                                      </p:cBhvr>
-                                      <p:to>
-                                        <p:strVal val="visible"/>
-                                      </p:to>
-                                    </p:set>
-                                  </p:childTnLst>
-                                </p:cTn>
-                              </p:par>
-                              <p:par>
-                                <p:cTn id="13" presetID="1" presetClass="entr" presetSubtype="0" fill="hold" grpId="0" nodeType="withEffect">
-                                  <p:stCondLst>
-                                    <p:cond delay="0"/>
-                                  </p:stCondLst>
-                                  <p:childTnLst>
-                                    <p:set>
-                                      <p:cBhvr>
-                                        <p:cTn id="14" dur="1" fill="hold">
-                                          <p:stCondLst>
-                                            <p:cond delay="0"/>
-                                          </p:stCondLst>
-                                        </p:cTn>
-                                        <p:tgtEl>
-                                          <p:spTgt spid="2">
-                                            <p:txEl>
-                                              <p:pRg st="3" end="3"/>
-                                            </p:txEl>
-                                          </p:spTgt>
-                                        </p:tgtEl>
-                                        <p:attrNameLst>
-                                          <p:attrName>style.visibility</p:attrName>
-                                        </p:attrNameLst>
-                                      </p:cBhvr>
-                                      <p:to>
-                                        <p:strVal val="visible"/>
-                                      </p:to>
-                                    </p:set>
-                                  </p:childTnLst>
-                                </p:cTn>
-                              </p:par>
-                            </p:childTnLst>
-                          </p:cTn>
-                        </p:par>
-                      </p:childTnLst>
-                    </p:cTn>
-                  </p:par>
-                  <p:par>
-                    <p:cTn id="15" fill="hold">
-                      <p:stCondLst>
-                        <p:cond delay="indefinite"/>
-                      </p:stCondLst>
-                      <p:childTnLst>
-                        <p:par>
-                          <p:cTn id="16" fill="hold">
-                            <p:stCondLst>
-                              <p:cond delay="0"/>
-                            </p:stCondLst>
-                            <p:childTnLst>
-                              <p:par>
-                                <p:cTn id="17" presetID="1" presetClass="entr" presetSubtype="0" fill="hold" grpId="0" nodeType="clickEffect">
-                                  <p:stCondLst>
-                                    <p:cond delay="0"/>
-                                  </p:stCondLst>
-                                  <p:childTnLst>
-                                    <p:set>
-                                      <p:cBhvr>
-                                        <p:cTn id="18" dur="1" fill="hold">
-                                          <p:stCondLst>
-                                            <p:cond delay="0"/>
-                                          </p:stCondLst>
-                                        </p:cTn>
-                                        <p:tgtEl>
-                                          <p:spTgt spid="2">
-                                            <p:txEl>
-                                              <p:pRg st="4" end="4"/>
-                                            </p:txEl>
-                                          </p:spTgt>
-                                        </p:tgtEl>
-                                        <p:attrNameLst>
-                                          <p:attrName>style.visibility</p:attrName>
-                                        </p:attrNameLst>
-                                      </p:cBhvr>
-                                      <p:to>
-                                        <p:strVal val="visible"/>
-                                      </p:to>
-                                    </p:set>
-                                  </p:childTnLst>
-                                </p:cTn>
-                              </p:par>
-                              <p:par>
-                                <p:cTn id="19" presetID="1" presetClass="entr" presetSubtype="0" fill="hold" grpId="0" nodeType="withEffect">
-                                  <p:stCondLst>
-                                    <p:cond delay="0"/>
-                                  </p:stCondLst>
-                                  <p:childTnLst>
-                                    <p:set>
-                                      <p:cBhvr>
-                                        <p:cTn id="20" dur="1" fill="hold">
-                                          <p:stCondLst>
-                                            <p:cond delay="0"/>
-                                          </p:stCondLst>
-                                        </p:cTn>
-                                        <p:tgtEl>
-                                          <p:spTgt spid="2">
-                                            <p:txEl>
-                                              <p:pRg st="5" end="5"/>
-                                            </p:txEl>
-                                          </p:spTgt>
-                                        </p:tgtEl>
-                                        <p:attrNameLst>
-                                          <p:attrName>style.visibility</p:attrName>
-                                        </p:attrNameLst>
-                                      </p:cBhvr>
-                                      <p:to>
-                                        <p:strVal val="visible"/>
-                                      </p:to>
-                                    </p:set>
-                                  </p:childTnLst>
-                                </p:cTn>
-                              </p:par>
-                              <p:par>
-                                <p:cTn id="21" presetID="1" presetClass="entr" presetSubtype="0" fill="hold" grpId="0" nodeType="withEffect">
-                                  <p:stCondLst>
-                                    <p:cond delay="0"/>
-                                  </p:stCondLst>
-                                  <p:childTnLst>
-                                    <p:set>
-                                      <p:cBhvr>
-                                        <p:cTn id="22" dur="1" fill="hold">
-                                          <p:stCondLst>
-                                            <p:cond delay="0"/>
-                                          </p:stCondLst>
-                                        </p:cTn>
-                                        <p:tgtEl>
-                                          <p:spTgt spid="2">
-                                            <p:txEl>
-                                              <p:pRg st="6" end="6"/>
-                                            </p:txEl>
-                                          </p:spTgt>
-                                        </p:tgtEl>
-                                        <p:attrNameLst>
-                                          <p:attrName>style.visibility</p:attrName>
-                                        </p:attrNameLst>
-                                      </p:cBhvr>
-                                      <p:to>
-                                        <p:strVal val="visible"/>
-                                      </p:to>
-                                    </p:set>
-                                  </p:childTnLst>
-                                </p:cTn>
-                              </p:par>
-                            </p:childTnLst>
-                          </p:cTn>
-                        </p:par>
-                      </p:childTnLst>
-                    </p:cTn>
-                  </p:par>
-                  <p:par>
-                    <p:cTn id="23" fill="hold">
-                      <p:stCondLst>
-                        <p:cond delay="indefinite"/>
-                      </p:stCondLst>
-                      <p:childTnLst>
-                        <p:par>
-                          <p:cTn id="24" fill="hold">
-                            <p:stCondLst>
-                              <p:cond delay="0"/>
-                            </p:stCondLst>
-                            <p:childTnLst>
-                              <p:par>
-                                <p:cTn id="25" presetID="1" presetClass="entr" presetSubtype="0" fill="hold" grpId="0" nodeType="clickEffect">
-                                  <p:stCondLst>
-                                    <p:cond delay="0"/>
-                                  </p:stCondLst>
-                                  <p:childTnLst>
-                                    <p:set>
-                                      <p:cBhvr>
-                                        <p:cTn id="26" dur="1" fill="hold">
-                                          <p:stCondLst>
-                                            <p:cond delay="0"/>
-                                          </p:stCondLst>
-                                        </p:cTn>
-                                        <p:tgtEl>
-                                          <p:spTgt spid="2">
-                                            <p:txEl>
-                                              <p:pRg st="7" end="7"/>
-                                            </p:txEl>
-                                          </p:spTgt>
-                                        </p:tgtEl>
-                                        <p:attrNameLst>
-                                          <p:attrName>style.visibility</p:attrName>
-                                        </p:attrNameLst>
-                                      </p:cBhvr>
-                                      <p:to>
-                                        <p:strVal val="visible"/>
-                                      </p:to>
-                                    </p:set>
-                                  </p:childTnLst>
-                                </p:cTn>
-                              </p:par>
-                              <p:par>
-                                <p:cTn id="27" presetID="1" presetClass="entr" presetSubtype="0" fill="hold" grpId="0" nodeType="withEffect">
-                                  <p:stCondLst>
-                                    <p:cond delay="0"/>
-                                  </p:stCondLst>
-                                  <p:childTnLst>
-                                    <p:set>
-                                      <p:cBhvr>
-                                        <p:cTn id="28" dur="1" fill="hold">
-                                          <p:stCondLst>
-                                            <p:cond delay="0"/>
-                                          </p:stCondLst>
-                                        </p:cTn>
-                                        <p:tgtEl>
-                                          <p:spTgt spid="2">
-                                            <p:txEl>
-                                              <p:pRg st="8" end="8"/>
-                                            </p:txEl>
-                                          </p:spTgt>
-                                        </p:tgtEl>
-                                        <p:attrNameLst>
-                                          <p:attrName>style.visibility</p:attrName>
-                                        </p:attrNameLst>
-                                      </p:cBhvr>
-                                      <p:to>
-                                        <p:strVal val="visible"/>
-                                      </p:to>
-                                    </p:set>
-                                  </p:childTnLst>
-                                </p:cTn>
-                              </p:par>
-                              <p:par>
-                                <p:cTn id="29" presetID="1" presetClass="entr" presetSubtype="0" fill="hold" grpId="0" nodeType="withEffect">
-                                  <p:stCondLst>
-                                    <p:cond delay="0"/>
-                                  </p:stCondLst>
-                                  <p:childTnLst>
-                                    <p:set>
-                                      <p:cBhvr>
-                                        <p:cTn id="30" dur="1" fill="hold">
-                                          <p:stCondLst>
-                                            <p:cond delay="0"/>
-                                          </p:stCondLst>
-                                        </p:cTn>
-                                        <p:tgtEl>
-                                          <p:spTgt spid="2">
-                                            <p:txEl>
-                                              <p:pRg st="9" end="9"/>
-                                            </p:txEl>
-                                          </p:spTgt>
-                                        </p:tgtEl>
-                                        <p:attrNameLst>
-                                          <p:attrName>style.visibility</p:attrName>
-                                        </p:attrNameLst>
-                                      </p:cBhvr>
-                                      <p:to>
-                                        <p:strVal val="visible"/>
-                                      </p:to>
-                                    </p:set>
-                                  </p:childTnLst>
-                                </p:cTn>
-                              </p:par>
-                            </p:childTnLst>
-                          </p:cTn>
-                        </p:par>
-                      </p:childTnLst>
-                    </p:cTn>
-                  </p:par>
-                  <p:par>
-                    <p:cTn id="31" fill="hold">
-                      <p:stCondLst>
-                        <p:cond delay="indefinite"/>
-                      </p:stCondLst>
-                      <p:childTnLst>
-                        <p:par>
-                          <p:cTn id="32" fill="hold">
-                            <p:stCondLst>
-                              <p:cond delay="0"/>
-                            </p:stCondLst>
-                            <p:childTnLst>
-                              <p:par>
-                                <p:cTn id="33" presetID="1" presetClass="entr" presetSubtype="0" fill="hold" grpId="0" nodeType="clickEffect">
-                                  <p:stCondLst>
-                                    <p:cond delay="0"/>
-                                  </p:stCondLst>
-                                  <p:childTnLst>
-                                    <p:set>
-                                      <p:cBhvr>
-                                        <p:cTn id="34" dur="1" fill="hold">
-                                          <p:stCondLst>
-                                            <p:cond delay="0"/>
-                                          </p:stCondLst>
-                                        </p:cTn>
-                                        <p:tgtEl>
-                                          <p:spTgt spid="2">
-                                            <p:txEl>
-                                              <p:pRg st="10" end="10"/>
-                                            </p:txEl>
-                                          </p:spTgt>
-                                        </p:tgtEl>
-                                        <p:attrNameLst>
-                                          <p:attrName>style.visibility</p:attrName>
-                                        </p:attrNameLst>
-                                      </p:cBhvr>
-                                      <p:to>
-                                        <p:strVal val="visible"/>
-                                      </p:to>
-                                    </p:set>
-                                  </p:childTnLst>
-                                </p:cTn>
-                              </p:par>
-                              <p:par>
-                                <p:cTn id="35" presetID="1" presetClass="entr" presetSubtype="0" fill="hold" grpId="0" nodeType="withEffect">
-                                  <p:stCondLst>
-                                    <p:cond delay="0"/>
-                                  </p:stCondLst>
-                                  <p:childTnLst>
-                                    <p:set>
-                                      <p:cBhvr>
-                                        <p:cTn id="36" dur="1" fill="hold">
-                                          <p:stCondLst>
-                                            <p:cond delay="0"/>
-                                          </p:stCondLst>
-                                        </p:cTn>
-                                        <p:tgtEl>
-                                          <p:spTgt spid="2">
-                                            <p:txEl>
-                                              <p:pRg st="11" end="11"/>
-                                            </p:txEl>
-                                          </p:spTgt>
-                                        </p:tgtEl>
-                                        <p:attrNameLst>
-                                          <p:attrName>style.visibility</p:attrName>
-                                        </p:attrNameLst>
-                                      </p:cBhvr>
-                                      <p:to>
-                                        <p:strVal val="visible"/>
-                                      </p:to>
-                                    </p:set>
-                                  </p:childTnLst>
-                                </p:cTn>
-                              </p:par>
-                            </p:childTnLst>
-                          </p:cTn>
-                        </p:par>
-                      </p:childTnLst>
-                    </p:cTn>
-                  </p:par>
-                </p:childTnLst>
-              </p:cTn>
-              <p:prevCondLst>
-                <p:cond evt="onPrev" delay="0">
-                  <p:tgtEl>
-                    <p:sldTgt/>
-                  </p:tgtEl>
-                </p:cond>
-              </p:prevCondLst>
-              <p:nextCondLst>
-                <p:cond evt="onNext" delay="0">
-                  <p:tgtEl>
-                    <p:sldTgt/>
-                  </p:tgtEl>
-                </p:cond>
-              </p:nextCondLst>
-            </p:seq>
-          </p:childTnLst>
-        </p:cTn>
-      </p:par>
-    </p:tnLst>
-    <p:bldLst>
-      <p:bldP spid="2" grpId="0" build="p"/>
-    </p:bldLst>
-  </p:timing>
 </p:sld>
 </file>
 
@@ -6536,10 +5392,10 @@
       </p:grpSpPr>
       <p:sp>
         <p:nvSpPr>
-          <p:cNvPr id="2" name="Content Placeholder 1">
+          <p:cNvPr id="2" name="Platshållare för innehåll 1">
             <a:extLst>
               <a:ext uri="{FF2B5EF4-FFF2-40B4-BE49-F238E27FC236}">
-                <a16:creationId xmlns:a16="http://schemas.microsoft.com/office/drawing/2014/main" id="{8FFA1570-0EFF-2C48-BBDB-C61ADFAEB3F5}"/>
+                <a16:creationId xmlns:a16="http://schemas.microsoft.com/office/drawing/2014/main" id="{EFEF3CA9-AB7A-A446-91F3-AFDAACBB631D}"/>
               </a:ext>
             </a:extLst>
           </p:cNvPr>
@@ -6550,124 +5406,90 @@
             <p:ph idx="1"/>
           </p:nvPr>
         </p:nvSpPr>
-        <p:spPr/>
+        <p:spPr>
+          <a:xfrm>
+            <a:off x="431209" y="1241059"/>
+            <a:ext cx="8680133" cy="2992407"/>
+          </a:xfrm>
+        </p:spPr>
         <p:txBody>
-          <a:bodyPr>
-            <a:normAutofit/>
-          </a:bodyPr>
+          <a:bodyPr/>
           <a:lstStyle/>
           <a:p>
-            <a:r>
-              <a:rPr lang="en-US" sz="2000" b="1" dirty="0"/>
-              <a:t>Some example NBIS courses</a:t>
-            </a:r>
-          </a:p>
-          <a:p>
-            <a:pPr marL="457200" indent="-457200">
+            <a:pPr marL="342900" indent="-342900">
               <a:buFont typeface="Arial" panose="020B0604020202020204" pitchFamily="34" charset="0"/>
               <a:buChar char="•"/>
             </a:pPr>
             <a:r>
-              <a:rPr lang="en-US" sz="2000" dirty="0">
-                <a:solidFill>
-                  <a:srgbClr val="000000"/>
-                </a:solidFill>
-                <a:ea typeface="Arial" charset="0"/>
-                <a:cs typeface="Arial" charset="0"/>
-              </a:rPr>
-              <a:t>Introduction to bioinformatics using NGS data</a:t>
-            </a:r>
-          </a:p>
-          <a:p>
-            <a:pPr marL="457200" indent="-457200">
+              <a:rPr lang="en-GB" sz="2400" dirty="0"/>
+              <a:t>Instructions available in Canvas:</a:t>
+            </a:r>
+            <a:endParaRPr lang="en-GB" dirty="0"/>
+          </a:p>
+          <a:p>
+            <a:pPr marL="800100" lvl="1" indent="-342900">
               <a:buFont typeface="Arial" panose="020B0604020202020204" pitchFamily="34" charset="0"/>
               <a:buChar char="•"/>
             </a:pPr>
             <a:r>
-              <a:rPr lang="en-US" sz="2000" dirty="0"/>
-              <a:t>Bulk and single-cell RNA-seq</a:t>
-            </a:r>
-          </a:p>
-          <a:p>
-            <a:pPr marL="457200" indent="-457200">
+              <a:rPr lang="en-GB" sz="2000" dirty="0">
+                <a:hlinkClick r:id="rId3"/>
+              </a:rPr>
+              <a:t>https://uppsala.instructure.com/courses/85059</a:t>
+            </a:r>
+            <a:endParaRPr lang="en-GB" sz="2000" dirty="0"/>
+          </a:p>
+          <a:p>
+            <a:pPr marL="800100" lvl="1" indent="-342900">
               <a:buFont typeface="Arial" panose="020B0604020202020204" pitchFamily="34" charset="0"/>
               <a:buChar char="•"/>
             </a:pPr>
             <a:r>
-              <a:rPr lang="en-US" sz="2000" dirty="0"/>
-              <a:t>Python and R programming </a:t>
-            </a:r>
-          </a:p>
-          <a:p>
-            <a:pPr marL="457200" indent="-457200">
+              <a:rPr lang="en-GB" sz="2000" dirty="0"/>
+              <a:t>All material linked from Modules/Workshop/Schedule</a:t>
+            </a:r>
+            <a:endParaRPr lang="en-GB" sz="2400" dirty="0"/>
+          </a:p>
+          <a:p>
+            <a:pPr marL="342900" indent="-342900">
               <a:buFont typeface="Arial" panose="020B0604020202020204" pitchFamily="34" charset="0"/>
               <a:buChar char="•"/>
             </a:pPr>
             <a:r>
-              <a:rPr lang="en-US" sz="2000" dirty="0"/>
-              <a:t>Tools for reproducible research</a:t>
-            </a:r>
-          </a:p>
-          <a:p>
-            <a:pPr marL="457200" indent="-457200">
+              <a:rPr lang="en-GB" sz="2400" dirty="0"/>
+              <a:t>Work in pairs because it improves the learning.</a:t>
+            </a:r>
+          </a:p>
+          <a:p>
+            <a:pPr marL="342900" indent="-342900">
               <a:buFont typeface="Arial" panose="020B0604020202020204" pitchFamily="34" charset="0"/>
               <a:buChar char="•"/>
             </a:pPr>
             <a:r>
-              <a:rPr lang="en-US" sz="2000" dirty="0"/>
-              <a:t>Omics integration and systems biology</a:t>
-            </a:r>
-          </a:p>
-          <a:p>
-            <a:pPr marL="457200" indent="-457200">
-              <a:buFont typeface="Arial" panose="020B0604020202020204" pitchFamily="34" charset="0"/>
-              <a:buChar char="•"/>
-            </a:pPr>
-            <a:r>
-              <a:rPr lang="en-US" sz="2000" dirty="0"/>
-              <a:t>Biostatistics and machine learning</a:t>
-            </a:r>
-          </a:p>
-          <a:p>
-            <a:endParaRPr lang="en-US" sz="2000" dirty="0"/>
-          </a:p>
-          <a:p>
-            <a:r>
-              <a:rPr lang="en-US" sz="2000" dirty="0"/>
-              <a:t>Check out our training catalogue</a:t>
-            </a:r>
-            <a:r>
-              <a:rPr lang="en-US" dirty="0"/>
-              <a:t>: </a:t>
-            </a:r>
-          </a:p>
-          <a:p>
-            <a:r>
-              <a:rPr lang="en-US" dirty="0"/>
-              <a:t>https://</a:t>
-            </a:r>
-            <a:r>
-              <a:rPr lang="en-US" dirty="0" err="1"/>
-              <a:t>uppsala.instructure.com</a:t>
-            </a:r>
-            <a:r>
-              <a:rPr lang="en-US" dirty="0"/>
-              <a:t>/courses/79097</a:t>
-            </a:r>
-            <a:endParaRPr lang="en-SE" sz="2000" dirty="0">
-              <a:solidFill>
-                <a:srgbClr val="045C64"/>
-              </a:solidFill>
-            </a:endParaRPr>
+              <a:rPr lang="en-GB" sz="2400" dirty="0"/>
+              <a:t>Ask TAs when you have problems!</a:t>
+            </a:r>
+          </a:p>
+          <a:p>
+            <a:endParaRPr lang="en-GB" dirty="0"/>
+          </a:p>
+          <a:p>
+            <a:endParaRPr lang="en-GB" dirty="0"/>
+          </a:p>
+          <a:p>
+            <a:endParaRPr lang="en-GB" dirty="0"/>
+          </a:p>
+          <a:p>
+            <a:endParaRPr lang="en-GB" dirty="0"/>
           </a:p>
         </p:txBody>
       </p:sp>
       <p:sp>
         <p:nvSpPr>
-          <p:cNvPr id="3" name="Title 2">
+          <p:cNvPr id="3" name="Rubrik 2">
             <a:extLst>
               <a:ext uri="{FF2B5EF4-FFF2-40B4-BE49-F238E27FC236}">
-                <a16:creationId xmlns:a16="http://schemas.microsoft.com/office/drawing/2014/main" id="{C49BB356-E7F1-1C42-946C-740E0BC09D0D}"/>
+                <a16:creationId xmlns:a16="http://schemas.microsoft.com/office/drawing/2014/main" id="{7E27F0CF-10D2-0745-B573-A806CFB1514D}"/>
               </a:ext>
             </a:extLst>
           </p:cNvPr>
@@ -6687,7 +5509,7 @@
           <a:p>
             <a:r>
               <a:rPr lang="en-GB" dirty="0"/>
-              <a:t>NBIS Training</a:t>
+              <a:t>Labs</a:t>
             </a:r>
           </a:p>
         </p:txBody>
@@ -6695,7 +5517,7 @@
     </p:spTree>
     <p:extLst>
       <p:ext uri="{BB962C8B-B14F-4D97-AF65-F5344CB8AC3E}">
-        <p14:creationId xmlns:p14="http://schemas.microsoft.com/office/powerpoint/2010/main" val="2167017155"/>
+        <p14:creationId xmlns:p14="http://schemas.microsoft.com/office/powerpoint/2010/main" val="235262784"/>
       </p:ext>
     </p:extLst>
   </p:cSld>
@@ -6724,10 +5546,10 @@
       </p:grpSpPr>
       <p:sp>
         <p:nvSpPr>
-          <p:cNvPr id="4" name="Rubrik 3">
+          <p:cNvPr id="2" name="Content Placeholder 1">
             <a:extLst>
               <a:ext uri="{FF2B5EF4-FFF2-40B4-BE49-F238E27FC236}">
-                <a16:creationId xmlns:a16="http://schemas.microsoft.com/office/drawing/2014/main" id="{5E6D3344-626D-404C-89BC-8D6B12E5F22E}"/>
+                <a16:creationId xmlns:a16="http://schemas.microsoft.com/office/drawing/2014/main" id="{D8A19674-0785-988B-CAE8-B69C6C1D93C5}"/>
               </a:ext>
             </a:extLst>
           </p:cNvPr>
@@ -6735,17 +5557,85 @@
             <a:spLocks noGrp="1"/>
           </p:cNvSpPr>
           <p:nvPr>
-            <p:ph type="ctrTitle"/>
+            <p:ph idx="1"/>
           </p:nvPr>
         </p:nvSpPr>
         <p:spPr/>
         <p:txBody>
-          <a:bodyPr/>
+          <a:bodyPr>
+            <a:normAutofit/>
+          </a:bodyPr>
           <a:lstStyle/>
           <a:p>
             <a:r>
-              <a:rPr lang="en-GB" dirty="0"/>
-              <a:t>More information about NBIS on Friday!</a:t>
+              <a:rPr lang="en-SE" sz="2400" dirty="0"/>
+              <a:t>Those that attend the full workshop* will get a certificate.</a:t>
+            </a:r>
+          </a:p>
+          <a:p>
+            <a:r>
+              <a:rPr lang="en-SE" sz="2400" dirty="0"/>
+              <a:t>	*Attendence at all lectures and labs</a:t>
+            </a:r>
+          </a:p>
+          <a:p>
+            <a:r>
+              <a:rPr lang="en-SE" sz="2400" dirty="0"/>
+              <a:t>	*Labs done to the basic level</a:t>
+            </a:r>
+          </a:p>
+          <a:p>
+            <a:r>
+              <a:rPr lang="en-SE" sz="2400" dirty="0"/>
+              <a:t>	*Let us know if you need to miss a session</a:t>
+            </a:r>
+          </a:p>
+          <a:p>
+            <a:endParaRPr lang="en-SE" sz="2400" dirty="0"/>
+          </a:p>
+          <a:p>
+            <a:r>
+              <a:rPr lang="en-SE" sz="2400" dirty="0"/>
+              <a:t>The certificate will not state number of credits. It will say that this was a full weeks workshop and what topics were covered.</a:t>
+            </a:r>
+          </a:p>
+          <a:p>
+            <a:endParaRPr lang="en-SE" sz="2400" dirty="0"/>
+          </a:p>
+          <a:p>
+            <a:r>
+              <a:rPr lang="en-SE" sz="2400" dirty="0"/>
+              <a:t>Please fill in attendence sheets on the wall!</a:t>
+            </a:r>
+          </a:p>
+        </p:txBody>
+      </p:sp>
+      <p:sp>
+        <p:nvSpPr>
+          <p:cNvPr id="3" name="Title 2">
+            <a:extLst>
+              <a:ext uri="{FF2B5EF4-FFF2-40B4-BE49-F238E27FC236}">
+                <a16:creationId xmlns:a16="http://schemas.microsoft.com/office/drawing/2014/main" id="{1C20F98B-1903-2E1B-1CC1-DFE396E5749F}"/>
+              </a:ext>
+            </a:extLst>
+          </p:cNvPr>
+          <p:cNvSpPr>
+            <a:spLocks noGrp="1"/>
+          </p:cNvSpPr>
+          <p:nvPr>
+            <p:ph type="title"/>
+          </p:nvPr>
+        </p:nvSpPr>
+        <p:spPr/>
+        <p:txBody>
+          <a:bodyPr>
+            <a:normAutofit fontScale="90000"/>
+          </a:bodyPr>
+          <a:lstStyle/>
+          <a:p>
+            <a:r>
+              <a:rPr lang="en-SE" dirty="0"/>
+              <a:t>Attendence and certificate</a:t>
             </a:r>
           </a:p>
         </p:txBody>
@@ -6753,7 +5643,7 @@
     </p:spTree>
     <p:extLst>
       <p:ext uri="{BB962C8B-B14F-4D97-AF65-F5344CB8AC3E}">
-        <p14:creationId xmlns:p14="http://schemas.microsoft.com/office/powerpoint/2010/main" val="2450548110"/>
+        <p14:creationId xmlns:p14="http://schemas.microsoft.com/office/powerpoint/2010/main" val="4010080424"/>
       </p:ext>
     </p:extLst>
   </p:cSld>
@@ -6782,10 +5672,10 @@
       </p:grpSpPr>
       <p:sp>
         <p:nvSpPr>
-          <p:cNvPr id="2" name="Rubrik 1">
+          <p:cNvPr id="2" name="Content Placeholder 1">
             <a:extLst>
               <a:ext uri="{FF2B5EF4-FFF2-40B4-BE49-F238E27FC236}">
-                <a16:creationId xmlns:a16="http://schemas.microsoft.com/office/drawing/2014/main" id="{0167827F-EC78-864A-9C8F-2E74AFFE8EF8}"/>
+                <a16:creationId xmlns:a16="http://schemas.microsoft.com/office/drawing/2014/main" id="{D96A6D82-F9B4-3263-5767-33C81CEE1332}"/>
               </a:ext>
             </a:extLst>
           </p:cNvPr>
@@ -6793,17 +5683,79 @@
             <a:spLocks noGrp="1"/>
           </p:cNvSpPr>
           <p:nvPr>
-            <p:ph type="ctrTitle"/>
+            <p:ph idx="1"/>
           </p:nvPr>
         </p:nvSpPr>
         <p:spPr/>
         <p:txBody>
-          <a:bodyPr/>
+          <a:bodyPr>
+            <a:normAutofit/>
+          </a:bodyPr>
           <a:lstStyle/>
           <a:p>
             <a:r>
-              <a:rPr lang="en-GB" dirty="0"/>
-              <a:t>Practical information</a:t>
+              <a:rPr lang="en-SE" sz="2400" dirty="0"/>
+              <a:t>Wednesday 18:00</a:t>
+            </a:r>
+          </a:p>
+          <a:p>
+            <a:endParaRPr lang="en-SE" sz="2400" dirty="0"/>
+          </a:p>
+          <a:p>
+            <a:r>
+              <a:rPr lang="en-SE" sz="2400" dirty="0"/>
+              <a:t>Uppsala: Koh Phangan, Fyristorg 2</a:t>
+            </a:r>
+          </a:p>
+          <a:p>
+            <a:r>
+              <a:rPr lang="en-SE" sz="2400" dirty="0"/>
+              <a:t>Lund:</a:t>
+            </a:r>
+          </a:p>
+          <a:p>
+            <a:r>
+              <a:rPr lang="en-SE" sz="2400" dirty="0"/>
+              <a:t>Umeå:</a:t>
+            </a:r>
+          </a:p>
+          <a:p>
+            <a:endParaRPr lang="en-SE" sz="2400" dirty="0"/>
+          </a:p>
+          <a:p>
+            <a:r>
+              <a:rPr lang="en-SE" sz="2400" dirty="0"/>
+              <a:t>Please sign up on the list in the classroom on Monday!</a:t>
+            </a:r>
+          </a:p>
+        </p:txBody>
+      </p:sp>
+      <p:sp>
+        <p:nvSpPr>
+          <p:cNvPr id="3" name="Title 2">
+            <a:extLst>
+              <a:ext uri="{FF2B5EF4-FFF2-40B4-BE49-F238E27FC236}">
+                <a16:creationId xmlns:a16="http://schemas.microsoft.com/office/drawing/2014/main" id="{B89F6912-36F6-CA31-AC72-7539500C7B1B}"/>
+              </a:ext>
+            </a:extLst>
+          </p:cNvPr>
+          <p:cNvSpPr>
+            <a:spLocks noGrp="1"/>
+          </p:cNvSpPr>
+          <p:nvPr>
+            <p:ph type="title"/>
+          </p:nvPr>
+        </p:nvSpPr>
+        <p:spPr/>
+        <p:txBody>
+          <a:bodyPr>
+            <a:normAutofit fontScale="90000"/>
+          </a:bodyPr>
+          <a:lstStyle/>
+          <a:p>
+            <a:r>
+              <a:rPr lang="en-SE" dirty="0"/>
+              <a:t>Course dinner</a:t>
             </a:r>
           </a:p>
         </p:txBody>
@@ -6811,7 +5763,7 @@
     </p:spTree>
     <p:extLst>
       <p:ext uri="{BB962C8B-B14F-4D97-AF65-F5344CB8AC3E}">
-        <p14:creationId xmlns:p14="http://schemas.microsoft.com/office/powerpoint/2010/main" val="2998468256"/>
+        <p14:creationId xmlns:p14="http://schemas.microsoft.com/office/powerpoint/2010/main" val="2894102020"/>
       </p:ext>
     </p:extLst>
   </p:cSld>
@@ -6840,10 +5792,10 @@
       </p:grpSpPr>
       <p:sp>
         <p:nvSpPr>
-          <p:cNvPr id="2" name="Platshållare för innehåll 1">
+          <p:cNvPr id="2" name="Rubrik 1">
             <a:extLst>
               <a:ext uri="{FF2B5EF4-FFF2-40B4-BE49-F238E27FC236}">
-                <a16:creationId xmlns:a16="http://schemas.microsoft.com/office/drawing/2014/main" id="{C839E2EE-38FA-9A4C-823E-E9E16C448F0D}"/>
+                <a16:creationId xmlns:a16="http://schemas.microsoft.com/office/drawing/2014/main" id="{91E43C49-E986-0845-A1CC-D1810C078403}"/>
               </a:ext>
             </a:extLst>
           </p:cNvPr>
@@ -6851,77 +5803,27 @@
             <a:spLocks noGrp="1"/>
           </p:cNvSpPr>
           <p:nvPr>
-            <p:ph idx="1"/>
+            <p:ph type="ctrTitle"/>
           </p:nvPr>
         </p:nvSpPr>
-        <p:spPr>
-          <a:xfrm>
-            <a:off x="431208" y="1235233"/>
-            <a:ext cx="11329579" cy="4964845"/>
-          </a:xfrm>
-        </p:spPr>
+        <p:spPr/>
         <p:txBody>
           <a:bodyPr/>
           <a:lstStyle/>
           <a:p>
-            <a:pPr marL="342900" indent="-342900">
-              <a:buFont typeface="Arial" panose="020B0604020202020204" pitchFamily="34" charset="0"/>
-              <a:buChar char="•"/>
-            </a:pPr>
-            <a:r>
-              <a:rPr lang="en-GB" sz="2400" dirty="0"/>
-              <a:t>Mainly live in the classroom in Uppsala.</a:t>
-            </a:r>
-          </a:p>
-          <a:p>
-            <a:pPr marL="342900" indent="-342900">
-              <a:buFont typeface="Arial" panose="020B0604020202020204" pitchFamily="34" charset="0"/>
-              <a:buChar char="•"/>
-            </a:pPr>
-            <a:r>
-              <a:rPr lang="en-GB" sz="2400" dirty="0"/>
-              <a:t>Streamed via zoom to Lund and </a:t>
-            </a:r>
-            <a:r>
-              <a:rPr lang="en-GB" sz="2400" dirty="0" err="1"/>
-              <a:t>Umeå</a:t>
-            </a:r>
-            <a:r>
-              <a:rPr lang="en-GB" sz="2400" dirty="0"/>
-              <a:t>. </a:t>
-            </a:r>
-          </a:p>
-          <a:p>
-            <a:pPr marL="342900" indent="-342900">
-              <a:buFont typeface="Arial" panose="020B0604020202020204" pitchFamily="34" charset="0"/>
-              <a:buChar char="•"/>
-            </a:pPr>
-            <a:r>
-              <a:rPr lang="en-GB" sz="2400" dirty="0"/>
-              <a:t>Lets help out to make sure that questions are heard in all classrooms!</a:t>
-            </a:r>
-          </a:p>
-          <a:p>
-            <a:pPr marL="342900" indent="-342900">
-              <a:buFont typeface="Arial" panose="020B0604020202020204" pitchFamily="34" charset="0"/>
-              <a:buChar char="•"/>
-            </a:pPr>
-            <a:endParaRPr lang="en-GB" dirty="0"/>
-          </a:p>
-          <a:p>
-            <a:endParaRPr lang="en-GB" dirty="0"/>
-          </a:p>
-          <a:p>
-            <a:endParaRPr lang="en-GB" dirty="0"/>
+            <a:r>
+              <a:rPr lang="en-GB" dirty="0"/>
+              <a:t>Questions?</a:t>
+            </a:r>
           </a:p>
         </p:txBody>
       </p:sp>
       <p:sp>
         <p:nvSpPr>
-          <p:cNvPr id="3" name="Rubrik 2">
+          <p:cNvPr id="3" name="Underrubrik 2">
             <a:extLst>
               <a:ext uri="{FF2B5EF4-FFF2-40B4-BE49-F238E27FC236}">
-                <a16:creationId xmlns:a16="http://schemas.microsoft.com/office/drawing/2014/main" id="{A058BB4D-2A4B-9440-870E-3534FB01AA85}"/>
+                <a16:creationId xmlns:a16="http://schemas.microsoft.com/office/drawing/2014/main" id="{A9E0F243-4187-4A48-85B7-4390215EB1DA}"/>
               </a:ext>
             </a:extLst>
           </p:cNvPr>
@@ -6929,19 +5831,17 @@
             <a:spLocks noGrp="1"/>
           </p:cNvSpPr>
           <p:nvPr>
-            <p:ph type="title"/>
+            <p:ph type="subTitle" idx="1"/>
           </p:nvPr>
         </p:nvSpPr>
         <p:spPr/>
         <p:txBody>
-          <a:bodyPr>
-            <a:normAutofit fontScale="90000"/>
-          </a:bodyPr>
+          <a:bodyPr/>
           <a:lstStyle/>
           <a:p>
             <a:r>
               <a:rPr lang="en-GB" dirty="0"/>
-              <a:t>Lectures</a:t>
+              <a:t>Please ask questions and take part in discussions trough out the workshop! </a:t>
             </a:r>
           </a:p>
         </p:txBody>
@@ -6949,7 +5849,7 @@
     </p:spTree>
     <p:extLst>
       <p:ext uri="{BB962C8B-B14F-4D97-AF65-F5344CB8AC3E}">
-        <p14:creationId xmlns:p14="http://schemas.microsoft.com/office/powerpoint/2010/main" val="3321144600"/>
+        <p14:creationId xmlns:p14="http://schemas.microsoft.com/office/powerpoint/2010/main" val="3455965932"/>
       </p:ext>
     </p:extLst>
   </p:cSld>

--- a/topics/other/slide_introduction.pptx
+++ b/topics/other/slide_introduction.pptx
@@ -307,7 +307,7 @@
           <a:p>
             <a:fld id="{C3D4F295-D1F4-D54B-BA69-832D96C6432A}" type="datetimeFigureOut">
               <a:rPr lang="en-SE" smtClean="0"/>
-              <a:t>2023-11-06</a:t>
+              <a:t>2023-11-09</a:t>
             </a:fld>
             <a:endParaRPr lang="en-SE"/>
           </a:p>
@@ -406,7 +406,7 @@
           <a:p>
             <a:fld id="{1EC88F62-802F-2448-8EA8-1562273BBAF4}" type="datetimeFigureOut">
               <a:rPr lang="en-SE" smtClean="0"/>
-              <a:t>2023-11-06</a:t>
+              <a:t>2023-11-09</a:t>
             </a:fld>
             <a:endParaRPr lang="en-SE"/>
           </a:p>
@@ -4947,102 +4947,6 @@
           </a:p>
         </p:txBody>
       </p:sp>
-      <p:pic>
-        <p:nvPicPr>
-          <p:cNvPr id="1026" name="Picture 2" descr="Roy Francis | NBIS expert">
-            <a:extLst>
-              <a:ext uri="{FF2B5EF4-FFF2-40B4-BE49-F238E27FC236}">
-                <a16:creationId xmlns:a16="http://schemas.microsoft.com/office/drawing/2014/main" id="{EDB1F5C9-381D-A140-B4D1-6C2573A5DA40}"/>
-              </a:ext>
-            </a:extLst>
-          </p:cNvPr>
-          <p:cNvPicPr>
-            <a:picLocks noGrp="1" noChangeAspect="1" noChangeArrowheads="1"/>
-          </p:cNvPicPr>
-          <p:nvPr>
-            <p:ph idx="1"/>
-          </p:nvPr>
-        </p:nvPicPr>
-        <p:blipFill>
-          <a:blip r:embed="rId2">
-            <a:extLst>
-              <a:ext uri="{28A0092B-C50C-407E-A947-70E740481C1C}">
-                <a14:useLocalDpi xmlns:a14="http://schemas.microsoft.com/office/drawing/2010/main"/>
-              </a:ext>
-            </a:extLst>
-          </a:blip>
-          <a:srcRect/>
-          <a:stretch>
-            <a:fillRect/>
-          </a:stretch>
-        </p:blipFill>
-        <p:spPr bwMode="auto">
-          <a:xfrm>
-            <a:off x="1524000" y="1905000"/>
-            <a:ext cx="2857500" cy="2857500"/>
-          </a:xfrm>
-          <a:prstGeom prst="rect">
-            <a:avLst/>
-          </a:prstGeom>
-          <a:noFill/>
-          <a:extLst>
-            <a:ext uri="{909E8E84-426E-40DD-AFC4-6F175D3DCCD1}">
-              <a14:hiddenFill xmlns:a14="http://schemas.microsoft.com/office/drawing/2010/main">
-                <a:solidFill>
-                  <a:srgbClr val="FFFFFF"/>
-                </a:solidFill>
-              </a14:hiddenFill>
-            </a:ext>
-          </a:extLst>
-        </p:spPr>
-      </p:pic>
-      <p:pic>
-        <p:nvPicPr>
-          <p:cNvPr id="1028" name="Picture 4" descr="Martin Dahlö">
-            <a:extLst>
-              <a:ext uri="{FF2B5EF4-FFF2-40B4-BE49-F238E27FC236}">
-                <a16:creationId xmlns:a16="http://schemas.microsoft.com/office/drawing/2014/main" id="{B37A4D51-6E43-AF4A-818C-B985E48E26D7}"/>
-              </a:ext>
-            </a:extLst>
-          </p:cNvPr>
-          <p:cNvPicPr>
-            <a:picLocks noChangeAspect="1" noChangeArrowheads="1"/>
-          </p:cNvPicPr>
-          <p:nvPr/>
-        </p:nvPicPr>
-        <p:blipFill>
-          <a:blip r:embed="rId3">
-            <a:extLst>
-              <a:ext uri="{28A0092B-C50C-407E-A947-70E740481C1C}">
-                <a14:useLocalDpi xmlns:a14="http://schemas.microsoft.com/office/drawing/2010/main"/>
-              </a:ext>
-            </a:extLst>
-          </a:blip>
-          <a:srcRect/>
-          <a:stretch>
-            <a:fillRect/>
-          </a:stretch>
-        </p:blipFill>
-        <p:spPr bwMode="auto">
-          <a:xfrm>
-            <a:off x="8286750" y="2197100"/>
-            <a:ext cx="1905000" cy="2463800"/>
-          </a:xfrm>
-          <a:prstGeom prst="rect">
-            <a:avLst/>
-          </a:prstGeom>
-          <a:noFill/>
-          <a:extLst>
-            <a:ext uri="{909E8E84-426E-40DD-AFC4-6F175D3DCCD1}">
-              <a14:hiddenFill xmlns:a14="http://schemas.microsoft.com/office/drawing/2010/main">
-                <a:solidFill>
-                  <a:srgbClr val="FFFFFF"/>
-                </a:solidFill>
-              </a14:hiddenFill>
-            </a:ext>
-          </a:extLst>
-        </p:spPr>
-      </p:pic>
       <p:sp>
         <p:nvSpPr>
           <p:cNvPr id="6" name="textruta 5">
@@ -5096,7 +5000,7 @@
         </p:nvSpPr>
         <p:spPr>
           <a:xfrm>
-            <a:off x="5466496" y="5277088"/>
+            <a:off x="5182717" y="5277088"/>
             <a:ext cx="1620958" cy="369332"/>
           </a:xfrm>
           <a:prstGeom prst="rect">
@@ -5180,10 +5084,68 @@
       </p:sp>
       <p:pic>
         <p:nvPicPr>
-          <p:cNvPr id="2" name="Picture 1">
+          <p:cNvPr id="10" name="Content Placeholder 9">
             <a:extLst>
               <a:ext uri="{FF2B5EF4-FFF2-40B4-BE49-F238E27FC236}">
-                <a16:creationId xmlns:a16="http://schemas.microsoft.com/office/drawing/2014/main" id="{A597DCAC-C52E-0A7C-51E2-E6D4D01B24FB}"/>
+                <a16:creationId xmlns:a16="http://schemas.microsoft.com/office/drawing/2014/main" id="{083C18ED-2B99-6CF8-31F8-9B5582375795}"/>
+              </a:ext>
+            </a:extLst>
+          </p:cNvPr>
+          <p:cNvPicPr>
+            <a:picLocks noGrp="1" noChangeAspect="1"/>
+          </p:cNvPicPr>
+          <p:nvPr>
+            <p:ph idx="1"/>
+          </p:nvPr>
+        </p:nvPicPr>
+        <p:blipFill>
+          <a:blip r:embed="rId2"/>
+          <a:stretch>
+            <a:fillRect/>
+          </a:stretch>
+        </p:blipFill>
+        <p:spPr>
+          <a:xfrm>
+            <a:off x="1422399" y="2070100"/>
+            <a:ext cx="2717800" cy="2717800"/>
+          </a:xfrm>
+        </p:spPr>
+      </p:pic>
+      <p:pic>
+        <p:nvPicPr>
+          <p:cNvPr id="15" name="Picture 14">
+            <a:extLst>
+              <a:ext uri="{FF2B5EF4-FFF2-40B4-BE49-F238E27FC236}">
+                <a16:creationId xmlns:a16="http://schemas.microsoft.com/office/drawing/2014/main" id="{414A3D32-4D4F-C005-B896-40355635AAFD}"/>
+              </a:ext>
+            </a:extLst>
+          </p:cNvPr>
+          <p:cNvPicPr>
+            <a:picLocks noChangeAspect="1"/>
+          </p:cNvPicPr>
+          <p:nvPr/>
+        </p:nvPicPr>
+        <p:blipFill>
+          <a:blip r:embed="rId3"/>
+          <a:srcRect/>
+          <a:stretch/>
+        </p:blipFill>
+        <p:spPr>
+          <a:xfrm>
+            <a:off x="4247050" y="1770635"/>
+            <a:ext cx="3511593" cy="3516962"/>
+          </a:xfrm>
+          <a:prstGeom prst="rect">
+            <a:avLst/>
+          </a:prstGeom>
+        </p:spPr>
+      </p:pic>
+      <p:pic>
+        <p:nvPicPr>
+          <p:cNvPr id="4" name="Picture 3">
+            <a:extLst>
+              <a:ext uri="{FF2B5EF4-FFF2-40B4-BE49-F238E27FC236}">
+                <a16:creationId xmlns:a16="http://schemas.microsoft.com/office/drawing/2014/main" id="{85E15635-5423-11A1-378A-87B416AA276E}"/>
               </a:ext>
             </a:extLst>
           </p:cNvPr>
@@ -5200,8 +5162,8 @@
         </p:blipFill>
         <p:spPr>
           <a:xfrm>
-            <a:off x="4889500" y="2070100"/>
-            <a:ext cx="2413000" cy="2717800"/>
+            <a:off x="7644415" y="1770635"/>
+            <a:ext cx="3147630" cy="3147630"/>
           </a:xfrm>
           <a:prstGeom prst="rect">
             <a:avLst/>

--- a/topics/other/slide_introduction.pptx
+++ b/topics/other/slide_introduction.pptx
@@ -5106,7 +5106,7 @@
         </p:blipFill>
         <p:spPr>
           <a:xfrm>
-            <a:off x="1422399" y="2070100"/>
+            <a:off x="1422399" y="2170216"/>
             <a:ext cx="2717800" cy="2717800"/>
           </a:xfrm>
         </p:spPr>
@@ -5132,7 +5132,7 @@
         </p:blipFill>
         <p:spPr>
           <a:xfrm>
-            <a:off x="4247050" y="1770635"/>
+            <a:off x="4231100" y="1823185"/>
             <a:ext cx="3511593" cy="3516962"/>
           </a:xfrm>
           <a:prstGeom prst="rect">
@@ -5156,14 +5156,13 @@
         </p:nvPicPr>
         <p:blipFill>
           <a:blip r:embed="rId4"/>
-          <a:stretch>
-            <a:fillRect/>
-          </a:stretch>
+          <a:srcRect/>
+          <a:stretch/>
         </p:blipFill>
         <p:spPr>
           <a:xfrm>
-            <a:off x="7644415" y="1770635"/>
-            <a:ext cx="3147630" cy="3147630"/>
+            <a:off x="7749516" y="2058615"/>
+            <a:ext cx="2960524" cy="2960524"/>
           </a:xfrm>
           <a:prstGeom prst="rect">
             <a:avLst/>

--- a/topics/other/slide_introduction.pptx
+++ b/topics/other/slide_introduction.pptx
@@ -5,10 +5,10 @@
     <p:sldMasterId id="2147483869" r:id="rId1"/>
   </p:sldMasterIdLst>
   <p:notesMasterIdLst>
-    <p:notesMasterId r:id="rId11"/>
+    <p:notesMasterId r:id="rId10"/>
   </p:notesMasterIdLst>
   <p:handoutMasterIdLst>
-    <p:handoutMasterId r:id="rId12"/>
+    <p:handoutMasterId r:id="rId11"/>
   </p:handoutMasterIdLst>
   <p:sldIdLst>
     <p:sldId id="256" r:id="rId2"/>
@@ -18,8 +18,7 @@
     <p:sldId id="1137" r:id="rId6"/>
     <p:sldId id="1129" r:id="rId7"/>
     <p:sldId id="1135" r:id="rId8"/>
-    <p:sldId id="1136" r:id="rId9"/>
-    <p:sldId id="1133" r:id="rId10"/>
+    <p:sldId id="1133" r:id="rId9"/>
   </p:sldIdLst>
   <p:sldSz cx="12192000" cy="6858000"/>
   <p:notesSz cx="6858000" cy="9144000"/>
@@ -307,7 +306,7 @@
           <a:p>
             <a:fld id="{C3D4F295-D1F4-D54B-BA69-832D96C6432A}" type="datetimeFigureOut">
               <a:rPr lang="en-SE" smtClean="0"/>
-              <a:t>2023-11-09</a:t>
+              <a:t>2024-03-15</a:t>
             </a:fld>
             <a:endParaRPr lang="en-SE"/>
           </a:p>
@@ -406,7 +405,7 @@
           <a:p>
             <a:fld id="{1EC88F62-802F-2448-8EA8-1562273BBAF4}" type="datetimeFigureOut">
               <a:rPr lang="en-SE" smtClean="0"/>
-              <a:t>2023-11-09</a:t>
+              <a:t>2024-03-15</a:t>
             </a:fld>
             <a:endParaRPr lang="en-SE"/>
           </a:p>
@@ -5228,8 +5227,15 @@
             </a:pPr>
             <a:r>
               <a:rPr lang="en-SE" sz="2400" dirty="0"/>
-              <a:t>Fire exits</a:t>
-            </a:r>
+              <a:t>Zoom: </a:t>
+            </a:r>
+            <a:r>
+              <a:rPr lang="en-GB" sz="2400" dirty="0">
+                <a:hlinkClick r:id="rId2"/>
+              </a:rPr>
+              <a:t>https://uu-se.zoom.us/j/61968741381?pwd=TUxTaysrWFc2RTloeWh4YkRQNUdNZz09</a:t>
+            </a:r>
+            <a:endParaRPr lang="en-GB" sz="2400" dirty="0"/>
           </a:p>
           <a:p>
             <a:pPr marL="342900" indent="-342900">
@@ -5238,8 +5244,21 @@
             </a:pPr>
             <a:r>
               <a:rPr lang="en-SE" sz="2400" dirty="0"/>
-              <a:t>Restrooms</a:t>
-            </a:r>
+              <a:t>Course home page: </a:t>
+            </a:r>
+            <a:r>
+              <a:rPr lang="en-GB" sz="2400" dirty="0"/>
+              <a:t>https://</a:t>
+            </a:r>
+            <a:r>
+              <a:rPr lang="en-GB" sz="2400" dirty="0" err="1"/>
+              <a:t>uppsala.instructure.com</a:t>
+            </a:r>
+            <a:r>
+              <a:rPr lang="en-GB" sz="2400" dirty="0"/>
+              <a:t>/courses/91743</a:t>
+            </a:r>
+            <a:endParaRPr lang="en-SE" sz="2400" dirty="0"/>
           </a:p>
           <a:p>
             <a:pPr marL="342900" indent="-342900">
@@ -5248,7 +5267,7 @@
             </a:pPr>
             <a:r>
               <a:rPr lang="en-SE" sz="2400" dirty="0"/>
-              <a:t>Lunch is booked at 12:00 every day</a:t>
+              <a:t>Lunch ~12:00 every day</a:t>
             </a:r>
           </a:p>
           <a:p>
@@ -5258,7 +5277,7 @@
             </a:pPr>
             <a:r>
               <a:rPr lang="en-SE" sz="2400" dirty="0"/>
-              <a:t>Coffe is ordered for 10:00 and 14:30 every day. We may adjust times a bit depending on lectures</a:t>
+              <a:t>Coffee breaks in the morning and afternoon (exact times decided per day)</a:t>
             </a:r>
           </a:p>
           <a:p>
@@ -5268,23 +5287,45 @@
             </a:pPr>
             <a:r>
               <a:rPr lang="en-SE" sz="2400" dirty="0"/>
-              <a:t>C</a:t>
-            </a:r>
-            <a:r>
-              <a:rPr lang="en-GB" sz="2400" dirty="0"/>
-              <a:t>o</a:t>
-            </a:r>
+              <a:t>Times in schedule may be adjusted slightly depending on breaks. Start time in the morning and after lunch is “fixed”.</a:t>
+            </a:r>
+          </a:p>
+          <a:p>
+            <a:pPr marL="342900" indent="-342900">
+              <a:buFont typeface="Arial" panose="020B0604020202020204" pitchFamily="34" charset="0"/>
+              <a:buChar char="•"/>
+            </a:pPr>
             <a:r>
               <a:rPr lang="en-SE" sz="2400" dirty="0"/>
-              <a:t>urse dinner: Wednesday 18:00, Koh Phangan, Fyristorg 2. </a:t>
-            </a:r>
-          </a:p>
-          <a:p>
-            <a:pPr lvl="1"/>
-            <a:r>
-              <a:rPr lang="en-SE" sz="2400" i="1" dirty="0"/>
-              <a:t>Please sign up on the list in the classroom on Monday!</a:t>
-            </a:r>
+              <a:t>Lectures in the main zoom room</a:t>
+            </a:r>
+          </a:p>
+          <a:p>
+            <a:pPr marL="342900" indent="-342900">
+              <a:buFont typeface="Arial" panose="020B0604020202020204" pitchFamily="34" charset="0"/>
+              <a:buChar char="•"/>
+            </a:pPr>
+            <a:r>
+              <a:rPr lang="en-SE" sz="2400" dirty="0"/>
+              <a:t>Labs in breakout rooms</a:t>
+            </a:r>
+          </a:p>
+          <a:p>
+            <a:pPr marL="342900" indent="-342900">
+              <a:buFont typeface="Arial" panose="020B0604020202020204" pitchFamily="34" charset="0"/>
+              <a:buChar char="•"/>
+            </a:pPr>
+            <a:r>
+              <a:rPr lang="en-SE" sz="2400" dirty="0"/>
+              <a:t>Please have cameras on</a:t>
+            </a:r>
+          </a:p>
+          <a:p>
+            <a:pPr marL="342900" indent="-342900">
+              <a:buFont typeface="Arial" panose="020B0604020202020204" pitchFamily="34" charset="0"/>
+              <a:buChar char="•"/>
+            </a:pPr>
+            <a:endParaRPr lang="en-SE" sz="2400" dirty="0"/>
           </a:p>
           <a:p>
             <a:endParaRPr lang="en-SE" sz="2400" dirty="0"/>
@@ -5369,12 +5410,14 @@
         </p:nvSpPr>
         <p:spPr>
           <a:xfrm>
-            <a:off x="431209" y="1241059"/>
+            <a:off x="900547" y="1127771"/>
             <a:ext cx="8680133" cy="2992407"/>
           </a:xfrm>
         </p:spPr>
         <p:txBody>
-          <a:bodyPr/>
+          <a:bodyPr>
+            <a:noAutofit/>
+          </a:bodyPr>
           <a:lstStyle/>
           <a:p>
             <a:pPr marL="342900" indent="-342900">
@@ -5385,7 +5428,6 @@
               <a:rPr lang="en-GB" sz="2400" dirty="0"/>
               <a:t>Instructions available in Canvas:</a:t>
             </a:r>
-            <a:endParaRPr lang="en-GB" dirty="0"/>
           </a:p>
           <a:p>
             <a:pPr marL="800100" lvl="1" indent="-342900">
@@ -5393,12 +5435,18 @@
               <a:buChar char="•"/>
             </a:pPr>
             <a:r>
-              <a:rPr lang="en-GB" sz="2000" dirty="0">
-                <a:hlinkClick r:id="rId3"/>
-              </a:rPr>
-              <a:t>https://uppsala.instructure.com/courses/85059</a:t>
-            </a:r>
-            <a:endParaRPr lang="en-GB" sz="2000" dirty="0"/>
+              <a:rPr lang="en-GB" sz="2400" dirty="0"/>
+              <a:t>https://</a:t>
+            </a:r>
+            <a:r>
+              <a:rPr lang="en-GB" sz="2400" dirty="0" err="1"/>
+              <a:t>uppsala.instructure.com</a:t>
+            </a:r>
+            <a:r>
+              <a:rPr lang="en-GB" sz="2400" dirty="0"/>
+              <a:t>/courses/91743</a:t>
+            </a:r>
+            <a:endParaRPr lang="en-SE" sz="2400" dirty="0"/>
           </a:p>
           <a:p>
             <a:pPr marL="800100" lvl="1" indent="-342900">
@@ -5406,10 +5454,9 @@
               <a:buChar char="•"/>
             </a:pPr>
             <a:r>
-              <a:rPr lang="en-GB" sz="2000" dirty="0"/>
+              <a:rPr lang="en-GB" sz="2400" dirty="0"/>
               <a:t>All material linked from Modules/Workshop/Schedule</a:t>
             </a:r>
-            <a:endParaRPr lang="en-GB" sz="2400" dirty="0"/>
           </a:p>
           <a:p>
             <a:pPr marL="342900" indent="-342900">
@@ -5418,7 +5465,7 @@
             </a:pPr>
             <a:r>
               <a:rPr lang="en-GB" sz="2400" dirty="0"/>
-              <a:t>Work in pairs because it improves the learning.</a:t>
+              <a:t>Work in breakout rooms</a:t>
             </a:r>
           </a:p>
           <a:p>
@@ -5428,20 +5475,86 @@
             </a:pPr>
             <a:r>
               <a:rPr lang="en-GB" sz="2400" dirty="0"/>
-              <a:t>Ask TAs when you have problems!</a:t>
-            </a:r>
-          </a:p>
-          <a:p>
-            <a:endParaRPr lang="en-GB" dirty="0"/>
-          </a:p>
-          <a:p>
-            <a:endParaRPr lang="en-GB" dirty="0"/>
-          </a:p>
-          <a:p>
-            <a:endParaRPr lang="en-GB" dirty="0"/>
-          </a:p>
-          <a:p>
-            <a:endParaRPr lang="en-GB" dirty="0"/>
+              <a:t>Four persons in each room</a:t>
+            </a:r>
+          </a:p>
+          <a:p>
+            <a:pPr marL="342900" indent="-342900">
+              <a:buFont typeface="Arial" panose="020B0604020202020204" pitchFamily="34" charset="0"/>
+              <a:buChar char="•"/>
+            </a:pPr>
+            <a:r>
+              <a:rPr lang="en-GB" sz="2400" dirty="0"/>
+              <a:t>Help each other in the room because it improves the learning.</a:t>
+            </a:r>
+          </a:p>
+          <a:p>
+            <a:pPr marL="342900" indent="-342900">
+              <a:buFont typeface="Arial" panose="020B0604020202020204" pitchFamily="34" charset="0"/>
+              <a:buChar char="•"/>
+            </a:pPr>
+            <a:r>
+              <a:rPr lang="en-GB" sz="2400" dirty="0"/>
+              <a:t>Breakout rooms will be announced in slack</a:t>
+            </a:r>
+          </a:p>
+          <a:p>
+            <a:pPr marL="342900" indent="-342900">
+              <a:buFont typeface="Arial" panose="020B0604020202020204" pitchFamily="34" charset="0"/>
+              <a:buChar char="•"/>
+            </a:pPr>
+            <a:r>
+              <a:rPr lang="en-GB" sz="2400" dirty="0"/>
+              <a:t>Ask TAs when you have problems! </a:t>
+            </a:r>
+          </a:p>
+          <a:p>
+            <a:pPr marL="342900" indent="-342900">
+              <a:buFont typeface="Arial" panose="020B0604020202020204" pitchFamily="34" charset="0"/>
+              <a:buChar char="•"/>
+            </a:pPr>
+            <a:r>
+              <a:rPr lang="en-GB" sz="2400" dirty="0"/>
+              <a:t>Use slack channel </a:t>
+            </a:r>
+            <a:r>
+              <a:rPr lang="en-GB" sz="2400" b="1" dirty="0" err="1"/>
+              <a:t>ngsintro_students</a:t>
+            </a:r>
+            <a:r>
+              <a:rPr lang="en-GB" sz="2400" b="1" dirty="0"/>
+              <a:t> </a:t>
+            </a:r>
+            <a:r>
+              <a:rPr lang="en-GB" sz="2400" dirty="0"/>
+              <a:t>to ask for help: </a:t>
+            </a:r>
+          </a:p>
+          <a:p>
+            <a:pPr lvl="1"/>
+            <a:r>
+              <a:rPr lang="en-GB" sz="2400" dirty="0"/>
+              <a:t>“Help needed in room 4”</a:t>
+            </a:r>
+          </a:p>
+          <a:p>
+            <a:pPr marL="342900" indent="-342900">
+              <a:buFont typeface="Arial" panose="020B0604020202020204" pitchFamily="34" charset="0"/>
+              <a:buChar char="•"/>
+            </a:pPr>
+            <a:endParaRPr lang="en-GB" sz="2400" dirty="0"/>
+          </a:p>
+          <a:p>
+            <a:endParaRPr lang="en-GB" sz="2400" dirty="0"/>
+          </a:p>
+          <a:p>
+            <a:endParaRPr lang="en-GB" sz="2400" dirty="0"/>
+          </a:p>
+          <a:p>
+            <a:endParaRPr lang="en-GB" sz="2400" dirty="0"/>
+          </a:p>
+          <a:p>
+            <a:endParaRPr lang="en-GB" sz="2400" dirty="0"/>
           </a:p>
         </p:txBody>
       </p:sp>
@@ -5566,7 +5679,7 @@
           <a:p>
             <a:r>
               <a:rPr lang="en-SE" sz="2400" dirty="0"/>
-              <a:t>Please fill in attendence sheets on the wall!</a:t>
+              <a:t>We will mark your attendance during the workshop</a:t>
             </a:r>
           </a:p>
         </p:txBody>
@@ -5615,126 +5728,6 @@
 </file>
 
 <file path=ppt/slides/slide8.xml><?xml version="1.0" encoding="utf-8"?>
-<p:sld xmlns:a="http://schemas.openxmlformats.org/drawingml/2006/main" xmlns:r="http://schemas.openxmlformats.org/officeDocument/2006/relationships" xmlns:p="http://schemas.openxmlformats.org/presentationml/2006/main">
-  <p:cSld>
-    <p:spTree>
-      <p:nvGrpSpPr>
-        <p:cNvPr id="1" name=""/>
-        <p:cNvGrpSpPr/>
-        <p:nvPr/>
-      </p:nvGrpSpPr>
-      <p:grpSpPr>
-        <a:xfrm>
-          <a:off x="0" y="0"/>
-          <a:ext cx="0" cy="0"/>
-          <a:chOff x="0" y="0"/>
-          <a:chExt cx="0" cy="0"/>
-        </a:xfrm>
-      </p:grpSpPr>
-      <p:sp>
-        <p:nvSpPr>
-          <p:cNvPr id="2" name="Content Placeholder 1">
-            <a:extLst>
-              <a:ext uri="{FF2B5EF4-FFF2-40B4-BE49-F238E27FC236}">
-                <a16:creationId xmlns:a16="http://schemas.microsoft.com/office/drawing/2014/main" id="{D96A6D82-F9B4-3263-5767-33C81CEE1332}"/>
-              </a:ext>
-            </a:extLst>
-          </p:cNvPr>
-          <p:cNvSpPr>
-            <a:spLocks noGrp="1"/>
-          </p:cNvSpPr>
-          <p:nvPr>
-            <p:ph idx="1"/>
-          </p:nvPr>
-        </p:nvSpPr>
-        <p:spPr/>
-        <p:txBody>
-          <a:bodyPr>
-            <a:normAutofit/>
-          </a:bodyPr>
-          <a:lstStyle/>
-          <a:p>
-            <a:r>
-              <a:rPr lang="en-SE" sz="2400" dirty="0"/>
-              <a:t>Wednesday 18:00</a:t>
-            </a:r>
-          </a:p>
-          <a:p>
-            <a:endParaRPr lang="en-SE" sz="2400" dirty="0"/>
-          </a:p>
-          <a:p>
-            <a:r>
-              <a:rPr lang="en-SE" sz="2400" dirty="0"/>
-              <a:t>Uppsala: Koh Phangan, Fyristorg 2</a:t>
-            </a:r>
-          </a:p>
-          <a:p>
-            <a:r>
-              <a:rPr lang="en-SE" sz="2400" dirty="0"/>
-              <a:t>Lund:</a:t>
-            </a:r>
-          </a:p>
-          <a:p>
-            <a:r>
-              <a:rPr lang="en-SE" sz="2400" dirty="0"/>
-              <a:t>Umeå:</a:t>
-            </a:r>
-          </a:p>
-          <a:p>
-            <a:endParaRPr lang="en-SE" sz="2400" dirty="0"/>
-          </a:p>
-          <a:p>
-            <a:r>
-              <a:rPr lang="en-SE" sz="2400" dirty="0"/>
-              <a:t>Please sign up on the list in the classroom on Monday!</a:t>
-            </a:r>
-          </a:p>
-        </p:txBody>
-      </p:sp>
-      <p:sp>
-        <p:nvSpPr>
-          <p:cNvPr id="3" name="Title 2">
-            <a:extLst>
-              <a:ext uri="{FF2B5EF4-FFF2-40B4-BE49-F238E27FC236}">
-                <a16:creationId xmlns:a16="http://schemas.microsoft.com/office/drawing/2014/main" id="{B89F6912-36F6-CA31-AC72-7539500C7B1B}"/>
-              </a:ext>
-            </a:extLst>
-          </p:cNvPr>
-          <p:cNvSpPr>
-            <a:spLocks noGrp="1"/>
-          </p:cNvSpPr>
-          <p:nvPr>
-            <p:ph type="title"/>
-          </p:nvPr>
-        </p:nvSpPr>
-        <p:spPr/>
-        <p:txBody>
-          <a:bodyPr>
-            <a:normAutofit fontScale="90000"/>
-          </a:bodyPr>
-          <a:lstStyle/>
-          <a:p>
-            <a:r>
-              <a:rPr lang="en-SE" dirty="0"/>
-              <a:t>Course dinner</a:t>
-            </a:r>
-          </a:p>
-        </p:txBody>
-      </p:sp>
-    </p:spTree>
-    <p:extLst>
-      <p:ext uri="{BB962C8B-B14F-4D97-AF65-F5344CB8AC3E}">
-        <p14:creationId xmlns:p14="http://schemas.microsoft.com/office/powerpoint/2010/main" val="2894102020"/>
-      </p:ext>
-    </p:extLst>
-  </p:cSld>
-  <p:clrMapOvr>
-    <a:masterClrMapping/>
-  </p:clrMapOvr>
-</p:sld>
-</file>
-
-<file path=ppt/slides/slide9.xml><?xml version="1.0" encoding="utf-8"?>
 <p:sld xmlns:a="http://schemas.openxmlformats.org/drawingml/2006/main" xmlns:r="http://schemas.openxmlformats.org/officeDocument/2006/relationships" xmlns:p="http://schemas.openxmlformats.org/presentationml/2006/main">
   <p:cSld>
     <p:spTree>

--- a/topics/other/slide_introduction.pptx
+++ b/topics/other/slide_introduction.pptx
@@ -15,8 +15,8 @@
     <p:sldId id="1125" r:id="rId3"/>
     <p:sldId id="1121" r:id="rId4"/>
     <p:sldId id="1131" r:id="rId5"/>
-    <p:sldId id="1137" r:id="rId6"/>
-    <p:sldId id="1129" r:id="rId7"/>
+    <p:sldId id="1138" r:id="rId6"/>
+    <p:sldId id="1137" r:id="rId7"/>
     <p:sldId id="1135" r:id="rId8"/>
     <p:sldId id="1133" r:id="rId9"/>
   </p:sldIdLst>
@@ -306,7 +306,7 @@
           <a:p>
             <a:fld id="{C3D4F295-D1F4-D54B-BA69-832D96C6432A}" type="datetimeFigureOut">
               <a:rPr lang="en-SE" smtClean="0"/>
-              <a:t>2024-03-15</a:t>
+              <a:t>2024-11-24</a:t>
             </a:fld>
             <a:endParaRPr lang="en-SE"/>
           </a:p>
@@ -405,7 +405,7 @@
           <a:p>
             <a:fld id="{1EC88F62-802F-2448-8EA8-1562273BBAF4}" type="datetimeFigureOut">
               <a:rPr lang="en-SE" smtClean="0"/>
-              <a:t>2024-03-15</a:t>
+              <a:t>2024-11-24</a:t>
             </a:fld>
             <a:endParaRPr lang="en-SE"/>
           </a:p>
@@ -928,98 +928,6 @@
 </file>
 
 <file path=ppt/notesSlides/notesSlide3.xml><?xml version="1.0" encoding="utf-8"?>
-<p:notes xmlns:a="http://schemas.openxmlformats.org/drawingml/2006/main" xmlns:r="http://schemas.openxmlformats.org/officeDocument/2006/relationships" xmlns:p="http://schemas.openxmlformats.org/presentationml/2006/main">
-  <p:cSld>
-    <p:spTree>
-      <p:nvGrpSpPr>
-        <p:cNvPr id="1" name=""/>
-        <p:cNvGrpSpPr/>
-        <p:nvPr/>
-      </p:nvGrpSpPr>
-      <p:grpSpPr>
-        <a:xfrm>
-          <a:off x="0" y="0"/>
-          <a:ext cx="0" cy="0"/>
-          <a:chOff x="0" y="0"/>
-          <a:chExt cx="0" cy="0"/>
-        </a:xfrm>
-      </p:grpSpPr>
-      <p:sp>
-        <p:nvSpPr>
-          <p:cNvPr id="2" name="Platshållare för bildobjekt 1"/>
-          <p:cNvSpPr>
-            <a:spLocks noGrp="1" noRot="1" noChangeAspect="1"/>
-          </p:cNvSpPr>
-          <p:nvPr>
-            <p:ph type="sldImg"/>
-          </p:nvPr>
-        </p:nvSpPr>
-        <p:spPr/>
-      </p:sp>
-      <p:sp>
-        <p:nvSpPr>
-          <p:cNvPr id="3" name="Platshållare för anteckningar 2"/>
-          <p:cNvSpPr>
-            <a:spLocks noGrp="1"/>
-          </p:cNvSpPr>
-          <p:nvPr>
-            <p:ph type="body" idx="1"/>
-          </p:nvPr>
-        </p:nvSpPr>
-        <p:spPr/>
-        <p:txBody>
-          <a:bodyPr/>
-          <a:lstStyle/>
-          <a:p>
-            <a:r>
-              <a:rPr lang="en-GB" dirty="0"/>
-              <a:t>Show how to edit </a:t>
-            </a:r>
-            <a:r>
-              <a:rPr lang="en-GB" dirty="0" err="1"/>
-              <a:t>hackmd</a:t>
-            </a:r>
-            <a:endParaRPr lang="en-GB" dirty="0"/>
-          </a:p>
-        </p:txBody>
-      </p:sp>
-      <p:sp>
-        <p:nvSpPr>
-          <p:cNvPr id="4" name="Platshållare för bildnummer 3"/>
-          <p:cNvSpPr>
-            <a:spLocks noGrp="1"/>
-          </p:cNvSpPr>
-          <p:nvPr>
-            <p:ph type="sldNum" sz="quarter" idx="5"/>
-          </p:nvPr>
-        </p:nvSpPr>
-        <p:spPr/>
-        <p:txBody>
-          <a:bodyPr/>
-          <a:lstStyle/>
-          <a:p>
-            <a:fld id="{DA3BA1A2-6287-9245-9FC9-020813467484}" type="slidenum">
-              <a:rPr lang="en-SE" smtClean="0"/>
-              <a:t>6</a:t>
-            </a:fld>
-            <a:endParaRPr lang="en-SE"/>
-          </a:p>
-        </p:txBody>
-      </p:sp>
-    </p:spTree>
-    <p:extLst>
-      <p:ext uri="{BB962C8B-B14F-4D97-AF65-F5344CB8AC3E}">
-        <p14:creationId xmlns:p14="http://schemas.microsoft.com/office/powerpoint/2010/main" val="1582120909"/>
-      </p:ext>
-    </p:extLst>
-  </p:cSld>
-  <p:clrMapOvr>
-    <a:masterClrMapping/>
-  </p:clrMapOvr>
-</p:notes>
-</file>
-
-<file path=ppt/notesSlides/notesSlide4.xml><?xml version="1.0" encoding="utf-8"?>
 <p:notes xmlns:a="http://schemas.openxmlformats.org/drawingml/2006/main" xmlns:r="http://schemas.openxmlformats.org/officeDocument/2006/relationships" xmlns:p="http://schemas.openxmlformats.org/presentationml/2006/main">
   <p:cSld>
     <p:spTree>
@@ -5203,7 +5111,7 @@
           <p:cNvPr id="2" name="Content Placeholder 1">
             <a:extLst>
               <a:ext uri="{FF2B5EF4-FFF2-40B4-BE49-F238E27FC236}">
-                <a16:creationId xmlns:a16="http://schemas.microsoft.com/office/drawing/2014/main" id="{23A79CA0-88DC-72F5-37E2-EEEF4A122327}"/>
+                <a16:creationId xmlns:a16="http://schemas.microsoft.com/office/drawing/2014/main" id="{D33D6560-B0E5-6A39-9DCA-D602C46CE421}"/>
               </a:ext>
             </a:extLst>
           </p:cNvPr>
@@ -5216,119 +5124,155 @@
         </p:nvSpPr>
         <p:spPr/>
         <p:txBody>
-          <a:bodyPr>
-            <a:normAutofit/>
+          <a:bodyPr numCol="2">
+            <a:normAutofit fontScale="92500"/>
           </a:bodyPr>
           <a:lstStyle/>
           <a:p>
-            <a:pPr marL="342900" indent="-342900">
-              <a:buFont typeface="Arial" panose="020B0604020202020204" pitchFamily="34" charset="0"/>
-              <a:buChar char="•"/>
-            </a:pPr>
-            <a:r>
-              <a:rPr lang="en-SE" sz="2400" dirty="0"/>
-              <a:t>Zoom: </a:t>
-            </a:r>
-            <a:r>
-              <a:rPr lang="en-GB" sz="2400" dirty="0">
-                <a:hlinkClick r:id="rId2"/>
+            <a:r>
+              <a:rPr lang="en-GB" sz="3600" b="0" i="0" u="none" strike="noStrike" dirty="0" err="1">
+                <a:solidFill>
+                  <a:srgbClr val="1D1D1B"/>
+                </a:solidFill>
+                <a:effectLst/>
+                <a:latin typeface="+mn-lt"/>
               </a:rPr>
-              <a:t>https://uu-se.zoom.us/j/61968741381?pwd=TUxTaysrWFc2RTloeWh4YkRQNUdNZz09</a:t>
-            </a:r>
-            <a:endParaRPr lang="en-GB" sz="2400" dirty="0"/>
-          </a:p>
-          <a:p>
-            <a:pPr marL="342900" indent="-342900">
-              <a:buFont typeface="Arial" panose="020B0604020202020204" pitchFamily="34" charset="0"/>
-              <a:buChar char="•"/>
-            </a:pPr>
-            <a:r>
-              <a:rPr lang="en-SE" sz="2400" dirty="0"/>
-              <a:t>Course home page: </a:t>
-            </a:r>
-            <a:r>
-              <a:rPr lang="en-GB" sz="2400" dirty="0"/>
-              <a:t>https://</a:t>
-            </a:r>
-            <a:r>
-              <a:rPr lang="en-GB" sz="2400" dirty="0" err="1"/>
-              <a:t>uppsala.instructure.com</a:t>
-            </a:r>
-            <a:r>
-              <a:rPr lang="en-GB" sz="2400" dirty="0"/>
-              <a:t>/courses/91743</a:t>
-            </a:r>
-            <a:endParaRPr lang="en-SE" sz="2400" dirty="0"/>
-          </a:p>
-          <a:p>
-            <a:pPr marL="342900" indent="-342900">
-              <a:buFont typeface="Arial" panose="020B0604020202020204" pitchFamily="34" charset="0"/>
-              <a:buChar char="•"/>
-            </a:pPr>
-            <a:r>
-              <a:rPr lang="en-SE" sz="2400" dirty="0"/>
-              <a:t>Lunch ~12:00 every day</a:t>
-            </a:r>
-          </a:p>
-          <a:p>
-            <a:pPr marL="342900" indent="-342900">
-              <a:buFont typeface="Arial" panose="020B0604020202020204" pitchFamily="34" charset="0"/>
-              <a:buChar char="•"/>
-            </a:pPr>
-            <a:r>
-              <a:rPr lang="en-SE" sz="2400" dirty="0"/>
-              <a:t>Coffee breaks in the morning and afternoon (exact times decided per day)</a:t>
-            </a:r>
-          </a:p>
-          <a:p>
-            <a:pPr marL="342900" indent="-342900">
-              <a:buFont typeface="Arial" panose="020B0604020202020204" pitchFamily="34" charset="0"/>
-              <a:buChar char="•"/>
-            </a:pPr>
-            <a:r>
-              <a:rPr lang="en-SE" sz="2400" dirty="0"/>
-              <a:t>Times in schedule may be adjusted slightly depending on breaks. Start time in the morning and after lunch is “fixed”.</a:t>
-            </a:r>
-          </a:p>
-          <a:p>
-            <a:pPr marL="342900" indent="-342900">
-              <a:buFont typeface="Arial" panose="020B0604020202020204" pitchFamily="34" charset="0"/>
-              <a:buChar char="•"/>
-            </a:pPr>
-            <a:r>
-              <a:rPr lang="en-SE" sz="2400" dirty="0"/>
-              <a:t>Lectures in the main zoom room</a:t>
-            </a:r>
-          </a:p>
-          <a:p>
-            <a:pPr marL="342900" indent="-342900">
-              <a:buFont typeface="Arial" panose="020B0604020202020204" pitchFamily="34" charset="0"/>
-              <a:buChar char="•"/>
-            </a:pPr>
-            <a:r>
-              <a:rPr lang="en-SE" sz="2400" dirty="0"/>
-              <a:t>Labs in breakout rooms</a:t>
-            </a:r>
-          </a:p>
-          <a:p>
-            <a:pPr marL="342900" indent="-342900">
-              <a:buFont typeface="Arial" panose="020B0604020202020204" pitchFamily="34" charset="0"/>
-              <a:buChar char="•"/>
-            </a:pPr>
-            <a:r>
-              <a:rPr lang="en-SE" sz="2400" dirty="0"/>
-              <a:t>Please have cameras on</a:t>
-            </a:r>
-          </a:p>
-          <a:p>
-            <a:pPr marL="342900" indent="-342900">
-              <a:buFont typeface="Arial" panose="020B0604020202020204" pitchFamily="34" charset="0"/>
-              <a:buChar char="•"/>
-            </a:pPr>
-            <a:endParaRPr lang="en-SE" sz="2400" dirty="0"/>
-          </a:p>
-          <a:p>
-            <a:endParaRPr lang="en-SE" sz="2400" dirty="0"/>
+              <a:t>Jyotirmoy</a:t>
+            </a:r>
+            <a:r>
+              <a:rPr lang="en-GB" sz="3600" b="0" i="0" u="none" strike="noStrike" dirty="0">
+                <a:solidFill>
+                  <a:srgbClr val="1D1D1B"/>
+                </a:solidFill>
+                <a:effectLst/>
+                <a:latin typeface="+mn-lt"/>
+              </a:rPr>
+              <a:t> Das</a:t>
+            </a:r>
+          </a:p>
+          <a:p>
+            <a:r>
+              <a:rPr lang="en-SE" sz="3600" dirty="0">
+                <a:latin typeface="+mn-lt"/>
+              </a:rPr>
+              <a:t>Core Facility LiU, Clinical Genomics SciLifeLab Linköping</a:t>
+            </a:r>
+          </a:p>
+          <a:p>
+            <a:endParaRPr lang="en-SE" sz="3600" dirty="0">
+              <a:latin typeface="+mn-lt"/>
+            </a:endParaRPr>
+          </a:p>
+          <a:p>
+            <a:r>
+              <a:rPr lang="en-SE" sz="3600" dirty="0">
+                <a:latin typeface="+mn-lt"/>
+              </a:rPr>
+              <a:t>Johanna Lagensjö</a:t>
+            </a:r>
+          </a:p>
+          <a:p>
+            <a:r>
+              <a:rPr lang="en-SE" sz="3600" dirty="0">
+                <a:latin typeface="+mn-lt"/>
+              </a:rPr>
+              <a:t>NGI SciLifeLab Uppsala</a:t>
+            </a:r>
+          </a:p>
+          <a:p>
+            <a:endParaRPr lang="en-SE" sz="3600" dirty="0">
+              <a:latin typeface="+mn-lt"/>
+            </a:endParaRPr>
+          </a:p>
+          <a:p>
+            <a:r>
+              <a:rPr lang="en-SE" sz="3600" dirty="0">
+                <a:latin typeface="+mn-lt"/>
+              </a:rPr>
+              <a:t>Adam Ameur </a:t>
+            </a:r>
+          </a:p>
+          <a:p>
+            <a:r>
+              <a:rPr lang="en-SE" sz="3600" dirty="0">
+                <a:latin typeface="+mn-lt"/>
+              </a:rPr>
+              <a:t>NGI SciLifeLab Uppsala</a:t>
+            </a:r>
+          </a:p>
+          <a:p>
+            <a:pPr marL="400050"/>
+            <a:endParaRPr lang="en-SE" sz="3600" dirty="0">
+              <a:latin typeface="+mn-lt"/>
+            </a:endParaRPr>
+          </a:p>
+          <a:p>
+            <a:pPr marL="400050"/>
+            <a:r>
+              <a:rPr lang="en-SE" sz="3600" dirty="0">
+                <a:latin typeface="+mn-lt"/>
+              </a:rPr>
+              <a:t>Diana Ekman </a:t>
+            </a:r>
+          </a:p>
+          <a:p>
+            <a:pPr marL="400050"/>
+            <a:r>
+              <a:rPr lang="en-SE" sz="3600" dirty="0">
+                <a:latin typeface="+mn-lt"/>
+              </a:rPr>
+              <a:t>NBIS SciLifeLab Stockholm</a:t>
+            </a:r>
+          </a:p>
+          <a:p>
+            <a:pPr marL="400050"/>
+            <a:br>
+              <a:rPr lang="en-SE" sz="3600" dirty="0">
+                <a:latin typeface="+mn-lt"/>
+              </a:rPr>
+            </a:br>
+            <a:r>
+              <a:rPr lang="en-SE" sz="3600" dirty="0">
+                <a:latin typeface="+mn-lt"/>
+              </a:rPr>
+              <a:t>Dag Ahren</a:t>
+            </a:r>
+          </a:p>
+          <a:p>
+            <a:pPr marL="400050"/>
+            <a:r>
+              <a:rPr lang="en-SE" sz="3600" dirty="0">
+                <a:latin typeface="+mn-lt"/>
+              </a:rPr>
+              <a:t>NBIS SciLifeLab Lund</a:t>
+            </a:r>
+          </a:p>
+          <a:p>
+            <a:pPr marL="400050"/>
+            <a:endParaRPr lang="en-SE" sz="3600" dirty="0">
+              <a:latin typeface="+mn-lt"/>
+            </a:endParaRPr>
+          </a:p>
+          <a:p>
+            <a:pPr marL="400050"/>
+            <a:r>
+              <a:rPr lang="en-SE" sz="3600" dirty="0">
+                <a:latin typeface="+mn-lt"/>
+              </a:rPr>
+              <a:t>Elin Kronander </a:t>
+            </a:r>
+          </a:p>
+          <a:p>
+            <a:pPr marL="400050"/>
+            <a:r>
+              <a:rPr lang="en-SE" sz="3600" dirty="0">
+                <a:latin typeface="+mn-lt"/>
+              </a:rPr>
+              <a:t>NBIS ScilIifeLab Uppsala </a:t>
+            </a:r>
+          </a:p>
+          <a:p>
+            <a:endParaRPr lang="en-SE" dirty="0"/>
           </a:p>
         </p:txBody>
       </p:sp>
@@ -5337,7 +5281,7 @@
           <p:cNvPr id="3" name="Title 2">
             <a:extLst>
               <a:ext uri="{FF2B5EF4-FFF2-40B4-BE49-F238E27FC236}">
-                <a16:creationId xmlns:a16="http://schemas.microsoft.com/office/drawing/2014/main" id="{F55C4A6F-E249-AD4F-05AB-1C5BAE7EEE06}"/>
+                <a16:creationId xmlns:a16="http://schemas.microsoft.com/office/drawing/2014/main" id="{AE4E6BEE-29B6-9EB3-5D85-B8E1BC3F676B}"/>
               </a:ext>
             </a:extLst>
           </p:cNvPr>
@@ -5357,7 +5301,7 @@
           <a:p>
             <a:r>
               <a:rPr lang="en-SE" dirty="0"/>
-              <a:t>Practical information</a:t>
+              <a:t>Teachers</a:t>
             </a:r>
           </a:p>
         </p:txBody>
@@ -5365,7 +5309,7 @@
     </p:spTree>
     <p:extLst>
       <p:ext uri="{BB962C8B-B14F-4D97-AF65-F5344CB8AC3E}">
-        <p14:creationId xmlns:p14="http://schemas.microsoft.com/office/powerpoint/2010/main" val="3067932316"/>
+        <p14:creationId xmlns:p14="http://schemas.microsoft.com/office/powerpoint/2010/main" val="3976039184"/>
       </p:ext>
     </p:extLst>
   </p:cSld>
@@ -5394,10 +5338,10 @@
       </p:grpSpPr>
       <p:sp>
         <p:nvSpPr>
-          <p:cNvPr id="2" name="Platshållare för innehåll 1">
+          <p:cNvPr id="2" name="Content Placeholder 1">
             <a:extLst>
               <a:ext uri="{FF2B5EF4-FFF2-40B4-BE49-F238E27FC236}">
-                <a16:creationId xmlns:a16="http://schemas.microsoft.com/office/drawing/2014/main" id="{EFEF3CA9-AB7A-A446-91F3-AFDAACBB631D}"/>
+                <a16:creationId xmlns:a16="http://schemas.microsoft.com/office/drawing/2014/main" id="{23A79CA0-88DC-72F5-37E2-EEEF4A122327}"/>
               </a:ext>
             </a:extLst>
           </p:cNvPr>
@@ -5408,15 +5352,10 @@
             <p:ph idx="1"/>
           </p:nvPr>
         </p:nvSpPr>
-        <p:spPr>
-          <a:xfrm>
-            <a:off x="900547" y="1127771"/>
-            <a:ext cx="8680133" cy="2992407"/>
-          </a:xfrm>
-        </p:spPr>
+        <p:spPr/>
         <p:txBody>
           <a:bodyPr>
-            <a:noAutofit/>
+            <a:normAutofit/>
           </a:bodyPr>
           <a:lstStyle/>
           <a:p>
@@ -5425,38 +5364,27 @@
               <a:buChar char="•"/>
             </a:pPr>
             <a:r>
-              <a:rPr lang="en-GB" sz="2400" dirty="0"/>
-              <a:t>Instructions available in Canvas:</a:t>
-            </a:r>
-          </a:p>
-          <a:p>
-            <a:pPr marL="800100" lvl="1" indent="-342900">
-              <a:buFont typeface="Arial" panose="020B0604020202020204" pitchFamily="34" charset="0"/>
-              <a:buChar char="•"/>
-            </a:pPr>
-            <a:r>
-              <a:rPr lang="en-GB" sz="2400" dirty="0"/>
-              <a:t>https://</a:t>
-            </a:r>
-            <a:r>
-              <a:rPr lang="en-GB" sz="2400" dirty="0" err="1"/>
-              <a:t>uppsala.instructure.com</a:t>
-            </a:r>
-            <a:r>
-              <a:rPr lang="en-GB" sz="2400" dirty="0"/>
-              <a:t>/courses/91743</a:t>
-            </a:r>
-            <a:endParaRPr lang="en-SE" sz="2400" dirty="0"/>
-          </a:p>
-          <a:p>
-            <a:pPr marL="800100" lvl="1" indent="-342900">
-              <a:buFont typeface="Arial" panose="020B0604020202020204" pitchFamily="34" charset="0"/>
-              <a:buChar char="•"/>
-            </a:pPr>
-            <a:r>
-              <a:rPr lang="en-GB" sz="2400" dirty="0"/>
-              <a:t>All material linked from Modules/Workshop/Schedule</a:t>
-            </a:r>
+              <a:rPr lang="en-SE" sz="2400" dirty="0"/>
+              <a:t>Zoom Monday: </a:t>
+            </a:r>
+            <a:r>
+              <a:rPr lang="en-GB" sz="2000" dirty="0">
+                <a:solidFill>
+                  <a:srgbClr val="616074"/>
+                </a:solidFill>
+                <a:effectLst/>
+                <a:latin typeface="Helvetica Neue" panose="02000503000000020004" pitchFamily="2" charset="0"/>
+                <a:hlinkClick r:id="rId2"/>
+              </a:rPr>
+              <a:t>https://liu-se.zoom.us/j/65307893994</a:t>
+            </a:r>
+            <a:endParaRPr lang="en-GB" sz="2000" dirty="0">
+              <a:solidFill>
+                <a:srgbClr val="616074"/>
+              </a:solidFill>
+              <a:effectLst/>
+              <a:latin typeface="Helvetica Neue" panose="02000503000000020004" pitchFamily="2" charset="0"/>
+            </a:endParaRPr>
           </a:p>
           <a:p>
             <a:pPr marL="342900" indent="-342900">
@@ -5464,9 +5392,16 @@
               <a:buChar char="•"/>
             </a:pPr>
             <a:r>
-              <a:rPr lang="en-GB" sz="2400" dirty="0"/>
-              <a:t>Work in breakout rooms</a:t>
-            </a:r>
+              <a:rPr lang="en-SE" sz="2400" dirty="0"/>
+              <a:t>Course web page: </a:t>
+            </a:r>
+            <a:r>
+              <a:rPr lang="en-GB" sz="2400" dirty="0">
+                <a:hlinkClick r:id="rId3"/>
+              </a:rPr>
+              <a:t>https://nbisweden.github.io/workshop-ngsintro/2411/index.html</a:t>
+            </a:r>
+            <a:endParaRPr lang="en-GB" sz="2400" dirty="0"/>
           </a:p>
           <a:p>
             <a:pPr marL="342900" indent="-342900">
@@ -5474,9 +5409,22 @@
               <a:buChar char="•"/>
             </a:pPr>
             <a:r>
+              <a:rPr lang="en-SE" sz="2400" dirty="0"/>
+              <a:t>Lunch ~12:00 every day at Tropikhuset (</a:t>
+            </a:r>
+            <a:r>
               <a:rPr lang="en-GB" sz="2400" dirty="0"/>
-              <a:t>Four persons in each room</a:t>
-            </a:r>
+              <a:t>https://</a:t>
+            </a:r>
+            <a:r>
+              <a:rPr lang="en-GB" sz="2400" dirty="0" err="1"/>
+              <a:t>belvederen-tropikhuset.se</a:t>
+            </a:r>
+            <a:r>
+              <a:rPr lang="en-GB" sz="2400" dirty="0"/>
+              <a:t>)</a:t>
+            </a:r>
+            <a:endParaRPr lang="en-SE" sz="2400" dirty="0"/>
           </a:p>
           <a:p>
             <a:pPr marL="342900" indent="-342900">
@@ -5484,8 +5432,8 @@
               <a:buChar char="•"/>
             </a:pPr>
             <a:r>
-              <a:rPr lang="en-GB" sz="2400" dirty="0"/>
-              <a:t>Help each other in the room because it improves the learning.</a:t>
+              <a:rPr lang="en-SE" sz="2400" dirty="0"/>
+              <a:t>Coffee breaks in the morning and afternoon </a:t>
             </a:r>
           </a:p>
           <a:p>
@@ -5494,8 +5442,8 @@
               <a:buChar char="•"/>
             </a:pPr>
             <a:r>
-              <a:rPr lang="en-GB" sz="2400" dirty="0"/>
-              <a:t>Breakout rooms will be announced in slack</a:t>
+              <a:rPr lang="en-SE" sz="2400" dirty="0"/>
+              <a:t>Times in schedule may be adjusted slightly depending on breaks. Start time in the morning and after lunch is “fixed”.</a:t>
             </a:r>
           </a:p>
           <a:p>
@@ -5504,8 +5452,16 @@
               <a:buChar char="•"/>
             </a:pPr>
             <a:r>
+              <a:rPr lang="en-SE" sz="2400" dirty="0"/>
+              <a:t>C</a:t>
+            </a:r>
+            <a:r>
               <a:rPr lang="en-GB" sz="2400" dirty="0"/>
-              <a:t>Ask TAs when you have problems! </a:t>
+              <a:t>o</a:t>
+            </a:r>
+            <a:r>
+              <a:rPr lang="en-SE" sz="2400" dirty="0"/>
+              <a:t>urse dinner Thursday 18:00 at PappaGrappa</a:t>
             </a:r>
           </a:p>
           <a:p>
@@ -5513,57 +5469,26 @@
               <a:buFont typeface="Arial" panose="020B0604020202020204" pitchFamily="34" charset="0"/>
               <a:buChar char="•"/>
             </a:pPr>
-            <a:r>
-              <a:rPr lang="en-GB" sz="2400" dirty="0"/>
-              <a:t>Use slack channel </a:t>
-            </a:r>
-            <a:r>
-              <a:rPr lang="en-GB" sz="2400" b="1" dirty="0" err="1"/>
-              <a:t>ngsintro_students</a:t>
-            </a:r>
-            <a:r>
-              <a:rPr lang="en-GB" sz="2400" b="1" dirty="0"/>
-              <a:t> </a:t>
-            </a:r>
-            <a:r>
-              <a:rPr lang="en-GB" sz="2400" dirty="0"/>
-              <a:t>to ask for help: </a:t>
-            </a:r>
-          </a:p>
-          <a:p>
-            <a:pPr lvl="1"/>
-            <a:r>
-              <a:rPr lang="en-GB" sz="2400" dirty="0"/>
-              <a:t>“Help needed in room 4”</a:t>
-            </a:r>
+            <a:endParaRPr lang="en-SE" sz="2400" dirty="0"/>
           </a:p>
           <a:p>
             <a:pPr marL="342900" indent="-342900">
               <a:buFont typeface="Arial" panose="020B0604020202020204" pitchFamily="34" charset="0"/>
               <a:buChar char="•"/>
             </a:pPr>
-            <a:endParaRPr lang="en-GB" sz="2400" dirty="0"/>
-          </a:p>
-          <a:p>
-            <a:endParaRPr lang="en-GB" sz="2400" dirty="0"/>
-          </a:p>
-          <a:p>
-            <a:endParaRPr lang="en-GB" sz="2400" dirty="0"/>
-          </a:p>
-          <a:p>
-            <a:endParaRPr lang="en-GB" sz="2400" dirty="0"/>
-          </a:p>
-          <a:p>
-            <a:endParaRPr lang="en-GB" sz="2400" dirty="0"/>
+            <a:endParaRPr lang="en-SE" sz="2400" dirty="0"/>
+          </a:p>
+          <a:p>
+            <a:endParaRPr lang="en-SE" sz="2400" dirty="0"/>
           </a:p>
         </p:txBody>
       </p:sp>
       <p:sp>
         <p:nvSpPr>
-          <p:cNvPr id="3" name="Rubrik 2">
+          <p:cNvPr id="3" name="Title 2">
             <a:extLst>
               <a:ext uri="{FF2B5EF4-FFF2-40B4-BE49-F238E27FC236}">
-                <a16:creationId xmlns:a16="http://schemas.microsoft.com/office/drawing/2014/main" id="{7E27F0CF-10D2-0745-B573-A806CFB1514D}"/>
+                <a16:creationId xmlns:a16="http://schemas.microsoft.com/office/drawing/2014/main" id="{F55C4A6F-E249-AD4F-05AB-1C5BAE7EEE06}"/>
               </a:ext>
             </a:extLst>
           </p:cNvPr>
@@ -5582,8 +5507,8 @@
           <a:lstStyle/>
           <a:p>
             <a:r>
-              <a:rPr lang="en-GB" dirty="0"/>
-              <a:t>Labs</a:t>
+              <a:rPr lang="en-SE" dirty="0"/>
+              <a:t>Practical information</a:t>
             </a:r>
           </a:p>
         </p:txBody>
@@ -5591,7 +5516,7 @@
     </p:spTree>
     <p:extLst>
       <p:ext uri="{BB962C8B-B14F-4D97-AF65-F5344CB8AC3E}">
-        <p14:creationId xmlns:p14="http://schemas.microsoft.com/office/powerpoint/2010/main" val="235262784"/>
+        <p14:creationId xmlns:p14="http://schemas.microsoft.com/office/powerpoint/2010/main" val="3067932316"/>
       </p:ext>
     </p:extLst>
   </p:cSld>
@@ -5679,7 +5604,7 @@
           <a:p>
             <a:r>
               <a:rPr lang="en-SE" sz="2400" dirty="0"/>
-              <a:t>We will mark your attendance during the workshop</a:t>
+              <a:t>Please mark your attendance on the sheet in the classroom every day</a:t>
             </a:r>
           </a:p>
         </p:txBody>

--- a/topics/other/slide_introduction.pptx
+++ b/topics/other/slide_introduction.pptx
@@ -5,7 +5,7 @@
     <p:sldMasterId id="2147483648" r:id="rId2"/>
     <p:sldMasterId id="2147483650" r:id="rId3"/>
     <p:sldMasterId id="2147483652" r:id="rId4"/>
-    <p:sldMasterId id="2147483655" r:id="rId5"/>
+    <p:sldMasterId id="2147483656" r:id="rId5"/>
   </p:sldMasterIdLst>
   <p:notesMasterIdLst>
     <p:notesMasterId r:id="rId6"/>
@@ -19,7 +19,6 @@
     <p:sldId id="261" r:id="rId12"/>
     <p:sldId id="262" r:id="rId13"/>
     <p:sldId id="263" r:id="rId14"/>
-    <p:sldId id="264" r:id="rId15"/>
   </p:sldIdLst>
   <p:sldSz cx="12192000" cy="6858000"/>
   <p:notesSz cx="6858000" cy="9144000"/>
@@ -45,7 +44,7 @@
       </p:grpSpPr>
       <p:sp>
         <p:nvSpPr>
-          <p:cNvPr id="18" name="PlaceHolder 1"/>
+          <p:cNvPr id="24" name="PlaceHolder 1"/>
           <p:cNvSpPr>
             <a:spLocks noGrp="1"/>
           </p:cNvSpPr>
@@ -77,6 +76,7 @@
                 <a:solidFill>
                   <a:srgbClr val="000000"/>
                 </a:solidFill>
+                <a:effectLst/>
                 <a:uFillTx/>
                 <a:latin typeface="Arial"/>
               </a:rPr>
@@ -86,6 +86,7 @@
               <a:solidFill>
                 <a:srgbClr val="000000"/>
               </a:solidFill>
+              <a:effectLst/>
               <a:uFillTx/>
               <a:latin typeface="Arial"/>
             </a:endParaRPr>
@@ -94,7 +95,7 @@
       </p:sp>
       <p:sp>
         <p:nvSpPr>
-          <p:cNvPr id="19" name="PlaceHolder 2"/>
+          <p:cNvPr id="25" name="PlaceHolder 2"/>
           <p:cNvSpPr>
             <a:spLocks noGrp="1"/>
           </p:cNvSpPr>
@@ -120,7 +121,7 @@
             <a:noAutofit/>
           </a:bodyPr>
           <a:p>
-            <a:pPr marL="216000" indent="-216000">
+            <a:pPr indent="0">
               <a:buNone/>
             </a:pPr>
             <a:r>
@@ -128,6 +129,7 @@
                 <a:solidFill>
                   <a:srgbClr val="000000"/>
                 </a:solidFill>
+                <a:effectLst/>
                 <a:uFillTx/>
                 <a:latin typeface="Arial"/>
               </a:rPr>
@@ -137,6 +139,7 @@
               <a:solidFill>
                 <a:srgbClr val="000000"/>
               </a:solidFill>
+              <a:effectLst/>
               <a:uFillTx/>
               <a:latin typeface="Arial"/>
             </a:endParaRPr>
@@ -145,7 +148,7 @@
       </p:sp>
       <p:sp>
         <p:nvSpPr>
-          <p:cNvPr id="20" name="PlaceHolder 3"/>
+          <p:cNvPr id="26" name="PlaceHolder 3"/>
           <p:cNvSpPr>
             <a:spLocks noGrp="1"/>
           </p:cNvSpPr>
@@ -179,6 +182,7 @@
                 <a:solidFill>
                   <a:srgbClr val="000000"/>
                 </a:solidFill>
+                <a:effectLst/>
                 <a:uFillTx/>
                 <a:latin typeface="Times New Roman"/>
               </a:rPr>
@@ -188,6 +192,7 @@
               <a:solidFill>
                 <a:srgbClr val="000000"/>
               </a:solidFill>
+              <a:effectLst/>
               <a:uFillTx/>
               <a:latin typeface="Times New Roman"/>
             </a:endParaRPr>
@@ -196,7 +201,7 @@
       </p:sp>
       <p:sp>
         <p:nvSpPr>
-          <p:cNvPr id="21" name="PlaceHolder 4"/>
+          <p:cNvPr id="27" name="PlaceHolder 4"/>
           <p:cNvSpPr>
             <a:spLocks noGrp="1"/>
           </p:cNvSpPr>
@@ -228,6 +233,7 @@
                 <a:solidFill>
                   <a:srgbClr val="000000"/>
                 </a:solidFill>
+                <a:effectLst/>
                 <a:uFillTx/>
                 <a:latin typeface="Times New Roman"/>
               </a:defRPr>
@@ -242,6 +248,7 @@
                 <a:solidFill>
                   <a:srgbClr val="000000"/>
                 </a:solidFill>
+                <a:effectLst/>
                 <a:uFillTx/>
                 <a:latin typeface="Times New Roman"/>
               </a:rPr>
@@ -251,6 +258,7 @@
               <a:solidFill>
                 <a:srgbClr val="000000"/>
               </a:solidFill>
+              <a:effectLst/>
               <a:uFillTx/>
               <a:latin typeface="Times New Roman"/>
             </a:endParaRPr>
@@ -259,7 +267,7 @@
       </p:sp>
       <p:sp>
         <p:nvSpPr>
-          <p:cNvPr id="22" name="PlaceHolder 5"/>
+          <p:cNvPr id="28" name="PlaceHolder 5"/>
           <p:cNvSpPr>
             <a:spLocks noGrp="1"/>
           </p:cNvSpPr>
@@ -291,6 +299,7 @@
                 <a:solidFill>
                   <a:srgbClr val="000000"/>
                 </a:solidFill>
+                <a:effectLst/>
                 <a:uFillTx/>
                 <a:latin typeface="Times New Roman"/>
               </a:defRPr>
@@ -305,6 +314,7 @@
                 <a:solidFill>
                   <a:srgbClr val="000000"/>
                 </a:solidFill>
+                <a:effectLst/>
                 <a:uFillTx/>
                 <a:latin typeface="Times New Roman"/>
               </a:rPr>
@@ -314,6 +324,7 @@
               <a:solidFill>
                 <a:srgbClr val="000000"/>
               </a:solidFill>
+              <a:effectLst/>
               <a:uFillTx/>
               <a:latin typeface="Times New Roman"/>
             </a:endParaRPr>
@@ -322,7 +333,7 @@
       </p:sp>
       <p:sp>
         <p:nvSpPr>
-          <p:cNvPr id="23" name="PlaceHolder 6"/>
+          <p:cNvPr id="29" name="PlaceHolder 6"/>
           <p:cNvSpPr>
             <a:spLocks noGrp="1"/>
           </p:cNvSpPr>
@@ -354,6 +365,7 @@
                 <a:solidFill>
                   <a:srgbClr val="000000"/>
                 </a:solidFill>
+                <a:effectLst/>
                 <a:uFillTx/>
                 <a:latin typeface="Times New Roman"/>
               </a:defRPr>
@@ -363,11 +375,12 @@
             <a:pPr indent="0" algn="r">
               <a:buNone/>
             </a:pPr>
-            <a:fld id="{AA8FEF05-983E-44BC-8D5E-6CCD00E32E2D}" type="slidenum">
+            <a:fld id="{EF11E836-612E-429B-AFA3-79C3C09290AE}" type="slidenum">
               <a:rPr b="0" lang="en-US" sz="1400" strike="noStrike" u="none">
                 <a:solidFill>
                   <a:srgbClr val="000000"/>
                 </a:solidFill>
+                <a:effectLst/>
                 <a:uFillTx/>
                 <a:latin typeface="Times New Roman"/>
               </a:rPr>
@@ -377,6 +390,7 @@
               <a:solidFill>
                 <a:srgbClr val="000000"/>
               </a:solidFill>
+              <a:effectLst/>
               <a:uFillTx/>
               <a:latin typeface="Times New Roman"/>
             </a:endParaRPr>
@@ -408,7 +422,7 @@
       </p:grpSpPr>
       <p:sp>
         <p:nvSpPr>
-          <p:cNvPr id="92" name="PlaceHolder 1"/>
+          <p:cNvPr id="96" name="PlaceHolder 1"/>
           <p:cNvSpPr>
             <a:spLocks noGrp="1"/>
           </p:cNvSpPr>
@@ -419,7 +433,7 @@
         <p:spPr>
           <a:xfrm>
             <a:off x="685800" y="1143000"/>
-            <a:ext cx="5485320" cy="3085200"/>
+            <a:ext cx="5484960" cy="3084840"/>
           </a:xfrm>
           <a:prstGeom prst="rect">
             <a:avLst/>
@@ -431,7 +445,7 @@
       </p:sp>
       <p:sp>
         <p:nvSpPr>
-          <p:cNvPr id="93" name="PlaceHolder 2"/>
+          <p:cNvPr id="97" name="PlaceHolder 2"/>
           <p:cNvSpPr>
             <a:spLocks noGrp="1"/>
           </p:cNvSpPr>
@@ -442,7 +456,7 @@
         <p:spPr>
           <a:xfrm>
             <a:off x="685800" y="4400640"/>
-            <a:ext cx="5485320" cy="3599280"/>
+            <a:ext cx="5484960" cy="3598920"/>
           </a:xfrm>
           <a:prstGeom prst="rect">
             <a:avLst/>
@@ -471,6 +485,7 @@
                 <a:solidFill>
                   <a:srgbClr val="000000"/>
                 </a:solidFill>
+                <a:effectLst/>
                 <a:uFillTx/>
                 <a:latin typeface="Arial"/>
               </a:rPr>
@@ -480,6 +495,7 @@
               <a:solidFill>
                 <a:srgbClr val="000000"/>
               </a:solidFill>
+              <a:effectLst/>
               <a:uFillTx/>
               <a:latin typeface="Arial"/>
             </a:endParaRPr>
@@ -488,7 +504,7 @@
       </p:sp>
       <p:sp>
         <p:nvSpPr>
-          <p:cNvPr id="94" name="PlaceHolder 3"/>
+          <p:cNvPr id="98" name="PlaceHolder 3"/>
           <p:cNvSpPr>
             <a:spLocks noGrp="1"/>
           </p:cNvSpPr>
@@ -499,7 +515,7 @@
         <p:spPr>
           <a:xfrm>
             <a:off x="3884760" y="8685360"/>
-            <a:ext cx="2970720" cy="457560"/>
+            <a:ext cx="2970360" cy="457200"/>
           </a:xfrm>
           <a:prstGeom prst="rect">
             <a:avLst/>
@@ -526,6 +542,7 @@
                 <a:solidFill>
                   <a:srgbClr val="000000"/>
                 </a:solidFill>
+                <a:effectLst/>
                 <a:uFillTx/>
                 <a:latin typeface="Times New Roman"/>
               </a:defRPr>
@@ -541,20 +558,22 @@
                 <a:tab algn="l" pos="0"/>
               </a:tabLst>
             </a:pPr>
-            <a:fld id="{5D26C5C8-47EE-4D22-BCD8-469A8A1C892C}" type="slidenum">
+            <a:fld id="{AC2888AA-7F16-45C0-ADB7-1C077D50152D}" type="slidenum">
               <a:rPr b="0" lang="en-SE" sz="1200" strike="noStrike" u="none">
                 <a:solidFill>
                   <a:srgbClr val="000000"/>
                 </a:solidFill>
+                <a:effectLst/>
                 <a:uFillTx/>
                 <a:latin typeface="Times New Roman"/>
               </a:rPr>
-              <a:t>8</a:t>
+              <a:t>7</a:t>
             </a:fld>
             <a:endParaRPr b="0" lang="en-US" sz="1200" strike="noStrike" u="none">
               <a:solidFill>
                 <a:srgbClr val="000000"/>
               </a:solidFill>
+              <a:effectLst/>
               <a:uFillTx/>
               <a:latin typeface="Times New Roman"/>
             </a:endParaRPr>
@@ -585,7 +604,7 @@
       </p:grpSpPr>
       <p:sp>
         <p:nvSpPr>
-          <p:cNvPr id="95" name="PlaceHolder 1"/>
+          <p:cNvPr id="99" name="PlaceHolder 1"/>
           <p:cNvSpPr>
             <a:spLocks noGrp="1"/>
           </p:cNvSpPr>
@@ -596,7 +615,7 @@
         <p:spPr>
           <a:xfrm>
             <a:off x="685800" y="1143000"/>
-            <a:ext cx="5485320" cy="3085200"/>
+            <a:ext cx="5484960" cy="3084840"/>
           </a:xfrm>
           <a:prstGeom prst="rect">
             <a:avLst/>
@@ -608,7 +627,7 @@
       </p:sp>
       <p:sp>
         <p:nvSpPr>
-          <p:cNvPr id="96" name="PlaceHolder 2"/>
+          <p:cNvPr id="100" name="PlaceHolder 2"/>
           <p:cNvSpPr>
             <a:spLocks noGrp="1"/>
           </p:cNvSpPr>
@@ -619,7 +638,7 @@
         <p:spPr>
           <a:xfrm>
             <a:off x="685800" y="4400640"/>
-            <a:ext cx="5485320" cy="3599280"/>
+            <a:ext cx="5484960" cy="3598920"/>
           </a:xfrm>
           <a:prstGeom prst="rect">
             <a:avLst/>
@@ -648,6 +667,7 @@
                 <a:solidFill>
                   <a:srgbClr val="000000"/>
                 </a:solidFill>
+                <a:effectLst/>
                 <a:uFillTx/>
                 <a:latin typeface="Arial"/>
               </a:rPr>
@@ -657,6 +677,7 @@
               <a:solidFill>
                 <a:srgbClr val="000000"/>
               </a:solidFill>
+              <a:effectLst/>
               <a:uFillTx/>
               <a:latin typeface="Arial"/>
             </a:endParaRPr>
@@ -675,6 +696,7 @@
               <a:solidFill>
                 <a:srgbClr val="000000"/>
               </a:solidFill>
+              <a:effectLst/>
               <a:uFillTx/>
               <a:latin typeface="Arial"/>
             </a:endParaRPr>
@@ -683,7 +705,7 @@
       </p:sp>
       <p:sp>
         <p:nvSpPr>
-          <p:cNvPr id="97" name="PlaceHolder 3"/>
+          <p:cNvPr id="101" name="PlaceHolder 3"/>
           <p:cNvSpPr>
             <a:spLocks noGrp="1"/>
           </p:cNvSpPr>
@@ -694,7 +716,7 @@
         <p:spPr>
           <a:xfrm>
             <a:off x="3884760" y="8685360"/>
-            <a:ext cx="2970720" cy="457560"/>
+            <a:ext cx="2970360" cy="457200"/>
           </a:xfrm>
           <a:prstGeom prst="rect">
             <a:avLst/>
@@ -721,6 +743,7 @@
                 <a:solidFill>
                   <a:srgbClr val="000000"/>
                 </a:solidFill>
+                <a:effectLst/>
                 <a:uFillTx/>
                 <a:latin typeface="Times New Roman"/>
               </a:defRPr>
@@ -736,20 +759,22 @@
                 <a:tab algn="l" pos="0"/>
               </a:tabLst>
             </a:pPr>
-            <a:fld id="{14DBB5FA-B6D1-48BF-B93C-EA59F9C1D85C}" type="slidenum">
+            <a:fld id="{BD52AB95-09FD-4261-A210-083C72AD5817}" type="slidenum">
               <a:rPr b="0" lang="en-SE" sz="1200" strike="noStrike" u="none">
                 <a:solidFill>
                   <a:srgbClr val="000000"/>
                 </a:solidFill>
+                <a:effectLst/>
                 <a:uFillTx/>
                 <a:latin typeface="Times New Roman"/>
               </a:rPr>
-              <a:t>8</a:t>
+              <a:t>7</a:t>
             </a:fld>
             <a:endParaRPr b="0" lang="en-US" sz="1200" strike="noStrike" u="none">
               <a:solidFill>
                 <a:srgbClr val="000000"/>
               </a:solidFill>
+              <a:effectLst/>
               <a:uFillTx/>
               <a:latin typeface="Times New Roman"/>
             </a:endParaRPr>
@@ -780,7 +805,7 @@
       </p:grpSpPr>
       <p:sp>
         <p:nvSpPr>
-          <p:cNvPr id="98" name="PlaceHolder 1"/>
+          <p:cNvPr id="102" name="PlaceHolder 1"/>
           <p:cNvSpPr>
             <a:spLocks noGrp="1"/>
           </p:cNvSpPr>
@@ -791,7 +816,7 @@
         <p:spPr>
           <a:xfrm>
             <a:off x="685800" y="1143000"/>
-            <a:ext cx="5485320" cy="3085200"/>
+            <a:ext cx="5484960" cy="3084840"/>
           </a:xfrm>
           <a:prstGeom prst="rect">
             <a:avLst/>
@@ -803,7 +828,7 @@
       </p:sp>
       <p:sp>
         <p:nvSpPr>
-          <p:cNvPr id="99" name="PlaceHolder 2"/>
+          <p:cNvPr id="103" name="PlaceHolder 2"/>
           <p:cNvSpPr>
             <a:spLocks noGrp="1"/>
           </p:cNvSpPr>
@@ -814,7 +839,7 @@
         <p:spPr>
           <a:xfrm>
             <a:off x="685800" y="4400640"/>
-            <a:ext cx="5485320" cy="3599280"/>
+            <a:ext cx="5484960" cy="3598920"/>
           </a:xfrm>
           <a:prstGeom prst="rect">
             <a:avLst/>
@@ -843,6 +868,7 @@
                 <a:solidFill>
                   <a:srgbClr val="000000"/>
                 </a:solidFill>
+                <a:effectLst/>
                 <a:uFillTx/>
                 <a:latin typeface="Arial"/>
               </a:rPr>
@@ -852,6 +878,7 @@
               <a:solidFill>
                 <a:srgbClr val="000000"/>
               </a:solidFill>
+              <a:effectLst/>
               <a:uFillTx/>
               <a:latin typeface="Arial"/>
             </a:endParaRPr>
@@ -860,7 +887,7 @@
       </p:sp>
       <p:sp>
         <p:nvSpPr>
-          <p:cNvPr id="100" name="PlaceHolder 3"/>
+          <p:cNvPr id="104" name="PlaceHolder 3"/>
           <p:cNvSpPr>
             <a:spLocks noGrp="1"/>
           </p:cNvSpPr>
@@ -871,7 +898,7 @@
         <p:spPr>
           <a:xfrm>
             <a:off x="3884760" y="8685360"/>
-            <a:ext cx="2970720" cy="457560"/>
+            <a:ext cx="2970360" cy="457200"/>
           </a:xfrm>
           <a:prstGeom prst="rect">
             <a:avLst/>
@@ -898,6 +925,7 @@
                 <a:solidFill>
                   <a:srgbClr val="000000"/>
                 </a:solidFill>
+                <a:effectLst/>
                 <a:uFillTx/>
                 <a:latin typeface="Times New Roman"/>
               </a:defRPr>
@@ -913,20 +941,22 @@
                 <a:tab algn="l" pos="0"/>
               </a:tabLst>
             </a:pPr>
-            <a:fld id="{90F5FEA4-1582-49C6-8235-119E2FC376C3}" type="slidenum">
+            <a:fld id="{A6229996-A732-4D3E-8998-E60BDF0E18FC}" type="slidenum">
               <a:rPr b="0" lang="en-SE" sz="1200" strike="noStrike" u="none">
                 <a:solidFill>
                   <a:srgbClr val="000000"/>
                 </a:solidFill>
+                <a:effectLst/>
                 <a:uFillTx/>
                 <a:latin typeface="Times New Roman"/>
               </a:rPr>
-              <a:t>8</a:t>
+              <a:t>7</a:t>
             </a:fld>
             <a:endParaRPr b="0" lang="en-US" sz="1200" strike="noStrike" u="none">
               <a:solidFill>
                 <a:srgbClr val="000000"/>
               </a:solidFill>
+              <a:effectLst/>
               <a:uFillTx/>
               <a:latin typeface="Times New Roman"/>
             </a:endParaRPr>
@@ -957,7 +987,7 @@
       </p:grpSpPr>
       <p:sp>
         <p:nvSpPr>
-          <p:cNvPr id="101" name="PlaceHolder 1"/>
+          <p:cNvPr id="105" name="PlaceHolder 1"/>
           <p:cNvSpPr>
             <a:spLocks noGrp="1"/>
           </p:cNvSpPr>
@@ -968,7 +998,7 @@
         <p:spPr>
           <a:xfrm>
             <a:off x="685800" y="1143000"/>
-            <a:ext cx="5485320" cy="3085200"/>
+            <a:ext cx="5484960" cy="3084840"/>
           </a:xfrm>
           <a:prstGeom prst="rect">
             <a:avLst/>
@@ -980,7 +1010,7 @@
       </p:sp>
       <p:sp>
         <p:nvSpPr>
-          <p:cNvPr id="102" name="PlaceHolder 2"/>
+          <p:cNvPr id="106" name="PlaceHolder 2"/>
           <p:cNvSpPr>
             <a:spLocks noGrp="1"/>
           </p:cNvSpPr>
@@ -991,7 +1021,7 @@
         <p:spPr>
           <a:xfrm>
             <a:off x="685800" y="4400640"/>
-            <a:ext cx="5485320" cy="3599280"/>
+            <a:ext cx="5484960" cy="3598920"/>
           </a:xfrm>
           <a:prstGeom prst="rect">
             <a:avLst/>
@@ -1018,17 +1048,19 @@
             <a:r>
               <a:rPr b="0" lang="en-GB" sz="2000" strike="noStrike" u="none">
                 <a:solidFill>
-                  <a:srgbClr val="000000"/>
-                </a:solidFill>
-                <a:uFillTx/>
-                <a:latin typeface="Arial"/>
+                  <a:srgbClr val="1d1c1d"/>
+                </a:solidFill>
+                <a:effectLst/>
+                <a:uFillTx/>
+                <a:latin typeface="Slack-Lato"/>
               </a:rPr>
-              <a:t>Show how to edit hackmd</a:t>
+              <a:t>We can add that in case someone needs to miss a part of the workshop please talk with us beforehand. Then we will take note of this and tell you how to compensate for the absence i.e. by watching the prerecorded video and run the lab on your own.</a:t>
             </a:r>
             <a:endParaRPr b="0" lang="en-US" sz="2000" strike="noStrike" u="none">
               <a:solidFill>
                 <a:srgbClr val="000000"/>
               </a:solidFill>
+              <a:effectLst/>
               <a:uFillTx/>
               <a:latin typeface="Arial"/>
             </a:endParaRPr>
@@ -1037,7 +1069,7 @@
       </p:sp>
       <p:sp>
         <p:nvSpPr>
-          <p:cNvPr id="103" name="PlaceHolder 3"/>
+          <p:cNvPr id="107" name="PlaceHolder 3"/>
           <p:cNvSpPr>
             <a:spLocks noGrp="1"/>
           </p:cNvSpPr>
@@ -1048,7 +1080,7 @@
         <p:spPr>
           <a:xfrm>
             <a:off x="3884760" y="8685360"/>
-            <a:ext cx="2970720" cy="457560"/>
+            <a:ext cx="2970360" cy="457200"/>
           </a:xfrm>
           <a:prstGeom prst="rect">
             <a:avLst/>
@@ -1075,6 +1107,7 @@
                 <a:solidFill>
                   <a:srgbClr val="000000"/>
                 </a:solidFill>
+                <a:effectLst/>
                 <a:uFillTx/>
                 <a:latin typeface="Times New Roman"/>
               </a:defRPr>
@@ -1090,197 +1123,22 @@
                 <a:tab algn="l" pos="0"/>
               </a:tabLst>
             </a:pPr>
-            <a:fld id="{90E84C3F-6495-41AD-81D5-8A491BA226D9}" type="slidenum">
+            <a:fld id="{27532D34-054D-4E1F-A81A-9DB6EB5C8F58}" type="slidenum">
               <a:rPr b="0" lang="en-SE" sz="1200" strike="noStrike" u="none">
                 <a:solidFill>
                   <a:srgbClr val="000000"/>
                 </a:solidFill>
+                <a:effectLst/>
                 <a:uFillTx/>
                 <a:latin typeface="Times New Roman"/>
               </a:rPr>
-              <a:t>8</a:t>
+              <a:t>7</a:t>
             </a:fld>
             <a:endParaRPr b="0" lang="en-US" sz="1200" strike="noStrike" u="none">
               <a:solidFill>
                 <a:srgbClr val="000000"/>
               </a:solidFill>
-              <a:uFillTx/>
-              <a:latin typeface="Times New Roman"/>
-            </a:endParaRPr>
-          </a:p>
-        </p:txBody>
-      </p:sp>
-    </p:spTree>
-  </p:cSld>
-</p:notes>
-</file>
-
-<file path=ppt/notesSlides/notesSlide8.xml><?xml version="1.0" encoding="utf-8"?>
-<p:notes xmlns:a="http://schemas.openxmlformats.org/drawingml/2006/main" xmlns:p="http://schemas.openxmlformats.org/presentationml/2006/main" xmlns:r="http://schemas.openxmlformats.org/officeDocument/2006/relationships" xmlns:p14="http://schemas.microsoft.com/office/powerpoint/2010/main" xmlns:p15="http://schemas.microsoft.com/office/powerpoint/2012/main" xmlns:mc="http://schemas.openxmlformats.org/markup-compatibility/2006">
-  <p:cSld>
-    <p:spTree>
-      <p:nvGrpSpPr>
-        <p:cNvPr id="1" name=""/>
-        <p:cNvGrpSpPr/>
-        <p:nvPr/>
-      </p:nvGrpSpPr>
-      <p:grpSpPr>
-        <a:xfrm>
-          <a:off x="0" y="0"/>
-          <a:ext cx="0" cy="0"/>
-          <a:chOff x="0" y="0"/>
-          <a:chExt cx="0" cy="0"/>
-        </a:xfrm>
-      </p:grpSpPr>
-      <p:sp>
-        <p:nvSpPr>
-          <p:cNvPr id="104" name="PlaceHolder 1"/>
-          <p:cNvSpPr>
-            <a:spLocks noGrp="1"/>
-          </p:cNvSpPr>
-          <p:nvPr>
-            <p:ph type="sldImg"/>
-          </p:nvPr>
-        </p:nvSpPr>
-        <p:spPr>
-          <a:xfrm>
-            <a:off x="685800" y="1143000"/>
-            <a:ext cx="5485320" cy="3085200"/>
-          </a:xfrm>
-          <a:prstGeom prst="rect">
-            <a:avLst/>
-          </a:prstGeom>
-          <a:ln w="0">
-            <a:noFill/>
-          </a:ln>
-        </p:spPr>
-      </p:sp>
-      <p:sp>
-        <p:nvSpPr>
-          <p:cNvPr id="105" name="PlaceHolder 2"/>
-          <p:cNvSpPr>
-            <a:spLocks noGrp="1"/>
-          </p:cNvSpPr>
-          <p:nvPr>
-            <p:ph type="body"/>
-          </p:nvPr>
-        </p:nvSpPr>
-        <p:spPr>
-          <a:xfrm>
-            <a:off x="685800" y="4400640"/>
-            <a:ext cx="5485320" cy="3599280"/>
-          </a:xfrm>
-          <a:prstGeom prst="rect">
-            <a:avLst/>
-          </a:prstGeom>
-          <a:noFill/>
-          <a:ln w="0">
-            <a:noFill/>
-          </a:ln>
-        </p:spPr>
-        <p:txBody>
-          <a:bodyPr lIns="91440" rIns="91440" tIns="45720" bIns="45720" anchor="t">
-            <a:noAutofit/>
-          </a:bodyPr>
-          <a:p>
-            <a:pPr marL="216000" indent="0">
-              <a:lnSpc>
-                <a:spcPct val="100000"/>
-              </a:lnSpc>
-              <a:buNone/>
-              <a:tabLst>
-                <a:tab algn="l" pos="0"/>
-              </a:tabLst>
-            </a:pPr>
-            <a:r>
-              <a:rPr b="0" lang="en-GB" sz="2000" strike="noStrike" u="none">
-                <a:solidFill>
-                  <a:srgbClr val="1d1c1d"/>
-                </a:solidFill>
-                <a:uFillTx/>
-                <a:latin typeface="Slack-Lato"/>
-              </a:rPr>
-              <a:t>We can add that in case someone needs to miss a part of the workshop please talk with us beforehand. Then we will take note of this and tell you how to compensate for the absence i.e. by watching the prerecorded video and run the lab on your own.</a:t>
-            </a:r>
-            <a:endParaRPr b="0" lang="en-US" sz="2000" strike="noStrike" u="none">
-              <a:solidFill>
-                <a:srgbClr val="000000"/>
-              </a:solidFill>
-              <a:uFillTx/>
-              <a:latin typeface="Arial"/>
-            </a:endParaRPr>
-          </a:p>
-        </p:txBody>
-      </p:sp>
-      <p:sp>
-        <p:nvSpPr>
-          <p:cNvPr id="106" name="PlaceHolder 3"/>
-          <p:cNvSpPr>
-            <a:spLocks noGrp="1"/>
-          </p:cNvSpPr>
-          <p:nvPr>
-            <p:ph type="sldNum" idx="8"/>
-          </p:nvPr>
-        </p:nvSpPr>
-        <p:spPr>
-          <a:xfrm>
-            <a:off x="3884760" y="8685360"/>
-            <a:ext cx="2970720" cy="457560"/>
-          </a:xfrm>
-          <a:prstGeom prst="rect">
-            <a:avLst/>
-          </a:prstGeom>
-          <a:noFill/>
-          <a:ln w="0">
-            <a:noFill/>
-          </a:ln>
-        </p:spPr>
-        <p:txBody>
-          <a:bodyPr lIns="91440" rIns="91440" tIns="45720" bIns="45720" anchor="b">
-            <a:noAutofit/>
-          </a:bodyPr>
-          <a:lstStyle>
-            <a:lvl1pPr indent="0" algn="r">
-              <a:lnSpc>
-                <a:spcPct val="100000"/>
-              </a:lnSpc>
-              <a:buNone/>
-              <a:tabLst>
-                <a:tab algn="l" pos="0"/>
-              </a:tabLst>
-              <a:defRPr b="0" lang="en-SE" sz="1200" strike="noStrike" u="none">
-                <a:solidFill>
-                  <a:srgbClr val="000000"/>
-                </a:solidFill>
-                <a:uFillTx/>
-                <a:latin typeface="Times New Roman"/>
-              </a:defRPr>
-            </a:lvl1pPr>
-          </a:lstStyle>
-          <a:p>
-            <a:pPr indent="0" algn="r">
-              <a:lnSpc>
-                <a:spcPct val="100000"/>
-              </a:lnSpc>
-              <a:buNone/>
-              <a:tabLst>
-                <a:tab algn="l" pos="0"/>
-              </a:tabLst>
-            </a:pPr>
-            <a:fld id="{C37DFE5C-78D6-4B3E-BA75-9E3929D98ED2}" type="slidenum">
-              <a:rPr b="0" lang="en-SE" sz="1200" strike="noStrike" u="none">
-                <a:solidFill>
-                  <a:srgbClr val="000000"/>
-                </a:solidFill>
-                <a:uFillTx/>
-                <a:latin typeface="Times New Roman"/>
-              </a:rPr>
-              <a:t>&lt;number&gt;</a:t>
-            </a:fld>
-            <a:endParaRPr b="0" lang="en-US" sz="1200" strike="noStrike" u="none">
-              <a:solidFill>
-                <a:srgbClr val="000000"/>
-              </a:solidFill>
+              <a:effectLst/>
               <a:uFillTx/>
               <a:latin typeface="Times New Roman"/>
             </a:endParaRPr>
@@ -1339,6 +1197,13 @@
 <file path=ppt/slideLayouts/slideLayout3.xml><?xml version="1.0" encoding="utf-8"?>
 <p:sldLayout xmlns:a="http://schemas.openxmlformats.org/drawingml/2006/main" xmlns:p="http://schemas.openxmlformats.org/presentationml/2006/main" xmlns:r="http://schemas.openxmlformats.org/officeDocument/2006/relationships" xmlns:p14="http://schemas.microsoft.com/office/powerpoint/2010/main" xmlns:p15="http://schemas.microsoft.com/office/powerpoint/2012/main" xmlns:mc="http://schemas.openxmlformats.org/markup-compatibility/2006" type="blank" preserve="1">
   <p:cSld name="Default 1">
+    <p:bg>
+      <p:bgPr>
+        <a:solidFill>
+          <a:srgbClr val="ffffff"/>
+        </a:solidFill>
+      </p:bgPr>
+    </p:bg>
     <p:spTree>
       <p:nvGrpSpPr>
         <p:cNvPr id="1" name=""/>
@@ -1353,14 +1218,91 @@
           <a:chExt cx="0" cy="0"/>
         </a:xfrm>
       </p:grpSpPr>
+      <p:pic>
+        <p:nvPicPr>
+          <p:cNvPr id="6" name="Picture 7" descr="A close up of a logo&#10;&#10;Description automatically generated"/>
+          <p:cNvPicPr/>
+          <p:nvPr/>
+        </p:nvPicPr>
+        <p:blipFill>
+          <a:blip r:embed="rId2"/>
+          <a:stretch/>
+        </p:blipFill>
+        <p:spPr>
+          <a:xfrm>
+            <a:off x="8179560" y="171360"/>
+            <a:ext cx="3603960" cy="781920"/>
+          </a:xfrm>
+          <a:prstGeom prst="rect">
+            <a:avLst/>
+          </a:prstGeom>
+          <a:noFill/>
+          <a:ln w="0">
+            <a:noFill/>
+          </a:ln>
+        </p:spPr>
+      </p:pic>
+      <p:cxnSp>
+        <p:nvCxnSpPr>
+          <p:cNvPr id="7" name="Straight Connector 8"/>
+          <p:cNvCxnSpPr/>
+          <p:nvPr/>
+        </p:nvCxnSpPr>
+        <p:spPr>
+          <a:xfrm flipH="1">
+            <a:off x="0" y="6811560"/>
+            <a:ext cx="12193200" cy="1440"/>
+          </a:xfrm>
+          <a:prstGeom prst="straightConnector1">
+            <a:avLst/>
+          </a:prstGeom>
+          <a:ln w="101600">
+            <a:solidFill>
+              <a:srgbClr val="a7c947"/>
+            </a:solidFill>
+            <a:round/>
+          </a:ln>
+        </p:spPr>
+      </p:cxnSp>
+      <p:pic>
+        <p:nvPicPr>
+          <p:cNvPr id="8" name="Picture 9" descr=""/>
+          <p:cNvPicPr/>
+          <p:nvPr/>
+        </p:nvPicPr>
+        <p:blipFill>
+          <a:blip r:embed="rId3"/>
+          <a:stretch/>
+        </p:blipFill>
+        <p:spPr>
+          <a:xfrm>
+            <a:off x="194040" y="171360"/>
+            <a:ext cx="1884600" cy="1005120"/>
+          </a:xfrm>
+          <a:prstGeom prst="rect">
+            <a:avLst/>
+          </a:prstGeom>
+          <a:noFill/>
+          <a:ln w="0">
+            <a:noFill/>
+          </a:ln>
+        </p:spPr>
+      </p:pic>
     </p:spTree>
   </p:cSld>
 </p:sldLayout>
 </file>
 
 <file path=ppt/slideLayouts/slideLayout4.xml><?xml version="1.0" encoding="utf-8"?>
-<p:sldLayout xmlns:a="http://schemas.openxmlformats.org/drawingml/2006/main" xmlns:p="http://schemas.openxmlformats.org/presentationml/2006/main" xmlns:r="http://schemas.openxmlformats.org/officeDocument/2006/relationships" xmlns:p14="http://schemas.microsoft.com/office/powerpoint/2010/main" xmlns:p15="http://schemas.microsoft.com/office/powerpoint/2012/main" xmlns:mc="http://schemas.openxmlformats.org/markup-compatibility/2006" type="title" preserve="1">
-  <p:cSld name="Default 1">
+<p:sldLayout xmlns:a="http://schemas.openxmlformats.org/drawingml/2006/main" xmlns:p="http://schemas.openxmlformats.org/presentationml/2006/main" xmlns:r="http://schemas.openxmlformats.org/officeDocument/2006/relationships" xmlns:p14="http://schemas.microsoft.com/office/powerpoint/2010/main" xmlns:p15="http://schemas.microsoft.com/office/powerpoint/2012/main" xmlns:mc="http://schemas.openxmlformats.org/markup-compatibility/2006" type="blank" preserve="1">
+  <p:cSld name="Default 2">
+    <p:bg>
+      <p:bgPr>
+        <a:solidFill>
+          <a:srgbClr val="ffffff"/>
+        </a:solidFill>
+      </p:bgPr>
+    </p:bg>
     <p:spTree>
       <p:nvGrpSpPr>
         <p:cNvPr id="1" name=""/>
@@ -1375,9 +1317,79 @@
           <a:chExt cx="0" cy="0"/>
         </a:xfrm>
       </p:grpSpPr>
+      <p:pic>
+        <p:nvPicPr>
+          <p:cNvPr id="14" name="Picture 7" descr="A close up of a logo&#10;&#10;Description automatically generated"/>
+          <p:cNvPicPr/>
+          <p:nvPr/>
+        </p:nvPicPr>
+        <p:blipFill>
+          <a:blip r:embed="rId2"/>
+          <a:stretch/>
+        </p:blipFill>
+        <p:spPr>
+          <a:xfrm>
+            <a:off x="8179560" y="171360"/>
+            <a:ext cx="3603960" cy="781920"/>
+          </a:xfrm>
+          <a:prstGeom prst="rect">
+            <a:avLst/>
+          </a:prstGeom>
+          <a:noFill/>
+          <a:ln w="0">
+            <a:noFill/>
+          </a:ln>
+        </p:spPr>
+      </p:pic>
+      <p:cxnSp>
+        <p:nvCxnSpPr>
+          <p:cNvPr id="15" name="Straight Connector 8"/>
+          <p:cNvCxnSpPr/>
+          <p:nvPr/>
+        </p:nvCxnSpPr>
+        <p:spPr>
+          <a:xfrm flipH="1">
+            <a:off x="0" y="6811560"/>
+            <a:ext cx="12193200" cy="1440"/>
+          </a:xfrm>
+          <a:prstGeom prst="straightConnector1">
+            <a:avLst/>
+          </a:prstGeom>
+          <a:ln w="101600">
+            <a:solidFill>
+              <a:srgbClr val="a7c947"/>
+            </a:solidFill>
+            <a:round/>
+          </a:ln>
+        </p:spPr>
+      </p:cxnSp>
+      <p:pic>
+        <p:nvPicPr>
+          <p:cNvPr id="16" name="Picture 9" descr=""/>
+          <p:cNvPicPr/>
+          <p:nvPr/>
+        </p:nvPicPr>
+        <p:blipFill>
+          <a:blip r:embed="rId3"/>
+          <a:stretch/>
+        </p:blipFill>
+        <p:spPr>
+          <a:xfrm>
+            <a:off x="194040" y="171360"/>
+            <a:ext cx="1884600" cy="1005120"/>
+          </a:xfrm>
+          <a:prstGeom prst="rect">
+            <a:avLst/>
+          </a:prstGeom>
+          <a:noFill/>
+          <a:ln w="0">
+            <a:noFill/>
+          </a:ln>
+        </p:spPr>
+      </p:pic>
       <p:sp>
         <p:nvSpPr>
-          <p:cNvPr id="11" name="PlaceHolder 1"/>
+          <p:cNvPr id="17" name="PlaceHolder 1"/>
           <p:cNvSpPr>
             <a:spLocks noGrp="1"/>
           </p:cNvSpPr>
@@ -1388,7 +1400,7 @@
         <p:spPr>
           <a:xfrm>
             <a:off x="1523880" y="1600200"/>
-            <a:ext cx="9142920" cy="1908720"/>
+            <a:ext cx="9142560" cy="1908360"/>
           </a:xfrm>
           <a:prstGeom prst="rect">
             <a:avLst/>
@@ -1403,13 +1415,25 @@
             <a:noAutofit/>
           </a:bodyPr>
           <a:p>
-            <a:pPr indent="0" algn="ctr">
+            <a:pPr indent="0">
               <a:buNone/>
             </a:pPr>
-            <a:endParaRPr b="0" lang="en-US" sz="4400" strike="noStrike" u="none">
-              <a:solidFill>
-                <a:srgbClr val="000000"/>
-              </a:solidFill>
+            <a:r>
+              <a:rPr b="0" lang="en-US" sz="1800" strike="noStrike" u="none">
+                <a:solidFill>
+                  <a:srgbClr val="000000"/>
+                </a:solidFill>
+                <a:effectLst/>
+                <a:uFillTx/>
+                <a:latin typeface="Arial"/>
+              </a:rPr>
+              <a:t>Click to edit the title text format</a:t>
+            </a:r>
+            <a:endParaRPr b="0" lang="en-US" sz="1800" strike="noStrike" u="none">
+              <a:solidFill>
+                <a:srgbClr val="000000"/>
+              </a:solidFill>
+              <a:effectLst/>
               <a:uFillTx/>
               <a:latin typeface="Arial"/>
             </a:endParaRPr>
@@ -1418,18 +1442,370 @@
       </p:sp>
       <p:sp>
         <p:nvSpPr>
-          <p:cNvPr id="12" name="PlaceHolder 2"/>
+          <p:cNvPr id="18" name="PlaceHolder 2"/>
           <p:cNvSpPr>
             <a:spLocks noGrp="1"/>
           </p:cNvSpPr>
           <p:nvPr>
-            <p:ph type="subTitle"/>
+            <p:ph type="body"/>
           </p:nvPr>
         </p:nvSpPr>
         <p:spPr>
           <a:xfrm>
             <a:off x="609480" y="1604520"/>
             <a:ext cx="10972440" cy="3977280"/>
+          </a:xfrm>
+          <a:prstGeom prst="rect">
+            <a:avLst/>
+          </a:prstGeom>
+          <a:noFill/>
+          <a:ln w="0">
+            <a:noFill/>
+          </a:ln>
+        </p:spPr>
+        <p:txBody>
+          <a:bodyPr lIns="0" rIns="0" tIns="0" bIns="0" anchor="t">
+            <a:normAutofit/>
+          </a:bodyPr>
+          <a:p>
+            <a:pPr marL="432000" indent="-324000">
+              <a:spcBef>
+                <a:spcPts val="1417"/>
+              </a:spcBef>
+              <a:buClr>
+                <a:srgbClr val="000000"/>
+              </a:buClr>
+              <a:buSzPct val="45000"/>
+              <a:buFont typeface="Wingdings" charset="2"/>
+              <a:buChar char=""/>
+            </a:pPr>
+            <a:r>
+              <a:rPr b="0" lang="en-US" sz="3200" strike="noStrike" u="none">
+                <a:solidFill>
+                  <a:srgbClr val="000000"/>
+                </a:solidFill>
+                <a:effectLst/>
+                <a:uFillTx/>
+                <a:latin typeface="Arial"/>
+              </a:rPr>
+              <a:t>Click to edit the outline text format</a:t>
+            </a:r>
+            <a:endParaRPr b="0" lang="en-US" sz="3200" strike="noStrike" u="none">
+              <a:solidFill>
+                <a:srgbClr val="000000"/>
+              </a:solidFill>
+              <a:effectLst/>
+              <a:uFillTx/>
+              <a:latin typeface="Arial"/>
+            </a:endParaRPr>
+          </a:p>
+          <a:p>
+            <a:pPr lvl="1" marL="864000" indent="-324000">
+              <a:spcBef>
+                <a:spcPts val="1134"/>
+              </a:spcBef>
+              <a:buClr>
+                <a:srgbClr val="000000"/>
+              </a:buClr>
+              <a:buSzPct val="75000"/>
+              <a:buFont typeface="Symbol" charset="2"/>
+              <a:buChar char=""/>
+            </a:pPr>
+            <a:r>
+              <a:rPr b="0" lang="en-US" sz="2800" strike="noStrike" u="none">
+                <a:solidFill>
+                  <a:srgbClr val="000000"/>
+                </a:solidFill>
+                <a:effectLst/>
+                <a:uFillTx/>
+                <a:latin typeface="Arial"/>
+              </a:rPr>
+              <a:t>Second Outline Level</a:t>
+            </a:r>
+            <a:endParaRPr b="0" lang="en-US" sz="2800" strike="noStrike" u="none">
+              <a:solidFill>
+                <a:srgbClr val="000000"/>
+              </a:solidFill>
+              <a:effectLst/>
+              <a:uFillTx/>
+              <a:latin typeface="Arial"/>
+            </a:endParaRPr>
+          </a:p>
+          <a:p>
+            <a:pPr lvl="2" marL="1296000" indent="-288000">
+              <a:spcBef>
+                <a:spcPts val="850"/>
+              </a:spcBef>
+              <a:buClr>
+                <a:srgbClr val="000000"/>
+              </a:buClr>
+              <a:buSzPct val="45000"/>
+              <a:buFont typeface="Wingdings" charset="2"/>
+              <a:buChar char=""/>
+            </a:pPr>
+            <a:r>
+              <a:rPr b="0" lang="en-US" sz="2400" strike="noStrike" u="none">
+                <a:solidFill>
+                  <a:srgbClr val="000000"/>
+                </a:solidFill>
+                <a:effectLst/>
+                <a:uFillTx/>
+                <a:latin typeface="Arial"/>
+              </a:rPr>
+              <a:t>Third Outline Level</a:t>
+            </a:r>
+            <a:endParaRPr b="0" lang="en-US" sz="2400" strike="noStrike" u="none">
+              <a:solidFill>
+                <a:srgbClr val="000000"/>
+              </a:solidFill>
+              <a:effectLst/>
+              <a:uFillTx/>
+              <a:latin typeface="Arial"/>
+            </a:endParaRPr>
+          </a:p>
+          <a:p>
+            <a:pPr lvl="3" marL="1728000" indent="-216000">
+              <a:spcBef>
+                <a:spcPts val="567"/>
+              </a:spcBef>
+              <a:buClr>
+                <a:srgbClr val="000000"/>
+              </a:buClr>
+              <a:buSzPct val="75000"/>
+              <a:buFont typeface="Symbol" charset="2"/>
+              <a:buChar char=""/>
+            </a:pPr>
+            <a:r>
+              <a:rPr b="0" lang="en-US" sz="2000" strike="noStrike" u="none">
+                <a:solidFill>
+                  <a:srgbClr val="000000"/>
+                </a:solidFill>
+                <a:effectLst/>
+                <a:uFillTx/>
+                <a:latin typeface="Arial"/>
+              </a:rPr>
+              <a:t>Fourth Outline Level</a:t>
+            </a:r>
+            <a:endParaRPr b="0" lang="en-US" sz="2000" strike="noStrike" u="none">
+              <a:solidFill>
+                <a:srgbClr val="000000"/>
+              </a:solidFill>
+              <a:effectLst/>
+              <a:uFillTx/>
+              <a:latin typeface="Arial"/>
+            </a:endParaRPr>
+          </a:p>
+          <a:p>
+            <a:pPr lvl="4" marL="2160000" indent="-216000">
+              <a:spcBef>
+                <a:spcPts val="283"/>
+              </a:spcBef>
+              <a:buClr>
+                <a:srgbClr val="000000"/>
+              </a:buClr>
+              <a:buSzPct val="45000"/>
+              <a:buFont typeface="Wingdings" charset="2"/>
+              <a:buChar char=""/>
+            </a:pPr>
+            <a:r>
+              <a:rPr b="0" lang="en-US" sz="2000" strike="noStrike" u="none">
+                <a:solidFill>
+                  <a:srgbClr val="000000"/>
+                </a:solidFill>
+                <a:effectLst/>
+                <a:uFillTx/>
+                <a:latin typeface="Arial"/>
+              </a:rPr>
+              <a:t>Fifth Outline Level</a:t>
+            </a:r>
+            <a:endParaRPr b="0" lang="en-US" sz="2000" strike="noStrike" u="none">
+              <a:solidFill>
+                <a:srgbClr val="000000"/>
+              </a:solidFill>
+              <a:effectLst/>
+              <a:uFillTx/>
+              <a:latin typeface="Arial"/>
+            </a:endParaRPr>
+          </a:p>
+          <a:p>
+            <a:pPr lvl="5" marL="2592000" indent="-216000">
+              <a:spcBef>
+                <a:spcPts val="283"/>
+              </a:spcBef>
+              <a:buClr>
+                <a:srgbClr val="000000"/>
+              </a:buClr>
+              <a:buSzPct val="45000"/>
+              <a:buFont typeface="Wingdings" charset="2"/>
+              <a:buChar char=""/>
+            </a:pPr>
+            <a:r>
+              <a:rPr b="0" lang="en-US" sz="2000" strike="noStrike" u="none">
+                <a:solidFill>
+                  <a:srgbClr val="000000"/>
+                </a:solidFill>
+                <a:effectLst/>
+                <a:uFillTx/>
+                <a:latin typeface="Arial"/>
+              </a:rPr>
+              <a:t>Sixth Outline Level</a:t>
+            </a:r>
+            <a:endParaRPr b="0" lang="en-US" sz="2000" strike="noStrike" u="none">
+              <a:solidFill>
+                <a:srgbClr val="000000"/>
+              </a:solidFill>
+              <a:effectLst/>
+              <a:uFillTx/>
+              <a:latin typeface="Arial"/>
+            </a:endParaRPr>
+          </a:p>
+          <a:p>
+            <a:pPr lvl="6" marL="3024000" indent="-216000">
+              <a:spcBef>
+                <a:spcPts val="283"/>
+              </a:spcBef>
+              <a:buClr>
+                <a:srgbClr val="000000"/>
+              </a:buClr>
+              <a:buSzPct val="45000"/>
+              <a:buFont typeface="Wingdings" charset="2"/>
+              <a:buChar char=""/>
+            </a:pPr>
+            <a:r>
+              <a:rPr b="0" lang="en-US" sz="2000" strike="noStrike" u="none">
+                <a:solidFill>
+                  <a:srgbClr val="000000"/>
+                </a:solidFill>
+                <a:effectLst/>
+                <a:uFillTx/>
+                <a:latin typeface="Arial"/>
+              </a:rPr>
+              <a:t>Seventh Outline Level</a:t>
+            </a:r>
+            <a:endParaRPr b="0" lang="en-US" sz="2000" strike="noStrike" u="none">
+              <a:solidFill>
+                <a:srgbClr val="000000"/>
+              </a:solidFill>
+              <a:effectLst/>
+              <a:uFillTx/>
+              <a:latin typeface="Arial"/>
+            </a:endParaRPr>
+          </a:p>
+        </p:txBody>
+      </p:sp>
+    </p:spTree>
+  </p:cSld>
+</p:sldLayout>
+</file>
+
+<file path=ppt/slideLayouts/slideLayout5.xml><?xml version="1.0" encoding="utf-8"?>
+<p:sldLayout xmlns:a="http://schemas.openxmlformats.org/drawingml/2006/main" xmlns:p="http://schemas.openxmlformats.org/presentationml/2006/main" xmlns:r="http://schemas.openxmlformats.org/officeDocument/2006/relationships" xmlns:p14="http://schemas.microsoft.com/office/powerpoint/2010/main" xmlns:p15="http://schemas.microsoft.com/office/powerpoint/2012/main" xmlns:mc="http://schemas.openxmlformats.org/markup-compatibility/2006" type="title" preserve="1">
+  <p:cSld name="Default 2">
+    <p:bg>
+      <p:bgPr>
+        <a:solidFill>
+          <a:srgbClr val="ffffff"/>
+        </a:solidFill>
+      </p:bgPr>
+    </p:bg>
+    <p:spTree>
+      <p:nvGrpSpPr>
+        <p:cNvPr id="1" name=""/>
+        <p:cNvGrpSpPr/>
+        <p:nvPr/>
+      </p:nvGrpSpPr>
+      <p:grpSpPr>
+        <a:xfrm>
+          <a:off x="0" y="0"/>
+          <a:ext cx="0" cy="0"/>
+          <a:chOff x="0" y="0"/>
+          <a:chExt cx="0" cy="0"/>
+        </a:xfrm>
+      </p:grpSpPr>
+      <p:pic>
+        <p:nvPicPr>
+          <p:cNvPr id="9" name="Picture 7" descr="A close up of a logo&#10;&#10;Description automatically generated"/>
+          <p:cNvPicPr/>
+          <p:nvPr/>
+        </p:nvPicPr>
+        <p:blipFill>
+          <a:blip r:embed="rId2"/>
+          <a:stretch/>
+        </p:blipFill>
+        <p:spPr>
+          <a:xfrm>
+            <a:off x="8179560" y="171360"/>
+            <a:ext cx="3603960" cy="781920"/>
+          </a:xfrm>
+          <a:prstGeom prst="rect">
+            <a:avLst/>
+          </a:prstGeom>
+          <a:noFill/>
+          <a:ln w="0">
+            <a:noFill/>
+          </a:ln>
+        </p:spPr>
+      </p:pic>
+      <p:cxnSp>
+        <p:nvCxnSpPr>
+          <p:cNvPr id="10" name="Straight Connector 8"/>
+          <p:cNvCxnSpPr/>
+          <p:nvPr/>
+        </p:nvCxnSpPr>
+        <p:spPr>
+          <a:xfrm flipH="1">
+            <a:off x="0" y="6811560"/>
+            <a:ext cx="12193200" cy="1440"/>
+          </a:xfrm>
+          <a:prstGeom prst="straightConnector1">
+            <a:avLst/>
+          </a:prstGeom>
+          <a:ln w="101600">
+            <a:solidFill>
+              <a:srgbClr val="a7c947"/>
+            </a:solidFill>
+            <a:round/>
+          </a:ln>
+        </p:spPr>
+      </p:cxnSp>
+      <p:pic>
+        <p:nvPicPr>
+          <p:cNvPr id="11" name="Picture 9" descr=""/>
+          <p:cNvPicPr/>
+          <p:nvPr/>
+        </p:nvPicPr>
+        <p:blipFill>
+          <a:blip r:embed="rId3"/>
+          <a:stretch/>
+        </p:blipFill>
+        <p:spPr>
+          <a:xfrm>
+            <a:off x="194040" y="171360"/>
+            <a:ext cx="1884600" cy="1005120"/>
+          </a:xfrm>
+          <a:prstGeom prst="rect">
+            <a:avLst/>
+          </a:prstGeom>
+          <a:noFill/>
+          <a:ln w="0">
+            <a:noFill/>
+          </a:ln>
+        </p:spPr>
+      </p:pic>
+      <p:sp>
+        <p:nvSpPr>
+          <p:cNvPr id="12" name="PlaceHolder 1"/>
+          <p:cNvSpPr>
+            <a:spLocks noGrp="1"/>
+          </p:cNvSpPr>
+          <p:nvPr>
+            <p:ph type="title"/>
+          </p:nvPr>
+        </p:nvSpPr>
+        <p:spPr>
+          <a:xfrm>
+            <a:off x="1523880" y="1600200"/>
+            <a:ext cx="9142560" cy="1908360"/>
           </a:xfrm>
           <a:prstGeom prst="rect">
             <a:avLst/>
@@ -1444,13 +1820,278 @@
             <a:noAutofit/>
           </a:bodyPr>
           <a:p>
-            <a:pPr indent="0" algn="ctr">
+            <a:pPr indent="0">
               <a:buNone/>
             </a:pPr>
+            <a:r>
+              <a:rPr b="0" lang="en-US" sz="1800" strike="noStrike" u="none">
+                <a:solidFill>
+                  <a:srgbClr val="000000"/>
+                </a:solidFill>
+                <a:effectLst/>
+                <a:uFillTx/>
+                <a:latin typeface="Arial"/>
+              </a:rPr>
+              <a:t>Click to edit the title text format</a:t>
+            </a:r>
+            <a:endParaRPr b="0" lang="en-US" sz="1800" strike="noStrike" u="none">
+              <a:solidFill>
+                <a:srgbClr val="000000"/>
+              </a:solidFill>
+              <a:effectLst/>
+              <a:uFillTx/>
+              <a:latin typeface="Arial"/>
+            </a:endParaRPr>
+          </a:p>
+        </p:txBody>
+      </p:sp>
+      <p:sp>
+        <p:nvSpPr>
+          <p:cNvPr id="13" name="PlaceHolder 2"/>
+          <p:cNvSpPr>
+            <a:spLocks noGrp="1"/>
+          </p:cNvSpPr>
+          <p:nvPr>
+            <p:ph type="body"/>
+          </p:nvPr>
+        </p:nvSpPr>
+        <p:spPr>
+          <a:xfrm>
+            <a:off x="609480" y="1604520"/>
+            <a:ext cx="10972440" cy="3977280"/>
+          </a:xfrm>
+          <a:prstGeom prst="rect">
+            <a:avLst/>
+          </a:prstGeom>
+          <a:noFill/>
+          <a:ln w="0">
+            <a:noFill/>
+          </a:ln>
+        </p:spPr>
+        <p:txBody>
+          <a:bodyPr lIns="0" rIns="0" tIns="0" bIns="0" anchor="t">
+            <a:normAutofit/>
+          </a:bodyPr>
+          <a:p>
+            <a:pPr marL="432000" indent="-324000">
+              <a:spcBef>
+                <a:spcPts val="1417"/>
+              </a:spcBef>
+              <a:buClr>
+                <a:srgbClr val="000000"/>
+              </a:buClr>
+              <a:buSzPct val="45000"/>
+              <a:buFont typeface="Wingdings" charset="2"/>
+              <a:buChar char=""/>
+            </a:pPr>
+            <a:r>
+              <a:rPr b="0" lang="en-US" sz="3200" strike="noStrike" u="none">
+                <a:solidFill>
+                  <a:srgbClr val="000000"/>
+                </a:solidFill>
+                <a:effectLst/>
+                <a:uFillTx/>
+                <a:latin typeface="Arial"/>
+              </a:rPr>
+              <a:t>Click to edit the outline text format</a:t>
+            </a:r>
             <a:endParaRPr b="0" lang="en-US" sz="3200" strike="noStrike" u="none">
               <a:solidFill>
                 <a:srgbClr val="000000"/>
               </a:solidFill>
+              <a:effectLst/>
+              <a:uFillTx/>
+              <a:latin typeface="Arial"/>
+            </a:endParaRPr>
+          </a:p>
+          <a:p>
+            <a:pPr lvl="1" marL="864000" indent="-324000">
+              <a:spcBef>
+                <a:spcPts val="1134"/>
+              </a:spcBef>
+              <a:buClr>
+                <a:srgbClr val="000000"/>
+              </a:buClr>
+              <a:buSzPct val="75000"/>
+              <a:buFont typeface="Symbol" charset="2"/>
+              <a:buChar char=""/>
+            </a:pPr>
+            <a:r>
+              <a:rPr b="0" lang="en-US" sz="2800" strike="noStrike" u="none">
+                <a:solidFill>
+                  <a:srgbClr val="000000"/>
+                </a:solidFill>
+                <a:effectLst/>
+                <a:uFillTx/>
+                <a:latin typeface="Arial"/>
+              </a:rPr>
+              <a:t>Second Outline Level</a:t>
+            </a:r>
+            <a:endParaRPr b="0" lang="en-US" sz="2800" strike="noStrike" u="none">
+              <a:solidFill>
+                <a:srgbClr val="000000"/>
+              </a:solidFill>
+              <a:effectLst/>
+              <a:uFillTx/>
+              <a:latin typeface="Arial"/>
+            </a:endParaRPr>
+          </a:p>
+          <a:p>
+            <a:pPr lvl="2" marL="1296000" indent="-288000">
+              <a:spcBef>
+                <a:spcPts val="850"/>
+              </a:spcBef>
+              <a:buClr>
+                <a:srgbClr val="000000"/>
+              </a:buClr>
+              <a:buSzPct val="45000"/>
+              <a:buFont typeface="Wingdings" charset="2"/>
+              <a:buChar char=""/>
+            </a:pPr>
+            <a:r>
+              <a:rPr b="0" lang="en-US" sz="2400" strike="noStrike" u="none">
+                <a:solidFill>
+                  <a:srgbClr val="000000"/>
+                </a:solidFill>
+                <a:effectLst/>
+                <a:uFillTx/>
+                <a:latin typeface="Arial"/>
+              </a:rPr>
+              <a:t>Third Outline Level</a:t>
+            </a:r>
+            <a:endParaRPr b="0" lang="en-US" sz="2400" strike="noStrike" u="none">
+              <a:solidFill>
+                <a:srgbClr val="000000"/>
+              </a:solidFill>
+              <a:effectLst/>
+              <a:uFillTx/>
+              <a:latin typeface="Arial"/>
+            </a:endParaRPr>
+          </a:p>
+          <a:p>
+            <a:pPr lvl="3" marL="1728000" indent="-216000">
+              <a:spcBef>
+                <a:spcPts val="567"/>
+              </a:spcBef>
+              <a:buClr>
+                <a:srgbClr val="000000"/>
+              </a:buClr>
+              <a:buSzPct val="75000"/>
+              <a:buFont typeface="Symbol" charset="2"/>
+              <a:buChar char=""/>
+            </a:pPr>
+            <a:r>
+              <a:rPr b="0" lang="en-US" sz="2000" strike="noStrike" u="none">
+                <a:solidFill>
+                  <a:srgbClr val="000000"/>
+                </a:solidFill>
+                <a:effectLst/>
+                <a:uFillTx/>
+                <a:latin typeface="Arial"/>
+              </a:rPr>
+              <a:t>Fourth Outline Level</a:t>
+            </a:r>
+            <a:endParaRPr b="0" lang="en-US" sz="2000" strike="noStrike" u="none">
+              <a:solidFill>
+                <a:srgbClr val="000000"/>
+              </a:solidFill>
+              <a:effectLst/>
+              <a:uFillTx/>
+              <a:latin typeface="Arial"/>
+            </a:endParaRPr>
+          </a:p>
+          <a:p>
+            <a:pPr lvl="4" marL="2160000" indent="-216000">
+              <a:spcBef>
+                <a:spcPts val="283"/>
+              </a:spcBef>
+              <a:buClr>
+                <a:srgbClr val="000000"/>
+              </a:buClr>
+              <a:buSzPct val="45000"/>
+              <a:buFont typeface="Wingdings" charset="2"/>
+              <a:buChar char=""/>
+            </a:pPr>
+            <a:r>
+              <a:rPr b="0" lang="en-US" sz="2000" strike="noStrike" u="none">
+                <a:solidFill>
+                  <a:srgbClr val="000000"/>
+                </a:solidFill>
+                <a:effectLst/>
+                <a:uFillTx/>
+                <a:latin typeface="Arial"/>
+              </a:rPr>
+              <a:t>Fifth Outline Level</a:t>
+            </a:r>
+            <a:endParaRPr b="0" lang="en-US" sz="2000" strike="noStrike" u="none">
+              <a:solidFill>
+                <a:srgbClr val="000000"/>
+              </a:solidFill>
+              <a:effectLst/>
+              <a:uFillTx/>
+              <a:latin typeface="Arial"/>
+            </a:endParaRPr>
+          </a:p>
+          <a:p>
+            <a:pPr lvl="5" marL="2592000" indent="-216000">
+              <a:spcBef>
+                <a:spcPts val="283"/>
+              </a:spcBef>
+              <a:buClr>
+                <a:srgbClr val="000000"/>
+              </a:buClr>
+              <a:buSzPct val="45000"/>
+              <a:buFont typeface="Wingdings" charset="2"/>
+              <a:buChar char=""/>
+            </a:pPr>
+            <a:r>
+              <a:rPr b="0" lang="en-US" sz="2000" strike="noStrike" u="none">
+                <a:solidFill>
+                  <a:srgbClr val="000000"/>
+                </a:solidFill>
+                <a:effectLst/>
+                <a:uFillTx/>
+                <a:latin typeface="Arial"/>
+              </a:rPr>
+              <a:t>Sixth Outline Level</a:t>
+            </a:r>
+            <a:endParaRPr b="0" lang="en-US" sz="2000" strike="noStrike" u="none">
+              <a:solidFill>
+                <a:srgbClr val="000000"/>
+              </a:solidFill>
+              <a:effectLst/>
+              <a:uFillTx/>
+              <a:latin typeface="Arial"/>
+            </a:endParaRPr>
+          </a:p>
+          <a:p>
+            <a:pPr lvl="6" marL="3024000" indent="-216000">
+              <a:spcBef>
+                <a:spcPts val="283"/>
+              </a:spcBef>
+              <a:buClr>
+                <a:srgbClr val="000000"/>
+              </a:buClr>
+              <a:buSzPct val="45000"/>
+              <a:buFont typeface="Wingdings" charset="2"/>
+              <a:buChar char=""/>
+            </a:pPr>
+            <a:r>
+              <a:rPr b="0" lang="en-US" sz="2000" strike="noStrike" u="none">
+                <a:solidFill>
+                  <a:srgbClr val="000000"/>
+                </a:solidFill>
+                <a:effectLst/>
+                <a:uFillTx/>
+                <a:latin typeface="Arial"/>
+              </a:rPr>
+              <a:t>Seventh Outline Level</a:t>
+            </a:r>
+            <a:endParaRPr b="0" lang="en-US" sz="2000" strike="noStrike" u="none">
+              <a:solidFill>
+                <a:srgbClr val="000000"/>
+              </a:solidFill>
+              <a:effectLst/>
               <a:uFillTx/>
               <a:latin typeface="Arial"/>
             </a:endParaRPr>
@@ -1462,7 +2103,7 @@
 </p:sldLayout>
 </file>
 
-<file path=ppt/slideLayouts/slideLayout5.xml><?xml version="1.0" encoding="utf-8"?>
+<file path=ppt/slideLayouts/slideLayout6.xml><?xml version="1.0" encoding="utf-8"?>
 <p:sldLayout xmlns:a="http://schemas.openxmlformats.org/drawingml/2006/main" xmlns:p="http://schemas.openxmlformats.org/presentationml/2006/main" xmlns:r="http://schemas.openxmlformats.org/officeDocument/2006/relationships" xmlns:p14="http://schemas.microsoft.com/office/powerpoint/2010/main" xmlns:p15="http://schemas.microsoft.com/office/powerpoint/2012/main" xmlns:mc="http://schemas.openxmlformats.org/markup-compatibility/2006" type="blank" preserve="1">
   <p:cSld name="One column_no bulletpoints">
     <p:spTree>
@@ -1521,7 +2162,7 @@
         <p:spPr>
           <a:xfrm>
             <a:off x="8179560" y="171360"/>
-            <a:ext cx="3604320" cy="782280"/>
+            <a:ext cx="3603960" cy="781920"/>
           </a:xfrm>
           <a:prstGeom prst="rect">
             <a:avLst/>
@@ -1541,7 +2182,7 @@
         <p:spPr>
           <a:xfrm flipH="1">
             <a:off x="0" y="6811560"/>
-            <a:ext cx="12192840" cy="1080"/>
+            <a:ext cx="12193200" cy="1440"/>
           </a:xfrm>
           <a:prstGeom prst="straightConnector1">
             <a:avLst/>
@@ -1567,7 +2208,7 @@
         <p:spPr>
           <a:xfrm>
             <a:off x="194040" y="171360"/>
-            <a:ext cx="1884960" cy="1005480"/>
+            <a:ext cx="1884600" cy="1005120"/>
           </a:xfrm>
           <a:prstGeom prst="rect">
             <a:avLst/>
@@ -1624,7 +2265,7 @@
         <p:spPr>
           <a:xfrm>
             <a:off x="8179560" y="171360"/>
-            <a:ext cx="3604320" cy="782280"/>
+            <a:ext cx="3603960" cy="781920"/>
           </a:xfrm>
           <a:prstGeom prst="rect">
             <a:avLst/>
@@ -1644,7 +2285,7 @@
         <p:spPr>
           <a:xfrm flipH="1">
             <a:off x="0" y="6811560"/>
-            <a:ext cx="12192840" cy="1080"/>
+            <a:ext cx="12193200" cy="1440"/>
           </a:xfrm>
           <a:prstGeom prst="straightConnector1">
             <a:avLst/>
@@ -1670,7 +2311,7 @@
         <p:spPr>
           <a:xfrm>
             <a:off x="194040" y="171360"/>
-            <a:ext cx="1884960" cy="1005480"/>
+            <a:ext cx="1884600" cy="1005120"/>
           </a:xfrm>
           <a:prstGeom prst="rect">
             <a:avLst/>
@@ -1691,6 +2332,34 @@
 </file>
 
 <file path=ppt/slideMasters/slideMaster3.xml><?xml version="1.0" encoding="utf-8"?>
+<p:sldMaster xmlns:a="http://schemas.openxmlformats.org/drawingml/2006/main" xmlns:p="http://schemas.openxmlformats.org/presentationml/2006/main" xmlns:r="http://schemas.openxmlformats.org/officeDocument/2006/relationships" xmlns:p14="http://schemas.microsoft.com/office/powerpoint/2010/main" xmlns:p15="http://schemas.microsoft.com/office/powerpoint/2012/main" xmlns:mc="http://schemas.openxmlformats.org/markup-compatibility/2006">
+  <p:cSld>
+    <p:spTree>
+      <p:nvGrpSpPr>
+        <p:cNvPr id="1" name=""/>
+        <p:cNvGrpSpPr/>
+        <p:nvPr/>
+      </p:nvGrpSpPr>
+      <p:grpSpPr>
+        <a:xfrm>
+          <a:off x="0" y="0"/>
+          <a:ext cx="0" cy="0"/>
+          <a:chOff x="0" y="0"/>
+          <a:chExt cx="0" cy="0"/>
+        </a:xfrm>
+      </p:grpSpPr>
+    </p:spTree>
+  </p:cSld>
+  <p:clrMap bg1="lt1" tx1="dk1" bg2="lt2" tx2="dk2" accent1="accent1" accent2="accent2" accent3="accent3" accent4="accent4" accent5="accent5" accent6="accent6" hlink="hlink" folHlink="folHlink"/>
+  <p:sldLayoutIdLst>
+    <p:sldLayoutId id="2147483653" r:id="rId2"/>
+    <p:sldLayoutId id="2147483654" r:id="rId3"/>
+    <p:sldLayoutId id="2147483655" r:id="rId4"/>
+  </p:sldLayoutIdLst>
+</p:sldMaster>
+</file>
+
+<file path=ppt/slideMasters/slideMaster5.xml><?xml version="1.0" encoding="utf-8"?>
 <p:sldMaster xmlns:a="http://schemas.openxmlformats.org/drawingml/2006/main" xmlns:p="http://schemas.openxmlformats.org/presentationml/2006/main" xmlns:r="http://schemas.openxmlformats.org/officeDocument/2006/relationships" xmlns:p14="http://schemas.microsoft.com/office/powerpoint/2010/main" xmlns:p15="http://schemas.microsoft.com/office/powerpoint/2012/main" xmlns:mc="http://schemas.openxmlformats.org/markup-compatibility/2006">
   <p:cSld>
     <p:bg>
@@ -1716,7 +2385,7 @@
       </p:grpSpPr>
       <p:pic>
         <p:nvPicPr>
-          <p:cNvPr id="6" name="Picture 7" descr="A close up of a logo&#10;&#10;Description automatically generated"/>
+          <p:cNvPr id="19" name="Picture 24" descr="A picture containing light&#10;&#10;Description automatically generated"/>
           <p:cNvPicPr/>
           <p:nvPr/>
         </p:nvPicPr>
@@ -1726,8 +2395,8 @@
         </p:blipFill>
         <p:spPr>
           <a:xfrm>
-            <a:off x="8179560" y="171360"/>
-            <a:ext cx="3604320" cy="782280"/>
+            <a:off x="11541600" y="6271560"/>
+            <a:ext cx="504000" cy="476640"/>
           </a:xfrm>
           <a:prstGeom prst="rect">
             <a:avLst/>
@@ -1740,408 +2409,14 @@
       </p:pic>
       <p:cxnSp>
         <p:nvCxnSpPr>
-          <p:cNvPr id="7" name="Straight Connector 8"/>
-          <p:cNvCxnSpPr/>
-          <p:nvPr/>
-        </p:nvCxnSpPr>
-        <p:spPr>
-          <a:xfrm flipH="1">
-            <a:off x="0" y="6811560"/>
-            <a:ext cx="12192840" cy="1080"/>
-          </a:xfrm>
-          <a:prstGeom prst="straightConnector1">
-            <a:avLst/>
-          </a:prstGeom>
-          <a:ln w="101600">
-            <a:solidFill>
-              <a:srgbClr val="a7c947"/>
-            </a:solidFill>
-            <a:round/>
-          </a:ln>
-        </p:spPr>
-      </p:cxnSp>
-      <p:pic>
-        <p:nvPicPr>
-          <p:cNvPr id="8" name="Picture 9" descr=""/>
-          <p:cNvPicPr/>
-          <p:nvPr/>
-        </p:nvPicPr>
-        <p:blipFill>
-          <a:blip r:embed="rId3"/>
-          <a:stretch/>
-        </p:blipFill>
-        <p:spPr>
-          <a:xfrm>
-            <a:off x="194040" y="171360"/>
-            <a:ext cx="1884960" cy="1005480"/>
-          </a:xfrm>
-          <a:prstGeom prst="rect">
-            <a:avLst/>
-          </a:prstGeom>
-          <a:noFill/>
-          <a:ln w="0">
-            <a:noFill/>
-          </a:ln>
-        </p:spPr>
-      </p:pic>
-      <p:sp>
-        <p:nvSpPr>
-          <p:cNvPr id="9" name="PlaceHolder 1"/>
-          <p:cNvSpPr>
-            <a:spLocks noGrp="1"/>
-          </p:cNvSpPr>
-          <p:nvPr>
-            <p:ph type="title"/>
-          </p:nvPr>
-        </p:nvSpPr>
-        <p:spPr>
-          <a:xfrm>
-            <a:off x="1523880" y="1600200"/>
-            <a:ext cx="9142920" cy="1908720"/>
-          </a:xfrm>
-          <a:prstGeom prst="rect">
-            <a:avLst/>
-          </a:prstGeom>
-          <a:noFill/>
-          <a:ln w="0">
-            <a:noFill/>
-          </a:ln>
-        </p:spPr>
-        <p:txBody>
-          <a:bodyPr lIns="0" rIns="0" tIns="0" bIns="0" anchor="ctr">
-            <a:noAutofit/>
-          </a:bodyPr>
-          <a:p>
-            <a:pPr indent="0">
-              <a:buNone/>
-            </a:pPr>
-            <a:r>
-              <a:rPr b="0" lang="en-US" sz="1800" strike="noStrike" u="none">
-                <a:solidFill>
-                  <a:srgbClr val="000000"/>
-                </a:solidFill>
-                <a:uFillTx/>
-                <a:latin typeface="Arial"/>
-              </a:rPr>
-              <a:t>Click to edit the title text format</a:t>
-            </a:r>
-            <a:endParaRPr b="0" lang="en-US" sz="1800" strike="noStrike" u="none">
-              <a:solidFill>
-                <a:srgbClr val="000000"/>
-              </a:solidFill>
-              <a:uFillTx/>
-              <a:latin typeface="Arial"/>
-            </a:endParaRPr>
-          </a:p>
-        </p:txBody>
-      </p:sp>
-      <p:sp>
-        <p:nvSpPr>
-          <p:cNvPr id="10" name="PlaceHolder 2"/>
-          <p:cNvSpPr>
-            <a:spLocks noGrp="1"/>
-          </p:cNvSpPr>
-          <p:nvPr>
-            <p:ph type="body"/>
-          </p:nvPr>
-        </p:nvSpPr>
-        <p:spPr>
-          <a:xfrm>
-            <a:off x="609480" y="1604520"/>
-            <a:ext cx="10972440" cy="3977280"/>
-          </a:xfrm>
-          <a:prstGeom prst="rect">
-            <a:avLst/>
-          </a:prstGeom>
-          <a:noFill/>
-          <a:ln w="0">
-            <a:noFill/>
-          </a:ln>
-        </p:spPr>
-        <p:txBody>
-          <a:bodyPr lIns="0" rIns="0" tIns="0" bIns="0" anchor="t">
-            <a:normAutofit/>
-          </a:bodyPr>
-          <a:p>
-            <a:pPr marL="432000" indent="-324000">
-              <a:spcBef>
-                <a:spcPts val="1417"/>
-              </a:spcBef>
-              <a:buClr>
-                <a:srgbClr val="000000"/>
-              </a:buClr>
-              <a:buSzPct val="45000"/>
-              <a:buFont typeface="Wingdings" charset="2"/>
-              <a:buChar char=""/>
-            </a:pPr>
-            <a:r>
-              <a:rPr b="0" lang="en-US" sz="3200" strike="noStrike" u="none">
-                <a:solidFill>
-                  <a:srgbClr val="000000"/>
-                </a:solidFill>
-                <a:uFillTx/>
-                <a:latin typeface="Arial"/>
-              </a:rPr>
-              <a:t>Click to edit the outline text format</a:t>
-            </a:r>
-            <a:endParaRPr b="0" lang="en-US" sz="3200" strike="noStrike" u="none">
-              <a:solidFill>
-                <a:srgbClr val="000000"/>
-              </a:solidFill>
-              <a:uFillTx/>
-              <a:latin typeface="Arial"/>
-            </a:endParaRPr>
-          </a:p>
-          <a:p>
-            <a:pPr lvl="1" marL="864000" indent="-324000">
-              <a:spcBef>
-                <a:spcPts val="1134"/>
-              </a:spcBef>
-              <a:buClr>
-                <a:srgbClr val="000000"/>
-              </a:buClr>
-              <a:buSzPct val="75000"/>
-              <a:buFont typeface="Symbol" charset="2"/>
-              <a:buChar char=""/>
-            </a:pPr>
-            <a:r>
-              <a:rPr b="0" lang="en-US" sz="2800" strike="noStrike" u="none">
-                <a:solidFill>
-                  <a:srgbClr val="000000"/>
-                </a:solidFill>
-                <a:uFillTx/>
-                <a:latin typeface="Arial"/>
-              </a:rPr>
-              <a:t>Second Outline Level</a:t>
-            </a:r>
-            <a:endParaRPr b="0" lang="en-US" sz="2800" strike="noStrike" u="none">
-              <a:solidFill>
-                <a:srgbClr val="000000"/>
-              </a:solidFill>
-              <a:uFillTx/>
-              <a:latin typeface="Arial"/>
-            </a:endParaRPr>
-          </a:p>
-          <a:p>
-            <a:pPr lvl="2" marL="1296000" indent="-288000">
-              <a:spcBef>
-                <a:spcPts val="850"/>
-              </a:spcBef>
-              <a:buClr>
-                <a:srgbClr val="000000"/>
-              </a:buClr>
-              <a:buSzPct val="45000"/>
-              <a:buFont typeface="Wingdings" charset="2"/>
-              <a:buChar char=""/>
-            </a:pPr>
-            <a:r>
-              <a:rPr b="0" lang="en-US" sz="2400" strike="noStrike" u="none">
-                <a:solidFill>
-                  <a:srgbClr val="000000"/>
-                </a:solidFill>
-                <a:uFillTx/>
-                <a:latin typeface="Arial"/>
-              </a:rPr>
-              <a:t>Third Outline Level</a:t>
-            </a:r>
-            <a:endParaRPr b="0" lang="en-US" sz="2400" strike="noStrike" u="none">
-              <a:solidFill>
-                <a:srgbClr val="000000"/>
-              </a:solidFill>
-              <a:uFillTx/>
-              <a:latin typeface="Arial"/>
-            </a:endParaRPr>
-          </a:p>
-          <a:p>
-            <a:pPr lvl="3" marL="1728000" indent="-216000">
-              <a:spcBef>
-                <a:spcPts val="567"/>
-              </a:spcBef>
-              <a:buClr>
-                <a:srgbClr val="000000"/>
-              </a:buClr>
-              <a:buSzPct val="75000"/>
-              <a:buFont typeface="Symbol" charset="2"/>
-              <a:buChar char=""/>
-            </a:pPr>
-            <a:r>
-              <a:rPr b="0" lang="en-US" sz="2000" strike="noStrike" u="none">
-                <a:solidFill>
-                  <a:srgbClr val="000000"/>
-                </a:solidFill>
-                <a:uFillTx/>
-                <a:latin typeface="Arial"/>
-              </a:rPr>
-              <a:t>Fourth Outline Level</a:t>
-            </a:r>
-            <a:endParaRPr b="0" lang="en-US" sz="2000" strike="noStrike" u="none">
-              <a:solidFill>
-                <a:srgbClr val="000000"/>
-              </a:solidFill>
-              <a:uFillTx/>
-              <a:latin typeface="Arial"/>
-            </a:endParaRPr>
-          </a:p>
-          <a:p>
-            <a:pPr lvl="4" marL="2160000" indent="-216000">
-              <a:spcBef>
-                <a:spcPts val="283"/>
-              </a:spcBef>
-              <a:buClr>
-                <a:srgbClr val="000000"/>
-              </a:buClr>
-              <a:buSzPct val="45000"/>
-              <a:buFont typeface="Wingdings" charset="2"/>
-              <a:buChar char=""/>
-            </a:pPr>
-            <a:r>
-              <a:rPr b="0" lang="en-US" sz="2000" strike="noStrike" u="none">
-                <a:solidFill>
-                  <a:srgbClr val="000000"/>
-                </a:solidFill>
-                <a:uFillTx/>
-                <a:latin typeface="Arial"/>
-              </a:rPr>
-              <a:t>Fifth Outline Level</a:t>
-            </a:r>
-            <a:endParaRPr b="0" lang="en-US" sz="2000" strike="noStrike" u="none">
-              <a:solidFill>
-                <a:srgbClr val="000000"/>
-              </a:solidFill>
-              <a:uFillTx/>
-              <a:latin typeface="Arial"/>
-            </a:endParaRPr>
-          </a:p>
-          <a:p>
-            <a:pPr lvl="5" marL="2592000" indent="-216000">
-              <a:spcBef>
-                <a:spcPts val="283"/>
-              </a:spcBef>
-              <a:buClr>
-                <a:srgbClr val="000000"/>
-              </a:buClr>
-              <a:buSzPct val="45000"/>
-              <a:buFont typeface="Wingdings" charset="2"/>
-              <a:buChar char=""/>
-            </a:pPr>
-            <a:r>
-              <a:rPr b="0" lang="en-US" sz="2000" strike="noStrike" u="none">
-                <a:solidFill>
-                  <a:srgbClr val="000000"/>
-                </a:solidFill>
-                <a:uFillTx/>
-                <a:latin typeface="Arial"/>
-              </a:rPr>
-              <a:t>Sixth Outline Level</a:t>
-            </a:r>
-            <a:endParaRPr b="0" lang="en-US" sz="2000" strike="noStrike" u="none">
-              <a:solidFill>
-                <a:srgbClr val="000000"/>
-              </a:solidFill>
-              <a:uFillTx/>
-              <a:latin typeface="Arial"/>
-            </a:endParaRPr>
-          </a:p>
-          <a:p>
-            <a:pPr lvl="6" marL="3024000" indent="-216000">
-              <a:spcBef>
-                <a:spcPts val="283"/>
-              </a:spcBef>
-              <a:buClr>
-                <a:srgbClr val="000000"/>
-              </a:buClr>
-              <a:buSzPct val="45000"/>
-              <a:buFont typeface="Wingdings" charset="2"/>
-              <a:buChar char=""/>
-            </a:pPr>
-            <a:r>
-              <a:rPr b="0" lang="en-US" sz="2000" strike="noStrike" u="none">
-                <a:solidFill>
-                  <a:srgbClr val="000000"/>
-                </a:solidFill>
-                <a:uFillTx/>
-                <a:latin typeface="Arial"/>
-              </a:rPr>
-              <a:t>Seventh Outline Level</a:t>
-            </a:r>
-            <a:endParaRPr b="0" lang="en-US" sz="2000" strike="noStrike" u="none">
-              <a:solidFill>
-                <a:srgbClr val="000000"/>
-              </a:solidFill>
-              <a:uFillTx/>
-              <a:latin typeface="Arial"/>
-            </a:endParaRPr>
-          </a:p>
-        </p:txBody>
-      </p:sp>
-    </p:spTree>
-  </p:cSld>
-  <p:clrMap bg1="lt1" tx1="dk1" bg2="lt2" tx2="dk2" accent1="accent1" accent2="accent2" accent3="accent3" accent4="accent4" accent5="accent5" accent6="accent6" hlink="hlink" folHlink="folHlink"/>
-  <p:sldLayoutIdLst>
-    <p:sldLayoutId id="2147483653" r:id="rId4"/>
-    <p:sldLayoutId id="2147483654" r:id="rId5"/>
-  </p:sldLayoutIdLst>
-</p:sldMaster>
-</file>
-
-<file path=ppt/slideMasters/slideMaster4.xml><?xml version="1.0" encoding="utf-8"?>
-<p:sldMaster xmlns:a="http://schemas.openxmlformats.org/drawingml/2006/main" xmlns:p="http://schemas.openxmlformats.org/presentationml/2006/main" xmlns:r="http://schemas.openxmlformats.org/officeDocument/2006/relationships" xmlns:p14="http://schemas.microsoft.com/office/powerpoint/2010/main" xmlns:p15="http://schemas.microsoft.com/office/powerpoint/2012/main" xmlns:mc="http://schemas.openxmlformats.org/markup-compatibility/2006">
-  <p:cSld>
-    <p:bg>
-      <p:bgPr>
-        <a:solidFill>
-          <a:srgbClr val="ffffff"/>
-        </a:solidFill>
-      </p:bgPr>
-    </p:bg>
-    <p:spTree>
-      <p:nvGrpSpPr>
-        <p:cNvPr id="1" name=""/>
-        <p:cNvGrpSpPr/>
-        <p:nvPr/>
-      </p:nvGrpSpPr>
-      <p:grpSpPr>
-        <a:xfrm>
-          <a:off x="0" y="0"/>
-          <a:ext cx="0" cy="0"/>
-          <a:chOff x="0" y="0"/>
-          <a:chExt cx="0" cy="0"/>
-        </a:xfrm>
-      </p:grpSpPr>
-      <p:pic>
-        <p:nvPicPr>
-          <p:cNvPr id="13" name="Picture 24" descr="A picture containing light&#10;&#10;Description automatically generated"/>
-          <p:cNvPicPr/>
-          <p:nvPr/>
-        </p:nvPicPr>
-        <p:blipFill>
-          <a:blip r:embed="rId2"/>
-          <a:stretch/>
-        </p:blipFill>
-        <p:spPr>
-          <a:xfrm>
-            <a:off x="11541600" y="6271560"/>
-            <a:ext cx="504360" cy="477000"/>
-          </a:xfrm>
-          <a:prstGeom prst="rect">
-            <a:avLst/>
-          </a:prstGeom>
-          <a:noFill/>
-          <a:ln w="0">
-            <a:noFill/>
-          </a:ln>
-        </p:spPr>
-      </p:pic>
-      <p:cxnSp>
-        <p:nvCxnSpPr>
-          <p:cNvPr id="14" name="Straight Connector 25"/>
+          <p:cNvPr id="20" name="Straight Connector 25"/>
           <p:cNvCxnSpPr/>
           <p:nvPr/>
         </p:nvCxnSpPr>
         <p:spPr>
           <a:xfrm>
             <a:off x="430920" y="881640"/>
-            <a:ext cx="11330640" cy="1080"/>
+            <a:ext cx="11331000" cy="1440"/>
           </a:xfrm>
           <a:prstGeom prst="straightConnector1">
             <a:avLst/>
@@ -2156,7 +2431,7 @@
       </p:cxnSp>
       <p:pic>
         <p:nvPicPr>
-          <p:cNvPr id="15" name="Picture 8" descr=""/>
+          <p:cNvPr id="21" name="Picture 8" descr=""/>
           <p:cNvPicPr/>
           <p:nvPr/>
         </p:nvPicPr>
@@ -2167,7 +2442,7 @@
         <p:spPr>
           <a:xfrm>
             <a:off x="144720" y="6271560"/>
-            <a:ext cx="1295280" cy="477000"/>
+            <a:ext cx="1294920" cy="476640"/>
           </a:xfrm>
           <a:prstGeom prst="rect">
             <a:avLst/>
@@ -2180,7 +2455,7 @@
       </p:pic>
       <p:sp>
         <p:nvSpPr>
-          <p:cNvPr id="16" name="PlaceHolder 1"/>
+          <p:cNvPr id="22" name="PlaceHolder 1"/>
           <p:cNvSpPr>
             <a:spLocks noGrp="1"/>
           </p:cNvSpPr>
@@ -2214,15 +2489,94 @@
                 <a:solidFill>
                   <a:srgbClr val="000000"/>
                 </a:solidFill>
+                <a:effectLst/>
                 <a:uFillTx/>
                 <a:latin typeface="Arial"/>
               </a:rPr>
-              <a:t>Click to edit the title text format</a:t>
+              <a:t>Click </a:t>
+            </a:r>
+            <a:r>
+              <a:rPr b="0" lang="en-US" sz="4400" strike="noStrike" u="none">
+                <a:solidFill>
+                  <a:srgbClr val="000000"/>
+                </a:solidFill>
+                <a:effectLst/>
+                <a:uFillTx/>
+                <a:latin typeface="Arial"/>
+              </a:rPr>
+              <a:t>to </a:t>
+            </a:r>
+            <a:r>
+              <a:rPr b="0" lang="en-US" sz="4400" strike="noStrike" u="none">
+                <a:solidFill>
+                  <a:srgbClr val="000000"/>
+                </a:solidFill>
+                <a:effectLst/>
+                <a:uFillTx/>
+                <a:latin typeface="Arial"/>
+              </a:rPr>
+              <a:t>edit </a:t>
+            </a:r>
+            <a:r>
+              <a:rPr b="0" lang="en-US" sz="4400" strike="noStrike" u="none">
+                <a:solidFill>
+                  <a:srgbClr val="000000"/>
+                </a:solidFill>
+                <a:effectLst/>
+                <a:uFillTx/>
+                <a:latin typeface="Arial"/>
+              </a:rPr>
+              <a:t>the </a:t>
+            </a:r>
+            <a:r>
+              <a:rPr b="0" lang="en-US" sz="4400" strike="noStrike" u="none">
+                <a:solidFill>
+                  <a:srgbClr val="000000"/>
+                </a:solidFill>
+                <a:effectLst/>
+                <a:uFillTx/>
+                <a:latin typeface="Arial"/>
+              </a:rPr>
+              <a:t>title </a:t>
+            </a:r>
+            <a:r>
+              <a:rPr b="0" lang="en-US" sz="4400" strike="noStrike" u="none">
+                <a:solidFill>
+                  <a:srgbClr val="000000"/>
+                </a:solidFill>
+                <a:effectLst/>
+                <a:uFillTx/>
+                <a:latin typeface="Arial"/>
+              </a:rPr>
+              <a:t>text </a:t>
+            </a:r>
+            <a:r>
+              <a:rPr b="0" lang="en-US" sz="4400" strike="noStrike" u="none">
+                <a:solidFill>
+                  <a:srgbClr val="000000"/>
+                </a:solidFill>
+                <a:effectLst/>
+                <a:uFillTx/>
+                <a:latin typeface="Arial"/>
+              </a:rPr>
+              <a:t>form</a:t>
+            </a:r>
+            <a:r>
+              <a:rPr b="0" lang="en-US" sz="4400" strike="noStrike" u="none">
+                <a:solidFill>
+                  <a:srgbClr val="000000"/>
+                </a:solidFill>
+                <a:effectLst/>
+                <a:uFillTx/>
+                <a:latin typeface="Arial"/>
+              </a:rPr>
+              <a:t>at</a:t>
             </a:r>
             <a:endParaRPr b="0" lang="en-US" sz="4400" strike="noStrike" u="none">
               <a:solidFill>
                 <a:srgbClr val="000000"/>
               </a:solidFill>
+              <a:effectLst/>
               <a:uFillTx/>
               <a:latin typeface="Arial"/>
             </a:endParaRPr>
@@ -2231,7 +2585,7 @@
       </p:sp>
       <p:sp>
         <p:nvSpPr>
-          <p:cNvPr id="17" name="PlaceHolder 2"/>
+          <p:cNvPr id="23" name="PlaceHolder 2"/>
           <p:cNvSpPr>
             <a:spLocks noGrp="1"/>
           </p:cNvSpPr>
@@ -2273,6 +2627,7 @@
                 <a:solidFill>
                   <a:srgbClr val="000000"/>
                 </a:solidFill>
+                <a:effectLst/>
                 <a:uFillTx/>
                 <a:latin typeface="Arial"/>
               </a:rPr>
@@ -2282,6 +2637,7 @@
               <a:solidFill>
                 <a:srgbClr val="000000"/>
               </a:solidFill>
+              <a:effectLst/>
               <a:uFillTx/>
               <a:latin typeface="Arial"/>
             </a:endParaRPr>
@@ -2303,6 +2659,7 @@
                 <a:solidFill>
                   <a:srgbClr val="000000"/>
                 </a:solidFill>
+                <a:effectLst/>
                 <a:uFillTx/>
                 <a:latin typeface="Arial"/>
               </a:rPr>
@@ -2312,6 +2669,7 @@
               <a:solidFill>
                 <a:srgbClr val="000000"/>
               </a:solidFill>
+              <a:effectLst/>
               <a:uFillTx/>
               <a:latin typeface="Arial"/>
             </a:endParaRPr>
@@ -2333,6 +2691,7 @@
                 <a:solidFill>
                   <a:srgbClr val="000000"/>
                 </a:solidFill>
+                <a:effectLst/>
                 <a:uFillTx/>
                 <a:latin typeface="Arial"/>
               </a:rPr>
@@ -2342,6 +2701,7 @@
               <a:solidFill>
                 <a:srgbClr val="000000"/>
               </a:solidFill>
+              <a:effectLst/>
               <a:uFillTx/>
               <a:latin typeface="Arial"/>
             </a:endParaRPr>
@@ -2363,6 +2723,7 @@
                 <a:solidFill>
                   <a:srgbClr val="000000"/>
                 </a:solidFill>
+                <a:effectLst/>
                 <a:uFillTx/>
                 <a:latin typeface="Arial"/>
               </a:rPr>
@@ -2372,6 +2733,7 @@
               <a:solidFill>
                 <a:srgbClr val="000000"/>
               </a:solidFill>
+              <a:effectLst/>
               <a:uFillTx/>
               <a:latin typeface="Arial"/>
             </a:endParaRPr>
@@ -2393,6 +2755,7 @@
                 <a:solidFill>
                   <a:srgbClr val="000000"/>
                 </a:solidFill>
+                <a:effectLst/>
                 <a:uFillTx/>
                 <a:latin typeface="Arial"/>
               </a:rPr>
@@ -2402,6 +2765,7 @@
               <a:solidFill>
                 <a:srgbClr val="000000"/>
               </a:solidFill>
+              <a:effectLst/>
               <a:uFillTx/>
               <a:latin typeface="Arial"/>
             </a:endParaRPr>
@@ -2423,6 +2787,7 @@
                 <a:solidFill>
                   <a:srgbClr val="000000"/>
                 </a:solidFill>
+                <a:effectLst/>
                 <a:uFillTx/>
                 <a:latin typeface="Arial"/>
               </a:rPr>
@@ -2432,6 +2797,7 @@
               <a:solidFill>
                 <a:srgbClr val="000000"/>
               </a:solidFill>
+              <a:effectLst/>
               <a:uFillTx/>
               <a:latin typeface="Arial"/>
             </a:endParaRPr>
@@ -2453,6 +2819,7 @@
                 <a:solidFill>
                   <a:srgbClr val="000000"/>
                 </a:solidFill>
+                <a:effectLst/>
                 <a:uFillTx/>
                 <a:latin typeface="Arial"/>
               </a:rPr>
@@ -2462,6 +2829,7 @@
               <a:solidFill>
                 <a:srgbClr val="000000"/>
               </a:solidFill>
+              <a:effectLst/>
               <a:uFillTx/>
               <a:latin typeface="Arial"/>
             </a:endParaRPr>
@@ -2472,7 +2840,7 @@
   </p:cSld>
   <p:clrMap bg1="lt1" tx1="dk1" bg2="lt2" tx2="dk2" accent1="accent1" accent2="accent2" accent3="accent3" accent4="accent4" accent5="accent5" accent6="accent6" hlink="hlink" folHlink="folHlink"/>
   <p:sldLayoutIdLst>
-    <p:sldLayoutId id="2147483656" r:id="rId4"/>
+    <p:sldLayoutId id="2147483657" r:id="rId4"/>
   </p:sldLayoutIdLst>
 </p:sldMaster>
 </file>
@@ -2496,7 +2864,7 @@
       </p:grpSpPr>
       <p:sp>
         <p:nvSpPr>
-          <p:cNvPr id="24" name="PlaceHolder 1"/>
+          <p:cNvPr id="30" name="PlaceHolder 1"/>
           <p:cNvSpPr>
             <a:spLocks noGrp="1"/>
           </p:cNvSpPr>
@@ -2507,7 +2875,7 @@
         <p:spPr>
           <a:xfrm>
             <a:off x="1523880" y="1600200"/>
-            <a:ext cx="9142920" cy="1908720"/>
+            <a:ext cx="9142560" cy="1908360"/>
           </a:xfrm>
           <a:prstGeom prst="rect">
             <a:avLst/>
@@ -2538,6 +2906,7 @@
                     <a:lumMod val="10000"/>
                   </a:schemeClr>
                 </a:solidFill>
+                <a:effectLst/>
                 <a:uFillTx/>
                 <a:latin typeface="Arial"/>
               </a:rPr>
@@ -2547,6 +2916,7 @@
               <a:solidFill>
                 <a:srgbClr val="000000"/>
               </a:solidFill>
+              <a:effectLst/>
               <a:uFillTx/>
               <a:latin typeface="Arial"/>
             </a:endParaRPr>
@@ -2555,7 +2925,7 @@
       </p:sp>
       <p:sp>
         <p:nvSpPr>
-          <p:cNvPr id="25" name="PlaceHolder 2"/>
+          <p:cNvPr id="31" name="PlaceHolder 2"/>
           <p:cNvSpPr>
             <a:spLocks noGrp="1"/>
           </p:cNvSpPr>
@@ -2566,7 +2936,7 @@
         <p:spPr>
           <a:xfrm>
             <a:off x="1523880" y="3602160"/>
-            <a:ext cx="9142920" cy="1654560"/>
+            <a:ext cx="9142560" cy="1654200"/>
           </a:xfrm>
           <a:prstGeom prst="rect">
             <a:avLst/>
@@ -2588,6 +2958,7 @@
               <a:solidFill>
                 <a:srgbClr val="000000"/>
               </a:solidFill>
+              <a:effectLst/>
               <a:uFillTx/>
               <a:latin typeface="Arial"/>
             </a:endParaRPr>
@@ -2626,7 +2997,7 @@
       </p:grpSpPr>
       <p:sp>
         <p:nvSpPr>
-          <p:cNvPr id="26" name="PlaceHolder 1"/>
+          <p:cNvPr id="32" name="PlaceHolder 1"/>
           <p:cNvSpPr>
             <a:spLocks noGrp="1"/>
           </p:cNvSpPr>
@@ -2637,7 +3008,7 @@
         <p:spPr>
           <a:xfrm>
             <a:off x="431280" y="321480"/>
-            <a:ext cx="11328480" cy="544680"/>
+            <a:ext cx="11328120" cy="544320"/>
           </a:xfrm>
           <a:prstGeom prst="rect">
             <a:avLst/>
@@ -2668,6 +3039,7 @@
                     <a:lumMod val="10000"/>
                   </a:schemeClr>
                 </a:solidFill>
+                <a:effectLst/>
                 <a:uFillTx/>
                 <a:latin typeface="Arial"/>
               </a:rPr>
@@ -2677,6 +3049,7 @@
               <a:solidFill>
                 <a:srgbClr val="000000"/>
               </a:solidFill>
+              <a:effectLst/>
               <a:uFillTx/>
               <a:latin typeface="Arial"/>
             </a:endParaRPr>
@@ -2685,21 +3058,21 @@
       </p:sp>
       <p:grpSp>
         <p:nvGrpSpPr>
-          <p:cNvPr id="27" name="Group 13"/>
+          <p:cNvPr id="33" name="Group 13"/>
           <p:cNvGrpSpPr/>
           <p:nvPr/>
         </p:nvGrpSpPr>
         <p:grpSpPr>
           <a:xfrm>
             <a:off x="1176120" y="1154520"/>
-            <a:ext cx="3188520" cy="4710240"/>
+            <a:ext cx="3188160" cy="4709880"/>
             <a:chOff x="1176120" y="1154520"/>
-            <a:chExt cx="3188520" cy="4710240"/>
+            <a:chExt cx="3188160" cy="4709880"/>
           </a:xfrm>
         </p:grpSpPr>
         <p:pic>
           <p:nvPicPr>
-            <p:cNvPr id="28" name="Picture 4" descr=""/>
+            <p:cNvPr id="34" name="Picture 4" descr=""/>
             <p:cNvPicPr/>
             <p:nvPr/>
           </p:nvPicPr>
@@ -2710,7 +3083,7 @@
           <p:spPr>
             <a:xfrm>
               <a:off x="1176120" y="1523880"/>
-              <a:ext cx="3188520" cy="4340880"/>
+              <a:ext cx="3188160" cy="4340520"/>
             </a:xfrm>
             <a:prstGeom prst="rect">
               <a:avLst/>
@@ -2723,14 +3096,14 @@
         </p:pic>
         <p:sp>
           <p:nvSpPr>
-            <p:cNvPr id="29" name="TextBox 11"/>
+            <p:cNvPr id="35" name="TextBox 11"/>
             <p:cNvSpPr/>
             <p:nvPr/>
           </p:nvSpPr>
           <p:spPr>
             <a:xfrm>
               <a:off x="1230120" y="1154520"/>
-              <a:ext cx="2315160" cy="363960"/>
+              <a:ext cx="2314800" cy="363960"/>
             </a:xfrm>
             <a:prstGeom prst="rect">
               <a:avLst/>
@@ -2761,6 +3134,7 @@
                   <a:solidFill>
                     <a:schemeClr val="dk1"/>
                   </a:solidFill>
+                  <a:effectLst/>
                   <a:uFillTx/>
                   <a:latin typeface="Arial"/>
                 </a:rPr>
@@ -2770,6 +3144,7 @@
                 <a:solidFill>
                   <a:srgbClr val="000000"/>
                 </a:solidFill>
+                <a:effectLst/>
                 <a:uFillTx/>
                 <a:latin typeface="Arial"/>
               </a:endParaRPr>
@@ -2779,14 +3154,14 @@
       </p:grpSp>
       <p:sp>
         <p:nvSpPr>
-          <p:cNvPr id="30" name="Rectangle 10"/>
+          <p:cNvPr id="36" name="Rectangle 10"/>
           <p:cNvSpPr/>
           <p:nvPr/>
         </p:nvSpPr>
         <p:spPr>
           <a:xfrm>
             <a:off x="1218600" y="5397480"/>
-            <a:ext cx="3093480" cy="384840"/>
+            <a:ext cx="3093120" cy="384480"/>
           </a:xfrm>
           <a:prstGeom prst="rect">
             <a:avLst/>
@@ -2827,6 +3202,7 @@
               <a:solidFill>
                 <a:schemeClr val="lt1"/>
               </a:solidFill>
+              <a:effectLst/>
               <a:uFillTx/>
               <a:latin typeface="Calibri"/>
             </a:endParaRPr>
@@ -2835,7 +3211,7 @@
       </p:sp>
       <p:sp>
         <p:nvSpPr>
-          <p:cNvPr id="31" name="PlaceHolder 2"/>
+          <p:cNvPr id="37" name="PlaceHolder 2"/>
           <p:cNvSpPr>
             <a:spLocks noGrp="1"/>
           </p:cNvSpPr>
@@ -2846,7 +3222,7 @@
         <p:spPr>
           <a:xfrm>
             <a:off x="6729120" y="4221720"/>
-            <a:ext cx="1746000" cy="1643040"/>
+            <a:ext cx="1745640" cy="1642680"/>
           </a:xfrm>
           <a:prstGeom prst="rect">
             <a:avLst/>
@@ -2878,6 +3254,7 @@
                 <a:solidFill>
                   <a:schemeClr val="lt1"/>
                 </a:solidFill>
+                <a:effectLst/>
                 <a:uFillTx/>
                 <a:latin typeface="Arial"/>
               </a:rPr>
@@ -2887,6 +3264,7 @@
               <a:solidFill>
                 <a:srgbClr val="000000"/>
               </a:solidFill>
+              <a:effectLst/>
               <a:uFillTx/>
               <a:latin typeface="Arial"/>
             </a:endParaRPr>
@@ -2908,6 +3286,7 @@
               <a:solidFill>
                 <a:srgbClr val="000000"/>
               </a:solidFill>
+              <a:effectLst/>
               <a:uFillTx/>
               <a:latin typeface="Arial"/>
             </a:endParaRPr>
@@ -2916,14 +3295,14 @@
       </p:sp>
       <p:sp>
         <p:nvSpPr>
-          <p:cNvPr id="32" name="Rectangle 10"/>
+          <p:cNvPr id="38" name="Rectangle 10"/>
           <p:cNvSpPr/>
           <p:nvPr/>
         </p:nvSpPr>
         <p:spPr>
           <a:xfrm>
             <a:off x="1218600" y="1561320"/>
-            <a:ext cx="3093480" cy="384840"/>
+            <a:ext cx="3093120" cy="384480"/>
           </a:xfrm>
           <a:prstGeom prst="rect">
             <a:avLst/>
@@ -2964,6 +3343,7 @@
               <a:solidFill>
                 <a:schemeClr val="lt1"/>
               </a:solidFill>
+              <a:effectLst/>
               <a:uFillTx/>
               <a:latin typeface="Calibri"/>
             </a:endParaRPr>
@@ -2972,14 +3352,14 @@
       </p:sp>
       <p:sp>
         <p:nvSpPr>
-          <p:cNvPr id="33" name="Rektangel 6"/>
+          <p:cNvPr id="39" name="Rektangel 6"/>
           <p:cNvSpPr/>
           <p:nvPr/>
         </p:nvSpPr>
         <p:spPr>
           <a:xfrm>
             <a:off x="11408040" y="6074280"/>
-            <a:ext cx="750240" cy="761040"/>
+            <a:ext cx="749880" cy="760680"/>
           </a:xfrm>
           <a:prstGeom prst="rect">
             <a:avLst/>
@@ -3021,6 +3401,7 @@
               <a:solidFill>
                 <a:schemeClr val="lt1"/>
               </a:solidFill>
+              <a:effectLst/>
               <a:uFillTx/>
               <a:latin typeface="Calibri"/>
             </a:endParaRPr>
@@ -3029,7 +3410,7 @@
       </p:sp>
       <p:pic>
         <p:nvPicPr>
-          <p:cNvPr id="34" name="Bild 3" descr=""/>
+          <p:cNvPr id="40" name="Bild 3" descr=""/>
           <p:cNvPicPr/>
           <p:nvPr/>
         </p:nvPicPr>
@@ -3046,7 +3427,7 @@
         <p:spPr>
           <a:xfrm>
             <a:off x="10055160" y="6172200"/>
-            <a:ext cx="2027880" cy="646200"/>
+            <a:ext cx="2027520" cy="645840"/>
           </a:xfrm>
           <a:prstGeom prst="rect">
             <a:avLst/>
@@ -3059,7 +3440,7 @@
       </p:pic>
       <p:pic>
         <p:nvPicPr>
-          <p:cNvPr id="35" name="Google Shape;32;p2" descr=""/>
+          <p:cNvPr id="41" name="Google Shape;32;p2" descr=""/>
           <p:cNvPicPr/>
           <p:nvPr/>
         </p:nvPicPr>
@@ -3070,7 +3451,7 @@
         <p:spPr>
           <a:xfrm>
             <a:off x="4673160" y="1531080"/>
-            <a:ext cx="4310640" cy="2572200"/>
+            <a:ext cx="4310280" cy="2571840"/>
           </a:xfrm>
           <a:prstGeom prst="rect">
             <a:avLst/>
@@ -3083,7 +3464,7 @@
       </p:pic>
       <p:pic>
         <p:nvPicPr>
-          <p:cNvPr id="36" name="Google Shape;33;p2" descr="A group of people standing outside a building&#10;&#10;Description automatically generated with medium confidence"/>
+          <p:cNvPr id="42" name="Google Shape;33;p2" descr="A group of people standing outside a building&#10;&#10;Description automatically generated with medium confidence"/>
           <p:cNvPicPr/>
           <p:nvPr/>
         </p:nvPicPr>
@@ -3093,8 +3474,8 @@
         </p:blipFill>
         <p:spPr>
           <a:xfrm>
-            <a:off x="0" y="-3043440"/>
-            <a:ext cx="6172200" cy="2631240"/>
+            <a:off x="457560" y="-2971800"/>
+            <a:ext cx="6171840" cy="2630880"/>
           </a:xfrm>
           <a:prstGeom prst="rect">
             <a:avLst/>
@@ -3107,14 +3488,14 @@
       </p:pic>
       <p:sp>
         <p:nvSpPr>
-          <p:cNvPr id="37" name="Google Shape;34;p2"/>
+          <p:cNvPr id="43" name="Google Shape;34;p2"/>
           <p:cNvSpPr/>
           <p:nvPr/>
         </p:nvSpPr>
         <p:spPr>
           <a:xfrm>
             <a:off x="6533280" y="3769560"/>
-            <a:ext cx="2179800" cy="2129400"/>
+            <a:ext cx="2179440" cy="2129040"/>
           </a:xfrm>
           <a:prstGeom prst="ellipse">
             <a:avLst/>
@@ -3146,6 +3527,7 @@
               <a:solidFill>
                 <a:schemeClr val="lt1"/>
               </a:solidFill>
+              <a:effectLst/>
               <a:uFillTx/>
               <a:latin typeface="Calibri"/>
               <a:ea typeface="Calibri"/>
@@ -3155,35 +3537,35 @@
       </p:sp>
       <p:grpSp>
         <p:nvGrpSpPr>
-          <p:cNvPr id="38" name="Google Shape;36;p2"/>
+          <p:cNvPr id="44" name="Google Shape;36;p2"/>
           <p:cNvGrpSpPr/>
           <p:nvPr/>
         </p:nvGrpSpPr>
         <p:grpSpPr>
           <a:xfrm>
             <a:off x="9218880" y="2005560"/>
-            <a:ext cx="2240640" cy="3859200"/>
+            <a:ext cx="2240280" cy="3858840"/>
             <a:chOff x="9218880" y="2005560"/>
-            <a:chExt cx="2240640" cy="3859200"/>
+            <a:chExt cx="2240280" cy="3858840"/>
           </a:xfrm>
         </p:grpSpPr>
         <p:grpSp>
           <p:nvGrpSpPr>
-            <p:cNvPr id="39" name="Google Shape;37;p2"/>
+            <p:cNvPr id="45" name="Google Shape;37;p2"/>
             <p:cNvGrpSpPr/>
             <p:nvPr/>
           </p:nvGrpSpPr>
           <p:grpSpPr>
             <a:xfrm>
               <a:off x="9569520" y="2005560"/>
-              <a:ext cx="1890000" cy="3859200"/>
+              <a:ext cx="1889640" cy="3858840"/>
               <a:chOff x="9569520" y="2005560"/>
-              <a:chExt cx="1890000" cy="3859200"/>
+              <a:chExt cx="1889640" cy="3858840"/>
             </a:xfrm>
           </p:grpSpPr>
           <p:pic>
             <p:nvPicPr>
-              <p:cNvPr id="40" name="Google Shape;38;p2" descr=""/>
+              <p:cNvPr id="46" name="Google Shape;38;p2" descr=""/>
               <p:cNvPicPr/>
               <p:nvPr/>
             </p:nvPicPr>
@@ -3191,13 +3573,13 @@
               <a:blip r:embed="rId6">
                 <a:alphaModFix amt="70000"/>
               </a:blip>
-              <a:srcRect l="33340" t="0" r="32923" b="0"/>
+              <a:srcRect l="33335" t="0" r="32920" b="0"/>
               <a:stretch/>
             </p:blipFill>
             <p:spPr>
               <a:xfrm>
                 <a:off x="9569520" y="2005560"/>
-                <a:ext cx="1890000" cy="3859200"/>
+                <a:ext cx="1889640" cy="3858840"/>
               </a:xfrm>
               <a:prstGeom prst="rect">
                 <a:avLst/>
@@ -3210,14 +3592,14 @@
           </p:pic>
           <p:sp>
             <p:nvSpPr>
-              <p:cNvPr id="41" name="Google Shape;39;p2"/>
+              <p:cNvPr id="47" name="Google Shape;39;p2"/>
               <p:cNvSpPr/>
               <p:nvPr/>
             </p:nvSpPr>
             <p:spPr>
               <a:xfrm>
                 <a:off x="9912600" y="5574600"/>
-                <a:ext cx="59040" cy="54000"/>
+                <a:ext cx="58680" cy="53640"/>
               </a:xfrm>
               <a:prstGeom prst="ellipse">
                 <a:avLst/>
@@ -3252,6 +3634,7 @@
                   <a:solidFill>
                     <a:schemeClr val="lt1"/>
                   </a:solidFill>
+                  <a:effectLst/>
                   <a:uFillTx/>
                   <a:latin typeface="Calibri"/>
                   <a:ea typeface="Calibri"/>
@@ -3261,14 +3644,14 @@
           </p:sp>
           <p:sp>
             <p:nvSpPr>
-              <p:cNvPr id="42" name="Google Shape;40;p2"/>
+              <p:cNvPr id="48" name="Google Shape;40;p2"/>
               <p:cNvSpPr/>
               <p:nvPr/>
             </p:nvSpPr>
             <p:spPr>
               <a:xfrm>
                 <a:off x="9763200" y="5167440"/>
-                <a:ext cx="59040" cy="54000"/>
+                <a:ext cx="58680" cy="53640"/>
               </a:xfrm>
               <a:prstGeom prst="ellipse">
                 <a:avLst/>
@@ -3303,6 +3686,7 @@
                   <a:solidFill>
                     <a:schemeClr val="lt1"/>
                   </a:solidFill>
+                  <a:effectLst/>
                   <a:uFillTx/>
                   <a:latin typeface="Calibri"/>
                   <a:ea typeface="Calibri"/>
@@ -3312,14 +3696,14 @@
           </p:sp>
           <p:sp>
             <p:nvSpPr>
-              <p:cNvPr id="43" name="Google Shape;41;p2"/>
+              <p:cNvPr id="49" name="Google Shape;41;p2"/>
               <p:cNvSpPr/>
               <p:nvPr/>
             </p:nvSpPr>
             <p:spPr>
               <a:xfrm>
                 <a:off x="10467720" y="4689720"/>
-                <a:ext cx="59040" cy="54000"/>
+                <a:ext cx="58680" cy="53640"/>
               </a:xfrm>
               <a:prstGeom prst="ellipse">
                 <a:avLst/>
@@ -3354,6 +3738,7 @@
                   <a:solidFill>
                     <a:schemeClr val="lt1"/>
                   </a:solidFill>
+                  <a:effectLst/>
                   <a:uFillTx/>
                   <a:latin typeface="Calibri"/>
                   <a:ea typeface="Calibri"/>
@@ -3363,14 +3748,14 @@
           </p:sp>
           <p:sp>
             <p:nvSpPr>
-              <p:cNvPr id="44" name="Google Shape;42;p2"/>
+              <p:cNvPr id="50" name="Google Shape;42;p2"/>
               <p:cNvSpPr/>
               <p:nvPr/>
             </p:nvSpPr>
             <p:spPr>
               <a:xfrm>
                 <a:off x="10519200" y="4775400"/>
-                <a:ext cx="59040" cy="54000"/>
+                <a:ext cx="58680" cy="53640"/>
               </a:xfrm>
               <a:prstGeom prst="ellipse">
                 <a:avLst/>
@@ -3405,6 +3790,7 @@
                   <a:solidFill>
                     <a:schemeClr val="lt1"/>
                   </a:solidFill>
+                  <a:effectLst/>
                   <a:uFillTx/>
                   <a:latin typeface="Calibri"/>
                   <a:ea typeface="Calibri"/>
@@ -3414,14 +3800,14 @@
           </p:sp>
           <p:sp>
             <p:nvSpPr>
-              <p:cNvPr id="45" name="Google Shape;43;p2"/>
+              <p:cNvPr id="51" name="Google Shape;43;p2"/>
               <p:cNvSpPr/>
               <p:nvPr/>
             </p:nvSpPr>
             <p:spPr>
               <a:xfrm>
                 <a:off x="10227960" y="4974840"/>
-                <a:ext cx="59040" cy="54000"/>
+                <a:ext cx="58680" cy="53640"/>
               </a:xfrm>
               <a:prstGeom prst="ellipse">
                 <a:avLst/>
@@ -3456,6 +3842,7 @@
                   <a:solidFill>
                     <a:schemeClr val="lt1"/>
                   </a:solidFill>
+                  <a:effectLst/>
                   <a:uFillTx/>
                   <a:latin typeface="Calibri"/>
                   <a:ea typeface="Calibri"/>
@@ -3465,14 +3852,14 @@
           </p:sp>
           <p:sp>
             <p:nvSpPr>
-              <p:cNvPr id="46" name="Google Shape;44;p2"/>
+              <p:cNvPr id="52" name="Google Shape;44;p2"/>
               <p:cNvSpPr/>
               <p:nvPr/>
             </p:nvSpPr>
             <p:spPr>
               <a:xfrm>
                 <a:off x="10816920" y="3651480"/>
-                <a:ext cx="59040" cy="54000"/>
+                <a:ext cx="58680" cy="53640"/>
               </a:xfrm>
               <a:prstGeom prst="ellipse">
                 <a:avLst/>
@@ -3507,6 +3894,7 @@
                   <a:solidFill>
                     <a:schemeClr val="lt1"/>
                   </a:solidFill>
+                  <a:effectLst/>
                   <a:uFillTx/>
                   <a:latin typeface="Calibri"/>
                   <a:ea typeface="Calibri"/>
@@ -3517,14 +3905,14 @@
         </p:grpSp>
         <p:sp>
           <p:nvSpPr>
-            <p:cNvPr id="47" name="Google Shape;45;p2"/>
+            <p:cNvPr id="53" name="Google Shape;45;p2"/>
             <p:cNvSpPr/>
             <p:nvPr/>
           </p:nvSpPr>
           <p:spPr>
             <a:xfrm>
               <a:off x="10793160" y="3549600"/>
-              <a:ext cx="507960" cy="191520"/>
+              <a:ext cx="507600" cy="191520"/>
             </a:xfrm>
             <a:prstGeom prst="rect">
               <a:avLst/>
@@ -3555,6 +3943,7 @@
                   <a:solidFill>
                     <a:schemeClr val="dk1"/>
                   </a:solidFill>
+                  <a:effectLst/>
                   <a:uFillTx/>
                   <a:latin typeface="Arial"/>
                   <a:ea typeface="Arial"/>
@@ -3565,6 +3954,7 @@
                 <a:solidFill>
                   <a:srgbClr val="000000"/>
                 </a:solidFill>
+                <a:effectLst/>
                 <a:uFillTx/>
                 <a:latin typeface="Arial"/>
               </a:endParaRPr>
@@ -3573,14 +3963,14 @@
         </p:sp>
         <p:sp>
           <p:nvSpPr>
-            <p:cNvPr id="48" name="Google Shape;46;p2"/>
+            <p:cNvPr id="54" name="Google Shape;46;p2"/>
             <p:cNvSpPr/>
             <p:nvPr/>
           </p:nvSpPr>
           <p:spPr>
             <a:xfrm>
               <a:off x="10478520" y="4739760"/>
-              <a:ext cx="676080" cy="191520"/>
+              <a:ext cx="675720" cy="191520"/>
             </a:xfrm>
             <a:prstGeom prst="rect">
               <a:avLst/>
@@ -3611,6 +4001,7 @@
                   <a:solidFill>
                     <a:schemeClr val="dk1"/>
                   </a:solidFill>
+                  <a:effectLst/>
                   <a:uFillTx/>
                   <a:latin typeface="Arial"/>
                   <a:ea typeface="Arial"/>
@@ -3621,6 +4012,7 @@
                 <a:solidFill>
                   <a:srgbClr val="000000"/>
                 </a:solidFill>
+                <a:effectLst/>
                 <a:uFillTx/>
                 <a:latin typeface="Arial"/>
               </a:endParaRPr>
@@ -3629,14 +4021,14 @@
         </p:sp>
         <p:sp>
           <p:nvSpPr>
-            <p:cNvPr id="49" name="Google Shape;47;p2"/>
+            <p:cNvPr id="55" name="Google Shape;47;p2"/>
             <p:cNvSpPr/>
             <p:nvPr/>
           </p:nvSpPr>
           <p:spPr>
             <a:xfrm>
               <a:off x="10542600" y="4472280"/>
-              <a:ext cx="510480" cy="191520"/>
+              <a:ext cx="510120" cy="191520"/>
             </a:xfrm>
             <a:prstGeom prst="rect">
               <a:avLst/>
@@ -3667,6 +4059,7 @@
                   <a:solidFill>
                     <a:schemeClr val="dk1"/>
                   </a:solidFill>
+                  <a:effectLst/>
                   <a:uFillTx/>
                   <a:latin typeface="Arial"/>
                   <a:ea typeface="Arial"/>
@@ -3677,6 +4070,7 @@
                 <a:solidFill>
                   <a:srgbClr val="000000"/>
                 </a:solidFill>
+                <a:effectLst/>
                 <a:uFillTx/>
                 <a:latin typeface="Arial"/>
               </a:endParaRPr>
@@ -3685,14 +4079,14 @@
         </p:sp>
         <p:sp>
           <p:nvSpPr>
-            <p:cNvPr id="50" name="Google Shape;48;p2"/>
+            <p:cNvPr id="56" name="Google Shape;48;p2"/>
             <p:cNvSpPr/>
             <p:nvPr/>
           </p:nvSpPr>
           <p:spPr>
             <a:xfrm>
               <a:off x="10334880" y="4908960"/>
-              <a:ext cx="565200" cy="191520"/>
+              <a:ext cx="564840" cy="191520"/>
             </a:xfrm>
             <a:prstGeom prst="rect">
               <a:avLst/>
@@ -3723,6 +4117,7 @@
                   <a:solidFill>
                     <a:schemeClr val="dk1"/>
                   </a:solidFill>
+                  <a:effectLst/>
                   <a:uFillTx/>
                   <a:latin typeface="Arial"/>
                   <a:ea typeface="Arial"/>
@@ -3733,6 +4128,7 @@
                 <a:solidFill>
                   <a:srgbClr val="000000"/>
                 </a:solidFill>
+                <a:effectLst/>
                 <a:uFillTx/>
                 <a:latin typeface="Arial"/>
               </a:endParaRPr>
@@ -3741,14 +4137,14 @@
         </p:sp>
         <p:sp>
           <p:nvSpPr>
-            <p:cNvPr id="51" name="Google Shape;49;p2"/>
+            <p:cNvPr id="57" name="Google Shape;49;p2"/>
             <p:cNvSpPr/>
             <p:nvPr/>
           </p:nvSpPr>
           <p:spPr>
             <a:xfrm>
               <a:off x="9218880" y="5015880"/>
-              <a:ext cx="558720" cy="191520"/>
+              <a:ext cx="558360" cy="191520"/>
             </a:xfrm>
             <a:prstGeom prst="rect">
               <a:avLst/>
@@ -3779,6 +4175,7 @@
                   <a:solidFill>
                     <a:schemeClr val="dk1"/>
                   </a:solidFill>
+                  <a:effectLst/>
                   <a:uFillTx/>
                   <a:latin typeface="Arial"/>
                   <a:ea typeface="Arial"/>
@@ -3789,6 +4186,7 @@
                 <a:solidFill>
                   <a:srgbClr val="000000"/>
                 </a:solidFill>
+                <a:effectLst/>
                 <a:uFillTx/>
                 <a:latin typeface="Arial"/>
               </a:endParaRPr>
@@ -3797,14 +4195,14 @@
         </p:sp>
         <p:sp>
           <p:nvSpPr>
-            <p:cNvPr id="52" name="Google Shape;50;p2"/>
+            <p:cNvPr id="58" name="Google Shape;50;p2"/>
             <p:cNvSpPr/>
             <p:nvPr/>
           </p:nvSpPr>
           <p:spPr>
             <a:xfrm>
               <a:off x="9572040" y="5571000"/>
-              <a:ext cx="382320" cy="191520"/>
+              <a:ext cx="381960" cy="191520"/>
             </a:xfrm>
             <a:prstGeom prst="rect">
               <a:avLst/>
@@ -3835,6 +4233,7 @@
                   <a:solidFill>
                     <a:schemeClr val="dk1"/>
                   </a:solidFill>
+                  <a:effectLst/>
                   <a:uFillTx/>
                   <a:latin typeface="Arial"/>
                   <a:ea typeface="Arial"/>
@@ -3845,6 +4244,7 @@
                 <a:solidFill>
                   <a:srgbClr val="000000"/>
                 </a:solidFill>
+                <a:effectLst/>
                 <a:uFillTx/>
                 <a:latin typeface="Arial"/>
               </a:endParaRPr>
@@ -3854,14 +4254,14 @@
       </p:grpSp>
       <p:sp>
         <p:nvSpPr>
-          <p:cNvPr id="53" name="Google Shape;51;p2"/>
+          <p:cNvPr id="59" name="Google Shape;51;p2"/>
           <p:cNvSpPr/>
           <p:nvPr/>
         </p:nvSpPr>
         <p:spPr>
           <a:xfrm>
             <a:off x="6729120" y="4221720"/>
-            <a:ext cx="1746000" cy="1643040"/>
+            <a:ext cx="1745640" cy="1642680"/>
           </a:xfrm>
           <a:prstGeom prst="rect">
             <a:avLst/>
@@ -3895,6 +4295,7 @@
                 <a:solidFill>
                   <a:schemeClr val="lt1"/>
                 </a:solidFill>
+                <a:effectLst/>
                 <a:uFillTx/>
                 <a:latin typeface="Arial"/>
               </a:rPr>
@@ -3904,6 +4305,7 @@
               <a:solidFill>
                 <a:srgbClr val="000000"/>
               </a:solidFill>
+              <a:effectLst/>
               <a:uFillTx/>
               <a:latin typeface="Arial"/>
             </a:endParaRPr>
@@ -3924,6 +4326,7 @@
               <a:solidFill>
                 <a:srgbClr val="000000"/>
               </a:solidFill>
+              <a:effectLst/>
               <a:uFillTx/>
               <a:latin typeface="Arial"/>
             </a:endParaRPr>
@@ -3932,14 +4335,14 @@
       </p:sp>
       <p:cxnSp>
         <p:nvCxnSpPr>
-          <p:cNvPr id="54" name="Google Shape;52;p2"/>
+          <p:cNvPr id="60" name="Google Shape;52;p2"/>
           <p:cNvCxnSpPr/>
           <p:nvPr/>
         </p:nvCxnSpPr>
         <p:spPr>
           <a:xfrm flipV="1">
             <a:off x="8400240" y="3723840"/>
-            <a:ext cx="2309760" cy="680760"/>
+            <a:ext cx="2310120" cy="681120"/>
           </a:xfrm>
           <a:prstGeom prst="straightConnector1">
             <a:avLst/>
@@ -3955,14 +4358,14 @@
       </p:cxnSp>
       <p:cxnSp>
         <p:nvCxnSpPr>
-          <p:cNvPr id="55" name="Google Shape;53;p2"/>
+          <p:cNvPr id="61" name="Google Shape;53;p2"/>
           <p:cNvCxnSpPr/>
           <p:nvPr/>
         </p:nvCxnSpPr>
         <p:spPr>
           <a:xfrm>
             <a:off x="8397720" y="5234400"/>
-            <a:ext cx="1486080" cy="369000"/>
+            <a:ext cx="1486440" cy="369360"/>
           </a:xfrm>
           <a:prstGeom prst="straightConnector1">
             <a:avLst/>
@@ -3978,14 +4381,14 @@
       </p:cxnSp>
       <p:cxnSp>
         <p:nvCxnSpPr>
-          <p:cNvPr id="56" name="Google Shape;54;p2"/>
+          <p:cNvPr id="62" name="Google Shape;54;p2"/>
           <p:cNvCxnSpPr/>
           <p:nvPr/>
         </p:nvCxnSpPr>
         <p:spPr>
           <a:xfrm>
             <a:off x="8544240" y="4709880"/>
-            <a:ext cx="1838520" cy="23400"/>
+            <a:ext cx="1838880" cy="23760"/>
           </a:xfrm>
           <a:prstGeom prst="straightConnector1">
             <a:avLst/>
@@ -4001,14 +4404,14 @@
       </p:cxnSp>
       <p:cxnSp>
         <p:nvCxnSpPr>
-          <p:cNvPr id="57" name="Google Shape;55;p2"/>
+          <p:cNvPr id="63" name="Google Shape;55;p2"/>
           <p:cNvCxnSpPr/>
           <p:nvPr/>
         </p:nvCxnSpPr>
         <p:spPr>
           <a:xfrm>
             <a:off x="8466120" y="5129280"/>
-            <a:ext cx="1203480" cy="66600"/>
+            <a:ext cx="1203840" cy="66960"/>
           </a:xfrm>
           <a:prstGeom prst="straightConnector1">
             <a:avLst/>
@@ -4024,14 +4427,14 @@
       </p:cxnSp>
       <p:cxnSp>
         <p:nvCxnSpPr>
-          <p:cNvPr id="58" name="Google Shape;56;p2"/>
+          <p:cNvPr id="64" name="Google Shape;56;p2"/>
           <p:cNvCxnSpPr/>
           <p:nvPr/>
         </p:nvCxnSpPr>
         <p:spPr>
           <a:xfrm>
             <a:off x="8510760" y="4818600"/>
-            <a:ext cx="1838520" cy="23400"/>
+            <a:ext cx="1838880" cy="23760"/>
           </a:xfrm>
           <a:prstGeom prst="straightConnector1">
             <a:avLst/>
@@ -4047,14 +4450,14 @@
       </p:cxnSp>
       <p:cxnSp>
         <p:nvCxnSpPr>
-          <p:cNvPr id="59" name="Google Shape;57;p2"/>
+          <p:cNvPr id="65" name="Google Shape;57;p2"/>
           <p:cNvCxnSpPr/>
           <p:nvPr/>
         </p:nvCxnSpPr>
         <p:spPr>
           <a:xfrm>
             <a:off x="8499240" y="4941360"/>
-            <a:ext cx="1608120" cy="58680"/>
+            <a:ext cx="1608480" cy="59040"/>
           </a:xfrm>
           <a:prstGeom prst="straightConnector1">
             <a:avLst/>
@@ -4112,7 +4515,7 @@
                                           </p:stCondLst>
                                         </p:cTn>
                                         <p:tgtEl>
-                                          <p:spTgt spid="30"/>
+                                          <p:spTgt spid="36"/>
                                         </p:tgtEl>
                                         <p:attrNameLst>
                                           <p:attrName>style.visibility</p:attrName>
@@ -4139,7 +4542,7 @@
                                           </p:stCondLst>
                                         </p:cTn>
                                         <p:tgtEl>
-                                          <p:spTgt spid="31">
+                                          <p:spTgt spid="37">
                                             <p:txEl>
                                               <p:pRg st="0" end="0"/>
                                             </p:txEl>
@@ -4188,7 +4591,7 @@
                                           </p:stCondLst>
                                         </p:cTn>
                                         <p:tgtEl>
-                                          <p:spTgt spid="32"/>
+                                          <p:spTgt spid="38"/>
                                         </p:tgtEl>
                                         <p:attrNameLst>
                                           <p:attrName>style.visibility</p:attrName>
@@ -4251,7 +4654,7 @@
       </p:grpSpPr>
       <p:sp>
         <p:nvSpPr>
-          <p:cNvPr id="60" name="PlaceHolder 1"/>
+          <p:cNvPr id="66" name="PlaceHolder 1"/>
           <p:cNvSpPr>
             <a:spLocks noGrp="1"/>
           </p:cNvSpPr>
@@ -4262,7 +4665,7 @@
         <p:spPr>
           <a:xfrm>
             <a:off x="431280" y="321480"/>
-            <a:ext cx="11328480" cy="544680"/>
+            <a:ext cx="11328120" cy="544320"/>
           </a:xfrm>
           <a:prstGeom prst="rect">
             <a:avLst/>
@@ -4293,27 +4696,17 @@
                     <a:lumMod val="10000"/>
                   </a:schemeClr>
                 </a:solidFill>
+                <a:effectLst/>
                 <a:uFillTx/>
                 <a:latin typeface="Arial"/>
               </a:rPr>
-              <a:t>Teachers on this workshop are from </a:t>
-            </a:r>
-            <a:r>
-              <a:rPr b="1" lang="en-GB" sz="4000" strike="noStrike" u="none">
-                <a:solidFill>
-                  <a:schemeClr val="lt2">
-                    <a:lumMod val="10000"/>
-                  </a:schemeClr>
-                </a:solidFill>
-                <a:uFillTx/>
-                <a:latin typeface="Arial"/>
-              </a:rPr>
-              <a:t>NBIS and NGI</a:t>
+              <a:t>Teachers on this workshop are from NBIS and NGI</a:t>
             </a:r>
             <a:endParaRPr b="0" lang="en-US" sz="4000" strike="noStrike" u="none">
               <a:solidFill>
                 <a:srgbClr val="000000"/>
               </a:solidFill>
+              <a:effectLst/>
               <a:uFillTx/>
               <a:latin typeface="Arial"/>
             </a:endParaRPr>
@@ -4322,28 +4715,28 @@
       </p:sp>
       <p:grpSp>
         <p:nvGrpSpPr>
-          <p:cNvPr id="61" name="Group 19"/>
+          <p:cNvPr id="67" name="Group 19"/>
           <p:cNvGrpSpPr/>
           <p:nvPr/>
         </p:nvGrpSpPr>
         <p:grpSpPr>
           <a:xfrm>
             <a:off x="1752480" y="3010320"/>
-            <a:ext cx="8695440" cy="1043280"/>
+            <a:ext cx="8695080" cy="1042920"/>
             <a:chOff x="1752480" y="3010320"/>
-            <a:chExt cx="8695440" cy="1043280"/>
+            <a:chExt cx="8695080" cy="1042920"/>
           </a:xfrm>
         </p:grpSpPr>
         <p:sp>
           <p:nvSpPr>
-            <p:cNvPr id="62" name="Right Arrow 3"/>
+            <p:cNvPr id="68" name="Right Arrow 3"/>
             <p:cNvSpPr/>
             <p:nvPr/>
           </p:nvSpPr>
           <p:spPr>
             <a:xfrm>
               <a:off x="8305200" y="3010320"/>
-              <a:ext cx="2142720" cy="1043280"/>
+              <a:ext cx="2142360" cy="1042920"/>
             </a:xfrm>
             <a:prstGeom prst="rightArrow">
               <a:avLst>
@@ -4387,6 +4780,7 @@
                   <a:solidFill>
                     <a:schemeClr val="dk1"/>
                   </a:solidFill>
+                  <a:effectLst/>
                   <a:uFillTx/>
                   <a:latin typeface="Arial"/>
                 </a:rPr>
@@ -4396,6 +4790,7 @@
                 <a:solidFill>
                   <a:srgbClr val="000000"/>
                 </a:solidFill>
+                <a:effectLst/>
                 <a:uFillTx/>
                 <a:latin typeface="Arial"/>
               </a:endParaRPr>
@@ -4404,14 +4799,14 @@
         </p:sp>
         <p:sp>
           <p:nvSpPr>
-            <p:cNvPr id="63" name="Rectangle 4"/>
+            <p:cNvPr id="69" name="Rectangle 4"/>
             <p:cNvSpPr/>
             <p:nvPr/>
           </p:nvSpPr>
           <p:spPr>
             <a:xfrm>
               <a:off x="2734920" y="3268440"/>
-              <a:ext cx="1320840" cy="523440"/>
+              <a:ext cx="1320480" cy="523080"/>
             </a:xfrm>
             <a:prstGeom prst="rect">
               <a:avLst/>
@@ -4454,6 +4849,7 @@
                   <a:solidFill>
                     <a:schemeClr val="dk1"/>
                   </a:solidFill>
+                  <a:effectLst/>
                   <a:uFillTx/>
                   <a:latin typeface="Arial"/>
                 </a:rPr>
@@ -4467,6 +4863,7 @@
                   <a:solidFill>
                     <a:schemeClr val="dk1"/>
                   </a:solidFill>
+                  <a:effectLst/>
                   <a:uFillTx/>
                   <a:latin typeface="Arial"/>
                 </a:rPr>
@@ -4476,6 +4873,7 @@
                 <a:solidFill>
                   <a:srgbClr val="000000"/>
                 </a:solidFill>
+                <a:effectLst/>
                 <a:uFillTx/>
                 <a:latin typeface="Arial"/>
               </a:endParaRPr>
@@ -4484,14 +4882,14 @@
         </p:sp>
         <p:sp>
           <p:nvSpPr>
-            <p:cNvPr id="64" name="Rectangle 5"/>
+            <p:cNvPr id="70" name="Rectangle 5"/>
             <p:cNvSpPr/>
             <p:nvPr/>
           </p:nvSpPr>
           <p:spPr>
             <a:xfrm>
               <a:off x="4056840" y="3268440"/>
-              <a:ext cx="1222920" cy="523440"/>
+              <a:ext cx="1222560" cy="523080"/>
             </a:xfrm>
             <a:prstGeom prst="rect">
               <a:avLst/>
@@ -4534,6 +4932,7 @@
                   <a:solidFill>
                     <a:schemeClr val="dk1"/>
                   </a:solidFill>
+                  <a:effectLst/>
                   <a:uFillTx/>
                   <a:latin typeface="Arial"/>
                 </a:rPr>
@@ -4543,6 +4942,7 @@
                 <a:solidFill>
                   <a:srgbClr val="000000"/>
                 </a:solidFill>
+                <a:effectLst/>
                 <a:uFillTx/>
                 <a:latin typeface="Arial"/>
               </a:endParaRPr>
@@ -4551,14 +4951,14 @@
         </p:sp>
         <p:sp>
           <p:nvSpPr>
-            <p:cNvPr id="65" name="Rectangle 6"/>
+            <p:cNvPr id="71" name="Rectangle 6"/>
             <p:cNvSpPr/>
             <p:nvPr/>
           </p:nvSpPr>
           <p:spPr>
             <a:xfrm>
               <a:off x="5280840" y="3268440"/>
-              <a:ext cx="3023280" cy="523440"/>
+              <a:ext cx="3022920" cy="523080"/>
             </a:xfrm>
             <a:prstGeom prst="rect">
               <a:avLst/>
@@ -4601,6 +5001,7 @@
                   <a:solidFill>
                     <a:schemeClr val="dk1"/>
                   </a:solidFill>
+                  <a:effectLst/>
                   <a:uFillTx/>
                   <a:latin typeface="Arial"/>
                 </a:rPr>
@@ -4610,6 +5011,7 @@
                 <a:solidFill>
                   <a:srgbClr val="000000"/>
                 </a:solidFill>
+                <a:effectLst/>
                 <a:uFillTx/>
                 <a:latin typeface="Arial"/>
               </a:endParaRPr>
@@ -4618,14 +5020,14 @@
         </p:sp>
         <p:sp>
           <p:nvSpPr>
-            <p:cNvPr id="66" name="Rectangle 11"/>
+            <p:cNvPr id="72" name="Rectangle 11"/>
             <p:cNvSpPr/>
             <p:nvPr/>
           </p:nvSpPr>
           <p:spPr>
             <a:xfrm>
               <a:off x="1752480" y="3268440"/>
-              <a:ext cx="981360" cy="523440"/>
+              <a:ext cx="981000" cy="523080"/>
             </a:xfrm>
             <a:prstGeom prst="rect">
               <a:avLst/>
@@ -4668,6 +5070,7 @@
                   <a:solidFill>
                     <a:schemeClr val="dk1"/>
                   </a:solidFill>
+                  <a:effectLst/>
                   <a:uFillTx/>
                   <a:latin typeface="Arial"/>
                 </a:rPr>
@@ -4677,6 +5080,7 @@
                 <a:solidFill>
                   <a:srgbClr val="000000"/>
                 </a:solidFill>
+                <a:effectLst/>
                 <a:uFillTx/>
                 <a:latin typeface="Arial"/>
               </a:endParaRPr>
@@ -4686,28 +5090,28 @@
       </p:grpSp>
       <p:grpSp>
         <p:nvGrpSpPr>
-          <p:cNvPr id="67" name="Group 23"/>
+          <p:cNvPr id="73" name="Group 23"/>
           <p:cNvGrpSpPr/>
           <p:nvPr/>
         </p:nvGrpSpPr>
         <p:grpSpPr>
           <a:xfrm>
             <a:off x="5280840" y="2251440"/>
-            <a:ext cx="4638960" cy="651600"/>
+            <a:ext cx="4638600" cy="651600"/>
             <a:chOff x="5280840" y="2251440"/>
-            <a:chExt cx="4638960" cy="651600"/>
+            <a:chExt cx="4638600" cy="651600"/>
           </a:xfrm>
         </p:grpSpPr>
         <p:sp>
           <p:nvSpPr>
-            <p:cNvPr id="68" name="Right Brace 8"/>
+            <p:cNvPr id="74" name="Right Brace 8"/>
             <p:cNvSpPr/>
             <p:nvPr/>
           </p:nvSpPr>
           <p:spPr>
             <a:xfrm rot="16200000">
-              <a:off x="7450200" y="433440"/>
-              <a:ext cx="300240" cy="4638960"/>
+              <a:off x="7450200" y="433800"/>
+              <a:ext cx="299880" cy="4638600"/>
             </a:xfrm>
             <a:prstGeom prst="rightBrace">
               <a:avLst>
@@ -4748,6 +5152,7 @@
                 <a:solidFill>
                   <a:schemeClr val="dk1"/>
                 </a:solidFill>
+                <a:effectLst/>
                 <a:uFillTx/>
                 <a:latin typeface="Calibri"/>
               </a:endParaRPr>
@@ -4756,7 +5161,7 @@
         </p:sp>
         <p:pic>
           <p:nvPicPr>
-            <p:cNvPr id="69" name="Picture 16" descr=""/>
+            <p:cNvPr id="75" name="Picture 16" descr=""/>
             <p:cNvPicPr/>
             <p:nvPr/>
           </p:nvPicPr>
@@ -4767,7 +5172,7 @@
           <p:spPr>
             <a:xfrm>
               <a:off x="7192800" y="2251440"/>
-              <a:ext cx="815400" cy="300240"/>
+              <a:ext cx="815040" cy="299880"/>
             </a:xfrm>
             <a:prstGeom prst="rect">
               <a:avLst/>
@@ -4781,28 +5186,28 @@
       </p:grpSp>
       <p:grpSp>
         <p:nvGrpSpPr>
-          <p:cNvPr id="70" name="Group 22"/>
+          <p:cNvPr id="76" name="Group 22"/>
           <p:cNvGrpSpPr/>
           <p:nvPr/>
         </p:nvGrpSpPr>
         <p:grpSpPr>
           <a:xfrm>
             <a:off x="1775160" y="2251440"/>
-            <a:ext cx="936720" cy="688320"/>
+            <a:ext cx="936360" cy="688320"/>
             <a:chOff x="1775160" y="2251440"/>
-            <a:chExt cx="936720" cy="688320"/>
+            <a:chExt cx="936360" cy="688320"/>
           </a:xfrm>
         </p:grpSpPr>
         <p:sp>
           <p:nvSpPr>
-            <p:cNvPr id="71" name="Right Brace 17"/>
+            <p:cNvPr id="77" name="Right Brace 17"/>
             <p:cNvSpPr/>
             <p:nvPr/>
           </p:nvSpPr>
           <p:spPr>
             <a:xfrm rot="16200000">
-              <a:off x="2077920" y="2305800"/>
-              <a:ext cx="331200" cy="936720"/>
+              <a:off x="2077920" y="2306160"/>
+              <a:ext cx="330840" cy="936360"/>
             </a:xfrm>
             <a:prstGeom prst="rightBrace">
               <a:avLst>
@@ -4843,6 +5248,7 @@
                 <a:solidFill>
                   <a:schemeClr val="dk1"/>
                 </a:solidFill>
+                <a:effectLst/>
                 <a:uFillTx/>
                 <a:latin typeface="Calibri"/>
               </a:endParaRPr>
@@ -4851,7 +5257,7 @@
         </p:sp>
         <p:pic>
           <p:nvPicPr>
-            <p:cNvPr id="72" name="Picture 18" descr=""/>
+            <p:cNvPr id="78" name="Picture 18" descr=""/>
             <p:cNvPicPr/>
             <p:nvPr/>
           </p:nvPicPr>
@@ -4862,7 +5268,7 @@
           <p:spPr>
             <a:xfrm>
               <a:off x="1829880" y="2251440"/>
-              <a:ext cx="815400" cy="300240"/>
+              <a:ext cx="815040" cy="299880"/>
             </a:xfrm>
             <a:prstGeom prst="rect">
               <a:avLst/>
@@ -4876,14 +5282,14 @@
       </p:grpSp>
       <p:sp>
         <p:nvSpPr>
-          <p:cNvPr id="73" name="Right Brace 7"/>
+          <p:cNvPr id="79" name="Right Brace 7"/>
           <p:cNvSpPr/>
           <p:nvPr/>
         </p:nvSpPr>
         <p:spPr>
           <a:xfrm rot="5400000">
-            <a:off x="3346560" y="2530800"/>
-            <a:ext cx="331200" cy="3537000"/>
+            <a:off x="3346920" y="2530800"/>
+            <a:ext cx="330840" cy="3536640"/>
           </a:xfrm>
           <a:prstGeom prst="rightBrace">
             <a:avLst>
@@ -4924,6 +5330,7 @@
               <a:solidFill>
                 <a:schemeClr val="dk1"/>
               </a:solidFill>
+              <a:effectLst/>
               <a:uFillTx/>
               <a:latin typeface="Calibri"/>
             </a:endParaRPr>
@@ -4932,7 +5339,7 @@
       </p:sp>
       <p:pic>
         <p:nvPicPr>
-          <p:cNvPr id="74" name="Bild 10" descr=""/>
+          <p:cNvPr id="80" name="Bild 10" descr=""/>
           <p:cNvPicPr/>
           <p:nvPr/>
         </p:nvPicPr>
@@ -4949,7 +5356,7 @@
         <p:spPr>
           <a:xfrm>
             <a:off x="2197440" y="4534560"/>
-            <a:ext cx="2627640" cy="837360"/>
+            <a:ext cx="2627280" cy="837000"/>
           </a:xfrm>
           <a:prstGeom prst="rect">
             <a:avLst/>
@@ -5004,7 +5411,7 @@
                                           </p:stCondLst>
                                         </p:cTn>
                                         <p:tgtEl>
-                                          <p:spTgt spid="70"/>
+                                          <p:spTgt spid="76"/>
                                         </p:tgtEl>
                                         <p:attrNameLst>
                                           <p:attrName>style.visibility</p:attrName>
@@ -5049,7 +5456,7 @@
                                           </p:stCondLst>
                                         </p:cTn>
                                         <p:tgtEl>
-                                          <p:spTgt spid="67"/>
+                                          <p:spTgt spid="73"/>
                                         </p:tgtEl>
                                         <p:attrNameLst>
                                           <p:attrName>style.visibility</p:attrName>
@@ -5112,7 +5519,7 @@
       </p:grpSpPr>
       <p:sp>
         <p:nvSpPr>
-          <p:cNvPr id="75" name="PlaceHolder 1"/>
+          <p:cNvPr id="81" name="PlaceHolder 1"/>
           <p:cNvSpPr>
             <a:spLocks noGrp="1"/>
           </p:cNvSpPr>
@@ -5123,7 +5530,7 @@
         <p:spPr>
           <a:xfrm>
             <a:off x="431280" y="321480"/>
-            <a:ext cx="11328480" cy="544680"/>
+            <a:ext cx="11328120" cy="544320"/>
           </a:xfrm>
           <a:prstGeom prst="rect">
             <a:avLst/>
@@ -5154,6 +5561,7 @@
                     <a:lumMod val="10000"/>
                   </a:schemeClr>
                 </a:solidFill>
+                <a:effectLst/>
                 <a:uFillTx/>
                 <a:latin typeface="Arial"/>
               </a:rPr>
@@ -5163,6 +5571,7 @@
               <a:solidFill>
                 <a:srgbClr val="000000"/>
               </a:solidFill>
+              <a:effectLst/>
               <a:uFillTx/>
               <a:latin typeface="Arial"/>
             </a:endParaRPr>
@@ -5171,14 +5580,14 @@
       </p:sp>
       <p:sp>
         <p:nvSpPr>
-          <p:cNvPr id="76" name="textruta 5"/>
+          <p:cNvPr id="82" name="textruta 5"/>
           <p:cNvSpPr/>
           <p:nvPr/>
         </p:nvSpPr>
         <p:spPr>
           <a:xfrm>
             <a:off x="2077200" y="5277240"/>
-            <a:ext cx="1399680" cy="363960"/>
+            <a:ext cx="1399320" cy="363960"/>
           </a:xfrm>
           <a:prstGeom prst="rect">
             <a:avLst/>
@@ -5209,6 +5618,7 @@
                 <a:solidFill>
                   <a:schemeClr val="dk1"/>
                 </a:solidFill>
+                <a:effectLst/>
                 <a:uFillTx/>
                 <a:latin typeface="Arial"/>
               </a:rPr>
@@ -5218,6 +5628,7 @@
               <a:solidFill>
                 <a:srgbClr val="000000"/>
               </a:solidFill>
+              <a:effectLst/>
               <a:uFillTx/>
               <a:latin typeface="Arial"/>
             </a:endParaRPr>
@@ -5226,13 +5637,13 @@
       </p:sp>
       <p:sp>
         <p:nvSpPr>
-          <p:cNvPr id="77" name="textruta 6"/>
+          <p:cNvPr id="83" name="textruta 6"/>
           <p:cNvSpPr/>
           <p:nvPr/>
         </p:nvSpPr>
         <p:spPr>
           <a:xfrm>
-            <a:off x="4988880" y="5277240"/>
+            <a:off x="5276880" y="5277240"/>
             <a:ext cx="2008440" cy="363960"/>
           </a:xfrm>
           <a:prstGeom prst="rect">
@@ -5264,16 +5675,18 @@
                 <a:solidFill>
                   <a:schemeClr val="dk1"/>
                 </a:solidFill>
+                <a:effectLst/>
                 <a:uFillTx/>
                 <a:latin typeface="Arial"/>
               </a:rPr>
-              <a:t>Malin Larsson</a:t>
+              <a:t>Diana Ekman</a:t>
             </a:r>
             <a:r>
               <a:rPr b="0" lang="en-GB" sz="1800" strike="noStrike" u="none">
                 <a:solidFill>
                   <a:schemeClr val="dk1"/>
                 </a:solidFill>
+                <a:effectLst/>
                 <a:uFillTx/>
                 <a:latin typeface="Arial"/>
               </a:rPr>
@@ -5283,6 +5696,7 @@
               <a:solidFill>
                 <a:srgbClr val="000000"/>
               </a:solidFill>
+              <a:effectLst/>
               <a:uFillTx/>
               <a:latin typeface="Arial"/>
             </a:endParaRPr>
@@ -5291,14 +5705,14 @@
       </p:sp>
       <p:sp>
         <p:nvSpPr>
-          <p:cNvPr id="78" name="textruta 7"/>
+          <p:cNvPr id="84" name="textruta 7"/>
           <p:cNvSpPr/>
           <p:nvPr/>
         </p:nvSpPr>
         <p:spPr>
           <a:xfrm>
             <a:off x="8500320" y="5277240"/>
-            <a:ext cx="1476360" cy="363960"/>
+            <a:ext cx="1476000" cy="363960"/>
           </a:xfrm>
           <a:prstGeom prst="rect">
             <a:avLst/>
@@ -5329,6 +5743,7 @@
                 <a:solidFill>
                   <a:schemeClr val="dk1"/>
                 </a:solidFill>
+                <a:effectLst/>
                 <a:uFillTx/>
                 <a:latin typeface="Arial"/>
               </a:rPr>
@@ -5338,6 +5753,7 @@
               <a:solidFill>
                 <a:srgbClr val="000000"/>
               </a:solidFill>
+              <a:effectLst/>
               <a:uFillTx/>
               <a:latin typeface="Arial"/>
             </a:endParaRPr>
@@ -5346,7 +5762,7 @@
       </p:sp>
       <p:pic>
         <p:nvPicPr>
-          <p:cNvPr id="79" name="Content Placeholder 9" descr=""/>
+          <p:cNvPr id="85" name="Content Placeholder 9" descr=""/>
           <p:cNvPicPr/>
           <p:nvPr/>
         </p:nvPicPr>
@@ -5357,7 +5773,7 @@
         <p:spPr>
           <a:xfrm>
             <a:off x="1422360" y="2170080"/>
-            <a:ext cx="2716560" cy="2716560"/>
+            <a:ext cx="2716200" cy="2716200"/>
           </a:xfrm>
           <a:prstGeom prst="rect">
             <a:avLst/>
@@ -5370,7 +5786,7 @@
       </p:pic>
       <p:pic>
         <p:nvPicPr>
-          <p:cNvPr id="80" name="Picture 14" descr=""/>
+          <p:cNvPr id="86" name="" descr=""/>
           <p:cNvPicPr/>
           <p:nvPr/>
         </p:nvPicPr>
@@ -5380,8 +5796,8 @@
         </p:blipFill>
         <p:spPr>
           <a:xfrm>
-            <a:off x="4231080" y="1823040"/>
-            <a:ext cx="3510360" cy="3515760"/>
+            <a:off x="7900920" y="2214000"/>
+            <a:ext cx="2613600" cy="2613600"/>
           </a:xfrm>
           <a:prstGeom prst="rect">
             <a:avLst/>
@@ -5394,7 +5810,7 @@
       </p:pic>
       <p:pic>
         <p:nvPicPr>
-          <p:cNvPr id="81" name="" descr=""/>
+          <p:cNvPr id="87" name="" descr=""/>
           <p:cNvPicPr/>
           <p:nvPr/>
         </p:nvPicPr>
@@ -5404,8 +5820,8 @@
         </p:blipFill>
         <p:spPr>
           <a:xfrm>
-            <a:off x="7900920" y="2214000"/>
-            <a:ext cx="2613960" cy="2613960"/>
+            <a:off x="4800600" y="2286000"/>
+            <a:ext cx="2416320" cy="2514600"/>
           </a:xfrm>
           <a:prstGeom prst="rect">
             <a:avLst/>
@@ -5448,7 +5864,7 @@
       </p:grpSpPr>
       <p:sp>
         <p:nvSpPr>
-          <p:cNvPr id="82" name="PlaceHolder 1"/>
+          <p:cNvPr id="88" name="PlaceHolder 1"/>
           <p:cNvSpPr>
             <a:spLocks noGrp="1"/>
           </p:cNvSpPr>
@@ -5459,7 +5875,7 @@
         <p:spPr>
           <a:xfrm>
             <a:off x="431280" y="1068120"/>
-            <a:ext cx="11328480" cy="5101560"/>
+            <a:ext cx="11328120" cy="5101200"/>
           </a:xfrm>
           <a:prstGeom prst="rect">
             <a:avLst/>
@@ -5490,32 +5906,19 @@
             <a:r>
               <a:rPr b="0" lang="en-SE" sz="2400" strike="noStrike" u="none">
                 <a:solidFill>
-                  <a:schemeClr val="lt2">
-                    <a:lumMod val="10000"/>
-                  </a:schemeClr>
-                </a:solidFill>
+                  <a:srgbClr val="000000"/>
+                </a:solidFill>
+                <a:effectLst/>
                 <a:uFillTx/>
                 <a:latin typeface="Arial"/>
               </a:rPr>
-              <a:t>Zoom: </a:t>
-            </a:r>
-            <a:r>
-              <a:rPr b="0" lang="en-SE" sz="2400" strike="noStrike" u="none">
-                <a:solidFill>
-                  <a:schemeClr val="lt2">
-                    <a:lumMod val="10000"/>
-                  </a:schemeClr>
-                </a:solidFill>
-                <a:uFillTx/>
-                <a:latin typeface="Arial"/>
-                <a:hlinkClick r:id="rId1"/>
-              </a:rPr>
-              <a:t>https://uu-se.zoom.us/j/68573661988</a:t>
+              <a:t>Fire exits &amp; restrooms</a:t>
             </a:r>
             <a:endParaRPr b="0" lang="en-US" sz="2400" strike="noStrike" u="none">
               <a:solidFill>
                 <a:srgbClr val="000000"/>
               </a:solidFill>
+              <a:effectLst/>
               <a:uFillTx/>
               <a:latin typeface="Arial"/>
             </a:endParaRPr>
@@ -5541,15 +5944,17 @@
                     <a:lumMod val="10000"/>
                   </a:schemeClr>
                 </a:solidFill>
+                <a:effectLst/>
                 <a:uFillTx/>
                 <a:latin typeface="Arial"/>
               </a:rPr>
-              <a:t>Lunch ~12:00 every day</a:t>
+              <a:t>Lunch is booked at 12:00 every day</a:t>
             </a:r>
             <a:endParaRPr b="0" lang="en-US" sz="2400" strike="noStrike" u="none">
               <a:solidFill>
                 <a:srgbClr val="000000"/>
               </a:solidFill>
+              <a:effectLst/>
               <a:uFillTx/>
               <a:latin typeface="Arial"/>
             </a:endParaRPr>
@@ -5575,15 +5980,17 @@
                     <a:lumMod val="10000"/>
                   </a:schemeClr>
                 </a:solidFill>
+                <a:effectLst/>
                 <a:uFillTx/>
                 <a:latin typeface="Arial"/>
               </a:rPr>
-              <a:t>Coffee breaks in the morning and afternoon (exact times decided per day)</a:t>
+              <a:t>Coffee is ordered for 10:00 and 14:30 every day</a:t>
             </a:r>
             <a:endParaRPr b="0" lang="en-US" sz="2400" strike="noStrike" u="none">
               <a:solidFill>
                 <a:srgbClr val="000000"/>
               </a:solidFill>
+              <a:effectLst/>
               <a:uFillTx/>
               <a:latin typeface="Arial"/>
             </a:endParaRPr>
@@ -5609,117 +6016,33 @@
                     <a:lumMod val="10000"/>
                   </a:schemeClr>
                 </a:solidFill>
+                <a:effectLst/>
                 <a:uFillTx/>
                 <a:latin typeface="Arial"/>
               </a:rPr>
-              <a:t>Times in schedule may be adjusted slightly depending on breaks. Start time in the morning and after lunch is “fixed”.</a:t>
+              <a:t>Course dinner: Wednesday 18:00, Koh Phangan, Fyristorg 2</a:t>
             </a:r>
-            <a:endParaRPr b="0" lang="en-US" sz="2400" strike="noStrike" u="none">
-              <a:solidFill>
-                <a:srgbClr val="000000"/>
-              </a:solidFill>
-              <a:uFillTx/>
-              <a:latin typeface="Arial"/>
-            </a:endParaRPr>
-          </a:p>
-          <a:p>
-            <a:pPr marL="343080" indent="-343080" defTabSz="914400">
-              <a:lnSpc>
-                <a:spcPct val="90000"/>
-              </a:lnSpc>
-              <a:spcBef>
-                <a:spcPts val="1001"/>
-              </a:spcBef>
-              <a:buClr>
-                <a:srgbClr val="181717"/>
-              </a:buClr>
-              <a:buFont typeface="Arial"/>
-              <a:buChar char="•"/>
-            </a:pPr>
+            <a:br>
+              <a:rPr sz="2400"/>
+            </a:br>
             <a:r>
-              <a:rPr b="0" lang="en-SE" sz="2400" strike="noStrike" u="none">
+              <a:rPr b="0" i="1" lang="en-SE" sz="2400" strike="noStrike" u="none">
                 <a:solidFill>
                   <a:schemeClr val="lt2">
                     <a:lumMod val="10000"/>
                   </a:schemeClr>
                 </a:solidFill>
+                <a:effectLst/>
                 <a:uFillTx/>
                 <a:latin typeface="Arial"/>
               </a:rPr>
-              <a:t>Lectures in the main zoom room</a:t>
+              <a:t>Please sign up on the list in the classroom on Monday!</a:t>
             </a:r>
             <a:endParaRPr b="0" lang="en-US" sz="2400" strike="noStrike" u="none">
               <a:solidFill>
                 <a:srgbClr val="000000"/>
               </a:solidFill>
-              <a:uFillTx/>
-              <a:latin typeface="Arial"/>
-            </a:endParaRPr>
-          </a:p>
-          <a:p>
-            <a:pPr marL="343080" indent="-343080" defTabSz="914400">
-              <a:lnSpc>
-                <a:spcPct val="90000"/>
-              </a:lnSpc>
-              <a:spcBef>
-                <a:spcPts val="1001"/>
-              </a:spcBef>
-              <a:buClr>
-                <a:srgbClr val="181717"/>
-              </a:buClr>
-              <a:buFont typeface="Arial"/>
-              <a:buChar char="•"/>
-            </a:pPr>
-            <a:r>
-              <a:rPr b="0" lang="en-SE" sz="2400" strike="noStrike" u="none">
-                <a:solidFill>
-                  <a:schemeClr val="lt2">
-                    <a:lumMod val="10000"/>
-                  </a:schemeClr>
-                </a:solidFill>
-                <a:uFillTx/>
-                <a:latin typeface="Arial"/>
-              </a:rPr>
-              <a:t>Labs in breakout rooms</a:t>
-            </a:r>
-            <a:endParaRPr b="0" lang="en-US" sz="2400" strike="noStrike" u="none">
-              <a:solidFill>
-                <a:srgbClr val="000000"/>
-              </a:solidFill>
-              <a:uFillTx/>
-              <a:latin typeface="Arial"/>
-            </a:endParaRPr>
-          </a:p>
-          <a:p>
-            <a:pPr marL="343080" indent="-343080" defTabSz="914400">
-              <a:lnSpc>
-                <a:spcPct val="90000"/>
-              </a:lnSpc>
-              <a:spcBef>
-                <a:spcPts val="1001"/>
-              </a:spcBef>
-              <a:buClr>
-                <a:srgbClr val="181717"/>
-              </a:buClr>
-              <a:buFont typeface="Arial"/>
-              <a:buChar char="•"/>
-            </a:pPr>
-            <a:r>
-              <a:rPr b="0" lang="en-SE" sz="2400" strike="noStrike" u="none">
-                <a:solidFill>
-                  <a:schemeClr val="lt2">
-                    <a:lumMod val="10000"/>
-                  </a:schemeClr>
-                </a:solidFill>
-                <a:uFillTx/>
-                <a:latin typeface="Arial"/>
-              </a:rPr>
-              <a:t>Please have cameras on</a:t>
-            </a:r>
-            <a:endParaRPr b="0" lang="en-US" sz="2400" strike="noStrike" u="none">
-              <a:solidFill>
-                <a:srgbClr val="000000"/>
-              </a:solidFill>
+              <a:effectLst/>
               <a:uFillTx/>
               <a:latin typeface="Arial"/>
             </a:endParaRPr>
@@ -5741,6 +6064,7 @@
               <a:solidFill>
                 <a:srgbClr val="000000"/>
               </a:solidFill>
+              <a:effectLst/>
               <a:uFillTx/>
               <a:latin typeface="Arial"/>
             </a:endParaRPr>
@@ -5762,6 +6086,7 @@
               <a:solidFill>
                 <a:srgbClr val="000000"/>
               </a:solidFill>
+              <a:effectLst/>
               <a:uFillTx/>
               <a:latin typeface="Arial"/>
             </a:endParaRPr>
@@ -5770,7 +6095,7 @@
       </p:sp>
       <p:sp>
         <p:nvSpPr>
-          <p:cNvPr id="83" name="PlaceHolder 2"/>
+          <p:cNvPr id="89" name="PlaceHolder 2"/>
           <p:cNvSpPr>
             <a:spLocks noGrp="1"/>
           </p:cNvSpPr>
@@ -5781,7 +6106,7 @@
         <p:spPr>
           <a:xfrm>
             <a:off x="431280" y="321480"/>
-            <a:ext cx="11328480" cy="544680"/>
+            <a:ext cx="11328120" cy="544320"/>
           </a:xfrm>
           <a:prstGeom prst="rect">
             <a:avLst/>
@@ -5812,6 +6137,7 @@
                     <a:lumMod val="10000"/>
                   </a:schemeClr>
                 </a:solidFill>
+                <a:effectLst/>
                 <a:uFillTx/>
                 <a:latin typeface="Arial"/>
               </a:rPr>
@@ -5821,6 +6147,7 @@
               <a:solidFill>
                 <a:srgbClr val="000000"/>
               </a:solidFill>
+              <a:effectLst/>
               <a:uFillTx/>
               <a:latin typeface="Arial"/>
             </a:endParaRPr>
@@ -5859,7 +6186,7 @@
       </p:grpSpPr>
       <p:sp>
         <p:nvSpPr>
-          <p:cNvPr id="84" name="PlaceHolder 1"/>
+          <p:cNvPr id="90" name="PlaceHolder 1"/>
           <p:cNvSpPr>
             <a:spLocks noGrp="1"/>
           </p:cNvSpPr>
@@ -5870,7 +6197,7 @@
         <p:spPr>
           <a:xfrm>
             <a:off x="900720" y="1127880"/>
-            <a:ext cx="8678880" cy="2991240"/>
+            <a:ext cx="8678520" cy="2990880"/>
           </a:xfrm>
           <a:prstGeom prst="rect">
             <a:avLst/>
@@ -5905,6 +6232,7 @@
                     <a:lumMod val="10000"/>
                   </a:schemeClr>
                 </a:solidFill>
+                <a:effectLst/>
                 <a:uFillTx/>
                 <a:latin typeface="Arial"/>
               </a:rPr>
@@ -5914,6 +6242,7 @@
               <a:solidFill>
                 <a:srgbClr val="000000"/>
               </a:solidFill>
+              <a:effectLst/>
               <a:uFillTx/>
               <a:latin typeface="Arial"/>
             </a:endParaRPr>
@@ -5939,11 +6268,12 @@
                     <a:lumMod val="10000"/>
                   </a:schemeClr>
                 </a:solidFill>
+                <a:effectLst/>
                 <a:uFillTx/>
                 <a:latin typeface="Arial"/>
                 <a:hlinkClick r:id="rId1"/>
               </a:rPr>
-              <a:t>https://nbisweden.github.io/workshop-ngsintro/2503/</a:t>
+              <a:t>https://nbisweden.github.io/workshop-ngsintro/2511/</a:t>
             </a:r>
             <a:r>
               <a:rPr b="0" lang="en-GB" sz="2400" strike="noStrike" u="none">
@@ -5952,6 +6282,7 @@
                     <a:lumMod val="10000"/>
                   </a:schemeClr>
                 </a:solidFill>
+                <a:effectLst/>
                 <a:uFillTx/>
                 <a:latin typeface="Arial"/>
               </a:rPr>
@@ -5961,6 +6292,7 @@
               <a:solidFill>
                 <a:srgbClr val="000000"/>
               </a:solidFill>
+              <a:effectLst/>
               <a:uFillTx/>
               <a:latin typeface="Arial"/>
             </a:endParaRPr>
@@ -5986,6 +6318,7 @@
                     <a:lumMod val="10000"/>
                   </a:schemeClr>
                 </a:solidFill>
+                <a:effectLst/>
                 <a:uFillTx/>
                 <a:latin typeface="Arial"/>
               </a:rPr>
@@ -5995,6 +6328,7 @@
               <a:solidFill>
                 <a:srgbClr val="000000"/>
               </a:solidFill>
+              <a:effectLst/>
               <a:uFillTx/>
               <a:latin typeface="Arial"/>
             </a:endParaRPr>
@@ -6020,15 +6354,17 @@
                     <a:lumMod val="10000"/>
                   </a:schemeClr>
                 </a:solidFill>
+                <a:effectLst/>
                 <a:uFillTx/>
                 <a:latin typeface="Arial"/>
               </a:rPr>
-              <a:t>Work in breakout rooms</a:t>
+              <a:t>Work in pairs because it improves the learning</a:t>
             </a:r>
             <a:endParaRPr b="0" lang="en-US" sz="2400" strike="noStrike" u="none">
               <a:solidFill>
                 <a:srgbClr val="000000"/>
               </a:solidFill>
+              <a:effectLst/>
               <a:uFillTx/>
               <a:latin typeface="Arial"/>
             </a:endParaRPr>
@@ -6054,49 +6390,36 @@
                     <a:lumMod val="10000"/>
                   </a:schemeClr>
                 </a:solidFill>
+                <a:effectLst/>
                 <a:uFillTx/>
                 <a:latin typeface="Arial"/>
               </a:rPr>
-              <a:t>Four persons in each room</a:t>
+              <a:t>Ask TAs when you have problems!</a:t>
             </a:r>
             <a:endParaRPr b="0" lang="en-US" sz="2400" strike="noStrike" u="none">
               <a:solidFill>
                 <a:srgbClr val="000000"/>
               </a:solidFill>
+              <a:effectLst/>
               <a:uFillTx/>
               <a:latin typeface="Arial"/>
             </a:endParaRPr>
           </a:p>
           <a:p>
-            <a:pPr marL="343080" indent="-343080" defTabSz="914400">
+            <a:pPr marL="343080" indent="0" defTabSz="914400">
               <a:lnSpc>
                 <a:spcPct val="90000"/>
               </a:lnSpc>
               <a:spcBef>
                 <a:spcPts val="1001"/>
               </a:spcBef>
-              <a:buClr>
-                <a:srgbClr val="181717"/>
-              </a:buClr>
-              <a:buFont typeface="Arial"/>
-              <a:buChar char="•"/>
-            </a:pPr>
-            <a:r>
-              <a:rPr b="0" lang="en-GB" sz="2400" strike="noStrike" u="none">
-                <a:solidFill>
-                  <a:schemeClr val="lt2">
-                    <a:lumMod val="10000"/>
-                  </a:schemeClr>
-                </a:solidFill>
-                <a:uFillTx/>
-                <a:latin typeface="Arial"/>
-              </a:rPr>
-              <a:t>Help each other in the room because it improves the learning.</a:t>
-            </a:r>
+              <a:buNone/>
+            </a:pPr>
             <a:endParaRPr b="0" lang="en-US" sz="2400" strike="noStrike" u="none">
               <a:solidFill>
                 <a:srgbClr val="000000"/>
               </a:solidFill>
+              <a:effectLst/>
               <a:uFillTx/>
               <a:latin typeface="Arial"/>
             </a:endParaRPr>
@@ -6118,6 +6441,7 @@
               <a:solidFill>
                 <a:srgbClr val="000000"/>
               </a:solidFill>
+              <a:effectLst/>
               <a:uFillTx/>
               <a:latin typeface="Arial"/>
             </a:endParaRPr>
@@ -6139,6 +6463,7 @@
               <a:solidFill>
                 <a:srgbClr val="000000"/>
               </a:solidFill>
+              <a:effectLst/>
               <a:uFillTx/>
               <a:latin typeface="Arial"/>
             </a:endParaRPr>
@@ -6160,6 +6485,7 @@
               <a:solidFill>
                 <a:srgbClr val="000000"/>
               </a:solidFill>
+              <a:effectLst/>
               <a:uFillTx/>
               <a:latin typeface="Arial"/>
             </a:endParaRPr>
@@ -6181,6 +6507,7 @@
               <a:solidFill>
                 <a:srgbClr val="000000"/>
               </a:solidFill>
+              <a:effectLst/>
               <a:uFillTx/>
               <a:latin typeface="Arial"/>
             </a:endParaRPr>
@@ -6189,7 +6516,7 @@
       </p:sp>
       <p:sp>
         <p:nvSpPr>
-          <p:cNvPr id="85" name="PlaceHolder 2"/>
+          <p:cNvPr id="91" name="PlaceHolder 2"/>
           <p:cNvSpPr>
             <a:spLocks noGrp="1"/>
           </p:cNvSpPr>
@@ -6200,7 +6527,7 @@
         <p:spPr>
           <a:xfrm>
             <a:off x="431280" y="321480"/>
-            <a:ext cx="11328480" cy="544680"/>
+            <a:ext cx="11328120" cy="544320"/>
           </a:xfrm>
           <a:prstGeom prst="rect">
             <a:avLst/>
@@ -6231,6 +6558,7 @@
                     <a:lumMod val="10000"/>
                   </a:schemeClr>
                 </a:solidFill>
+                <a:effectLst/>
                 <a:uFillTx/>
                 <a:latin typeface="Arial"/>
               </a:rPr>
@@ -6240,6 +6568,7 @@
               <a:solidFill>
                 <a:srgbClr val="000000"/>
               </a:solidFill>
+              <a:effectLst/>
               <a:uFillTx/>
               <a:latin typeface="Arial"/>
             </a:endParaRPr>
@@ -6278,7 +6607,7 @@
       </p:grpSpPr>
       <p:sp>
         <p:nvSpPr>
-          <p:cNvPr id="86" name="PlaceHolder 1"/>
+          <p:cNvPr id="92" name="PlaceHolder 1"/>
           <p:cNvSpPr>
             <a:spLocks noGrp="1"/>
           </p:cNvSpPr>
@@ -6288,8 +6617,8 @@
         </p:nvSpPr>
         <p:spPr>
           <a:xfrm>
-            <a:off x="900720" y="1127880"/>
-            <a:ext cx="8678880" cy="2991240"/>
+            <a:off x="431280" y="1068120"/>
+            <a:ext cx="11328120" cy="5101200"/>
           </a:xfrm>
           <a:prstGeom prst="rect">
             <a:avLst/>
@@ -6301,261 +6630,10 @@
         </p:spPr>
         <p:txBody>
           <a:bodyPr lIns="91440" rIns="91440" tIns="45720" bIns="45720" anchor="t">
-            <a:noAutofit/>
+            <a:normAutofit/>
           </a:bodyPr>
           <a:p>
-            <a:pPr marL="343080" indent="-343080" defTabSz="914400">
-              <a:lnSpc>
-                <a:spcPct val="90000"/>
-              </a:lnSpc>
-              <a:spcBef>
-                <a:spcPts val="1001"/>
-              </a:spcBef>
-              <a:buClr>
-                <a:srgbClr val="181717"/>
-              </a:buClr>
-              <a:buFont typeface="Arial"/>
-              <a:buChar char="•"/>
-            </a:pPr>
-            <a:r>
-              <a:rPr b="0" lang="en-GB" sz="2400" strike="noStrike" u="none">
-                <a:solidFill>
-                  <a:schemeClr val="lt2">
-                    <a:lumMod val="10000"/>
-                  </a:schemeClr>
-                </a:solidFill>
-                <a:uFillTx/>
-                <a:latin typeface="Arial"/>
-              </a:rPr>
-              <a:t>Breakout rooms will be announced in slack</a:t>
-            </a:r>
-            <a:endParaRPr b="0" lang="en-US" sz="2400" strike="noStrike" u="none">
-              <a:solidFill>
-                <a:srgbClr val="000000"/>
-              </a:solidFill>
-              <a:uFillTx/>
-              <a:latin typeface="Arial"/>
-            </a:endParaRPr>
-          </a:p>
-          <a:p>
-            <a:pPr marL="343080" indent="-343080" defTabSz="914400">
-              <a:lnSpc>
-                <a:spcPct val="90000"/>
-              </a:lnSpc>
-              <a:spcBef>
-                <a:spcPts val="1001"/>
-              </a:spcBef>
-              <a:buClr>
-                <a:srgbClr val="181717"/>
-              </a:buClr>
-              <a:buFont typeface="Arial"/>
-              <a:buChar char="•"/>
-            </a:pPr>
-            <a:r>
-              <a:rPr b="0" lang="en-GB" sz="2400" strike="noStrike" u="none">
-                <a:solidFill>
-                  <a:schemeClr val="lt2">
-                    <a:lumMod val="10000"/>
-                  </a:schemeClr>
-                </a:solidFill>
-                <a:uFillTx/>
-                <a:latin typeface="Arial"/>
-              </a:rPr>
-              <a:t>Start off with short introductions in room (&lt;3 min each)</a:t>
-            </a:r>
-            <a:endParaRPr b="0" lang="en-US" sz="2400" strike="noStrike" u="none">
-              <a:solidFill>
-                <a:srgbClr val="000000"/>
-              </a:solidFill>
-              <a:uFillTx/>
-              <a:latin typeface="Arial"/>
-            </a:endParaRPr>
-          </a:p>
-          <a:p>
-            <a:pPr marL="343080" indent="-343080" defTabSz="914400">
-              <a:lnSpc>
-                <a:spcPct val="90000"/>
-              </a:lnSpc>
-              <a:spcBef>
-                <a:spcPts val="1001"/>
-              </a:spcBef>
-              <a:buClr>
-                <a:srgbClr val="181717"/>
-              </a:buClr>
-              <a:buFont typeface="Arial"/>
-              <a:buChar char="•"/>
-            </a:pPr>
-            <a:r>
-              <a:rPr b="0" lang="en-GB" sz="2400" strike="noStrike" u="none">
-                <a:solidFill>
-                  <a:schemeClr val="lt2">
-                    <a:lumMod val="10000"/>
-                  </a:schemeClr>
-                </a:solidFill>
-                <a:uFillTx/>
-                <a:latin typeface="Arial"/>
-              </a:rPr>
-              <a:t>Ask TAs when you have problems! </a:t>
-            </a:r>
-            <a:endParaRPr b="0" lang="en-US" sz="2400" strike="noStrike" u="none">
-              <a:solidFill>
-                <a:srgbClr val="000000"/>
-              </a:solidFill>
-              <a:uFillTx/>
-              <a:latin typeface="Arial"/>
-            </a:endParaRPr>
-          </a:p>
-          <a:p>
-            <a:pPr marL="343080" indent="-343080" defTabSz="914400">
-              <a:lnSpc>
-                <a:spcPct val="90000"/>
-              </a:lnSpc>
-              <a:spcBef>
-                <a:spcPts val="1001"/>
-              </a:spcBef>
-              <a:buClr>
-                <a:srgbClr val="181717"/>
-              </a:buClr>
-              <a:buFont typeface="Arial"/>
-              <a:buChar char="•"/>
-            </a:pPr>
-            <a:r>
-              <a:rPr b="0" lang="en-GB" sz="2400" strike="noStrike" u="none">
-                <a:solidFill>
-                  <a:schemeClr val="lt2">
-                    <a:lumMod val="10000"/>
-                  </a:schemeClr>
-                </a:solidFill>
-                <a:uFillTx/>
-                <a:latin typeface="Arial"/>
-              </a:rPr>
-              <a:t>Use slack channel </a:t>
-            </a:r>
-            <a:r>
-              <a:rPr b="1" lang="en-GB" sz="2400" strike="noStrike" u="none">
-                <a:solidFill>
-                  <a:schemeClr val="lt2">
-                    <a:lumMod val="10000"/>
-                  </a:schemeClr>
-                </a:solidFill>
-                <a:uFillTx/>
-                <a:latin typeface="Arial"/>
-              </a:rPr>
-              <a:t>ngsintro_students </a:t>
-            </a:r>
-            <a:r>
-              <a:rPr b="0" lang="en-GB" sz="2400" strike="noStrike" u="none">
-                <a:solidFill>
-                  <a:schemeClr val="lt2">
-                    <a:lumMod val="10000"/>
-                  </a:schemeClr>
-                </a:solidFill>
-                <a:uFillTx/>
-                <a:latin typeface="Arial"/>
-              </a:rPr>
-              <a:t>to ask for help: </a:t>
-            </a:r>
-            <a:endParaRPr b="0" lang="en-US" sz="2400" strike="noStrike" u="none">
-              <a:solidFill>
-                <a:srgbClr val="000000"/>
-              </a:solidFill>
-              <a:uFillTx/>
-              <a:latin typeface="Arial"/>
-            </a:endParaRPr>
-          </a:p>
-          <a:p>
-            <a:pPr marL="457200" indent="0" defTabSz="914400">
-              <a:lnSpc>
-                <a:spcPct val="90000"/>
-              </a:lnSpc>
-              <a:spcBef>
-                <a:spcPts val="499"/>
-              </a:spcBef>
-              <a:buNone/>
-              <a:tabLst>
-                <a:tab algn="l" pos="0"/>
-              </a:tabLst>
-            </a:pPr>
-            <a:r>
-              <a:rPr b="0" lang="en-GB" sz="2400" strike="noStrike" u="none">
-                <a:solidFill>
-                  <a:schemeClr val="lt2">
-                    <a:lumMod val="10000"/>
-                  </a:schemeClr>
-                </a:solidFill>
-                <a:uFillTx/>
-                <a:latin typeface="Arial"/>
-              </a:rPr>
-              <a:t>“</a:t>
-            </a:r>
-            <a:r>
-              <a:rPr b="0" lang="en-GB" sz="2400" strike="noStrike" u="none">
-                <a:solidFill>
-                  <a:schemeClr val="lt2">
-                    <a:lumMod val="10000"/>
-                  </a:schemeClr>
-                </a:solidFill>
-                <a:uFillTx/>
-                <a:latin typeface="Arial"/>
-              </a:rPr>
-              <a:t>Help needed in room 4”</a:t>
-            </a:r>
-            <a:endParaRPr b="0" lang="en-US" sz="2400" strike="noStrike" u="none">
-              <a:solidFill>
-                <a:srgbClr val="000000"/>
-              </a:solidFill>
-              <a:uFillTx/>
-              <a:latin typeface="Arial"/>
-            </a:endParaRPr>
-          </a:p>
-          <a:p>
-            <a:pPr marL="457200" indent="0" defTabSz="914400">
-              <a:lnSpc>
-                <a:spcPct val="90000"/>
-              </a:lnSpc>
-              <a:spcBef>
-                <a:spcPts val="499"/>
-              </a:spcBef>
-              <a:buNone/>
-              <a:tabLst>
-                <a:tab algn="l" pos="0"/>
-              </a:tabLst>
-            </a:pPr>
-            <a:r>
-              <a:rPr b="0" lang="en-GB" sz="2400" strike="noStrike" u="none">
-                <a:solidFill>
-                  <a:schemeClr val="lt2">
-                    <a:lumMod val="10000"/>
-                  </a:schemeClr>
-                </a:solidFill>
-                <a:uFillTx/>
-                <a:latin typeface="Arial"/>
-                <a:hlinkClick r:id="rId1"/>
-              </a:rPr>
-              <a:t>https://app.slack.com/client/T02N0SD19/C01ECL65JJ0</a:t>
-            </a:r>
-            <a:r>
-              <a:rPr b="0" lang="en-GB" sz="2400" strike="noStrike" u="none">
-                <a:solidFill>
-                  <a:schemeClr val="lt2">
-                    <a:lumMod val="10000"/>
-                  </a:schemeClr>
-                </a:solidFill>
-                <a:uFillTx/>
-                <a:latin typeface="Arial"/>
-              </a:rPr>
-              <a:t> </a:t>
-            </a:r>
-            <a:endParaRPr b="0" lang="en-US" sz="2400" strike="noStrike" u="none">
-              <a:solidFill>
-                <a:srgbClr val="000000"/>
-              </a:solidFill>
-              <a:uFillTx/>
-              <a:latin typeface="Arial"/>
-            </a:endParaRPr>
-          </a:p>
-          <a:p>
-            <a:pPr marL="457200" indent="0" defTabSz="914400">
+            <a:pPr indent="0" defTabSz="914400">
               <a:lnSpc>
                 <a:spcPct val="90000"/>
               </a:lnSpc>
@@ -6567,16 +6645,150 @@
                 <a:tab algn="l" pos="0"/>
               </a:tabLst>
             </a:pPr>
+            <a:r>
+              <a:rPr b="0" lang="en-SE" sz="2400" strike="noStrike" u="none">
+                <a:solidFill>
+                  <a:schemeClr val="lt2">
+                    <a:lumMod val="10000"/>
+                  </a:schemeClr>
+                </a:solidFill>
+                <a:effectLst/>
+                <a:uFillTx/>
+                <a:latin typeface="Arial"/>
+              </a:rPr>
+              <a:t>Those that attend the full workshop will get a certificate.</a:t>
+            </a:r>
             <a:endParaRPr b="0" lang="en-US" sz="2400" strike="noStrike" u="none">
               <a:solidFill>
                 <a:srgbClr val="000000"/>
               </a:solidFill>
+              <a:effectLst/>
               <a:uFillTx/>
               <a:latin typeface="Arial"/>
             </a:endParaRPr>
           </a:p>
           <a:p>
-            <a:pPr marL="457200" indent="0" defTabSz="914400">
+            <a:pPr lvl="1" marL="432000" indent="-216000" defTabSz="914400">
+              <a:lnSpc>
+                <a:spcPct val="90000"/>
+              </a:lnSpc>
+              <a:spcBef>
+                <a:spcPts val="1134"/>
+              </a:spcBef>
+              <a:buClr>
+                <a:srgbClr val="000000"/>
+              </a:buClr>
+              <a:buSzPct val="45000"/>
+              <a:buFont typeface="Wingdings" charset="2"/>
+              <a:buChar char=""/>
+              <a:tabLst>
+                <a:tab algn="l" pos="0"/>
+              </a:tabLst>
+            </a:pPr>
+            <a:r>
+              <a:rPr b="0" lang="en-SE" sz="2400" strike="noStrike" u="none">
+                <a:solidFill>
+                  <a:schemeClr val="lt2">
+                    <a:lumMod val="10000"/>
+                  </a:schemeClr>
+                </a:solidFill>
+                <a:effectLst/>
+                <a:uFillTx/>
+                <a:latin typeface="Arial"/>
+              </a:rPr>
+              <a:t>Attendence at all lectures and labs</a:t>
+            </a:r>
+            <a:endParaRPr b="0" lang="en-US" sz="2400" strike="noStrike" u="none">
+              <a:solidFill>
+                <a:srgbClr val="000000"/>
+              </a:solidFill>
+              <a:effectLst/>
+              <a:uFillTx/>
+              <a:latin typeface="Arial"/>
+            </a:endParaRPr>
+          </a:p>
+          <a:p>
+            <a:pPr lvl="1" marL="432000" indent="-216000" defTabSz="914400">
+              <a:lnSpc>
+                <a:spcPct val="90000"/>
+              </a:lnSpc>
+              <a:spcBef>
+                <a:spcPts val="1134"/>
+              </a:spcBef>
+              <a:buClr>
+                <a:srgbClr val="000000"/>
+              </a:buClr>
+              <a:buSzPct val="45000"/>
+              <a:buFont typeface="Wingdings" charset="2"/>
+              <a:buChar char=""/>
+              <a:tabLst>
+                <a:tab algn="l" pos="0"/>
+              </a:tabLst>
+            </a:pPr>
+            <a:r>
+              <a:rPr b="0" lang="en-SE" sz="2400" strike="noStrike" u="none">
+                <a:solidFill>
+                  <a:schemeClr val="lt2">
+                    <a:lumMod val="10000"/>
+                  </a:schemeClr>
+                </a:solidFill>
+                <a:effectLst/>
+                <a:uFillTx/>
+                <a:latin typeface="Arial"/>
+              </a:rPr>
+              <a:t>Labs done to the basic level</a:t>
+            </a:r>
+            <a:endParaRPr b="0" lang="en-US" sz="2400" strike="noStrike" u="none">
+              <a:solidFill>
+                <a:srgbClr val="000000"/>
+              </a:solidFill>
+              <a:effectLst/>
+              <a:uFillTx/>
+              <a:latin typeface="Arial"/>
+            </a:endParaRPr>
+          </a:p>
+          <a:p>
+            <a:pPr lvl="1" marL="432000" indent="-216000" defTabSz="914400">
+              <a:lnSpc>
+                <a:spcPct val="90000"/>
+              </a:lnSpc>
+              <a:spcBef>
+                <a:spcPts val="1134"/>
+              </a:spcBef>
+              <a:buClr>
+                <a:srgbClr val="000000"/>
+              </a:buClr>
+              <a:buSzPct val="45000"/>
+              <a:buFont typeface="Wingdings" charset="2"/>
+              <a:buChar char=""/>
+              <a:tabLst>
+                <a:tab algn="l" pos="0"/>
+              </a:tabLst>
+            </a:pPr>
+            <a:r>
+              <a:rPr b="0" lang="en-SE" sz="2400" strike="noStrike" u="none">
+                <a:solidFill>
+                  <a:schemeClr val="lt2">
+                    <a:lumMod val="10000"/>
+                  </a:schemeClr>
+                </a:solidFill>
+                <a:effectLst/>
+                <a:uFillTx/>
+                <a:latin typeface="Arial"/>
+              </a:rPr>
+              <a:t>Let us know if you need to miss a session</a:t>
+            </a:r>
+            <a:endParaRPr b="0" lang="en-US" sz="2400" strike="noStrike" u="none">
+              <a:solidFill>
+                <a:srgbClr val="000000"/>
+              </a:solidFill>
+              <a:effectLst/>
+              <a:uFillTx/>
+              <a:latin typeface="Arial"/>
+            </a:endParaRPr>
+          </a:p>
+          <a:p>
+            <a:pPr indent="0" defTabSz="914400">
               <a:lnSpc>
                 <a:spcPct val="90000"/>
               </a:lnSpc>
@@ -6592,12 +6804,13 @@
               <a:solidFill>
                 <a:srgbClr val="000000"/>
               </a:solidFill>
+              <a:effectLst/>
               <a:uFillTx/>
               <a:latin typeface="Arial"/>
             </a:endParaRPr>
           </a:p>
           <a:p>
-            <a:pPr marL="457200" indent="0" defTabSz="914400">
+            <a:pPr indent="0" defTabSz="914400">
               <a:lnSpc>
                 <a:spcPct val="90000"/>
               </a:lnSpc>
@@ -6609,16 +6822,30 @@
                 <a:tab algn="l" pos="0"/>
               </a:tabLst>
             </a:pPr>
+            <a:r>
+              <a:rPr b="0" lang="en-SE" sz="2400" strike="noStrike" u="none">
+                <a:solidFill>
+                  <a:schemeClr val="lt2">
+                    <a:lumMod val="10000"/>
+                  </a:schemeClr>
+                </a:solidFill>
+                <a:effectLst/>
+                <a:uFillTx/>
+                <a:latin typeface="Arial"/>
+              </a:rPr>
+              <a:t>The certificate will not state number of credits. It will say that this was a full week workshop and what topics were covered.</a:t>
+            </a:r>
             <a:endParaRPr b="0" lang="en-US" sz="2400" strike="noStrike" u="none">
               <a:solidFill>
                 <a:srgbClr val="000000"/>
               </a:solidFill>
+              <a:effectLst/>
               <a:uFillTx/>
               <a:latin typeface="Arial"/>
             </a:endParaRPr>
           </a:p>
           <a:p>
-            <a:pPr marL="457200" indent="0" defTabSz="914400">
+            <a:pPr indent="0" defTabSz="914400">
               <a:lnSpc>
                 <a:spcPct val="90000"/>
               </a:lnSpc>
@@ -6634,12 +6861,13 @@
               <a:solidFill>
                 <a:srgbClr val="000000"/>
               </a:solidFill>
+              <a:effectLst/>
               <a:uFillTx/>
               <a:latin typeface="Arial"/>
             </a:endParaRPr>
           </a:p>
           <a:p>
-            <a:pPr marL="457200" indent="0" defTabSz="914400">
+            <a:pPr indent="0" defTabSz="914400">
               <a:lnSpc>
                 <a:spcPct val="90000"/>
               </a:lnSpc>
@@ -6651,10 +6879,24 @@
                 <a:tab algn="l" pos="0"/>
               </a:tabLst>
             </a:pPr>
+            <a:r>
+              <a:rPr b="0" lang="en-SE" sz="2400" strike="noStrike" u="none">
+                <a:solidFill>
+                  <a:schemeClr val="lt2">
+                    <a:lumMod val="10000"/>
+                  </a:schemeClr>
+                </a:solidFill>
+                <a:effectLst/>
+                <a:uFillTx/>
+                <a:latin typeface="Arial"/>
+              </a:rPr>
+              <a:t>We will mark your attendance during the workshop</a:t>
+            </a:r>
             <a:endParaRPr b="0" lang="en-US" sz="2400" strike="noStrike" u="none">
               <a:solidFill>
                 <a:srgbClr val="000000"/>
               </a:solidFill>
+              <a:effectLst/>
               <a:uFillTx/>
               <a:latin typeface="Arial"/>
             </a:endParaRPr>
@@ -6663,7 +6905,7 @@
       </p:sp>
       <p:sp>
         <p:nvSpPr>
-          <p:cNvPr id="87" name="PlaceHolder 2"/>
+          <p:cNvPr id="93" name="PlaceHolder 2"/>
           <p:cNvSpPr>
             <a:spLocks noGrp="1"/>
           </p:cNvSpPr>
@@ -6674,7 +6916,7 @@
         <p:spPr>
           <a:xfrm>
             <a:off x="431280" y="321480"/>
-            <a:ext cx="11328480" cy="544680"/>
+            <a:ext cx="11328120" cy="544320"/>
           </a:xfrm>
           <a:prstGeom prst="rect">
             <a:avLst/>
@@ -6699,21 +6941,23 @@
               </a:tabLst>
             </a:pPr>
             <a:r>
-              <a:rPr b="1" lang="en-GB" sz="4000" strike="noStrike" u="none">
+              <a:rPr b="1" lang="en-SE" sz="4000" strike="noStrike" u="none">
                 <a:solidFill>
                   <a:schemeClr val="lt2">
                     <a:lumMod val="10000"/>
                   </a:schemeClr>
                 </a:solidFill>
+                <a:effectLst/>
                 <a:uFillTx/>
                 <a:latin typeface="Arial"/>
               </a:rPr>
-              <a:t>Labs</a:t>
+              <a:t>Attendence and certificate</a:t>
             </a:r>
             <a:endParaRPr b="0" lang="en-US" sz="4000" strike="noStrike" u="none">
               <a:solidFill>
                 <a:srgbClr val="000000"/>
               </a:solidFill>
+              <a:effectLst/>
               <a:uFillTx/>
               <a:latin typeface="Arial"/>
             </a:endParaRPr>
@@ -6752,380 +6996,7 @@
       </p:grpSpPr>
       <p:sp>
         <p:nvSpPr>
-          <p:cNvPr id="88" name="PlaceHolder 1"/>
-          <p:cNvSpPr>
-            <a:spLocks noGrp="1"/>
-          </p:cNvSpPr>
-          <p:nvPr>
-            <p:ph/>
-          </p:nvPr>
-        </p:nvSpPr>
-        <p:spPr>
-          <a:xfrm>
-            <a:off x="431280" y="1068120"/>
-            <a:ext cx="11328480" cy="5101560"/>
-          </a:xfrm>
-          <a:prstGeom prst="rect">
-            <a:avLst/>
-          </a:prstGeom>
-          <a:noFill/>
-          <a:ln w="0">
-            <a:noFill/>
-          </a:ln>
-        </p:spPr>
-        <p:txBody>
-          <a:bodyPr lIns="91440" rIns="91440" tIns="45720" bIns="45720" anchor="t">
-            <a:normAutofit/>
-          </a:bodyPr>
-          <a:p>
-            <a:pPr indent="0" defTabSz="914400">
-              <a:lnSpc>
-                <a:spcPct val="90000"/>
-              </a:lnSpc>
-              <a:spcBef>
-                <a:spcPts val="1001"/>
-              </a:spcBef>
-              <a:buNone/>
-              <a:tabLst>
-                <a:tab algn="l" pos="0"/>
-              </a:tabLst>
-            </a:pPr>
-            <a:r>
-              <a:rPr b="0" lang="en-SE" sz="2400" strike="noStrike" u="none">
-                <a:solidFill>
-                  <a:schemeClr val="lt2">
-                    <a:lumMod val="10000"/>
-                  </a:schemeClr>
-                </a:solidFill>
-                <a:uFillTx/>
-                <a:latin typeface="Arial"/>
-              </a:rPr>
-              <a:t>Those that attend the full workshop* will get a certificate.</a:t>
-            </a:r>
-            <a:endParaRPr b="0" lang="en-US" sz="2400" strike="noStrike" u="none">
-              <a:solidFill>
-                <a:srgbClr val="000000"/>
-              </a:solidFill>
-              <a:uFillTx/>
-              <a:latin typeface="Arial"/>
-            </a:endParaRPr>
-          </a:p>
-          <a:p>
-            <a:pPr lvl="1" marL="432000" indent="-216000" defTabSz="914400">
-              <a:lnSpc>
-                <a:spcPct val="90000"/>
-              </a:lnSpc>
-              <a:spcBef>
-                <a:spcPts val="1134"/>
-              </a:spcBef>
-              <a:buClr>
-                <a:srgbClr val="000000"/>
-              </a:buClr>
-              <a:buSzPct val="45000"/>
-              <a:buFont typeface="Wingdings" charset="2"/>
-              <a:buChar char=""/>
-              <a:tabLst>
-                <a:tab algn="l" pos="0"/>
-              </a:tabLst>
-            </a:pPr>
-            <a:r>
-              <a:rPr b="0" lang="en-SE" sz="2400" strike="noStrike" u="none">
-                <a:solidFill>
-                  <a:schemeClr val="lt2">
-                    <a:lumMod val="10000"/>
-                  </a:schemeClr>
-                </a:solidFill>
-                <a:uFillTx/>
-                <a:latin typeface="Arial"/>
-              </a:rPr>
-              <a:t>Attendence at all lectures and labs</a:t>
-            </a:r>
-            <a:endParaRPr b="0" lang="en-US" sz="2400" strike="noStrike" u="none">
-              <a:solidFill>
-                <a:srgbClr val="000000"/>
-              </a:solidFill>
-              <a:uFillTx/>
-              <a:latin typeface="Arial"/>
-            </a:endParaRPr>
-          </a:p>
-          <a:p>
-            <a:pPr lvl="1" marL="432000" indent="-216000" defTabSz="914400">
-              <a:lnSpc>
-                <a:spcPct val="90000"/>
-              </a:lnSpc>
-              <a:spcBef>
-                <a:spcPts val="1134"/>
-              </a:spcBef>
-              <a:buClr>
-                <a:srgbClr val="000000"/>
-              </a:buClr>
-              <a:buSzPct val="45000"/>
-              <a:buFont typeface="Wingdings" charset="2"/>
-              <a:buChar char=""/>
-              <a:tabLst>
-                <a:tab algn="l" pos="0"/>
-              </a:tabLst>
-            </a:pPr>
-            <a:r>
-              <a:rPr b="0" lang="en-SE" sz="2400" strike="noStrike" u="none">
-                <a:solidFill>
-                  <a:schemeClr val="lt2">
-                    <a:lumMod val="10000"/>
-                  </a:schemeClr>
-                </a:solidFill>
-                <a:uFillTx/>
-                <a:latin typeface="Arial"/>
-              </a:rPr>
-              <a:t>Labs done to the basic level</a:t>
-            </a:r>
-            <a:endParaRPr b="0" lang="en-US" sz="2400" strike="noStrike" u="none">
-              <a:solidFill>
-                <a:srgbClr val="000000"/>
-              </a:solidFill>
-              <a:uFillTx/>
-              <a:latin typeface="Arial"/>
-            </a:endParaRPr>
-          </a:p>
-          <a:p>
-            <a:pPr lvl="1" marL="432000" indent="-216000" defTabSz="914400">
-              <a:lnSpc>
-                <a:spcPct val="90000"/>
-              </a:lnSpc>
-              <a:spcBef>
-                <a:spcPts val="1134"/>
-              </a:spcBef>
-              <a:buClr>
-                <a:srgbClr val="000000"/>
-              </a:buClr>
-              <a:buSzPct val="45000"/>
-              <a:buFont typeface="Wingdings" charset="2"/>
-              <a:buChar char=""/>
-              <a:tabLst>
-                <a:tab algn="l" pos="0"/>
-              </a:tabLst>
-            </a:pPr>
-            <a:r>
-              <a:rPr b="0" lang="en-SE" sz="2400" strike="noStrike" u="none">
-                <a:solidFill>
-                  <a:schemeClr val="lt2">
-                    <a:lumMod val="10000"/>
-                  </a:schemeClr>
-                </a:solidFill>
-                <a:uFillTx/>
-                <a:latin typeface="Arial"/>
-              </a:rPr>
-              <a:t>Let us know if you need to miss a session</a:t>
-            </a:r>
-            <a:endParaRPr b="0" lang="en-US" sz="2400" strike="noStrike" u="none">
-              <a:solidFill>
-                <a:srgbClr val="000000"/>
-              </a:solidFill>
-              <a:uFillTx/>
-              <a:latin typeface="Arial"/>
-            </a:endParaRPr>
-          </a:p>
-          <a:p>
-            <a:pPr indent="0" defTabSz="914400">
-              <a:lnSpc>
-                <a:spcPct val="90000"/>
-              </a:lnSpc>
-              <a:spcBef>
-                <a:spcPts val="1001"/>
-              </a:spcBef>
-              <a:buNone/>
-              <a:tabLst>
-                <a:tab algn="l" pos="0"/>
-              </a:tabLst>
-            </a:pPr>
-            <a:endParaRPr b="0" lang="en-US" sz="2400" strike="noStrike" u="none">
-              <a:solidFill>
-                <a:srgbClr val="000000"/>
-              </a:solidFill>
-              <a:uFillTx/>
-              <a:latin typeface="Arial"/>
-            </a:endParaRPr>
-          </a:p>
-          <a:p>
-            <a:pPr indent="0" defTabSz="914400">
-              <a:lnSpc>
-                <a:spcPct val="90000"/>
-              </a:lnSpc>
-              <a:spcBef>
-                <a:spcPts val="1001"/>
-              </a:spcBef>
-              <a:buNone/>
-              <a:tabLst>
-                <a:tab algn="l" pos="0"/>
-              </a:tabLst>
-            </a:pPr>
-            <a:r>
-              <a:rPr b="0" lang="en-SE" sz="2400" strike="noStrike" u="none">
-                <a:solidFill>
-                  <a:schemeClr val="lt2">
-                    <a:lumMod val="10000"/>
-                  </a:schemeClr>
-                </a:solidFill>
-                <a:uFillTx/>
-                <a:latin typeface="Arial"/>
-              </a:rPr>
-              <a:t>The certificate will not state number of credits. It will say that this was a full weeks workshop and what topics were covered.</a:t>
-            </a:r>
-            <a:endParaRPr b="0" lang="en-US" sz="2400" strike="noStrike" u="none">
-              <a:solidFill>
-                <a:srgbClr val="000000"/>
-              </a:solidFill>
-              <a:uFillTx/>
-              <a:latin typeface="Arial"/>
-            </a:endParaRPr>
-          </a:p>
-          <a:p>
-            <a:pPr indent="0" defTabSz="914400">
-              <a:lnSpc>
-                <a:spcPct val="90000"/>
-              </a:lnSpc>
-              <a:spcBef>
-                <a:spcPts val="1001"/>
-              </a:spcBef>
-              <a:buNone/>
-              <a:tabLst>
-                <a:tab algn="l" pos="0"/>
-              </a:tabLst>
-            </a:pPr>
-            <a:endParaRPr b="0" lang="en-US" sz="2400" strike="noStrike" u="none">
-              <a:solidFill>
-                <a:srgbClr val="000000"/>
-              </a:solidFill>
-              <a:uFillTx/>
-              <a:latin typeface="Arial"/>
-            </a:endParaRPr>
-          </a:p>
-          <a:p>
-            <a:pPr indent="0" defTabSz="914400">
-              <a:lnSpc>
-                <a:spcPct val="90000"/>
-              </a:lnSpc>
-              <a:spcBef>
-                <a:spcPts val="1001"/>
-              </a:spcBef>
-              <a:buNone/>
-              <a:tabLst>
-                <a:tab algn="l" pos="0"/>
-              </a:tabLst>
-            </a:pPr>
-            <a:r>
-              <a:rPr b="0" lang="en-SE" sz="2400" strike="noStrike" u="none">
-                <a:solidFill>
-                  <a:schemeClr val="lt2">
-                    <a:lumMod val="10000"/>
-                  </a:schemeClr>
-                </a:solidFill>
-                <a:uFillTx/>
-                <a:latin typeface="Arial"/>
-              </a:rPr>
-              <a:t>We will mark your attendance during the workshop</a:t>
-            </a:r>
-            <a:endParaRPr b="0" lang="en-US" sz="2400" strike="noStrike" u="none">
-              <a:solidFill>
-                <a:srgbClr val="000000"/>
-              </a:solidFill>
-              <a:uFillTx/>
-              <a:latin typeface="Arial"/>
-            </a:endParaRPr>
-          </a:p>
-        </p:txBody>
-      </p:sp>
-      <p:sp>
-        <p:nvSpPr>
-          <p:cNvPr id="89" name="PlaceHolder 2"/>
-          <p:cNvSpPr>
-            <a:spLocks noGrp="1"/>
-          </p:cNvSpPr>
-          <p:nvPr>
-            <p:ph type="title"/>
-          </p:nvPr>
-        </p:nvSpPr>
-        <p:spPr>
-          <a:xfrm>
-            <a:off x="431280" y="321480"/>
-            <a:ext cx="11328480" cy="544680"/>
-          </a:xfrm>
-          <a:prstGeom prst="rect">
-            <a:avLst/>
-          </a:prstGeom>
-          <a:noFill/>
-          <a:ln w="0">
-            <a:noFill/>
-          </a:ln>
-        </p:spPr>
-        <p:txBody>
-          <a:bodyPr lIns="91440" rIns="91440" tIns="45720" bIns="46800" anchor="ctr">
-            <a:normAutofit fontScale="92500" lnSpcReduction="19999"/>
-          </a:bodyPr>
-          <a:p>
-            <a:pPr indent="0" algn="ctr" defTabSz="914400">
-              <a:lnSpc>
-                <a:spcPct val="90000"/>
-              </a:lnSpc>
-              <a:buNone/>
-              <a:tabLst>
-                <a:tab algn="l" pos="0"/>
-              </a:tabLst>
-            </a:pPr>
-            <a:r>
-              <a:rPr b="1" lang="en-SE" sz="4000" strike="noStrike" u="none">
-                <a:solidFill>
-                  <a:schemeClr val="lt2">
-                    <a:lumMod val="10000"/>
-                  </a:schemeClr>
-                </a:solidFill>
-                <a:uFillTx/>
-                <a:latin typeface="Arial"/>
-              </a:rPr>
-              <a:t>Attendence and certificate</a:t>
-            </a:r>
-            <a:endParaRPr b="0" lang="en-US" sz="4000" strike="noStrike" u="none">
-              <a:solidFill>
-                <a:srgbClr val="000000"/>
-              </a:solidFill>
-              <a:uFillTx/>
-              <a:latin typeface="Arial"/>
-            </a:endParaRPr>
-          </a:p>
-        </p:txBody>
-      </p:sp>
-    </p:spTree>
-  </p:cSld>
-  <mc:AlternateContent>
-    <mc:Choice Requires="p14">
-      <p:transition spd="slow" p14:dur="2000"/>
-    </mc:Choice>
-    <mc:Fallback>
-      <p:transition spd="slow"/>
-    </mc:Fallback>
-  </mc:AlternateContent>
-</p:sld>
-</file>
-
-<file path=ppt/slides/slide9.xml><?xml version="1.0" encoding="utf-8"?>
-<p:sld xmlns:a="http://schemas.openxmlformats.org/drawingml/2006/main" xmlns:p="http://schemas.openxmlformats.org/presentationml/2006/main" xmlns:r="http://schemas.openxmlformats.org/officeDocument/2006/relationships" xmlns:p14="http://schemas.microsoft.com/office/powerpoint/2010/main" xmlns:p15="http://schemas.microsoft.com/office/powerpoint/2012/main" xmlns:mc="http://schemas.openxmlformats.org/markup-compatibility/2006">
-  <p:cSld>
-    <p:spTree>
-      <p:nvGrpSpPr>
-        <p:cNvPr id="1" name=""/>
-        <p:cNvGrpSpPr/>
-        <p:nvPr/>
-      </p:nvGrpSpPr>
-      <p:grpSpPr>
-        <a:xfrm>
-          <a:off x="0" y="0"/>
-          <a:ext cx="0" cy="0"/>
-          <a:chOff x="0" y="0"/>
-          <a:chExt cx="0" cy="0"/>
-        </a:xfrm>
-      </p:grpSpPr>
-      <p:sp>
-        <p:nvSpPr>
-          <p:cNvPr id="90" name="PlaceHolder 1"/>
+          <p:cNvPr id="94" name="PlaceHolder 1"/>
           <p:cNvSpPr>
             <a:spLocks noGrp="1"/>
           </p:cNvSpPr>
@@ -7136,7 +7007,7 @@
         <p:spPr>
           <a:xfrm>
             <a:off x="1523880" y="1600200"/>
-            <a:ext cx="9142920" cy="1908720"/>
+            <a:ext cx="9142560" cy="1908360"/>
           </a:xfrm>
           <a:prstGeom prst="rect">
             <a:avLst/>
@@ -7167,6 +7038,7 @@
                     <a:lumMod val="10000"/>
                   </a:schemeClr>
                 </a:solidFill>
+                <a:effectLst/>
                 <a:uFillTx/>
                 <a:latin typeface="Arial"/>
               </a:rPr>
@@ -7176,6 +7048,7 @@
               <a:solidFill>
                 <a:srgbClr val="000000"/>
               </a:solidFill>
+              <a:effectLst/>
               <a:uFillTx/>
               <a:latin typeface="Arial"/>
             </a:endParaRPr>
@@ -7184,7 +7057,7 @@
       </p:sp>
       <p:sp>
         <p:nvSpPr>
-          <p:cNvPr id="91" name="PlaceHolder 2"/>
+          <p:cNvPr id="95" name="PlaceHolder 2"/>
           <p:cNvSpPr>
             <a:spLocks noGrp="1"/>
           </p:cNvSpPr>
@@ -7195,7 +7068,7 @@
         <p:spPr>
           <a:xfrm>
             <a:off x="1523880" y="3602160"/>
-            <a:ext cx="9142920" cy="1654560"/>
+            <a:ext cx="9142560" cy="1654200"/>
           </a:xfrm>
           <a:prstGeom prst="rect">
             <a:avLst/>
@@ -7229,6 +7102,7 @@
                     <a:lumMod val="50000"/>
                   </a:schemeClr>
                 </a:solidFill>
+                <a:effectLst/>
                 <a:uFillTx/>
                 <a:latin typeface="Arial"/>
               </a:rPr>
@@ -7238,6 +7112,7 @@
               <a:solidFill>
                 <a:srgbClr val="000000"/>
               </a:solidFill>
+              <a:effectLst/>
               <a:uFillTx/>
               <a:latin typeface="Arial"/>
             </a:endParaRPr>
@@ -7945,7 +7820,7 @@
 </a:theme>
 </file>
 
-<file path=ppt/theme/theme5.xml><?xml version="1.0" encoding="utf-8"?>
+<file path=ppt/theme/theme6.xml><?xml version="1.0" encoding="utf-8"?>
 <a:theme xmlns:a="http://schemas.openxmlformats.org/drawingml/2006/main" xmlns:r="http://schemas.openxmlformats.org/officeDocument/2006/relationships" name="Office Theme">
   <a:themeElements>
     <a:clrScheme name="LibreOffice">
